--- a/ParJanineDSC530-T303Week12_YelpDataset.pptx
+++ b/ParJanineDSC530-T303Week12_YelpDataset.pptx
@@ -5,21 +5,22 @@
     <p:sldMasterId id="2147483660" r:id="rId4"/>
   </p:sldMasterIdLst>
   <p:notesMasterIdLst>
-    <p:notesMasterId r:id="rId17"/>
+    <p:notesMasterId r:id="rId18"/>
   </p:notesMasterIdLst>
   <p:sldIdLst>
     <p:sldId id="266" r:id="rId5"/>
-    <p:sldId id="325" r:id="rId6"/>
-    <p:sldId id="336" r:id="rId7"/>
-    <p:sldId id="334" r:id="rId8"/>
-    <p:sldId id="337" r:id="rId9"/>
-    <p:sldId id="339" r:id="rId10"/>
-    <p:sldId id="340" r:id="rId11"/>
-    <p:sldId id="338" r:id="rId12"/>
-    <p:sldId id="341" r:id="rId13"/>
-    <p:sldId id="342" r:id="rId14"/>
-    <p:sldId id="332" r:id="rId15"/>
-    <p:sldId id="335" r:id="rId16"/>
+    <p:sldId id="334" r:id="rId6"/>
+    <p:sldId id="345" r:id="rId7"/>
+    <p:sldId id="325" r:id="rId8"/>
+    <p:sldId id="336" r:id="rId9"/>
+    <p:sldId id="337" r:id="rId10"/>
+    <p:sldId id="339" r:id="rId11"/>
+    <p:sldId id="340" r:id="rId12"/>
+    <p:sldId id="338" r:id="rId13"/>
+    <p:sldId id="341" r:id="rId14"/>
+    <p:sldId id="342" r:id="rId15"/>
+    <p:sldId id="332" r:id="rId16"/>
+    <p:sldId id="335" r:id="rId17"/>
   </p:sldIdLst>
   <p:sldSz cx="12192000" cy="6858000"/>
   <p:notesSz cx="6858000" cy="9144000"/>
@@ -129,7 +130,7 @@
 <file path=ppt/revisionInfo.xml><?xml version="1.0" encoding="utf-8"?>
 <p1510:revInfo xmlns:a="http://schemas.openxmlformats.org/drawingml/2006/main" xmlns:r="http://schemas.openxmlformats.org/officeDocument/2006/relationships" xmlns:p1510="http://schemas.microsoft.com/office/powerpoint/2015/10/main">
   <p1510:revLst>
-    <p1510:client id="{106C33DE-0B7F-4EEA-BA27-D8D3BC910825}" v="14" dt="2023-03-02T04:45:03.526"/>
+    <p1510:client id="{106C33DE-0B7F-4EEA-BA27-D8D3BC910825}" v="22" dt="2023-03-02T06:01:50.613"/>
   </p1510:revLst>
 </p1510:revInfo>
 </file>
@@ -139,7 +140,7 @@
   <pc:docChgLst>
     <pc:chgData name="Janine Par" userId="554bec0ce29a50bd" providerId="LiveId" clId="{106C33DE-0B7F-4EEA-BA27-D8D3BC910825}"/>
     <pc:docChg chg="undo custSel addSld delSld modSld sldOrd">
-      <pc:chgData name="Janine Par" userId="554bec0ce29a50bd" providerId="LiveId" clId="{106C33DE-0B7F-4EEA-BA27-D8D3BC910825}" dt="2023-03-02T04:45:31.508" v="373" actId="47"/>
+      <pc:chgData name="Janine Par" userId="554bec0ce29a50bd" providerId="LiveId" clId="{106C33DE-0B7F-4EEA-BA27-D8D3BC910825}" dt="2023-03-02T06:16:14.024" v="2375" actId="478"/>
       <pc:docMkLst>
         <pc:docMk/>
       </pc:docMkLst>
@@ -165,20 +166,172 @@
           <pc:sldMk cId="69910948" sldId="324"/>
         </pc:sldMkLst>
       </pc:sldChg>
-      <pc:sldChg chg="modSp mod ord">
-        <pc:chgData name="Janine Par" userId="554bec0ce29a50bd" providerId="LiveId" clId="{106C33DE-0B7F-4EEA-BA27-D8D3BC910825}" dt="2023-03-02T04:41:43.264" v="110" actId="20577"/>
+      <pc:sldChg chg="addSp delSp modSp mod ord">
+        <pc:chgData name="Janine Par" userId="554bec0ce29a50bd" providerId="LiveId" clId="{106C33DE-0B7F-4EEA-BA27-D8D3BC910825}" dt="2023-03-02T06:16:14.024" v="2375" actId="478"/>
         <pc:sldMkLst>
           <pc:docMk/>
           <pc:sldMk cId="3487369945" sldId="325"/>
         </pc:sldMkLst>
         <pc:spChg chg="mod">
-          <ac:chgData name="Janine Par" userId="554bec0ce29a50bd" providerId="LiveId" clId="{106C33DE-0B7F-4EEA-BA27-D8D3BC910825}" dt="2023-03-02T04:41:43.264" v="110" actId="20577"/>
+          <ac:chgData name="Janine Par" userId="554bec0ce29a50bd" providerId="LiveId" clId="{106C33DE-0B7F-4EEA-BA27-D8D3BC910825}" dt="2023-03-02T06:12:28.777" v="2313" actId="20577"/>
           <ac:spMkLst>
             <pc:docMk/>
             <pc:sldMk cId="3487369945" sldId="325"/>
             <ac:spMk id="3" creationId="{1E798AEA-4657-4AC2-AB1F-40B93469DA1D}"/>
           </ac:spMkLst>
         </pc:spChg>
+        <pc:spChg chg="del">
+          <ac:chgData name="Janine Par" userId="554bec0ce29a50bd" providerId="LiveId" clId="{106C33DE-0B7F-4EEA-BA27-D8D3BC910825}" dt="2023-03-02T06:12:46.955" v="2314" actId="478"/>
+          <ac:spMkLst>
+            <pc:docMk/>
+            <pc:sldMk cId="3487369945" sldId="325"/>
+            <ac:spMk id="4" creationId="{0494F424-6881-47BC-BF59-9F51B0AFEB07}"/>
+          </ac:spMkLst>
+        </pc:spChg>
+        <pc:spChg chg="del">
+          <ac:chgData name="Janine Par" userId="554bec0ce29a50bd" providerId="LiveId" clId="{106C33DE-0B7F-4EEA-BA27-D8D3BC910825}" dt="2023-03-02T06:12:55.546" v="2317" actId="478"/>
+          <ac:spMkLst>
+            <pc:docMk/>
+            <pc:sldMk cId="3487369945" sldId="325"/>
+            <ac:spMk id="30" creationId="{860839E2-437F-4897-AF64-A99806966140}"/>
+          </ac:spMkLst>
+        </pc:spChg>
+        <pc:spChg chg="mod">
+          <ac:chgData name="Janine Par" userId="554bec0ce29a50bd" providerId="LiveId" clId="{106C33DE-0B7F-4EEA-BA27-D8D3BC910825}" dt="2023-03-02T06:14:38.362" v="2355" actId="20577"/>
+          <ac:spMkLst>
+            <pc:docMk/>
+            <pc:sldMk cId="3487369945" sldId="325"/>
+            <ac:spMk id="34" creationId="{5C65E7A6-314E-4449-91B1-59D7CD7887B1}"/>
+          </ac:spMkLst>
+        </pc:spChg>
+        <pc:spChg chg="del">
+          <ac:chgData name="Janine Par" userId="554bec0ce29a50bd" providerId="LiveId" clId="{106C33DE-0B7F-4EEA-BA27-D8D3BC910825}" dt="2023-03-02T06:12:49.931" v="2315" actId="478"/>
+          <ac:spMkLst>
+            <pc:docMk/>
+            <pc:sldMk cId="3487369945" sldId="325"/>
+            <ac:spMk id="35" creationId="{B1EBE2CD-F320-439D-B061-499A06CC028E}"/>
+          </ac:spMkLst>
+        </pc:spChg>
+        <pc:spChg chg="del">
+          <ac:chgData name="Janine Par" userId="554bec0ce29a50bd" providerId="LiveId" clId="{106C33DE-0B7F-4EEA-BA27-D8D3BC910825}" dt="2023-03-02T06:12:46.955" v="2314" actId="478"/>
+          <ac:spMkLst>
+            <pc:docMk/>
+            <pc:sldMk cId="3487369945" sldId="325"/>
+            <ac:spMk id="40" creationId="{BED08445-FE2F-44C8-91FD-4452DA11FAF9}"/>
+          </ac:spMkLst>
+        </pc:spChg>
+        <pc:spChg chg="del">
+          <ac:chgData name="Janine Par" userId="554bec0ce29a50bd" providerId="LiveId" clId="{106C33DE-0B7F-4EEA-BA27-D8D3BC910825}" dt="2023-03-02T06:12:46.955" v="2314" actId="478"/>
+          <ac:spMkLst>
+            <pc:docMk/>
+            <pc:sldMk cId="3487369945" sldId="325"/>
+            <ac:spMk id="41" creationId="{4E08E25B-2416-40FF-8841-740D57625B18}"/>
+          </ac:spMkLst>
+        </pc:spChg>
+        <pc:spChg chg="del">
+          <ac:chgData name="Janine Par" userId="554bec0ce29a50bd" providerId="LiveId" clId="{106C33DE-0B7F-4EEA-BA27-D8D3BC910825}" dt="2023-03-02T06:12:52.042" v="2316" actId="478"/>
+          <ac:spMkLst>
+            <pc:docMk/>
+            <pc:sldMk cId="3487369945" sldId="325"/>
+            <ac:spMk id="53" creationId="{8AAC8122-C154-40D5-B62F-47A9DB5A6BAD}"/>
+          </ac:spMkLst>
+        </pc:spChg>
+        <pc:spChg chg="del">
+          <ac:chgData name="Janine Par" userId="554bec0ce29a50bd" providerId="LiveId" clId="{106C33DE-0B7F-4EEA-BA27-D8D3BC910825}" dt="2023-03-02T06:12:55.546" v="2317" actId="478"/>
+          <ac:spMkLst>
+            <pc:docMk/>
+            <pc:sldMk cId="3487369945" sldId="325"/>
+            <ac:spMk id="58" creationId="{171DBA5A-B998-4F81-866C-B5736AF43CC6}"/>
+          </ac:spMkLst>
+        </pc:spChg>
+        <pc:grpChg chg="del">
+          <ac:chgData name="Janine Par" userId="554bec0ce29a50bd" providerId="LiveId" clId="{106C33DE-0B7F-4EEA-BA27-D8D3BC910825}" dt="2023-03-02T06:12:58.217" v="2318" actId="478"/>
+          <ac:grpSpMkLst>
+            <pc:docMk/>
+            <pc:sldMk cId="3487369945" sldId="325"/>
+            <ac:grpSpMk id="50" creationId="{E9FAE785-9226-47D0-AF82-89494133C761}"/>
+          </ac:grpSpMkLst>
+        </pc:grpChg>
+        <pc:picChg chg="add mod">
+          <ac:chgData name="Janine Par" userId="554bec0ce29a50bd" providerId="LiveId" clId="{106C33DE-0B7F-4EEA-BA27-D8D3BC910825}" dt="2023-03-02T06:15:53.438" v="2373" actId="1076"/>
+          <ac:picMkLst>
+            <pc:docMk/>
+            <pc:sldMk cId="3487369945" sldId="325"/>
+            <ac:picMk id="6" creationId="{7FCA596A-F1D5-12C2-B1F7-F15745AEE6B6}"/>
+          </ac:picMkLst>
+        </pc:picChg>
+        <pc:picChg chg="add del mod">
+          <ac:chgData name="Janine Par" userId="554bec0ce29a50bd" providerId="LiveId" clId="{106C33DE-0B7F-4EEA-BA27-D8D3BC910825}" dt="2023-03-02T06:16:14.024" v="2375" actId="478"/>
+          <ac:picMkLst>
+            <pc:docMk/>
+            <pc:sldMk cId="3487369945" sldId="325"/>
+            <ac:picMk id="8" creationId="{7DBF6417-74B0-B284-6628-127EEFFEB4C1}"/>
+          </ac:picMkLst>
+        </pc:picChg>
+        <pc:picChg chg="add mod">
+          <ac:chgData name="Janine Par" userId="554bec0ce29a50bd" providerId="LiveId" clId="{106C33DE-0B7F-4EEA-BA27-D8D3BC910825}" dt="2023-03-02T06:15:56.214" v="2374" actId="1076"/>
+          <ac:picMkLst>
+            <pc:docMk/>
+            <pc:sldMk cId="3487369945" sldId="325"/>
+            <ac:picMk id="10" creationId="{D2193146-F864-C643-CF50-0508B8D48D7E}"/>
+          </ac:picMkLst>
+        </pc:picChg>
+        <pc:picChg chg="del">
+          <ac:chgData name="Janine Par" userId="554bec0ce29a50bd" providerId="LiveId" clId="{106C33DE-0B7F-4EEA-BA27-D8D3BC910825}" dt="2023-03-02T06:12:46.955" v="2314" actId="478"/>
+          <ac:picMkLst>
+            <pc:docMk/>
+            <pc:sldMk cId="3487369945" sldId="325"/>
+            <ac:picMk id="31" creationId="{FA723BAA-BC8D-4C8D-94AE-23036703FE8C}"/>
+          </ac:picMkLst>
+        </pc:picChg>
+        <pc:picChg chg="del">
+          <ac:chgData name="Janine Par" userId="554bec0ce29a50bd" providerId="LiveId" clId="{106C33DE-0B7F-4EEA-BA27-D8D3BC910825}" dt="2023-03-02T06:12:46.955" v="2314" actId="478"/>
+          <ac:picMkLst>
+            <pc:docMk/>
+            <pc:sldMk cId="3487369945" sldId="325"/>
+            <ac:picMk id="32" creationId="{42BC1A1A-2056-4FB9-B9C7-CF071EB17007}"/>
+          </ac:picMkLst>
+        </pc:picChg>
+        <pc:picChg chg="del">
+          <ac:chgData name="Janine Par" userId="554bec0ce29a50bd" providerId="LiveId" clId="{106C33DE-0B7F-4EEA-BA27-D8D3BC910825}" dt="2023-03-02T06:12:46.955" v="2314" actId="478"/>
+          <ac:picMkLst>
+            <pc:docMk/>
+            <pc:sldMk cId="3487369945" sldId="325"/>
+            <ac:picMk id="33" creationId="{FC4FA48B-6EC7-4798-ACFC-15A9973466A2}"/>
+          </ac:picMkLst>
+        </pc:picChg>
+        <pc:picChg chg="del">
+          <ac:chgData name="Janine Par" userId="554bec0ce29a50bd" providerId="LiveId" clId="{106C33DE-0B7F-4EEA-BA27-D8D3BC910825}" dt="2023-03-02T06:12:46.955" v="2314" actId="478"/>
+          <ac:picMkLst>
+            <pc:docMk/>
+            <pc:sldMk cId="3487369945" sldId="325"/>
+            <ac:picMk id="55" creationId="{475140B3-67FC-449B-9ED1-21250CC38969}"/>
+          </ac:picMkLst>
+        </pc:picChg>
+        <pc:picChg chg="del">
+          <ac:chgData name="Janine Par" userId="554bec0ce29a50bd" providerId="LiveId" clId="{106C33DE-0B7F-4EEA-BA27-D8D3BC910825}" dt="2023-03-02T06:13:02.747" v="2320" actId="478"/>
+          <ac:picMkLst>
+            <pc:docMk/>
+            <pc:sldMk cId="3487369945" sldId="325"/>
+            <ac:picMk id="60" creationId="{DEF00793-7AE2-4332-B896-CE41EC14904A}"/>
+          </ac:picMkLst>
+        </pc:picChg>
+        <pc:cxnChg chg="del">
+          <ac:chgData name="Janine Par" userId="554bec0ce29a50bd" providerId="LiveId" clId="{106C33DE-0B7F-4EEA-BA27-D8D3BC910825}" dt="2023-03-02T06:12:46.955" v="2314" actId="478"/>
+          <ac:cxnSpMkLst>
+            <pc:docMk/>
+            <pc:sldMk cId="3487369945" sldId="325"/>
+            <ac:cxnSpMk id="37" creationId="{2A41B59E-DCD8-430B-976D-6DADFC4B2759}"/>
+          </ac:cxnSpMkLst>
+        </pc:cxnChg>
+        <pc:cxnChg chg="del">
+          <ac:chgData name="Janine Par" userId="554bec0ce29a50bd" providerId="LiveId" clId="{106C33DE-0B7F-4EEA-BA27-D8D3BC910825}" dt="2023-03-02T06:13:00.506" v="2319" actId="478"/>
+          <ac:cxnSpMkLst>
+            <pc:docMk/>
+            <pc:sldMk cId="3487369945" sldId="325"/>
+            <ac:cxnSpMk id="38" creationId="{AE2C70F8-01A8-479E-8ECC-C964C9AC48CA}"/>
+          </ac:cxnSpMkLst>
+        </pc:cxnChg>
       </pc:sldChg>
       <pc:sldChg chg="del">
         <pc:chgData name="Janine Par" userId="554bec0ce29a50bd" providerId="LiveId" clId="{106C33DE-0B7F-4EEA-BA27-D8D3BC910825}" dt="2023-03-02T04:39:17.397" v="5" actId="47"/>
@@ -230,18 +383,121 @@
           <pc:sldMk cId="668296518" sldId="333"/>
         </pc:sldMkLst>
       </pc:sldChg>
-      <pc:sldChg chg="modSp add del mod ord">
-        <pc:chgData name="Janine Par" userId="554bec0ce29a50bd" providerId="LiveId" clId="{106C33DE-0B7F-4EEA-BA27-D8D3BC910825}" dt="2023-03-02T04:42:57.215" v="204" actId="20577"/>
+      <pc:sldChg chg="addSp delSp modSp add del mod ord">
+        <pc:chgData name="Janine Par" userId="554bec0ce29a50bd" providerId="LiveId" clId="{106C33DE-0B7F-4EEA-BA27-D8D3BC910825}" dt="2023-03-02T06:07:37.305" v="1762" actId="20577"/>
         <pc:sldMkLst>
           <pc:docMk/>
           <pc:sldMk cId="1061488422" sldId="334"/>
         </pc:sldMkLst>
         <pc:spChg chg="mod">
-          <ac:chgData name="Janine Par" userId="554bec0ce29a50bd" providerId="LiveId" clId="{106C33DE-0B7F-4EEA-BA27-D8D3BC910825}" dt="2023-03-02T04:42:57.215" v="204" actId="20577"/>
+          <ac:chgData name="Janine Par" userId="554bec0ce29a50bd" providerId="LiveId" clId="{106C33DE-0B7F-4EEA-BA27-D8D3BC910825}" dt="2023-03-02T05:38:37.706" v="399" actId="20577"/>
           <ac:spMkLst>
             <pc:docMk/>
             <pc:sldMk cId="1061488422" sldId="334"/>
             <ac:spMk id="3" creationId="{1E798AEA-4657-4AC2-AB1F-40B93469DA1D}"/>
+          </ac:spMkLst>
+        </pc:spChg>
+        <pc:spChg chg="mod">
+          <ac:chgData name="Janine Par" userId="554bec0ce29a50bd" providerId="LiveId" clId="{106C33DE-0B7F-4EEA-BA27-D8D3BC910825}" dt="2023-03-02T06:07:37.305" v="1762" actId="20577"/>
+          <ac:spMkLst>
+            <pc:docMk/>
+            <pc:sldMk cId="1061488422" sldId="334"/>
+            <ac:spMk id="7" creationId="{BCAB18D2-6C50-4697-ACCB-30E0DF18843C}"/>
+          </ac:spMkLst>
+        </pc:spChg>
+        <pc:spChg chg="del mod">
+          <ac:chgData name="Janine Par" userId="554bec0ce29a50bd" providerId="LiveId" clId="{106C33DE-0B7F-4EEA-BA27-D8D3BC910825}" dt="2023-03-02T05:55:13.818" v="1418" actId="478"/>
+          <ac:spMkLst>
+            <pc:docMk/>
+            <pc:sldMk cId="1061488422" sldId="334"/>
+            <ac:spMk id="14" creationId="{17783C9B-929E-4970-9A69-9A2F2E3AD666}"/>
+          </ac:spMkLst>
+        </pc:spChg>
+        <pc:spChg chg="del mod">
+          <ac:chgData name="Janine Par" userId="554bec0ce29a50bd" providerId="LiveId" clId="{106C33DE-0B7F-4EEA-BA27-D8D3BC910825}" dt="2023-03-02T05:54:29.162" v="1376" actId="478"/>
+          <ac:spMkLst>
+            <pc:docMk/>
+            <pc:sldMk cId="1061488422" sldId="334"/>
+            <ac:spMk id="22" creationId="{72E2189C-B182-4550-BE72-15D67F96DC57}"/>
+          </ac:spMkLst>
+        </pc:spChg>
+        <pc:picChg chg="add del mod">
+          <ac:chgData name="Janine Par" userId="554bec0ce29a50bd" providerId="LiveId" clId="{106C33DE-0B7F-4EEA-BA27-D8D3BC910825}" dt="2023-03-02T05:48:06.684" v="843" actId="478"/>
+          <ac:picMkLst>
+            <pc:docMk/>
+            <pc:sldMk cId="1061488422" sldId="334"/>
+            <ac:picMk id="4" creationId="{476E0050-484E-F6E6-2256-1DF4E6309FA0}"/>
+          </ac:picMkLst>
+        </pc:picChg>
+        <pc:picChg chg="add del">
+          <ac:chgData name="Janine Par" userId="554bec0ce29a50bd" providerId="LiveId" clId="{106C33DE-0B7F-4EEA-BA27-D8D3BC910825}" dt="2023-03-02T05:48:05.114" v="842" actId="22"/>
+          <ac:picMkLst>
+            <pc:docMk/>
+            <pc:sldMk cId="1061488422" sldId="334"/>
+            <ac:picMk id="6" creationId="{3965E3E7-236C-C227-79F5-44D3EA79F1AE}"/>
+          </ac:picMkLst>
+        </pc:picChg>
+        <pc:picChg chg="del">
+          <ac:chgData name="Janine Par" userId="554bec0ce29a50bd" providerId="LiveId" clId="{106C33DE-0B7F-4EEA-BA27-D8D3BC910825}" dt="2023-03-02T05:47:38.125" v="839" actId="478"/>
+          <ac:picMkLst>
+            <pc:docMk/>
+            <pc:sldMk cId="1061488422" sldId="334"/>
+            <ac:picMk id="8" creationId="{C8BE2C0F-9251-48FE-AE61-C86C26A15420}"/>
+          </ac:picMkLst>
+        </pc:picChg>
+        <pc:picChg chg="del">
+          <ac:chgData name="Janine Par" userId="554bec0ce29a50bd" providerId="LiveId" clId="{106C33DE-0B7F-4EEA-BA27-D8D3BC910825}" dt="2023-03-02T05:48:23.918" v="846" actId="478"/>
+          <ac:picMkLst>
+            <pc:docMk/>
+            <pc:sldMk cId="1061488422" sldId="334"/>
+            <ac:picMk id="10" creationId="{8110D858-97C2-422D-A0AF-AE777C140077}"/>
+          </ac:picMkLst>
+        </pc:picChg>
+        <pc:picChg chg="add mod">
+          <ac:chgData name="Janine Par" userId="554bec0ce29a50bd" providerId="LiveId" clId="{106C33DE-0B7F-4EEA-BA27-D8D3BC910825}" dt="2023-03-02T06:01:21.335" v="1517" actId="14100"/>
+          <ac:picMkLst>
+            <pc:docMk/>
+            <pc:sldMk cId="1061488422" sldId="334"/>
+            <ac:picMk id="11" creationId="{8A411E76-0301-BB1C-E897-B16760DC951A}"/>
+          </ac:picMkLst>
+        </pc:picChg>
+        <pc:picChg chg="del">
+          <ac:chgData name="Janine Par" userId="554bec0ce29a50bd" providerId="LiveId" clId="{106C33DE-0B7F-4EEA-BA27-D8D3BC910825}" dt="2023-03-02T05:48:23.918" v="846" actId="478"/>
+          <ac:picMkLst>
+            <pc:docMk/>
+            <pc:sldMk cId="1061488422" sldId="334"/>
+            <ac:picMk id="13" creationId="{C44594B5-56C0-475D-9833-FF6C66F67D8C}"/>
+          </ac:picMkLst>
+        </pc:picChg>
+        <pc:picChg chg="del">
+          <ac:chgData name="Janine Par" userId="554bec0ce29a50bd" providerId="LiveId" clId="{106C33DE-0B7F-4EEA-BA27-D8D3BC910825}" dt="2023-03-02T05:48:23.918" v="846" actId="478"/>
+          <ac:picMkLst>
+            <pc:docMk/>
+            <pc:sldMk cId="1061488422" sldId="334"/>
+            <ac:picMk id="18" creationId="{52B3EDF0-0287-45DA-A26B-371B42E2B758}"/>
+          </ac:picMkLst>
+        </pc:picChg>
+        <pc:picChg chg="del">
+          <ac:chgData name="Janine Par" userId="554bec0ce29a50bd" providerId="LiveId" clId="{106C33DE-0B7F-4EEA-BA27-D8D3BC910825}" dt="2023-03-02T05:48:23.918" v="846" actId="478"/>
+          <ac:picMkLst>
+            <pc:docMk/>
+            <pc:sldMk cId="1061488422" sldId="334"/>
+            <ac:picMk id="26" creationId="{FE460600-5F85-4BA2-886C-A9C983DC5434}"/>
+          </ac:picMkLst>
+        </pc:picChg>
+      </pc:sldChg>
+      <pc:sldChg chg="modSp mod">
+        <pc:chgData name="Janine Par" userId="554bec0ce29a50bd" providerId="LiveId" clId="{106C33DE-0B7F-4EEA-BA27-D8D3BC910825}" dt="2023-03-02T06:05:27.922" v="1582"/>
+        <pc:sldMkLst>
+          <pc:docMk/>
+          <pc:sldMk cId="912172551" sldId="335"/>
+        </pc:sldMkLst>
+        <pc:spChg chg="mod">
+          <ac:chgData name="Janine Par" userId="554bec0ce29a50bd" providerId="LiveId" clId="{106C33DE-0B7F-4EEA-BA27-D8D3BC910825}" dt="2023-03-02T06:05:27.922" v="1582"/>
+          <ac:spMkLst>
+            <pc:docMk/>
+            <pc:sldMk cId="912172551" sldId="335"/>
+            <ac:spMk id="7" creationId="{5B47CE0E-0877-4E98-A00B-E6A582759AE3}"/>
           </ac:spMkLst>
         </pc:spChg>
       </pc:sldChg>
@@ -553,6 +809,73 @@
           <pc:docMk/>
           <pc:sldMk cId="1372879902" sldId="342"/>
         </pc:sldMkLst>
+      </pc:sldChg>
+      <pc:sldChg chg="add del">
+        <pc:chgData name="Janine Par" userId="554bec0ce29a50bd" providerId="LiveId" clId="{106C33DE-0B7F-4EEA-BA27-D8D3BC910825}" dt="2023-03-02T05:38:48.593" v="416"/>
+        <pc:sldMkLst>
+          <pc:docMk/>
+          <pc:sldMk cId="1488758184" sldId="343"/>
+        </pc:sldMkLst>
+      </pc:sldChg>
+      <pc:sldChg chg="add del">
+        <pc:chgData name="Janine Par" userId="554bec0ce29a50bd" providerId="LiveId" clId="{106C33DE-0B7F-4EEA-BA27-D8D3BC910825}" dt="2023-03-02T05:38:41.332" v="401" actId="47"/>
+        <pc:sldMkLst>
+          <pc:docMk/>
+          <pc:sldMk cId="2852375539" sldId="343"/>
+        </pc:sldMkLst>
+      </pc:sldChg>
+      <pc:sldChg chg="add del">
+        <pc:chgData name="Janine Par" userId="554bec0ce29a50bd" providerId="LiveId" clId="{106C33DE-0B7F-4EEA-BA27-D8D3BC910825}" dt="2023-03-02T06:12:05.695" v="2292" actId="47"/>
+        <pc:sldMkLst>
+          <pc:docMk/>
+          <pc:sldMk cId="3451546618" sldId="343"/>
+        </pc:sldMkLst>
+      </pc:sldChg>
+      <pc:sldChg chg="delSp modSp add del mod">
+        <pc:chgData name="Janine Par" userId="554bec0ce29a50bd" providerId="LiveId" clId="{106C33DE-0B7F-4EEA-BA27-D8D3BC910825}" dt="2023-03-02T06:07:46.441" v="1763" actId="47"/>
+        <pc:sldMkLst>
+          <pc:docMk/>
+          <pc:sldMk cId="1195987902" sldId="344"/>
+        </pc:sldMkLst>
+        <pc:spChg chg="mod">
+          <ac:chgData name="Janine Par" userId="554bec0ce29a50bd" providerId="LiveId" clId="{106C33DE-0B7F-4EEA-BA27-D8D3BC910825}" dt="2023-03-02T06:01:43.225" v="1538" actId="20577"/>
+          <ac:spMkLst>
+            <pc:docMk/>
+            <pc:sldMk cId="1195987902" sldId="344"/>
+            <ac:spMk id="7" creationId="{BCAB18D2-6C50-4697-ACCB-30E0DF18843C}"/>
+          </ac:spMkLst>
+        </pc:spChg>
+        <pc:picChg chg="del">
+          <ac:chgData name="Janine Par" userId="554bec0ce29a50bd" providerId="LiveId" clId="{106C33DE-0B7F-4EEA-BA27-D8D3BC910825}" dt="2023-03-02T06:01:33.193" v="1518" actId="478"/>
+          <ac:picMkLst>
+            <pc:docMk/>
+            <pc:sldMk cId="1195987902" sldId="344"/>
+            <ac:picMk id="11" creationId="{8A411E76-0301-BB1C-E897-B16760DC951A}"/>
+          </ac:picMkLst>
+        </pc:picChg>
+      </pc:sldChg>
+      <pc:sldChg chg="modSp add mod">
+        <pc:chgData name="Janine Par" userId="554bec0ce29a50bd" providerId="LiveId" clId="{106C33DE-0B7F-4EEA-BA27-D8D3BC910825}" dt="2023-03-02T06:11:50.472" v="2291" actId="5793"/>
+        <pc:sldMkLst>
+          <pc:docMk/>
+          <pc:sldMk cId="1768601469" sldId="345"/>
+        </pc:sldMkLst>
+        <pc:spChg chg="mod">
+          <ac:chgData name="Janine Par" userId="554bec0ce29a50bd" providerId="LiveId" clId="{106C33DE-0B7F-4EEA-BA27-D8D3BC910825}" dt="2023-03-02T06:01:58.776" v="1551" actId="20577"/>
+          <ac:spMkLst>
+            <pc:docMk/>
+            <pc:sldMk cId="1768601469" sldId="345"/>
+            <ac:spMk id="3" creationId="{1E798AEA-4657-4AC2-AB1F-40B93469DA1D}"/>
+          </ac:spMkLst>
+        </pc:spChg>
+        <pc:spChg chg="mod">
+          <ac:chgData name="Janine Par" userId="554bec0ce29a50bd" providerId="LiveId" clId="{106C33DE-0B7F-4EEA-BA27-D8D3BC910825}" dt="2023-03-02T06:11:50.472" v="2291" actId="5793"/>
+          <ac:spMkLst>
+            <pc:docMk/>
+            <pc:sldMk cId="1768601469" sldId="345"/>
+            <ac:spMk id="6" creationId="{74B9C796-15A8-487E-865A-4C280C0C2CD0}"/>
+          </ac:spMkLst>
+        </pc:spChg>
       </pc:sldChg>
     </pc:docChg>
   </pc:docChgLst>
@@ -5086,7 +5409,7 @@
     </p:spTree>
     <p:extLst>
       <p:ext uri="{BB962C8B-B14F-4D97-AF65-F5344CB8AC3E}">
-        <p14:creationId xmlns:p14="http://schemas.microsoft.com/office/powerpoint/2010/main" val="1372879902"/>
+        <p14:creationId xmlns:p14="http://schemas.microsoft.com/office/powerpoint/2010/main" val="3081733930"/>
       </p:ext>
     </p:extLst>
   </p:cSld>
@@ -5203,17 +5526,17 @@
                   </a:innerShdw>
                 </a:effectLst>
               </a:rPr>
-              <a:t>Regression Analysis</a:t>
+              <a:t>Hypothesis Test</a:t>
             </a:r>
           </a:p>
         </p:txBody>
       </p:sp>
       <p:sp>
         <p:nvSpPr>
-          <p:cNvPr id="6" name="TextBox 5">
-            <a:extLst>
-              <a:ext uri="{FF2B5EF4-FFF2-40B4-BE49-F238E27FC236}">
-                <a16:creationId xmlns:a16="http://schemas.microsoft.com/office/drawing/2014/main" id="{74B9C796-15A8-487E-865A-4C280C0C2CD0}"/>
+          <p:cNvPr id="7" name="TextBox 6">
+            <a:extLst>
+              <a:ext uri="{FF2B5EF4-FFF2-40B4-BE49-F238E27FC236}">
+                <a16:creationId xmlns:a16="http://schemas.microsoft.com/office/drawing/2014/main" id="{BCAB18D2-6C50-4697-ACCB-30E0DF18843C}"/>
               </a:ext>
             </a:extLst>
           </p:cNvPr>
@@ -5222,8 +5545,45 @@
         </p:nvSpPr>
         <p:spPr>
           <a:xfrm>
-            <a:off x="441405" y="1059873"/>
-            <a:ext cx="11309190" cy="4524315"/>
+            <a:off x="441405" y="898590"/>
+            <a:ext cx="11368818" cy="369332"/>
+          </a:xfrm>
+          <a:prstGeom prst="rect">
+            <a:avLst/>
+          </a:prstGeom>
+          <a:noFill/>
+        </p:spPr>
+        <p:txBody>
+          <a:bodyPr wrap="none" rtlCol="0">
+            <a:spAutoFit/>
+          </a:bodyPr>
+          <a:lstStyle/>
+          <a:p>
+            <a:r>
+              <a:rPr lang="en-US" dirty="0">
+                <a:latin typeface="Abadi" panose="020B0604020104020204" pitchFamily="34" charset="0"/>
+              </a:rPr>
+              <a:t>Problems are easier to solve, Work are easily done, People are being connected, Diseases are detected earlier…..</a:t>
+            </a:r>
+          </a:p>
+        </p:txBody>
+      </p:sp>
+      <p:sp>
+        <p:nvSpPr>
+          <p:cNvPr id="22" name="TextBox 21">
+            <a:extLst>
+              <a:ext uri="{FF2B5EF4-FFF2-40B4-BE49-F238E27FC236}">
+                <a16:creationId xmlns:a16="http://schemas.microsoft.com/office/drawing/2014/main" id="{72E2189C-B182-4550-BE72-15D67F96DC57}"/>
+              </a:ext>
+            </a:extLst>
+          </p:cNvPr>
+          <p:cNvSpPr txBox="1"/>
+          <p:nvPr/>
+        </p:nvSpPr>
+        <p:spPr>
+          <a:xfrm>
+            <a:off x="8149389" y="2253784"/>
+            <a:ext cx="2834262" cy="2723823"/>
           </a:xfrm>
           <a:prstGeom prst="rect">
             <a:avLst/>
@@ -5236,122 +5596,476 @@
           </a:bodyPr>
           <a:lstStyle/>
           <a:p>
-            <a:pPr marL="285750" indent="-285750">
+            <a:r>
+              <a:rPr lang="en-US" sz="1050" b="1" dirty="0">
+                <a:solidFill>
+                  <a:schemeClr val="bg1"/>
+                </a:solidFill>
+                <a:latin typeface="Abadi" panose="020B0604020104020204" pitchFamily="34" charset="0"/>
+              </a:rPr>
+              <a:t>Risk and Fraud Management decision (Examples) </a:t>
+            </a:r>
+          </a:p>
+          <a:p>
+            <a:endParaRPr lang="en-US" sz="1050" dirty="0">
+              <a:solidFill>
+                <a:schemeClr val="bg1"/>
+              </a:solidFill>
+              <a:latin typeface="Abadi" panose="020B0604020104020204" pitchFamily="34" charset="0"/>
+            </a:endParaRPr>
+          </a:p>
+          <a:p>
+            <a:pPr marL="171450" indent="-171450">
               <a:buFont typeface="Wingdings" panose="05000000000000000000" pitchFamily="2" charset="2"/>
               <a:buChar char="ü"/>
             </a:pPr>
             <a:r>
-              <a:rPr lang="en-US" dirty="0">
+              <a:rPr lang="en-US" sz="1050" dirty="0">
+                <a:solidFill>
+                  <a:schemeClr val="bg1"/>
+                </a:solidFill>
                 <a:latin typeface="Abadi" panose="020B0604020104020204" pitchFamily="34" charset="0"/>
               </a:rPr>
-              <a:t>Prediction and Forecast Future based on the company’s data assets in a combination of other relevant business data domain =“New Data”</a:t>
-            </a:r>
-          </a:p>
-          <a:p>
-            <a:endParaRPr lang="en-US" dirty="0">
-              <a:latin typeface="Abadi" panose="020B0604020104020204" pitchFamily="34" charset="0"/>
-            </a:endParaRPr>
-          </a:p>
-          <a:p>
-            <a:pPr marL="285750" indent="-285750">
+              <a:t>Reporting, Alerting and Notification System </a:t>
+            </a:r>
+          </a:p>
+          <a:p>
+            <a:pPr marL="171450" indent="-171450">
               <a:buFont typeface="Wingdings" panose="05000000000000000000" pitchFamily="2" charset="2"/>
               <a:buChar char="ü"/>
             </a:pPr>
-            <a:r>
-              <a:rPr lang="en-US" dirty="0">
-                <a:latin typeface="Abadi" panose="020B0604020104020204" pitchFamily="34" charset="0"/>
-              </a:rPr>
-              <a:t>Delivers models that can be used to predict real-time scenarios that can improve user experience.</a:t>
-            </a:r>
-          </a:p>
-          <a:p>
-            <a:endParaRPr lang="en-US" dirty="0">
+            <a:endParaRPr lang="en-US" sz="1050" dirty="0">
+              <a:solidFill>
+                <a:schemeClr val="bg1"/>
+              </a:solidFill>
               <a:latin typeface="Abadi" panose="020B0604020104020204" pitchFamily="34" charset="0"/>
             </a:endParaRPr>
           </a:p>
           <a:p>
-            <a:pPr marL="285750" indent="-285750">
+            <a:pPr marL="171450" indent="-171450">
               <a:buFont typeface="Wingdings" panose="05000000000000000000" pitchFamily="2" charset="2"/>
               <a:buChar char="ü"/>
             </a:pPr>
             <a:r>
-              <a:rPr lang="en-US" dirty="0">
+              <a:rPr lang="en-US" sz="1050" dirty="0">
+                <a:solidFill>
+                  <a:schemeClr val="bg1"/>
+                </a:solidFill>
                 <a:latin typeface="Abadi" panose="020B0604020104020204" pitchFamily="34" charset="0"/>
               </a:rPr>
-              <a:t>Capabilities in looking at a wide range of business operations and discover unknown unknown allowing focus on areas with potential risk and failures before it happens.  </a:t>
-            </a:r>
-          </a:p>
-          <a:p>
-            <a:endParaRPr lang="en-US" dirty="0">
+              <a:t>Monitoring Application</a:t>
+            </a:r>
+          </a:p>
+          <a:p>
+            <a:endParaRPr lang="en-US" sz="1050" dirty="0">
+              <a:solidFill>
+                <a:schemeClr val="bg1"/>
+              </a:solidFill>
               <a:latin typeface="Abadi" panose="020B0604020104020204" pitchFamily="34" charset="0"/>
             </a:endParaRPr>
           </a:p>
           <a:p>
-            <a:pPr marL="285750" indent="-285750">
+            <a:pPr marL="171450" indent="-171450">
               <a:buFont typeface="Wingdings" panose="05000000000000000000" pitchFamily="2" charset="2"/>
               <a:buChar char="ü"/>
             </a:pPr>
             <a:r>
-              <a:rPr lang="en-US" dirty="0">
+              <a:rPr lang="en-US" sz="1050" dirty="0">
+                <a:solidFill>
+                  <a:schemeClr val="bg1"/>
+                </a:solidFill>
                 <a:latin typeface="Abadi" panose="020B0604020104020204" pitchFamily="34" charset="0"/>
               </a:rPr>
-              <a:t>Scale up the data analytics and reporting by looking at a larger volume and variety of datasets (Big Data) with the use of technology.</a:t>
-            </a:r>
-          </a:p>
-          <a:p>
-            <a:pPr marL="285750" indent="-285750">
+              <a:t>Automated Case Management </a:t>
+            </a:r>
+          </a:p>
+          <a:p>
+            <a:endParaRPr lang="en-US" sz="1050" dirty="0">
+              <a:solidFill>
+                <a:schemeClr val="bg1"/>
+              </a:solidFill>
+              <a:latin typeface="Abadi" panose="020B0604020104020204" pitchFamily="34" charset="0"/>
+            </a:endParaRPr>
+          </a:p>
+          <a:p>
+            <a:pPr marL="171450" indent="-171450">
               <a:buFont typeface="Wingdings" panose="05000000000000000000" pitchFamily="2" charset="2"/>
               <a:buChar char="ü"/>
             </a:pPr>
-            <a:endParaRPr lang="en-US" dirty="0">
+            <a:r>
+              <a:rPr lang="en-US" sz="1050" dirty="0">
+                <a:solidFill>
+                  <a:schemeClr val="bg1"/>
+                </a:solidFill>
+                <a:latin typeface="Abadi" panose="020B0604020104020204" pitchFamily="34" charset="0"/>
+              </a:rPr>
+              <a:t>Reduction of False Positive when identifying fraud</a:t>
+            </a:r>
+          </a:p>
+          <a:p>
+            <a:endParaRPr lang="en-US" sz="1050" dirty="0">
+              <a:solidFill>
+                <a:schemeClr val="bg1"/>
+              </a:solidFill>
               <a:latin typeface="Abadi" panose="020B0604020104020204" pitchFamily="34" charset="0"/>
             </a:endParaRPr>
           </a:p>
           <a:p>
-            <a:pPr marL="285750" indent="-285750">
+            <a:pPr marL="171450" indent="-171450">
               <a:buFont typeface="Wingdings" panose="05000000000000000000" pitchFamily="2" charset="2"/>
               <a:buChar char="ü"/>
             </a:pPr>
             <a:r>
-              <a:rPr lang="en-US" dirty="0">
+              <a:rPr lang="en-US" sz="1050" dirty="0">
+                <a:solidFill>
+                  <a:schemeClr val="bg1"/>
+                </a:solidFill>
                 <a:latin typeface="Abadi" panose="020B0604020104020204" pitchFamily="34" charset="0"/>
               </a:rPr>
-              <a:t>Develop new capabilities by innovating products and services backed by customer data.</a:t>
-            </a:r>
-          </a:p>
-          <a:p>
-            <a:endParaRPr lang="en-US" dirty="0">
-              <a:latin typeface="Abadi" panose="020B0604020104020204" pitchFamily="34" charset="0"/>
+              <a:t>Influence Security Applications</a:t>
+            </a:r>
+          </a:p>
+          <a:p>
+            <a:endParaRPr lang="en-US" sz="1050" b="1" dirty="0">
+              <a:solidFill>
+                <a:schemeClr val="bg1"/>
+              </a:solidFill>
             </a:endParaRPr>
           </a:p>
           <a:p>
-            <a:pPr marL="285750" indent="-285750">
+            <a:endParaRPr lang="en-US" sz="1200" b="1" dirty="0">
+              <a:solidFill>
+                <a:schemeClr val="bg1"/>
+              </a:solidFill>
+            </a:endParaRPr>
+          </a:p>
+          <a:p>
+            <a:pPr marL="171450" indent="-171450">
               <a:buFont typeface="Wingdings" panose="05000000000000000000" pitchFamily="2" charset="2"/>
               <a:buChar char="ü"/>
             </a:pPr>
-            <a:r>
-              <a:rPr lang="en-US" dirty="0">
-                <a:latin typeface="Abadi" panose="020B0604020104020204" pitchFamily="34" charset="0"/>
-              </a:rPr>
-              <a:t>Learn and Improve with wide range of new solutions with predicted best-case outcomes.</a:t>
-            </a:r>
-          </a:p>
-          <a:p>
-            <a:endParaRPr lang="en-US" dirty="0">
-              <a:latin typeface="Abadi" panose="020B0604020104020204" pitchFamily="34" charset="0"/>
+            <a:endParaRPr lang="en-US" sz="1200" b="1" dirty="0">
+              <a:solidFill>
+                <a:schemeClr val="bg1"/>
+              </a:solidFill>
             </a:endParaRPr>
           </a:p>
-          <a:p>
-            <a:endParaRPr lang="en-US" dirty="0">
-              <a:latin typeface="Abadi" panose="020B0604020104020204" pitchFamily="34" charset="0"/>
-            </a:endParaRPr>
-          </a:p>
         </p:txBody>
       </p:sp>
+      <p:pic>
+        <p:nvPicPr>
+          <p:cNvPr id="8" name="Graphic 7" descr="Doctor female with solid fill">
+            <a:extLst>
+              <a:ext uri="{FF2B5EF4-FFF2-40B4-BE49-F238E27FC236}">
+                <a16:creationId xmlns:a16="http://schemas.microsoft.com/office/drawing/2014/main" id="{C8BE2C0F-9251-48FE-AE61-C86C26A15420}"/>
+              </a:ext>
+            </a:extLst>
+          </p:cNvPr>
+          <p:cNvPicPr>
+            <a:picLocks noChangeAspect="1"/>
+          </p:cNvPicPr>
+          <p:nvPr/>
+        </p:nvPicPr>
+        <p:blipFill>
+          <a:blip r:embed="rId2">
+            <a:extLst>
+              <a:ext uri="{96DAC541-7B7A-43D3-8B79-37D633B846F1}">
+                <asvg:svgBlip xmlns:asvg="http://schemas.microsoft.com/office/drawing/2016/SVG/main" r:embed="rId3"/>
+              </a:ext>
+            </a:extLst>
+          </a:blip>
+          <a:stretch>
+            <a:fillRect/>
+          </a:stretch>
+        </p:blipFill>
+        <p:spPr>
+          <a:xfrm>
+            <a:off x="1092200" y="1353537"/>
+            <a:ext cx="914400" cy="914400"/>
+          </a:xfrm>
+          <a:prstGeom prst="rect">
+            <a:avLst/>
+          </a:prstGeom>
+        </p:spPr>
+      </p:pic>
+      <p:pic>
+        <p:nvPicPr>
+          <p:cNvPr id="10" name="Graphic 9" descr="Travel outline">
+            <a:extLst>
+              <a:ext uri="{FF2B5EF4-FFF2-40B4-BE49-F238E27FC236}">
+                <a16:creationId xmlns:a16="http://schemas.microsoft.com/office/drawing/2014/main" id="{8110D858-97C2-422D-A0AF-AE777C140077}"/>
+              </a:ext>
+            </a:extLst>
+          </p:cNvPr>
+          <p:cNvPicPr>
+            <a:picLocks noChangeAspect="1"/>
+          </p:cNvPicPr>
+          <p:nvPr/>
+        </p:nvPicPr>
+        <p:blipFill>
+          <a:blip r:embed="rId4">
+            <a:extLst>
+              <a:ext uri="{96DAC541-7B7A-43D3-8B79-37D633B846F1}">
+                <asvg:svgBlip xmlns:asvg="http://schemas.microsoft.com/office/drawing/2016/SVG/main" r:embed="rId5"/>
+              </a:ext>
+            </a:extLst>
+          </a:blip>
+          <a:stretch>
+            <a:fillRect/>
+          </a:stretch>
+        </p:blipFill>
+        <p:spPr>
+          <a:xfrm>
+            <a:off x="887598" y="2511933"/>
+            <a:ext cx="724323" cy="724323"/>
+          </a:xfrm>
+          <a:prstGeom prst="rect">
+            <a:avLst/>
+          </a:prstGeom>
+        </p:spPr>
+      </p:pic>
+      <p:pic>
+        <p:nvPicPr>
+          <p:cNvPr id="13" name="Graphic 12" descr="Connections outline">
+            <a:extLst>
+              <a:ext uri="{FF2B5EF4-FFF2-40B4-BE49-F238E27FC236}">
+                <a16:creationId xmlns:a16="http://schemas.microsoft.com/office/drawing/2014/main" id="{C44594B5-56C0-475D-9833-FF6C66F67D8C}"/>
+              </a:ext>
+            </a:extLst>
+          </p:cNvPr>
+          <p:cNvPicPr>
+            <a:picLocks noChangeAspect="1"/>
+          </p:cNvPicPr>
+          <p:nvPr/>
+        </p:nvPicPr>
+        <p:blipFill>
+          <a:blip r:embed="rId6">
+            <a:extLst>
+              <a:ext uri="{96DAC541-7B7A-43D3-8B79-37D633B846F1}">
+                <asvg:svgBlip xmlns:asvg="http://schemas.microsoft.com/office/drawing/2016/SVG/main" r:embed="rId7"/>
+              </a:ext>
+            </a:extLst>
+          </a:blip>
+          <a:stretch>
+            <a:fillRect/>
+          </a:stretch>
+        </p:blipFill>
+        <p:spPr>
+          <a:xfrm>
+            <a:off x="1023865" y="3565867"/>
+            <a:ext cx="914400" cy="914400"/>
+          </a:xfrm>
+          <a:prstGeom prst="rect">
+            <a:avLst/>
+          </a:prstGeom>
+        </p:spPr>
+      </p:pic>
+      <p:sp>
+        <p:nvSpPr>
+          <p:cNvPr id="14" name="TextBox 13">
+            <a:extLst>
+              <a:ext uri="{FF2B5EF4-FFF2-40B4-BE49-F238E27FC236}">
+                <a16:creationId xmlns:a16="http://schemas.microsoft.com/office/drawing/2014/main" id="{17783C9B-929E-4970-9A69-9A2F2E3AD666}"/>
+              </a:ext>
+            </a:extLst>
+          </p:cNvPr>
+          <p:cNvSpPr txBox="1"/>
+          <p:nvPr/>
+        </p:nvSpPr>
+        <p:spPr>
+          <a:xfrm>
+            <a:off x="2207126" y="1353537"/>
+            <a:ext cx="9256295" cy="4524315"/>
+          </a:xfrm>
+          <a:prstGeom prst="rect">
+            <a:avLst/>
+          </a:prstGeom>
+          <a:noFill/>
+        </p:spPr>
+        <p:txBody>
+          <a:bodyPr wrap="square" rtlCol="0">
+            <a:spAutoFit/>
+          </a:bodyPr>
+          <a:lstStyle/>
+          <a:p>
+            <a:r>
+              <a:rPr lang="en-US" sz="1600" b="1" dirty="0"/>
+              <a:t>Medical and Healthcare</a:t>
+            </a:r>
+          </a:p>
+          <a:p>
+            <a:r>
+              <a:rPr lang="en-US" sz="1600" dirty="0"/>
+              <a:t>Faster Diagnosis using known medical information and captured patient data</a:t>
+            </a:r>
+          </a:p>
+          <a:p>
+            <a:r>
+              <a:rPr lang="en-US" sz="1600" dirty="0"/>
+              <a:t>Recommendation on treatments where effectiveness are backed by data </a:t>
+            </a:r>
+          </a:p>
+          <a:p>
+            <a:r>
+              <a:rPr lang="en-US" sz="1600" dirty="0"/>
+              <a:t>Improve hospitals and healthcare facilities services</a:t>
+            </a:r>
+          </a:p>
+          <a:p>
+            <a:endParaRPr lang="en-US" sz="1600" dirty="0"/>
+          </a:p>
+          <a:p>
+            <a:r>
+              <a:rPr lang="en-US" sz="1600" b="1" dirty="0"/>
+              <a:t>Travel and Logistics</a:t>
+            </a:r>
+          </a:p>
+          <a:p>
+            <a:r>
+              <a:rPr lang="en-US" sz="1600" dirty="0"/>
+              <a:t>Improve Travel by recommending routes base on real-time situations (weather, events, roadside accidents)</a:t>
+            </a:r>
+          </a:p>
+          <a:p>
+            <a:r>
+              <a:rPr lang="en-US" sz="1600" dirty="0"/>
+              <a:t>Optimize Delivery routes that guarantee customer satisfaction and lower delivery cost</a:t>
+            </a:r>
+          </a:p>
+          <a:p>
+            <a:endParaRPr lang="en-US" sz="1600" dirty="0"/>
+          </a:p>
+          <a:p>
+            <a:r>
+              <a:rPr lang="en-US" sz="1600" b="1" dirty="0"/>
+              <a:t>Social Media</a:t>
+            </a:r>
+          </a:p>
+          <a:p>
+            <a:r>
+              <a:rPr lang="en-US" sz="1600" dirty="0"/>
+              <a:t>Connecting people with the same likes, background, and acquaintances (Facebook, Instagram, </a:t>
+            </a:r>
+            <a:r>
+              <a:rPr lang="en-US" sz="1600" dirty="0" err="1"/>
+              <a:t>Linkedin</a:t>
+            </a:r>
+            <a:r>
+              <a:rPr lang="en-US" sz="1600" dirty="0"/>
+              <a:t>) </a:t>
+            </a:r>
+          </a:p>
+          <a:p>
+            <a:r>
+              <a:rPr lang="en-US" sz="1600" dirty="0"/>
+              <a:t>Builds community, group and organization with shared ideas and common goals</a:t>
+            </a:r>
+          </a:p>
+          <a:p>
+            <a:endParaRPr lang="en-US" sz="1600" dirty="0"/>
+          </a:p>
+          <a:p>
+            <a:r>
+              <a:rPr lang="en-US" sz="1600" b="1" dirty="0"/>
+              <a:t>Users Experience</a:t>
+            </a:r>
+          </a:p>
+          <a:p>
+            <a:r>
+              <a:rPr lang="en-US" sz="1600" dirty="0"/>
+              <a:t>Personalize customer experiences</a:t>
+            </a:r>
+          </a:p>
+          <a:p>
+            <a:r>
+              <a:rPr lang="en-US" sz="1600" dirty="0"/>
+              <a:t>Suggest Product and Services and compare pricing </a:t>
+            </a:r>
+          </a:p>
+          <a:p>
+            <a:r>
+              <a:rPr lang="en-US" sz="1600" dirty="0"/>
+              <a:t>Ease in searches by providing recommendation that fit’s customer need (Amazon recommends, Auto-fill on Search engines)</a:t>
+            </a:r>
+          </a:p>
+        </p:txBody>
+      </p:sp>
+      <p:pic>
+        <p:nvPicPr>
+          <p:cNvPr id="18" name="Graphic 17" descr="Shopping cart with solid fill">
+            <a:extLst>
+              <a:ext uri="{FF2B5EF4-FFF2-40B4-BE49-F238E27FC236}">
+                <a16:creationId xmlns:a16="http://schemas.microsoft.com/office/drawing/2014/main" id="{52B3EDF0-0287-45DA-A26B-371B42E2B758}"/>
+              </a:ext>
+            </a:extLst>
+          </p:cNvPr>
+          <p:cNvPicPr>
+            <a:picLocks noChangeAspect="1"/>
+          </p:cNvPicPr>
+          <p:nvPr/>
+        </p:nvPicPr>
+        <p:blipFill>
+          <a:blip r:embed="rId8">
+            <a:extLst>
+              <a:ext uri="{96DAC541-7B7A-43D3-8B79-37D633B846F1}">
+                <asvg:svgBlip xmlns:asvg="http://schemas.microsoft.com/office/drawing/2016/SVG/main" r:embed="rId9"/>
+              </a:ext>
+            </a:extLst>
+          </a:blip>
+          <a:stretch>
+            <a:fillRect/>
+          </a:stretch>
+        </p:blipFill>
+        <p:spPr>
+          <a:xfrm>
+            <a:off x="981803" y="4780610"/>
+            <a:ext cx="914400" cy="914400"/>
+          </a:xfrm>
+          <a:prstGeom prst="rect">
+            <a:avLst/>
+          </a:prstGeom>
+        </p:spPr>
+      </p:pic>
+      <p:pic>
+        <p:nvPicPr>
+          <p:cNvPr id="26" name="Graphic 25" descr="Fork In Road outline">
+            <a:extLst>
+              <a:ext uri="{FF2B5EF4-FFF2-40B4-BE49-F238E27FC236}">
+                <a16:creationId xmlns:a16="http://schemas.microsoft.com/office/drawing/2014/main" id="{FE460600-5F85-4BA2-886C-A9C983DC5434}"/>
+              </a:ext>
+            </a:extLst>
+          </p:cNvPr>
+          <p:cNvPicPr>
+            <a:picLocks noChangeAspect="1"/>
+          </p:cNvPicPr>
+          <p:nvPr/>
+        </p:nvPicPr>
+        <p:blipFill>
+          <a:blip r:embed="rId10">
+            <a:extLst>
+              <a:ext uri="{96DAC541-7B7A-43D3-8B79-37D633B846F1}">
+                <asvg:svgBlip xmlns:asvg="http://schemas.microsoft.com/office/drawing/2016/SVG/main" r:embed="rId11"/>
+              </a:ext>
+            </a:extLst>
+          </a:blip>
+          <a:stretch>
+            <a:fillRect/>
+          </a:stretch>
+        </p:blipFill>
+        <p:spPr>
+          <a:xfrm>
+            <a:off x="1439003" y="2724350"/>
+            <a:ext cx="599832" cy="599832"/>
+          </a:xfrm>
+          <a:prstGeom prst="rect">
+            <a:avLst/>
+          </a:prstGeom>
+        </p:spPr>
+      </p:pic>
     </p:spTree>
     <p:extLst>
       <p:ext uri="{BB962C8B-B14F-4D97-AF65-F5344CB8AC3E}">
-        <p14:creationId xmlns:p14="http://schemas.microsoft.com/office/powerpoint/2010/main" val="3989556334"/>
+        <p14:creationId xmlns:p14="http://schemas.microsoft.com/office/powerpoint/2010/main" val="1372879902"/>
       </p:ext>
     </p:extLst>
   </p:cSld>
@@ -5468,7 +6182,7 @@
                   </a:innerShdw>
                 </a:effectLst>
               </a:rPr>
-              <a:t>References</a:t>
+              <a:t>Regression Analysis</a:t>
             </a:r>
           </a:p>
         </p:txBody>
@@ -5487,8 +6201,8 @@
         </p:nvSpPr>
         <p:spPr>
           <a:xfrm>
-            <a:off x="256674" y="714237"/>
-            <a:ext cx="11309190" cy="646331"/>
+            <a:off x="441405" y="1059873"/>
+            <a:ext cx="11309190" cy="4524315"/>
           </a:xfrm>
           <a:prstGeom prst="rect">
             <a:avLst/>
@@ -5501,23 +6215,154 @@
           </a:bodyPr>
           <a:lstStyle/>
           <a:p>
+            <a:pPr marL="285750" indent="-285750">
+              <a:buFont typeface="Wingdings" panose="05000000000000000000" pitchFamily="2" charset="2"/>
+              <a:buChar char="ü"/>
+            </a:pPr>
+            <a:r>
+              <a:rPr lang="en-US" dirty="0">
+                <a:latin typeface="Abadi" panose="020B0604020104020204" pitchFamily="34" charset="0"/>
+              </a:rPr>
+              <a:t>Prediction and Forecast Future based on the company’s data assets in a combination of other relevant business data domain =“New Data”</a:t>
+            </a:r>
+          </a:p>
+          <a:p>
             <a:endParaRPr lang="en-US" dirty="0">
               <a:latin typeface="Abadi" panose="020B0604020104020204" pitchFamily="34" charset="0"/>
             </a:endParaRPr>
           </a:p>
           <a:p>
+            <a:pPr marL="285750" indent="-285750">
+              <a:buFont typeface="Wingdings" panose="05000000000000000000" pitchFamily="2" charset="2"/>
+              <a:buChar char="ü"/>
+            </a:pPr>
+            <a:r>
+              <a:rPr lang="en-US" dirty="0">
+                <a:latin typeface="Abadi" panose="020B0604020104020204" pitchFamily="34" charset="0"/>
+              </a:rPr>
+              <a:t>Delivers models that can be used to predict real-time scenarios that can improve user experience.</a:t>
+            </a:r>
+          </a:p>
+          <a:p>
             <a:endParaRPr lang="en-US" dirty="0">
               <a:latin typeface="Abadi" panose="020B0604020104020204" pitchFamily="34" charset="0"/>
             </a:endParaRPr>
           </a:p>
+          <a:p>
+            <a:pPr marL="285750" indent="-285750">
+              <a:buFont typeface="Wingdings" panose="05000000000000000000" pitchFamily="2" charset="2"/>
+              <a:buChar char="ü"/>
+            </a:pPr>
+            <a:r>
+              <a:rPr lang="en-US" dirty="0">
+                <a:latin typeface="Abadi" panose="020B0604020104020204" pitchFamily="34" charset="0"/>
+              </a:rPr>
+              <a:t>Capabilities in looking at a wide range of business operations and discover unknown unknown allowing focus on areas with potential risk and failures before it happens.  </a:t>
+            </a:r>
+          </a:p>
+          <a:p>
+            <a:endParaRPr lang="en-US" dirty="0">
+              <a:latin typeface="Abadi" panose="020B0604020104020204" pitchFamily="34" charset="0"/>
+            </a:endParaRPr>
+          </a:p>
+          <a:p>
+            <a:pPr marL="285750" indent="-285750">
+              <a:buFont typeface="Wingdings" panose="05000000000000000000" pitchFamily="2" charset="2"/>
+              <a:buChar char="ü"/>
+            </a:pPr>
+            <a:r>
+              <a:rPr lang="en-US" dirty="0">
+                <a:latin typeface="Abadi" panose="020B0604020104020204" pitchFamily="34" charset="0"/>
+              </a:rPr>
+              <a:t>Scale up the data analytics and reporting by looking at a larger volume and variety of datasets (Big Data) with the use of technology.</a:t>
+            </a:r>
+          </a:p>
+          <a:p>
+            <a:pPr marL="285750" indent="-285750">
+              <a:buFont typeface="Wingdings" panose="05000000000000000000" pitchFamily="2" charset="2"/>
+              <a:buChar char="ü"/>
+            </a:pPr>
+            <a:endParaRPr lang="en-US" dirty="0">
+              <a:latin typeface="Abadi" panose="020B0604020104020204" pitchFamily="34" charset="0"/>
+            </a:endParaRPr>
+          </a:p>
+          <a:p>
+            <a:pPr marL="285750" indent="-285750">
+              <a:buFont typeface="Wingdings" panose="05000000000000000000" pitchFamily="2" charset="2"/>
+              <a:buChar char="ü"/>
+            </a:pPr>
+            <a:r>
+              <a:rPr lang="en-US" dirty="0">
+                <a:latin typeface="Abadi" panose="020B0604020104020204" pitchFamily="34" charset="0"/>
+              </a:rPr>
+              <a:t>Develop new capabilities by innovating products and services backed by customer data.</a:t>
+            </a:r>
+          </a:p>
+          <a:p>
+            <a:endParaRPr lang="en-US" dirty="0">
+              <a:latin typeface="Abadi" panose="020B0604020104020204" pitchFamily="34" charset="0"/>
+            </a:endParaRPr>
+          </a:p>
+          <a:p>
+            <a:pPr marL="285750" indent="-285750">
+              <a:buFont typeface="Wingdings" panose="05000000000000000000" pitchFamily="2" charset="2"/>
+              <a:buChar char="ü"/>
+            </a:pPr>
+            <a:r>
+              <a:rPr lang="en-US" dirty="0">
+                <a:latin typeface="Abadi" panose="020B0604020104020204" pitchFamily="34" charset="0"/>
+              </a:rPr>
+              <a:t>Learn and Improve with wide range of new solutions with predicted best-case outcomes.</a:t>
+            </a:r>
+          </a:p>
+          <a:p>
+            <a:endParaRPr lang="en-US" dirty="0">
+              <a:latin typeface="Abadi" panose="020B0604020104020204" pitchFamily="34" charset="0"/>
+            </a:endParaRPr>
+          </a:p>
+          <a:p>
+            <a:endParaRPr lang="en-US" dirty="0">
+              <a:latin typeface="Abadi" panose="020B0604020104020204" pitchFamily="34" charset="0"/>
+            </a:endParaRPr>
+          </a:p>
         </p:txBody>
       </p:sp>
-      <p:sp>
-        <p:nvSpPr>
-          <p:cNvPr id="7" name="TextBox 6">
-            <a:extLst>
-              <a:ext uri="{FF2B5EF4-FFF2-40B4-BE49-F238E27FC236}">
-                <a16:creationId xmlns:a16="http://schemas.microsoft.com/office/drawing/2014/main" id="{5B47CE0E-0877-4E98-A00B-E6A582759AE3}"/>
+    </p:spTree>
+    <p:extLst>
+      <p:ext uri="{BB962C8B-B14F-4D97-AF65-F5344CB8AC3E}">
+        <p14:creationId xmlns:p14="http://schemas.microsoft.com/office/powerpoint/2010/main" val="3989556334"/>
+      </p:ext>
+    </p:extLst>
+  </p:cSld>
+  <p:clrMapOvr>
+    <a:masterClrMapping/>
+  </p:clrMapOvr>
+</p:sld>
+</file>
+
+<file path=ppt/slides/slide13.xml><?xml version="1.0" encoding="utf-8"?>
+<p:sld xmlns:a="http://schemas.openxmlformats.org/drawingml/2006/main" xmlns:r="http://schemas.openxmlformats.org/officeDocument/2006/relationships" xmlns:p="http://schemas.openxmlformats.org/presentationml/2006/main">
+  <p:cSld>
+    <p:spTree>
+      <p:nvGrpSpPr>
+        <p:cNvPr id="1" name=""/>
+        <p:cNvGrpSpPr/>
+        <p:nvPr/>
+      </p:nvGrpSpPr>
+      <p:grpSpPr>
+        <a:xfrm>
+          <a:off x="0" y="0"/>
+          <a:ext cx="0" cy="0"/>
+          <a:chOff x="0" y="0"/>
+          <a:chExt cx="0" cy="0"/>
+        </a:xfrm>
+      </p:grpSpPr>
+      <p:sp>
+        <p:nvSpPr>
+          <p:cNvPr id="2" name="TextBox 1">
+            <a:extLst>
+              <a:ext uri="{FF2B5EF4-FFF2-40B4-BE49-F238E27FC236}">
+                <a16:creationId xmlns:a16="http://schemas.microsoft.com/office/drawing/2014/main" id="{F38FF061-0C27-4C4B-BC50-4056C82F92B5}"/>
               </a:ext>
             </a:extLst>
           </p:cNvPr>
@@ -5526,8 +6371,142 @@
         </p:nvSpPr>
         <p:spPr>
           <a:xfrm>
+            <a:off x="256674" y="344905"/>
+            <a:ext cx="184731" cy="369332"/>
+          </a:xfrm>
+          <a:prstGeom prst="rect">
+            <a:avLst/>
+          </a:prstGeom>
+          <a:noFill/>
+        </p:spPr>
+        <p:txBody>
+          <a:bodyPr wrap="none" rtlCol="0">
+            <a:spAutoFit/>
+          </a:bodyPr>
+          <a:lstStyle/>
+          <a:p>
+            <a:endParaRPr lang="en-US" dirty="0"/>
+          </a:p>
+        </p:txBody>
+      </p:sp>
+      <p:sp>
+        <p:nvSpPr>
+          <p:cNvPr id="3" name="TextBox 2">
+            <a:extLst>
+              <a:ext uri="{FF2B5EF4-FFF2-40B4-BE49-F238E27FC236}">
+                <a16:creationId xmlns:a16="http://schemas.microsoft.com/office/drawing/2014/main" id="{1E798AEA-4657-4AC2-AB1F-40B93469DA1D}"/>
+              </a:ext>
+            </a:extLst>
+          </p:cNvPr>
+          <p:cNvSpPr txBox="1"/>
+          <p:nvPr/>
+        </p:nvSpPr>
+        <p:spPr>
+          <a:xfrm>
+            <a:off x="256674" y="160552"/>
+            <a:ext cx="11493921" cy="369332"/>
+          </a:xfrm>
+          <a:prstGeom prst="rect">
+            <a:avLst/>
+          </a:prstGeom>
+          <a:solidFill>
+            <a:srgbClr val="002060"/>
+          </a:solidFill>
+        </p:spPr>
+        <p:style>
+          <a:lnRef idx="1">
+            <a:schemeClr val="dk1"/>
+          </a:lnRef>
+          <a:fillRef idx="2">
+            <a:schemeClr val="dk1"/>
+          </a:fillRef>
+          <a:effectRef idx="1">
+            <a:schemeClr val="dk1"/>
+          </a:effectRef>
+          <a:fontRef idx="minor">
+            <a:schemeClr val="dk1"/>
+          </a:fontRef>
+        </p:style>
+        <p:txBody>
+          <a:bodyPr wrap="square" rtlCol="0">
+            <a:spAutoFit/>
+          </a:bodyPr>
+          <a:lstStyle/>
+          <a:p>
+            <a:r>
+              <a:rPr lang="en-US" b="1" spc="50" dirty="0">
+                <a:ln w="0"/>
+                <a:solidFill>
+                  <a:schemeClr val="bg2"/>
+                </a:solidFill>
+                <a:effectLst>
+                  <a:innerShdw blurRad="63500" dist="50800" dir="13500000">
+                    <a:srgbClr val="000000">
+                      <a:alpha val="50000"/>
+                    </a:srgbClr>
+                  </a:innerShdw>
+                </a:effectLst>
+              </a:rPr>
+              <a:t>References</a:t>
+            </a:r>
+          </a:p>
+        </p:txBody>
+      </p:sp>
+      <p:sp>
+        <p:nvSpPr>
+          <p:cNvPr id="6" name="TextBox 5">
+            <a:extLst>
+              <a:ext uri="{FF2B5EF4-FFF2-40B4-BE49-F238E27FC236}">
+                <a16:creationId xmlns:a16="http://schemas.microsoft.com/office/drawing/2014/main" id="{74B9C796-15A8-487E-865A-4C280C0C2CD0}"/>
+              </a:ext>
+            </a:extLst>
+          </p:cNvPr>
+          <p:cNvSpPr txBox="1"/>
+          <p:nvPr/>
+        </p:nvSpPr>
+        <p:spPr>
+          <a:xfrm>
+            <a:off x="256674" y="714237"/>
+            <a:ext cx="11309190" cy="646331"/>
+          </a:xfrm>
+          <a:prstGeom prst="rect">
+            <a:avLst/>
+          </a:prstGeom>
+          <a:noFill/>
+        </p:spPr>
+        <p:txBody>
+          <a:bodyPr wrap="square" rtlCol="0">
+            <a:spAutoFit/>
+          </a:bodyPr>
+          <a:lstStyle/>
+          <a:p>
+            <a:endParaRPr lang="en-US" dirty="0">
+              <a:latin typeface="Abadi" panose="020B0604020104020204" pitchFamily="34" charset="0"/>
+            </a:endParaRPr>
+          </a:p>
+          <a:p>
+            <a:endParaRPr lang="en-US" dirty="0">
+              <a:latin typeface="Abadi" panose="020B0604020104020204" pitchFamily="34" charset="0"/>
+            </a:endParaRPr>
+          </a:p>
+        </p:txBody>
+      </p:sp>
+      <p:sp>
+        <p:nvSpPr>
+          <p:cNvPr id="7" name="TextBox 6">
+            <a:extLst>
+              <a:ext uri="{FF2B5EF4-FFF2-40B4-BE49-F238E27FC236}">
+                <a16:creationId xmlns:a16="http://schemas.microsoft.com/office/drawing/2014/main" id="{5B47CE0E-0877-4E98-A00B-E6A582759AE3}"/>
+              </a:ext>
+            </a:extLst>
+          </p:cNvPr>
+          <p:cNvSpPr txBox="1"/>
+          <p:nvPr/>
+        </p:nvSpPr>
+        <p:spPr>
+          <a:xfrm>
             <a:off x="349038" y="605330"/>
-            <a:ext cx="10864393" cy="2031325"/>
+            <a:ext cx="10864393" cy="2585323"/>
           </a:xfrm>
           <a:prstGeom prst="rect">
             <a:avLst/>
@@ -5601,6 +6580,17 @@
                 <a:effectLst/>
               </a:rPr>
               <a:t>. https://www.edureka.co/blog/data-science-applications/. </a:t>
+            </a:r>
+          </a:p>
+          <a:p>
+            <a:endParaRPr lang="en-US" dirty="0"/>
+          </a:p>
+          <a:p>
+            <a:r>
+              <a:rPr lang="en-US" dirty="0">
+                <a:effectLst/>
+              </a:rPr>
+              <a:t>https://observablehq.com/@louismlym/assignment-2-exploratory-data-analysis</a:t>
             </a:r>
           </a:p>
           <a:p>
@@ -5693,9 +6683,6 @@
           <a:solidFill>
             <a:srgbClr val="002060"/>
           </a:solidFill>
-          <a:ln>
-            <a:noFill/>
-          </a:ln>
         </p:spPr>
         <p:style>
           <a:lnRef idx="1">
@@ -5721,6 +6708,651 @@
               <a:rPr lang="en-US" b="1" spc="50" dirty="0">
                 <a:ln w="0"/>
                 <a:solidFill>
+                  <a:schemeClr val="bg2"/>
+                </a:solidFill>
+                <a:effectLst>
+                  <a:innerShdw blurRad="63500" dist="50800" dir="13500000">
+                    <a:srgbClr val="000000">
+                      <a:alpha val="50000"/>
+                    </a:srgbClr>
+                  </a:innerShdw>
+                </a:effectLst>
+              </a:rPr>
+              <a:t>Yelp Dataset</a:t>
+            </a:r>
+          </a:p>
+        </p:txBody>
+      </p:sp>
+      <p:sp>
+        <p:nvSpPr>
+          <p:cNvPr id="7" name="TextBox 6">
+            <a:extLst>
+              <a:ext uri="{FF2B5EF4-FFF2-40B4-BE49-F238E27FC236}">
+                <a16:creationId xmlns:a16="http://schemas.microsoft.com/office/drawing/2014/main" id="{BCAB18D2-6C50-4697-ACCB-30E0DF18843C}"/>
+              </a:ext>
+            </a:extLst>
+          </p:cNvPr>
+          <p:cNvSpPr txBox="1"/>
+          <p:nvPr/>
+        </p:nvSpPr>
+        <p:spPr>
+          <a:xfrm>
+            <a:off x="256674" y="898590"/>
+            <a:ext cx="11935326" cy="5847755"/>
+          </a:xfrm>
+          <a:prstGeom prst="rect">
+            <a:avLst/>
+          </a:prstGeom>
+          <a:noFill/>
+        </p:spPr>
+        <p:txBody>
+          <a:bodyPr wrap="square" rtlCol="0">
+            <a:spAutoFit/>
+          </a:bodyPr>
+          <a:lstStyle/>
+          <a:p>
+            <a:pPr algn="l" fontAlgn="t"/>
+            <a:r>
+              <a:rPr lang="en-US" b="0" i="0" dirty="0">
+                <a:solidFill>
+                  <a:srgbClr val="4D5156"/>
+                </a:solidFill>
+                <a:effectLst/>
+                <a:latin typeface="Roboto" panose="02000000000000000000" pitchFamily="2" charset="0"/>
+              </a:rPr>
+              <a:t>              </a:t>
+            </a:r>
+            <a:r>
+              <a:rPr lang="en-US" sz="1600" b="1" dirty="0"/>
+              <a:t>is a website with business directory and customer rate, comment, provide tip and contact these establishment where enterprises can get listed and found online. Customers can find them, contact them and rate them. Yelp is used like Yellow Pages but online and interactive where customers can collaborate and provide meaningful feedback.</a:t>
+            </a:r>
+          </a:p>
+          <a:p>
+            <a:pPr algn="l" fontAlgn="t"/>
+            <a:endParaRPr lang="en-US" sz="1600" b="1" dirty="0"/>
+          </a:p>
+          <a:p>
+            <a:pPr algn="l" fontAlgn="t"/>
+            <a:r>
+              <a:rPr lang="en-US" sz="1600" b="1" dirty="0"/>
+              <a:t>Yelp Dataset can be downloaded in a compressed format (tar) and when decompressed will have subset of business, reviews, tip and user data in JSON files which intended to be used in personal, educational and academic purposes. </a:t>
+            </a:r>
+          </a:p>
+          <a:p>
+            <a:pPr algn="l" fontAlgn="t"/>
+            <a:endParaRPr lang="en-US" sz="1600" b="1" dirty="0"/>
+          </a:p>
+          <a:p>
+            <a:pPr algn="l" fontAlgn="t"/>
+            <a:r>
+              <a:rPr lang="en-US" sz="1600" b="1" dirty="0"/>
+              <a:t>Scope: </a:t>
+            </a:r>
+            <a:r>
+              <a:rPr lang="en-US" sz="1600" dirty="0">
+                <a:latin typeface="Abadi" panose="020B0604020104020204" pitchFamily="34" charset="0"/>
+              </a:rPr>
+              <a:t>Businesses that are </a:t>
+            </a:r>
+            <a:r>
+              <a:rPr lang="en-US" sz="1600" dirty="0" err="1">
+                <a:latin typeface="Abadi" panose="020B0604020104020204" pitchFamily="34" charset="0"/>
+              </a:rPr>
+              <a:t>categories.str.contains</a:t>
+            </a:r>
+            <a:r>
+              <a:rPr lang="en-US" sz="1600" dirty="0">
+                <a:latin typeface="Abadi" panose="020B0604020104020204" pitchFamily="34" charset="0"/>
+              </a:rPr>
+              <a:t>("Restaurants") or </a:t>
+            </a:r>
+            <a:r>
+              <a:rPr lang="en-US" sz="1600" dirty="0" err="1">
+                <a:latin typeface="Abadi" panose="020B0604020104020204" pitchFamily="34" charset="0"/>
+              </a:rPr>
+              <a:t>categories.str.contains</a:t>
+            </a:r>
+            <a:r>
+              <a:rPr lang="en-US" sz="1600" dirty="0">
+                <a:latin typeface="Abadi" panose="020B0604020104020204" pitchFamily="34" charset="0"/>
+              </a:rPr>
+              <a:t>("Food")’. I used the unique ID: </a:t>
+            </a:r>
+            <a:r>
+              <a:rPr lang="en-US" sz="1600" dirty="0" err="1">
+                <a:latin typeface="Abadi" panose="020B0604020104020204" pitchFamily="34" charset="0"/>
+              </a:rPr>
+              <a:t>business_id</a:t>
+            </a:r>
+            <a:r>
+              <a:rPr lang="en-US" sz="1600" dirty="0">
+                <a:latin typeface="Abadi" panose="020B0604020104020204" pitchFamily="34" charset="0"/>
+              </a:rPr>
+              <a:t> to join these datasets:</a:t>
+            </a:r>
+          </a:p>
+          <a:p>
+            <a:pPr algn="l" fontAlgn="t"/>
+            <a:endParaRPr lang="en-US" sz="1600" b="1" dirty="0"/>
+          </a:p>
+          <a:p>
+            <a:pPr marL="800100" lvl="1" indent="-342900" fontAlgn="base">
+              <a:buFont typeface="Arial" panose="020B0604020202020204" pitchFamily="34" charset="0"/>
+              <a:buChar char="•"/>
+            </a:pPr>
+            <a:r>
+              <a:rPr lang="en-US" sz="1600" b="1" dirty="0" err="1"/>
+              <a:t>yelp_academic_dataset_business.json</a:t>
+            </a:r>
+            <a:r>
+              <a:rPr lang="en-US" sz="1600" b="1" dirty="0"/>
+              <a:t> : Contains business data including location data, attributes, and categories.</a:t>
+            </a:r>
+          </a:p>
+          <a:p>
+            <a:pPr marL="742950" lvl="1" indent="-285750">
+              <a:buFont typeface="Arial" panose="020B0604020202020204" pitchFamily="34" charset="0"/>
+              <a:buChar char="•"/>
+            </a:pPr>
+            <a:endParaRPr lang="en-US" sz="1600" b="1" dirty="0"/>
+          </a:p>
+          <a:p>
+            <a:pPr marL="742950" lvl="1" indent="-285750">
+              <a:buFont typeface="Arial" panose="020B0604020202020204" pitchFamily="34" charset="0"/>
+              <a:buChar char="•"/>
+            </a:pPr>
+            <a:r>
+              <a:rPr lang="en-US" sz="1600" b="1" dirty="0"/>
+              <a:t>2. </a:t>
+            </a:r>
+            <a:r>
+              <a:rPr lang="en-US" sz="1600" b="1" dirty="0" err="1"/>
+              <a:t>yelp_academic_dataset_tip.json</a:t>
+            </a:r>
+            <a:r>
+              <a:rPr lang="en-US" sz="1600" b="1" dirty="0"/>
+              <a:t>: Tips written by a user on a business. Tips are shorter than reviews and tend to convey quick suggestions.</a:t>
+            </a:r>
+          </a:p>
+          <a:p>
+            <a:pPr marL="742950" lvl="1" indent="-285750" fontAlgn="base">
+              <a:buFont typeface="Arial" panose="020B0604020202020204" pitchFamily="34" charset="0"/>
+              <a:buChar char="•"/>
+            </a:pPr>
+            <a:endParaRPr lang="en-US" sz="1600" b="1" dirty="0"/>
+          </a:p>
+          <a:p>
+            <a:pPr marL="742950" lvl="1" indent="-285750" fontAlgn="base">
+              <a:buFont typeface="Arial" panose="020B0604020202020204" pitchFamily="34" charset="0"/>
+              <a:buChar char="•"/>
+            </a:pPr>
+            <a:r>
+              <a:rPr lang="en-US" sz="1600" b="1" dirty="0"/>
+              <a:t>3. </a:t>
+            </a:r>
+            <a:r>
+              <a:rPr lang="en-US" sz="1600" b="1" dirty="0" err="1"/>
+              <a:t>yelp_academic_dataset_checkin.json</a:t>
+            </a:r>
+            <a:r>
+              <a:rPr lang="en-US" sz="1600" b="1" dirty="0"/>
+              <a:t>: </a:t>
+            </a:r>
+            <a:r>
+              <a:rPr lang="en-US" sz="1600" b="1" dirty="0" err="1"/>
+              <a:t>Checkins</a:t>
+            </a:r>
+            <a:r>
+              <a:rPr lang="en-US" sz="1600" b="1" dirty="0"/>
+              <a:t> on a business.</a:t>
+            </a:r>
+          </a:p>
+          <a:p>
+            <a:br>
+              <a:rPr lang="en-US" sz="1600" b="0" i="0" dirty="0">
+                <a:solidFill>
+                  <a:srgbClr val="333333"/>
+                </a:solidFill>
+                <a:effectLst/>
+                <a:latin typeface="Helvetica Neue"/>
+              </a:rPr>
+            </a:br>
+            <a:endParaRPr lang="en-US" sz="1600" b="1" dirty="0"/>
+          </a:p>
+          <a:p>
+            <a:pPr algn="l" fontAlgn="t"/>
+            <a:r>
+              <a:rPr lang="en-US" sz="1600" b="1" i="1" dirty="0"/>
+              <a:t>Links: </a:t>
+            </a:r>
+          </a:p>
+          <a:p>
+            <a:pPr fontAlgn="t"/>
+            <a:r>
+              <a:rPr lang="en-US" sz="1600" b="1" i="1" dirty="0">
+                <a:hlinkClick r:id="rId2"/>
+              </a:rPr>
+              <a:t>https://www.yelp.com/dataset</a:t>
+            </a:r>
+            <a:endParaRPr lang="en-US" sz="1600" b="1" i="1" dirty="0"/>
+          </a:p>
+          <a:p>
+            <a:pPr algn="l" fontAlgn="t"/>
+            <a:r>
+              <a:rPr lang="en-US" sz="1600" b="1" i="1" dirty="0"/>
+              <a:t>https://www.yelp.com/dataset/documentation/main </a:t>
+            </a:r>
+          </a:p>
+          <a:p>
+            <a:endParaRPr lang="en-US" dirty="0">
+              <a:latin typeface="Abadi" panose="020B0604020104020204" pitchFamily="34" charset="0"/>
+            </a:endParaRPr>
+          </a:p>
+          <a:p>
+            <a:r>
+              <a:rPr lang="en-US" dirty="0">
+                <a:latin typeface="Abadi" panose="020B0604020104020204" pitchFamily="34" charset="0"/>
+              </a:rPr>
+              <a:t> </a:t>
+            </a:r>
+          </a:p>
+        </p:txBody>
+      </p:sp>
+      <p:pic>
+        <p:nvPicPr>
+          <p:cNvPr id="11" name="Picture 10">
+            <a:extLst>
+              <a:ext uri="{FF2B5EF4-FFF2-40B4-BE49-F238E27FC236}">
+                <a16:creationId xmlns:a16="http://schemas.microsoft.com/office/drawing/2014/main" id="{8A411E76-0301-BB1C-E897-B16760DC951A}"/>
+              </a:ext>
+            </a:extLst>
+          </p:cNvPr>
+          <p:cNvPicPr>
+            <a:picLocks noChangeAspect="1"/>
+          </p:cNvPicPr>
+          <p:nvPr/>
+        </p:nvPicPr>
+        <p:blipFill>
+          <a:blip r:embed="rId3"/>
+          <a:stretch>
+            <a:fillRect/>
+          </a:stretch>
+        </p:blipFill>
+        <p:spPr>
+          <a:xfrm>
+            <a:off x="256674" y="677678"/>
+            <a:ext cx="804491" cy="493096"/>
+          </a:xfrm>
+          <a:prstGeom prst="rect">
+            <a:avLst/>
+          </a:prstGeom>
+        </p:spPr>
+      </p:pic>
+    </p:spTree>
+    <p:extLst>
+      <p:ext uri="{BB962C8B-B14F-4D97-AF65-F5344CB8AC3E}">
+        <p14:creationId xmlns:p14="http://schemas.microsoft.com/office/powerpoint/2010/main" val="1061488422"/>
+      </p:ext>
+    </p:extLst>
+  </p:cSld>
+  <p:clrMapOvr>
+    <a:masterClrMapping/>
+  </p:clrMapOvr>
+</p:sld>
+</file>
+
+<file path=ppt/slides/slide3.xml><?xml version="1.0" encoding="utf-8"?>
+<p:sld xmlns:a="http://schemas.openxmlformats.org/drawingml/2006/main" xmlns:r="http://schemas.openxmlformats.org/officeDocument/2006/relationships" xmlns:p="http://schemas.openxmlformats.org/presentationml/2006/main">
+  <p:cSld>
+    <p:spTree>
+      <p:nvGrpSpPr>
+        <p:cNvPr id="1" name=""/>
+        <p:cNvGrpSpPr/>
+        <p:nvPr/>
+      </p:nvGrpSpPr>
+      <p:grpSpPr>
+        <a:xfrm>
+          <a:off x="0" y="0"/>
+          <a:ext cx="0" cy="0"/>
+          <a:chOff x="0" y="0"/>
+          <a:chExt cx="0" cy="0"/>
+        </a:xfrm>
+      </p:grpSpPr>
+      <p:sp>
+        <p:nvSpPr>
+          <p:cNvPr id="2" name="TextBox 1">
+            <a:extLst>
+              <a:ext uri="{FF2B5EF4-FFF2-40B4-BE49-F238E27FC236}">
+                <a16:creationId xmlns:a16="http://schemas.microsoft.com/office/drawing/2014/main" id="{F38FF061-0C27-4C4B-BC50-4056C82F92B5}"/>
+              </a:ext>
+            </a:extLst>
+          </p:cNvPr>
+          <p:cNvSpPr txBox="1"/>
+          <p:nvPr/>
+        </p:nvSpPr>
+        <p:spPr>
+          <a:xfrm>
+            <a:off x="256674" y="344905"/>
+            <a:ext cx="184731" cy="369332"/>
+          </a:xfrm>
+          <a:prstGeom prst="rect">
+            <a:avLst/>
+          </a:prstGeom>
+          <a:noFill/>
+        </p:spPr>
+        <p:txBody>
+          <a:bodyPr wrap="none" rtlCol="0">
+            <a:spAutoFit/>
+          </a:bodyPr>
+          <a:lstStyle/>
+          <a:p>
+            <a:endParaRPr lang="en-US" dirty="0"/>
+          </a:p>
+        </p:txBody>
+      </p:sp>
+      <p:sp>
+        <p:nvSpPr>
+          <p:cNvPr id="3" name="TextBox 2">
+            <a:extLst>
+              <a:ext uri="{FF2B5EF4-FFF2-40B4-BE49-F238E27FC236}">
+                <a16:creationId xmlns:a16="http://schemas.microsoft.com/office/drawing/2014/main" id="{1E798AEA-4657-4AC2-AB1F-40B93469DA1D}"/>
+              </a:ext>
+            </a:extLst>
+          </p:cNvPr>
+          <p:cNvSpPr txBox="1"/>
+          <p:nvPr/>
+        </p:nvSpPr>
+        <p:spPr>
+          <a:xfrm>
+            <a:off x="256674" y="160552"/>
+            <a:ext cx="11493921" cy="369332"/>
+          </a:xfrm>
+          <a:prstGeom prst="rect">
+            <a:avLst/>
+          </a:prstGeom>
+          <a:solidFill>
+            <a:srgbClr val="002060"/>
+          </a:solidFill>
+        </p:spPr>
+        <p:style>
+          <a:lnRef idx="1">
+            <a:schemeClr val="dk1"/>
+          </a:lnRef>
+          <a:fillRef idx="2">
+            <a:schemeClr val="dk1"/>
+          </a:fillRef>
+          <a:effectRef idx="1">
+            <a:schemeClr val="dk1"/>
+          </a:effectRef>
+          <a:fontRef idx="minor">
+            <a:schemeClr val="dk1"/>
+          </a:fontRef>
+        </p:style>
+        <p:txBody>
+          <a:bodyPr wrap="square" rtlCol="0">
+            <a:spAutoFit/>
+          </a:bodyPr>
+          <a:lstStyle/>
+          <a:p>
+            <a:r>
+              <a:rPr lang="en-US" b="1" spc="50" dirty="0">
+                <a:ln w="0"/>
+                <a:solidFill>
+                  <a:schemeClr val="bg2"/>
+                </a:solidFill>
+                <a:effectLst>
+                  <a:innerShdw blurRad="63500" dist="50800" dir="13500000">
+                    <a:srgbClr val="000000">
+                      <a:alpha val="50000"/>
+                    </a:srgbClr>
+                  </a:innerShdw>
+                </a:effectLst>
+              </a:rPr>
+              <a:t>Yelp Dataset</a:t>
+            </a:r>
+          </a:p>
+        </p:txBody>
+      </p:sp>
+      <p:sp>
+        <p:nvSpPr>
+          <p:cNvPr id="6" name="TextBox 5">
+            <a:extLst>
+              <a:ext uri="{FF2B5EF4-FFF2-40B4-BE49-F238E27FC236}">
+                <a16:creationId xmlns:a16="http://schemas.microsoft.com/office/drawing/2014/main" id="{74B9C796-15A8-487E-865A-4C280C0C2CD0}"/>
+              </a:ext>
+            </a:extLst>
+          </p:cNvPr>
+          <p:cNvSpPr txBox="1"/>
+          <p:nvPr/>
+        </p:nvSpPr>
+        <p:spPr>
+          <a:xfrm>
+            <a:off x="441405" y="1059873"/>
+            <a:ext cx="11309190" cy="3416320"/>
+          </a:xfrm>
+          <a:prstGeom prst="rect">
+            <a:avLst/>
+          </a:prstGeom>
+          <a:noFill/>
+        </p:spPr>
+        <p:txBody>
+          <a:bodyPr wrap="square" rtlCol="0">
+            <a:spAutoFit/>
+          </a:bodyPr>
+          <a:lstStyle/>
+          <a:p>
+            <a:r>
+              <a:rPr lang="en-US" dirty="0">
+                <a:latin typeface="Abadi" panose="020B0604020104020204" pitchFamily="34" charset="0"/>
+              </a:rPr>
+              <a:t>Analysis Questions: </a:t>
+            </a:r>
+          </a:p>
+          <a:p>
+            <a:endParaRPr lang="en-US" dirty="0">
+              <a:latin typeface="Abadi" panose="020B0604020104020204" pitchFamily="34" charset="0"/>
+            </a:endParaRPr>
+          </a:p>
+          <a:p>
+            <a:pPr marL="285750" indent="-285750">
+              <a:buFont typeface="Wingdings" panose="05000000000000000000" pitchFamily="2" charset="2"/>
+              <a:buChar char="ü"/>
+            </a:pPr>
+            <a:r>
+              <a:rPr lang="en-US" dirty="0">
+                <a:latin typeface="Abadi" panose="020B0604020104020204" pitchFamily="34" charset="0"/>
+              </a:rPr>
+              <a:t>What are the factors that impacts the rating of the business establishment</a:t>
+            </a:r>
+          </a:p>
+          <a:p>
+            <a:endParaRPr lang="en-US" dirty="0">
+              <a:latin typeface="Abadi" panose="020B0604020104020204" pitchFamily="34" charset="0"/>
+            </a:endParaRPr>
+          </a:p>
+          <a:p>
+            <a:pPr marL="285750" indent="-285750">
+              <a:buFont typeface="Wingdings" panose="05000000000000000000" pitchFamily="2" charset="2"/>
+              <a:buChar char="ü"/>
+            </a:pPr>
+            <a:r>
+              <a:rPr lang="en-US" dirty="0">
+                <a:latin typeface="Abadi" panose="020B0604020104020204" pitchFamily="34" charset="0"/>
+              </a:rPr>
+              <a:t>How can features and attribute impacts the establishment outcome</a:t>
+            </a:r>
+          </a:p>
+          <a:p>
+            <a:endParaRPr lang="en-US" dirty="0">
+              <a:latin typeface="Abadi" panose="020B0604020104020204" pitchFamily="34" charset="0"/>
+            </a:endParaRPr>
+          </a:p>
+          <a:p>
+            <a:pPr marL="285750" indent="-285750">
+              <a:buFont typeface="Wingdings" panose="05000000000000000000" pitchFamily="2" charset="2"/>
+              <a:buChar char="ü"/>
+            </a:pPr>
+            <a:r>
+              <a:rPr lang="en-US" dirty="0">
+                <a:latin typeface="Abadi" panose="020B0604020104020204" pitchFamily="34" charset="0"/>
+              </a:rPr>
+              <a:t>How does the attributes or features affect rating or reviews</a:t>
+            </a:r>
+          </a:p>
+          <a:p>
+            <a:endParaRPr lang="en-US" dirty="0">
+              <a:latin typeface="Abadi" panose="020B0604020104020204" pitchFamily="34" charset="0"/>
+            </a:endParaRPr>
+          </a:p>
+          <a:p>
+            <a:pPr marL="285750" indent="-285750">
+              <a:buFont typeface="Wingdings" panose="05000000000000000000" pitchFamily="2" charset="2"/>
+              <a:buChar char="ü"/>
+            </a:pPr>
+            <a:r>
+              <a:rPr lang="en-US" dirty="0">
+                <a:latin typeface="Abadi" panose="020B0604020104020204" pitchFamily="34" charset="0"/>
+              </a:rPr>
+              <a:t>Is there any association between number of check-ins and number of reviews</a:t>
+            </a:r>
+          </a:p>
+          <a:p>
+            <a:endParaRPr lang="en-US" dirty="0">
+              <a:latin typeface="Abadi" panose="020B0604020104020204" pitchFamily="34" charset="0"/>
+            </a:endParaRPr>
+          </a:p>
+          <a:p>
+            <a:pPr marL="285750" indent="-285750">
+              <a:buFont typeface="Wingdings" panose="05000000000000000000" pitchFamily="2" charset="2"/>
+              <a:buChar char="ü"/>
+            </a:pPr>
+            <a:r>
+              <a:rPr lang="en-US" dirty="0">
+                <a:latin typeface="Abadi" panose="020B0604020104020204" pitchFamily="34" charset="0"/>
+              </a:rPr>
+              <a:t>Can we predict a closure of a business establishment? </a:t>
+            </a:r>
+          </a:p>
+          <a:p>
+            <a:endParaRPr lang="en-US" dirty="0">
+              <a:latin typeface="Abadi" panose="020B0604020104020204" pitchFamily="34" charset="0"/>
+            </a:endParaRPr>
+          </a:p>
+        </p:txBody>
+      </p:sp>
+    </p:spTree>
+    <p:extLst>
+      <p:ext uri="{BB962C8B-B14F-4D97-AF65-F5344CB8AC3E}">
+        <p14:creationId xmlns:p14="http://schemas.microsoft.com/office/powerpoint/2010/main" val="1768601469"/>
+      </p:ext>
+    </p:extLst>
+  </p:cSld>
+  <p:clrMapOvr>
+    <a:masterClrMapping/>
+  </p:clrMapOvr>
+</p:sld>
+</file>
+
+<file path=ppt/slides/slide4.xml><?xml version="1.0" encoding="utf-8"?>
+<p:sld xmlns:a="http://schemas.openxmlformats.org/drawingml/2006/main" xmlns:r="http://schemas.openxmlformats.org/officeDocument/2006/relationships" xmlns:p="http://schemas.openxmlformats.org/presentationml/2006/main">
+  <p:cSld>
+    <p:spTree>
+      <p:nvGrpSpPr>
+        <p:cNvPr id="1" name=""/>
+        <p:cNvGrpSpPr/>
+        <p:nvPr/>
+      </p:nvGrpSpPr>
+      <p:grpSpPr>
+        <a:xfrm>
+          <a:off x="0" y="0"/>
+          <a:ext cx="0" cy="0"/>
+          <a:chOff x="0" y="0"/>
+          <a:chExt cx="0" cy="0"/>
+        </a:xfrm>
+      </p:grpSpPr>
+      <p:sp>
+        <p:nvSpPr>
+          <p:cNvPr id="2" name="TextBox 1">
+            <a:extLst>
+              <a:ext uri="{FF2B5EF4-FFF2-40B4-BE49-F238E27FC236}">
+                <a16:creationId xmlns:a16="http://schemas.microsoft.com/office/drawing/2014/main" id="{F38FF061-0C27-4C4B-BC50-4056C82F92B5}"/>
+              </a:ext>
+            </a:extLst>
+          </p:cNvPr>
+          <p:cNvSpPr txBox="1"/>
+          <p:nvPr/>
+        </p:nvSpPr>
+        <p:spPr>
+          <a:xfrm>
+            <a:off x="256674" y="344905"/>
+            <a:ext cx="184731" cy="369332"/>
+          </a:xfrm>
+          <a:prstGeom prst="rect">
+            <a:avLst/>
+          </a:prstGeom>
+          <a:noFill/>
+        </p:spPr>
+        <p:txBody>
+          <a:bodyPr wrap="none" rtlCol="0">
+            <a:spAutoFit/>
+          </a:bodyPr>
+          <a:lstStyle/>
+          <a:p>
+            <a:endParaRPr lang="en-US" dirty="0"/>
+          </a:p>
+        </p:txBody>
+      </p:sp>
+      <p:sp>
+        <p:nvSpPr>
+          <p:cNvPr id="3" name="TextBox 2">
+            <a:extLst>
+              <a:ext uri="{FF2B5EF4-FFF2-40B4-BE49-F238E27FC236}">
+                <a16:creationId xmlns:a16="http://schemas.microsoft.com/office/drawing/2014/main" id="{1E798AEA-4657-4AC2-AB1F-40B93469DA1D}"/>
+              </a:ext>
+            </a:extLst>
+          </p:cNvPr>
+          <p:cNvSpPr txBox="1"/>
+          <p:nvPr/>
+        </p:nvSpPr>
+        <p:spPr>
+          <a:xfrm>
+            <a:off x="256674" y="160552"/>
+            <a:ext cx="11493921" cy="369332"/>
+          </a:xfrm>
+          <a:prstGeom prst="rect">
+            <a:avLst/>
+          </a:prstGeom>
+          <a:solidFill>
+            <a:srgbClr val="002060"/>
+          </a:solidFill>
+          <a:ln>
+            <a:noFill/>
+          </a:ln>
+        </p:spPr>
+        <p:style>
+          <a:lnRef idx="1">
+            <a:schemeClr val="dk1"/>
+          </a:lnRef>
+          <a:fillRef idx="2">
+            <a:schemeClr val="dk1"/>
+          </a:fillRef>
+          <a:effectRef idx="1">
+            <a:schemeClr val="dk1"/>
+          </a:effectRef>
+          <a:fontRef idx="minor">
+            <a:schemeClr val="dk1"/>
+          </a:fontRef>
+        </p:style>
+        <p:txBody>
+          <a:bodyPr wrap="square" rtlCol="0">
+            <a:spAutoFit/>
+          </a:bodyPr>
+          <a:lstStyle/>
+          <a:p>
+            <a:r>
+              <a:rPr lang="en-US" b="1" spc="50" dirty="0">
+                <a:ln w="0"/>
+                <a:solidFill>
                   <a:schemeClr val="bg1"/>
                 </a:solidFill>
                 <a:effectLst>
@@ -5731,7 +7363,288 @@
                   </a:innerShdw>
                 </a:effectLst>
               </a:rPr>
-              <a:t>Yelp Dataset Used</a:t>
+              <a:t>Variables</a:t>
+            </a:r>
+          </a:p>
+        </p:txBody>
+      </p:sp>
+      <p:sp>
+        <p:nvSpPr>
+          <p:cNvPr id="29" name="Rectangle 28">
+            <a:extLst>
+              <a:ext uri="{FF2B5EF4-FFF2-40B4-BE49-F238E27FC236}">
+                <a16:creationId xmlns:a16="http://schemas.microsoft.com/office/drawing/2014/main" id="{5B88C625-67F1-4677-B918-4E6BE60E0D9E}"/>
+              </a:ext>
+            </a:extLst>
+          </p:cNvPr>
+          <p:cNvSpPr/>
+          <p:nvPr/>
+        </p:nvSpPr>
+        <p:spPr>
+          <a:xfrm>
+            <a:off x="5534526" y="529884"/>
+            <a:ext cx="6216069" cy="5758621"/>
+          </a:xfrm>
+          <a:prstGeom prst="rect">
+            <a:avLst/>
+          </a:prstGeom>
+          <a:solidFill>
+            <a:srgbClr val="002060"/>
+          </a:solidFill>
+          <a:ln>
+            <a:noFill/>
+          </a:ln>
+        </p:spPr>
+        <p:style>
+          <a:lnRef idx="2">
+            <a:schemeClr val="accent1">
+              <a:shade val="50000"/>
+            </a:schemeClr>
+          </a:lnRef>
+          <a:fillRef idx="1">
+            <a:schemeClr val="accent1"/>
+          </a:fillRef>
+          <a:effectRef idx="0">
+            <a:schemeClr val="accent1"/>
+          </a:effectRef>
+          <a:fontRef idx="minor">
+            <a:schemeClr val="lt1"/>
+          </a:fontRef>
+        </p:style>
+        <p:txBody>
+          <a:bodyPr rtlCol="0" anchor="ctr"/>
+          <a:lstStyle/>
+          <a:p>
+            <a:pPr algn="ctr"/>
+            <a:endParaRPr lang="en-US"/>
+          </a:p>
+        </p:txBody>
+      </p:sp>
+      <p:sp>
+        <p:nvSpPr>
+          <p:cNvPr id="34" name="TextBox 33">
+            <a:extLst>
+              <a:ext uri="{FF2B5EF4-FFF2-40B4-BE49-F238E27FC236}">
+                <a16:creationId xmlns:a16="http://schemas.microsoft.com/office/drawing/2014/main" id="{5C65E7A6-314E-4449-91B1-59D7CD7887B1}"/>
+              </a:ext>
+            </a:extLst>
+          </p:cNvPr>
+          <p:cNvSpPr txBox="1"/>
+          <p:nvPr/>
+        </p:nvSpPr>
+        <p:spPr>
+          <a:xfrm>
+            <a:off x="256674" y="754527"/>
+            <a:ext cx="5050264" cy="646331"/>
+          </a:xfrm>
+          <a:prstGeom prst="rect">
+            <a:avLst/>
+          </a:prstGeom>
+          <a:noFill/>
+        </p:spPr>
+        <p:txBody>
+          <a:bodyPr wrap="square" rtlCol="0">
+            <a:spAutoFit/>
+          </a:bodyPr>
+          <a:lstStyle/>
+          <a:p>
+            <a:r>
+              <a:rPr lang="en-US" b="1" dirty="0"/>
+              <a:t> Business Dataset</a:t>
+            </a:r>
+          </a:p>
+          <a:p>
+            <a:r>
+              <a:rPr lang="en-US" b="1" dirty="0"/>
+              <a:t>  </a:t>
+            </a:r>
+          </a:p>
+        </p:txBody>
+      </p:sp>
+      <p:pic>
+        <p:nvPicPr>
+          <p:cNvPr id="6" name="Picture 5">
+            <a:extLst>
+              <a:ext uri="{FF2B5EF4-FFF2-40B4-BE49-F238E27FC236}">
+                <a16:creationId xmlns:a16="http://schemas.microsoft.com/office/drawing/2014/main" id="{7FCA596A-F1D5-12C2-B1F7-F15745AEE6B6}"/>
+              </a:ext>
+            </a:extLst>
+          </p:cNvPr>
+          <p:cNvPicPr>
+            <a:picLocks noChangeAspect="1"/>
+          </p:cNvPicPr>
+          <p:nvPr/>
+        </p:nvPicPr>
+        <p:blipFill>
+          <a:blip r:embed="rId2"/>
+          <a:stretch>
+            <a:fillRect/>
+          </a:stretch>
+        </p:blipFill>
+        <p:spPr>
+          <a:xfrm>
+            <a:off x="7091858" y="556073"/>
+            <a:ext cx="3101403" cy="1689570"/>
+          </a:xfrm>
+          <a:prstGeom prst="rect">
+            <a:avLst/>
+          </a:prstGeom>
+        </p:spPr>
+      </p:pic>
+      <p:pic>
+        <p:nvPicPr>
+          <p:cNvPr id="10" name="Picture 9">
+            <a:extLst>
+              <a:ext uri="{FF2B5EF4-FFF2-40B4-BE49-F238E27FC236}">
+                <a16:creationId xmlns:a16="http://schemas.microsoft.com/office/drawing/2014/main" id="{D2193146-F864-C643-CF50-0508B8D48D7E}"/>
+              </a:ext>
+            </a:extLst>
+          </p:cNvPr>
+          <p:cNvPicPr>
+            <a:picLocks noChangeAspect="1"/>
+          </p:cNvPicPr>
+          <p:nvPr/>
+        </p:nvPicPr>
+        <p:blipFill>
+          <a:blip r:embed="rId3"/>
+          <a:stretch>
+            <a:fillRect/>
+          </a:stretch>
+        </p:blipFill>
+        <p:spPr>
+          <a:xfrm>
+            <a:off x="7051011" y="2484381"/>
+            <a:ext cx="3183095" cy="1819716"/>
+          </a:xfrm>
+          <a:prstGeom prst="rect">
+            <a:avLst/>
+          </a:prstGeom>
+        </p:spPr>
+      </p:pic>
+    </p:spTree>
+    <p:extLst>
+      <p:ext uri="{BB962C8B-B14F-4D97-AF65-F5344CB8AC3E}">
+        <p14:creationId xmlns:p14="http://schemas.microsoft.com/office/powerpoint/2010/main" val="3487369945"/>
+      </p:ext>
+    </p:extLst>
+  </p:cSld>
+  <p:clrMapOvr>
+    <a:masterClrMapping/>
+  </p:clrMapOvr>
+</p:sld>
+</file>
+
+<file path=ppt/slides/slide5.xml><?xml version="1.0" encoding="utf-8"?>
+<p:sld xmlns:a="http://schemas.openxmlformats.org/drawingml/2006/main" xmlns:r="http://schemas.openxmlformats.org/officeDocument/2006/relationships" xmlns:p="http://schemas.openxmlformats.org/presentationml/2006/main">
+  <p:cSld>
+    <p:spTree>
+      <p:nvGrpSpPr>
+        <p:cNvPr id="1" name=""/>
+        <p:cNvGrpSpPr/>
+        <p:nvPr/>
+      </p:nvGrpSpPr>
+      <p:grpSpPr>
+        <a:xfrm>
+          <a:off x="0" y="0"/>
+          <a:ext cx="0" cy="0"/>
+          <a:chOff x="0" y="0"/>
+          <a:chExt cx="0" cy="0"/>
+        </a:xfrm>
+      </p:grpSpPr>
+      <p:sp>
+        <p:nvSpPr>
+          <p:cNvPr id="2" name="TextBox 1">
+            <a:extLst>
+              <a:ext uri="{FF2B5EF4-FFF2-40B4-BE49-F238E27FC236}">
+                <a16:creationId xmlns:a16="http://schemas.microsoft.com/office/drawing/2014/main" id="{F38FF061-0C27-4C4B-BC50-4056C82F92B5}"/>
+              </a:ext>
+            </a:extLst>
+          </p:cNvPr>
+          <p:cNvSpPr txBox="1"/>
+          <p:nvPr/>
+        </p:nvSpPr>
+        <p:spPr>
+          <a:xfrm>
+            <a:off x="256674" y="344905"/>
+            <a:ext cx="184731" cy="369332"/>
+          </a:xfrm>
+          <a:prstGeom prst="rect">
+            <a:avLst/>
+          </a:prstGeom>
+          <a:noFill/>
+        </p:spPr>
+        <p:txBody>
+          <a:bodyPr wrap="none" rtlCol="0">
+            <a:spAutoFit/>
+          </a:bodyPr>
+          <a:lstStyle/>
+          <a:p>
+            <a:endParaRPr lang="en-US" dirty="0"/>
+          </a:p>
+        </p:txBody>
+      </p:sp>
+      <p:sp>
+        <p:nvSpPr>
+          <p:cNvPr id="3" name="TextBox 2">
+            <a:extLst>
+              <a:ext uri="{FF2B5EF4-FFF2-40B4-BE49-F238E27FC236}">
+                <a16:creationId xmlns:a16="http://schemas.microsoft.com/office/drawing/2014/main" id="{1E798AEA-4657-4AC2-AB1F-40B93469DA1D}"/>
+              </a:ext>
+            </a:extLst>
+          </p:cNvPr>
+          <p:cNvSpPr txBox="1"/>
+          <p:nvPr/>
+        </p:nvSpPr>
+        <p:spPr>
+          <a:xfrm>
+            <a:off x="256674" y="160552"/>
+            <a:ext cx="11493921" cy="369332"/>
+          </a:xfrm>
+          <a:prstGeom prst="rect">
+            <a:avLst/>
+          </a:prstGeom>
+          <a:solidFill>
+            <a:srgbClr val="002060"/>
+          </a:solidFill>
+          <a:ln>
+            <a:noFill/>
+          </a:ln>
+        </p:spPr>
+        <p:style>
+          <a:lnRef idx="1">
+            <a:schemeClr val="dk1"/>
+          </a:lnRef>
+          <a:fillRef idx="2">
+            <a:schemeClr val="dk1"/>
+          </a:fillRef>
+          <a:effectRef idx="1">
+            <a:schemeClr val="dk1"/>
+          </a:effectRef>
+          <a:fontRef idx="minor">
+            <a:schemeClr val="dk1"/>
+          </a:fontRef>
+        </p:style>
+        <p:txBody>
+          <a:bodyPr wrap="square" rtlCol="0">
+            <a:spAutoFit/>
+          </a:bodyPr>
+          <a:lstStyle/>
+          <a:p>
+            <a:r>
+              <a:rPr lang="en-US" b="1" spc="50" dirty="0">
+                <a:ln w="0"/>
+                <a:solidFill>
+                  <a:schemeClr val="bg1"/>
+                </a:solidFill>
+                <a:effectLst>
+                  <a:innerShdw blurRad="63500" dist="50800" dir="13500000">
+                    <a:srgbClr val="000000">
+                      <a:alpha val="50000"/>
+                    </a:srgbClr>
+                  </a:innerShdw>
+                </a:effectLst>
+              </a:rPr>
+              <a:t>Histogram of Variables</a:t>
             </a:r>
           </a:p>
         </p:txBody>
@@ -6813,7 +8726,7 @@
     </p:spTree>
     <p:extLst>
       <p:ext uri="{BB962C8B-B14F-4D97-AF65-F5344CB8AC3E}">
-        <p14:creationId xmlns:p14="http://schemas.microsoft.com/office/powerpoint/2010/main" val="3487369945"/>
+        <p14:creationId xmlns:p14="http://schemas.microsoft.com/office/powerpoint/2010/main" val="779814751"/>
       </p:ext>
     </p:extLst>
   </p:cSld>
@@ -6823,7 +8736,7 @@
 </p:sld>
 </file>
 
-<file path=ppt/slides/slide3.xml><?xml version="1.0" encoding="utf-8"?>
+<file path=ppt/slides/slide6.xml><?xml version="1.0" encoding="utf-8"?>
 <p:sld xmlns:a="http://schemas.openxmlformats.org/drawingml/2006/main" xmlns:r="http://schemas.openxmlformats.org/officeDocument/2006/relationships" xmlns:p="http://schemas.openxmlformats.org/presentationml/2006/main">
   <p:cSld>
     <p:spTree>
@@ -6895,9 +8808,6 @@
           <a:solidFill>
             <a:srgbClr val="002060"/>
           </a:solidFill>
-          <a:ln>
-            <a:noFill/>
-          </a:ln>
         </p:spPr>
         <p:style>
           <a:lnRef idx="1">
@@ -6923,6 +8833,665 @@
               <a:rPr lang="en-US" b="1" spc="50" dirty="0">
                 <a:ln w="0"/>
                 <a:solidFill>
+                  <a:schemeClr val="bg2"/>
+                </a:solidFill>
+                <a:effectLst>
+                  <a:innerShdw blurRad="63500" dist="50800" dir="13500000">
+                    <a:srgbClr val="000000">
+                      <a:alpha val="50000"/>
+                    </a:srgbClr>
+                  </a:innerShdw>
+                </a:effectLst>
+              </a:rPr>
+              <a:t>CDF of a Variable</a:t>
+            </a:r>
+          </a:p>
+        </p:txBody>
+      </p:sp>
+      <p:sp>
+        <p:nvSpPr>
+          <p:cNvPr id="7" name="TextBox 6">
+            <a:extLst>
+              <a:ext uri="{FF2B5EF4-FFF2-40B4-BE49-F238E27FC236}">
+                <a16:creationId xmlns:a16="http://schemas.microsoft.com/office/drawing/2014/main" id="{BCAB18D2-6C50-4697-ACCB-30E0DF18843C}"/>
+              </a:ext>
+            </a:extLst>
+          </p:cNvPr>
+          <p:cNvSpPr txBox="1"/>
+          <p:nvPr/>
+        </p:nvSpPr>
+        <p:spPr>
+          <a:xfrm>
+            <a:off x="441405" y="898590"/>
+            <a:ext cx="11368818" cy="369332"/>
+          </a:xfrm>
+          <a:prstGeom prst="rect">
+            <a:avLst/>
+          </a:prstGeom>
+          <a:noFill/>
+        </p:spPr>
+        <p:txBody>
+          <a:bodyPr wrap="none" rtlCol="0">
+            <a:spAutoFit/>
+          </a:bodyPr>
+          <a:lstStyle/>
+          <a:p>
+            <a:r>
+              <a:rPr lang="en-US" dirty="0">
+                <a:latin typeface="Abadi" panose="020B0604020104020204" pitchFamily="34" charset="0"/>
+              </a:rPr>
+              <a:t>Problems are easier to solve, Work are easily done, People are being connected, Diseases are detected earlier…..</a:t>
+            </a:r>
+          </a:p>
+        </p:txBody>
+      </p:sp>
+      <p:sp>
+        <p:nvSpPr>
+          <p:cNvPr id="22" name="TextBox 21">
+            <a:extLst>
+              <a:ext uri="{FF2B5EF4-FFF2-40B4-BE49-F238E27FC236}">
+                <a16:creationId xmlns:a16="http://schemas.microsoft.com/office/drawing/2014/main" id="{72E2189C-B182-4550-BE72-15D67F96DC57}"/>
+              </a:ext>
+            </a:extLst>
+          </p:cNvPr>
+          <p:cNvSpPr txBox="1"/>
+          <p:nvPr/>
+        </p:nvSpPr>
+        <p:spPr>
+          <a:xfrm>
+            <a:off x="8149389" y="2253784"/>
+            <a:ext cx="2834262" cy="2723823"/>
+          </a:xfrm>
+          <a:prstGeom prst="rect">
+            <a:avLst/>
+          </a:prstGeom>
+          <a:noFill/>
+        </p:spPr>
+        <p:txBody>
+          <a:bodyPr wrap="square" rtlCol="0">
+            <a:spAutoFit/>
+          </a:bodyPr>
+          <a:lstStyle/>
+          <a:p>
+            <a:r>
+              <a:rPr lang="en-US" sz="1050" b="1" dirty="0">
+                <a:solidFill>
+                  <a:schemeClr val="bg1"/>
+                </a:solidFill>
+                <a:latin typeface="Abadi" panose="020B0604020104020204" pitchFamily="34" charset="0"/>
+              </a:rPr>
+              <a:t>Risk and Fraud Management decision (Examples) </a:t>
+            </a:r>
+          </a:p>
+          <a:p>
+            <a:endParaRPr lang="en-US" sz="1050" dirty="0">
+              <a:solidFill>
+                <a:schemeClr val="bg1"/>
+              </a:solidFill>
+              <a:latin typeface="Abadi" panose="020B0604020104020204" pitchFamily="34" charset="0"/>
+            </a:endParaRPr>
+          </a:p>
+          <a:p>
+            <a:pPr marL="171450" indent="-171450">
+              <a:buFont typeface="Wingdings" panose="05000000000000000000" pitchFamily="2" charset="2"/>
+              <a:buChar char="ü"/>
+            </a:pPr>
+            <a:r>
+              <a:rPr lang="en-US" sz="1050" dirty="0">
+                <a:solidFill>
+                  <a:schemeClr val="bg1"/>
+                </a:solidFill>
+                <a:latin typeface="Abadi" panose="020B0604020104020204" pitchFamily="34" charset="0"/>
+              </a:rPr>
+              <a:t>Reporting, Alerting and Notification System </a:t>
+            </a:r>
+          </a:p>
+          <a:p>
+            <a:pPr marL="171450" indent="-171450">
+              <a:buFont typeface="Wingdings" panose="05000000000000000000" pitchFamily="2" charset="2"/>
+              <a:buChar char="ü"/>
+            </a:pPr>
+            <a:endParaRPr lang="en-US" sz="1050" dirty="0">
+              <a:solidFill>
+                <a:schemeClr val="bg1"/>
+              </a:solidFill>
+              <a:latin typeface="Abadi" panose="020B0604020104020204" pitchFamily="34" charset="0"/>
+            </a:endParaRPr>
+          </a:p>
+          <a:p>
+            <a:pPr marL="171450" indent="-171450">
+              <a:buFont typeface="Wingdings" panose="05000000000000000000" pitchFamily="2" charset="2"/>
+              <a:buChar char="ü"/>
+            </a:pPr>
+            <a:r>
+              <a:rPr lang="en-US" sz="1050" dirty="0">
+                <a:solidFill>
+                  <a:schemeClr val="bg1"/>
+                </a:solidFill>
+                <a:latin typeface="Abadi" panose="020B0604020104020204" pitchFamily="34" charset="0"/>
+              </a:rPr>
+              <a:t>Monitoring Application</a:t>
+            </a:r>
+          </a:p>
+          <a:p>
+            <a:endParaRPr lang="en-US" sz="1050" dirty="0">
+              <a:solidFill>
+                <a:schemeClr val="bg1"/>
+              </a:solidFill>
+              <a:latin typeface="Abadi" panose="020B0604020104020204" pitchFamily="34" charset="0"/>
+            </a:endParaRPr>
+          </a:p>
+          <a:p>
+            <a:pPr marL="171450" indent="-171450">
+              <a:buFont typeface="Wingdings" panose="05000000000000000000" pitchFamily="2" charset="2"/>
+              <a:buChar char="ü"/>
+            </a:pPr>
+            <a:r>
+              <a:rPr lang="en-US" sz="1050" dirty="0">
+                <a:solidFill>
+                  <a:schemeClr val="bg1"/>
+                </a:solidFill>
+                <a:latin typeface="Abadi" panose="020B0604020104020204" pitchFamily="34" charset="0"/>
+              </a:rPr>
+              <a:t>Automated Case Management </a:t>
+            </a:r>
+          </a:p>
+          <a:p>
+            <a:endParaRPr lang="en-US" sz="1050" dirty="0">
+              <a:solidFill>
+                <a:schemeClr val="bg1"/>
+              </a:solidFill>
+              <a:latin typeface="Abadi" panose="020B0604020104020204" pitchFamily="34" charset="0"/>
+            </a:endParaRPr>
+          </a:p>
+          <a:p>
+            <a:pPr marL="171450" indent="-171450">
+              <a:buFont typeface="Wingdings" panose="05000000000000000000" pitchFamily="2" charset="2"/>
+              <a:buChar char="ü"/>
+            </a:pPr>
+            <a:r>
+              <a:rPr lang="en-US" sz="1050" dirty="0">
+                <a:solidFill>
+                  <a:schemeClr val="bg1"/>
+                </a:solidFill>
+                <a:latin typeface="Abadi" panose="020B0604020104020204" pitchFamily="34" charset="0"/>
+              </a:rPr>
+              <a:t>Reduction of False Positive when identifying fraud</a:t>
+            </a:r>
+          </a:p>
+          <a:p>
+            <a:endParaRPr lang="en-US" sz="1050" dirty="0">
+              <a:solidFill>
+                <a:schemeClr val="bg1"/>
+              </a:solidFill>
+              <a:latin typeface="Abadi" panose="020B0604020104020204" pitchFamily="34" charset="0"/>
+            </a:endParaRPr>
+          </a:p>
+          <a:p>
+            <a:pPr marL="171450" indent="-171450">
+              <a:buFont typeface="Wingdings" panose="05000000000000000000" pitchFamily="2" charset="2"/>
+              <a:buChar char="ü"/>
+            </a:pPr>
+            <a:r>
+              <a:rPr lang="en-US" sz="1050" dirty="0">
+                <a:solidFill>
+                  <a:schemeClr val="bg1"/>
+                </a:solidFill>
+                <a:latin typeface="Abadi" panose="020B0604020104020204" pitchFamily="34" charset="0"/>
+              </a:rPr>
+              <a:t>Influence Security Applications</a:t>
+            </a:r>
+          </a:p>
+          <a:p>
+            <a:endParaRPr lang="en-US" sz="1050" b="1" dirty="0">
+              <a:solidFill>
+                <a:schemeClr val="bg1"/>
+              </a:solidFill>
+            </a:endParaRPr>
+          </a:p>
+          <a:p>
+            <a:endParaRPr lang="en-US" sz="1200" b="1" dirty="0">
+              <a:solidFill>
+                <a:schemeClr val="bg1"/>
+              </a:solidFill>
+            </a:endParaRPr>
+          </a:p>
+          <a:p>
+            <a:pPr marL="171450" indent="-171450">
+              <a:buFont typeface="Wingdings" panose="05000000000000000000" pitchFamily="2" charset="2"/>
+              <a:buChar char="ü"/>
+            </a:pPr>
+            <a:endParaRPr lang="en-US" sz="1200" b="1" dirty="0">
+              <a:solidFill>
+                <a:schemeClr val="bg1"/>
+              </a:solidFill>
+            </a:endParaRPr>
+          </a:p>
+        </p:txBody>
+      </p:sp>
+      <p:pic>
+        <p:nvPicPr>
+          <p:cNvPr id="8" name="Graphic 7" descr="Doctor female with solid fill">
+            <a:extLst>
+              <a:ext uri="{FF2B5EF4-FFF2-40B4-BE49-F238E27FC236}">
+                <a16:creationId xmlns:a16="http://schemas.microsoft.com/office/drawing/2014/main" id="{C8BE2C0F-9251-48FE-AE61-C86C26A15420}"/>
+              </a:ext>
+            </a:extLst>
+          </p:cNvPr>
+          <p:cNvPicPr>
+            <a:picLocks noChangeAspect="1"/>
+          </p:cNvPicPr>
+          <p:nvPr/>
+        </p:nvPicPr>
+        <p:blipFill>
+          <a:blip r:embed="rId2">
+            <a:extLst>
+              <a:ext uri="{96DAC541-7B7A-43D3-8B79-37D633B846F1}">
+                <asvg:svgBlip xmlns:asvg="http://schemas.microsoft.com/office/drawing/2016/SVG/main" r:embed="rId3"/>
+              </a:ext>
+            </a:extLst>
+          </a:blip>
+          <a:stretch>
+            <a:fillRect/>
+          </a:stretch>
+        </p:blipFill>
+        <p:spPr>
+          <a:xfrm>
+            <a:off x="1092200" y="1353537"/>
+            <a:ext cx="914400" cy="914400"/>
+          </a:xfrm>
+          <a:prstGeom prst="rect">
+            <a:avLst/>
+          </a:prstGeom>
+        </p:spPr>
+      </p:pic>
+      <p:pic>
+        <p:nvPicPr>
+          <p:cNvPr id="10" name="Graphic 9" descr="Travel outline">
+            <a:extLst>
+              <a:ext uri="{FF2B5EF4-FFF2-40B4-BE49-F238E27FC236}">
+                <a16:creationId xmlns:a16="http://schemas.microsoft.com/office/drawing/2014/main" id="{8110D858-97C2-422D-A0AF-AE777C140077}"/>
+              </a:ext>
+            </a:extLst>
+          </p:cNvPr>
+          <p:cNvPicPr>
+            <a:picLocks noChangeAspect="1"/>
+          </p:cNvPicPr>
+          <p:nvPr/>
+        </p:nvPicPr>
+        <p:blipFill>
+          <a:blip r:embed="rId4">
+            <a:extLst>
+              <a:ext uri="{96DAC541-7B7A-43D3-8B79-37D633B846F1}">
+                <asvg:svgBlip xmlns:asvg="http://schemas.microsoft.com/office/drawing/2016/SVG/main" r:embed="rId5"/>
+              </a:ext>
+            </a:extLst>
+          </a:blip>
+          <a:stretch>
+            <a:fillRect/>
+          </a:stretch>
+        </p:blipFill>
+        <p:spPr>
+          <a:xfrm>
+            <a:off x="887598" y="2511933"/>
+            <a:ext cx="724323" cy="724323"/>
+          </a:xfrm>
+          <a:prstGeom prst="rect">
+            <a:avLst/>
+          </a:prstGeom>
+        </p:spPr>
+      </p:pic>
+      <p:pic>
+        <p:nvPicPr>
+          <p:cNvPr id="13" name="Graphic 12" descr="Connections outline">
+            <a:extLst>
+              <a:ext uri="{FF2B5EF4-FFF2-40B4-BE49-F238E27FC236}">
+                <a16:creationId xmlns:a16="http://schemas.microsoft.com/office/drawing/2014/main" id="{C44594B5-56C0-475D-9833-FF6C66F67D8C}"/>
+              </a:ext>
+            </a:extLst>
+          </p:cNvPr>
+          <p:cNvPicPr>
+            <a:picLocks noChangeAspect="1"/>
+          </p:cNvPicPr>
+          <p:nvPr/>
+        </p:nvPicPr>
+        <p:blipFill>
+          <a:blip r:embed="rId6">
+            <a:extLst>
+              <a:ext uri="{96DAC541-7B7A-43D3-8B79-37D633B846F1}">
+                <asvg:svgBlip xmlns:asvg="http://schemas.microsoft.com/office/drawing/2016/SVG/main" r:embed="rId7"/>
+              </a:ext>
+            </a:extLst>
+          </a:blip>
+          <a:stretch>
+            <a:fillRect/>
+          </a:stretch>
+        </p:blipFill>
+        <p:spPr>
+          <a:xfrm>
+            <a:off x="1023865" y="3565867"/>
+            <a:ext cx="914400" cy="914400"/>
+          </a:xfrm>
+          <a:prstGeom prst="rect">
+            <a:avLst/>
+          </a:prstGeom>
+        </p:spPr>
+      </p:pic>
+      <p:sp>
+        <p:nvSpPr>
+          <p:cNvPr id="14" name="TextBox 13">
+            <a:extLst>
+              <a:ext uri="{FF2B5EF4-FFF2-40B4-BE49-F238E27FC236}">
+                <a16:creationId xmlns:a16="http://schemas.microsoft.com/office/drawing/2014/main" id="{17783C9B-929E-4970-9A69-9A2F2E3AD666}"/>
+              </a:ext>
+            </a:extLst>
+          </p:cNvPr>
+          <p:cNvSpPr txBox="1"/>
+          <p:nvPr/>
+        </p:nvSpPr>
+        <p:spPr>
+          <a:xfrm>
+            <a:off x="2207126" y="1353537"/>
+            <a:ext cx="9256295" cy="4524315"/>
+          </a:xfrm>
+          <a:prstGeom prst="rect">
+            <a:avLst/>
+          </a:prstGeom>
+          <a:noFill/>
+        </p:spPr>
+        <p:txBody>
+          <a:bodyPr wrap="square" rtlCol="0">
+            <a:spAutoFit/>
+          </a:bodyPr>
+          <a:lstStyle/>
+          <a:p>
+            <a:r>
+              <a:rPr lang="en-US" sz="1600" b="1" dirty="0"/>
+              <a:t>Medical and Healthcare</a:t>
+            </a:r>
+          </a:p>
+          <a:p>
+            <a:r>
+              <a:rPr lang="en-US" sz="1600" dirty="0"/>
+              <a:t>Faster Diagnosis using known medical information and captured patient data</a:t>
+            </a:r>
+          </a:p>
+          <a:p>
+            <a:r>
+              <a:rPr lang="en-US" sz="1600" dirty="0"/>
+              <a:t>Recommendation on treatments where effectiveness are backed by data </a:t>
+            </a:r>
+          </a:p>
+          <a:p>
+            <a:r>
+              <a:rPr lang="en-US" sz="1600" dirty="0"/>
+              <a:t>Improve hospitals and healthcare facilities services</a:t>
+            </a:r>
+          </a:p>
+          <a:p>
+            <a:endParaRPr lang="en-US" sz="1600" dirty="0"/>
+          </a:p>
+          <a:p>
+            <a:r>
+              <a:rPr lang="en-US" sz="1600" b="1" dirty="0"/>
+              <a:t>Travel and Logistics</a:t>
+            </a:r>
+          </a:p>
+          <a:p>
+            <a:r>
+              <a:rPr lang="en-US" sz="1600" dirty="0"/>
+              <a:t>Improve Travel by recommending routes base on real-time situations (weather, events, roadside accidents)</a:t>
+            </a:r>
+          </a:p>
+          <a:p>
+            <a:r>
+              <a:rPr lang="en-US" sz="1600" dirty="0"/>
+              <a:t>Optimize Delivery routes that guarantee customer satisfaction and lower delivery cost</a:t>
+            </a:r>
+          </a:p>
+          <a:p>
+            <a:endParaRPr lang="en-US" sz="1600" dirty="0"/>
+          </a:p>
+          <a:p>
+            <a:r>
+              <a:rPr lang="en-US" sz="1600" b="1" dirty="0"/>
+              <a:t>Social Media</a:t>
+            </a:r>
+          </a:p>
+          <a:p>
+            <a:r>
+              <a:rPr lang="en-US" sz="1600" dirty="0"/>
+              <a:t>Connecting people with the same likes, background, and acquaintances (Facebook, Instagram, </a:t>
+            </a:r>
+            <a:r>
+              <a:rPr lang="en-US" sz="1600" dirty="0" err="1"/>
+              <a:t>Linkedin</a:t>
+            </a:r>
+            <a:r>
+              <a:rPr lang="en-US" sz="1600" dirty="0"/>
+              <a:t>) </a:t>
+            </a:r>
+          </a:p>
+          <a:p>
+            <a:r>
+              <a:rPr lang="en-US" sz="1600" dirty="0"/>
+              <a:t>Builds community, group and organization with shared ideas and common goals</a:t>
+            </a:r>
+          </a:p>
+          <a:p>
+            <a:endParaRPr lang="en-US" sz="1600" dirty="0"/>
+          </a:p>
+          <a:p>
+            <a:r>
+              <a:rPr lang="en-US" sz="1600" b="1" dirty="0"/>
+              <a:t>Users Experience</a:t>
+            </a:r>
+          </a:p>
+          <a:p>
+            <a:r>
+              <a:rPr lang="en-US" sz="1600" dirty="0"/>
+              <a:t>Personalize customer experiences</a:t>
+            </a:r>
+          </a:p>
+          <a:p>
+            <a:r>
+              <a:rPr lang="en-US" sz="1600" dirty="0"/>
+              <a:t>Suggest Product and Services and compare pricing </a:t>
+            </a:r>
+          </a:p>
+          <a:p>
+            <a:r>
+              <a:rPr lang="en-US" sz="1600" dirty="0"/>
+              <a:t>Ease in searches by providing recommendation that fit’s customer need (Amazon recommends, Auto-fill on Search engines)</a:t>
+            </a:r>
+          </a:p>
+        </p:txBody>
+      </p:sp>
+      <p:pic>
+        <p:nvPicPr>
+          <p:cNvPr id="18" name="Graphic 17" descr="Shopping cart with solid fill">
+            <a:extLst>
+              <a:ext uri="{FF2B5EF4-FFF2-40B4-BE49-F238E27FC236}">
+                <a16:creationId xmlns:a16="http://schemas.microsoft.com/office/drawing/2014/main" id="{52B3EDF0-0287-45DA-A26B-371B42E2B758}"/>
+              </a:ext>
+            </a:extLst>
+          </p:cNvPr>
+          <p:cNvPicPr>
+            <a:picLocks noChangeAspect="1"/>
+          </p:cNvPicPr>
+          <p:nvPr/>
+        </p:nvPicPr>
+        <p:blipFill>
+          <a:blip r:embed="rId8">
+            <a:extLst>
+              <a:ext uri="{96DAC541-7B7A-43D3-8B79-37D633B846F1}">
+                <asvg:svgBlip xmlns:asvg="http://schemas.microsoft.com/office/drawing/2016/SVG/main" r:embed="rId9"/>
+              </a:ext>
+            </a:extLst>
+          </a:blip>
+          <a:stretch>
+            <a:fillRect/>
+          </a:stretch>
+        </p:blipFill>
+        <p:spPr>
+          <a:xfrm>
+            <a:off x="981803" y="4780610"/>
+            <a:ext cx="914400" cy="914400"/>
+          </a:xfrm>
+          <a:prstGeom prst="rect">
+            <a:avLst/>
+          </a:prstGeom>
+        </p:spPr>
+      </p:pic>
+      <p:pic>
+        <p:nvPicPr>
+          <p:cNvPr id="26" name="Graphic 25" descr="Fork In Road outline">
+            <a:extLst>
+              <a:ext uri="{FF2B5EF4-FFF2-40B4-BE49-F238E27FC236}">
+                <a16:creationId xmlns:a16="http://schemas.microsoft.com/office/drawing/2014/main" id="{FE460600-5F85-4BA2-886C-A9C983DC5434}"/>
+              </a:ext>
+            </a:extLst>
+          </p:cNvPr>
+          <p:cNvPicPr>
+            <a:picLocks noChangeAspect="1"/>
+          </p:cNvPicPr>
+          <p:nvPr/>
+        </p:nvPicPr>
+        <p:blipFill>
+          <a:blip r:embed="rId10">
+            <a:extLst>
+              <a:ext uri="{96DAC541-7B7A-43D3-8B79-37D633B846F1}">
+                <asvg:svgBlip xmlns:asvg="http://schemas.microsoft.com/office/drawing/2016/SVG/main" r:embed="rId11"/>
+              </a:ext>
+            </a:extLst>
+          </a:blip>
+          <a:stretch>
+            <a:fillRect/>
+          </a:stretch>
+        </p:blipFill>
+        <p:spPr>
+          <a:xfrm>
+            <a:off x="1439003" y="2724350"/>
+            <a:ext cx="599832" cy="599832"/>
+          </a:xfrm>
+          <a:prstGeom prst="rect">
+            <a:avLst/>
+          </a:prstGeom>
+        </p:spPr>
+      </p:pic>
+    </p:spTree>
+    <p:extLst>
+      <p:ext uri="{BB962C8B-B14F-4D97-AF65-F5344CB8AC3E}">
+        <p14:creationId xmlns:p14="http://schemas.microsoft.com/office/powerpoint/2010/main" val="122707658"/>
+      </p:ext>
+    </p:extLst>
+  </p:cSld>
+  <p:clrMapOvr>
+    <a:masterClrMapping/>
+  </p:clrMapOvr>
+</p:sld>
+</file>
+
+<file path=ppt/slides/slide7.xml><?xml version="1.0" encoding="utf-8"?>
+<p:sld xmlns:a="http://schemas.openxmlformats.org/drawingml/2006/main" xmlns:r="http://schemas.openxmlformats.org/officeDocument/2006/relationships" xmlns:p="http://schemas.openxmlformats.org/presentationml/2006/main">
+  <p:cSld>
+    <p:spTree>
+      <p:nvGrpSpPr>
+        <p:cNvPr id="1" name=""/>
+        <p:cNvGrpSpPr/>
+        <p:nvPr/>
+      </p:nvGrpSpPr>
+      <p:grpSpPr>
+        <a:xfrm>
+          <a:off x="0" y="0"/>
+          <a:ext cx="0" cy="0"/>
+          <a:chOff x="0" y="0"/>
+          <a:chExt cx="0" cy="0"/>
+        </a:xfrm>
+      </p:grpSpPr>
+      <p:sp>
+        <p:nvSpPr>
+          <p:cNvPr id="2" name="TextBox 1">
+            <a:extLst>
+              <a:ext uri="{FF2B5EF4-FFF2-40B4-BE49-F238E27FC236}">
+                <a16:creationId xmlns:a16="http://schemas.microsoft.com/office/drawing/2014/main" id="{F38FF061-0C27-4C4B-BC50-4056C82F92B5}"/>
+              </a:ext>
+            </a:extLst>
+          </p:cNvPr>
+          <p:cNvSpPr txBox="1"/>
+          <p:nvPr/>
+        </p:nvSpPr>
+        <p:spPr>
+          <a:xfrm>
+            <a:off x="256674" y="344905"/>
+            <a:ext cx="184731" cy="369332"/>
+          </a:xfrm>
+          <a:prstGeom prst="rect">
+            <a:avLst/>
+          </a:prstGeom>
+          <a:noFill/>
+        </p:spPr>
+        <p:txBody>
+          <a:bodyPr wrap="none" rtlCol="0">
+            <a:spAutoFit/>
+          </a:bodyPr>
+          <a:lstStyle/>
+          <a:p>
+            <a:endParaRPr lang="en-US" dirty="0"/>
+          </a:p>
+        </p:txBody>
+      </p:sp>
+      <p:sp>
+        <p:nvSpPr>
+          <p:cNvPr id="3" name="TextBox 2">
+            <a:extLst>
+              <a:ext uri="{FF2B5EF4-FFF2-40B4-BE49-F238E27FC236}">
+                <a16:creationId xmlns:a16="http://schemas.microsoft.com/office/drawing/2014/main" id="{1E798AEA-4657-4AC2-AB1F-40B93469DA1D}"/>
+              </a:ext>
+            </a:extLst>
+          </p:cNvPr>
+          <p:cNvSpPr txBox="1"/>
+          <p:nvPr/>
+        </p:nvSpPr>
+        <p:spPr>
+          <a:xfrm>
+            <a:off x="256674" y="160552"/>
+            <a:ext cx="11493921" cy="369332"/>
+          </a:xfrm>
+          <a:prstGeom prst="rect">
+            <a:avLst/>
+          </a:prstGeom>
+          <a:solidFill>
+            <a:srgbClr val="002060"/>
+          </a:solidFill>
+          <a:ln>
+            <a:noFill/>
+          </a:ln>
+        </p:spPr>
+        <p:style>
+          <a:lnRef idx="1">
+            <a:schemeClr val="dk1"/>
+          </a:lnRef>
+          <a:fillRef idx="2">
+            <a:schemeClr val="dk1"/>
+          </a:fillRef>
+          <a:effectRef idx="1">
+            <a:schemeClr val="dk1"/>
+          </a:effectRef>
+          <a:fontRef idx="minor">
+            <a:schemeClr val="dk1"/>
+          </a:fontRef>
+        </p:style>
+        <p:txBody>
+          <a:bodyPr wrap="square" rtlCol="0">
+            <a:spAutoFit/>
+          </a:bodyPr>
+          <a:lstStyle/>
+          <a:p>
+            <a:r>
+              <a:rPr lang="en-US" b="1" spc="50" dirty="0">
+                <a:ln w="0"/>
+                <a:solidFill>
                   <a:schemeClr val="bg1"/>
                 </a:solidFill>
                 <a:effectLst>
@@ -6933,7 +9502,7 @@
                   </a:innerShdw>
                 </a:effectLst>
               </a:rPr>
-              <a:t>Histogram of Variables</a:t>
+              <a:t>Analytical Distribution</a:t>
             </a:r>
           </a:p>
         </p:txBody>
@@ -8015,7 +10584,7 @@
     </p:spTree>
     <p:extLst>
       <p:ext uri="{BB962C8B-B14F-4D97-AF65-F5344CB8AC3E}">
-        <p14:creationId xmlns:p14="http://schemas.microsoft.com/office/powerpoint/2010/main" val="779814751"/>
+        <p14:creationId xmlns:p14="http://schemas.microsoft.com/office/powerpoint/2010/main" val="4048642611"/>
       </p:ext>
     </p:extLst>
   </p:cSld>
@@ -8025,1319 +10594,7 @@
 </p:sld>
 </file>
 
-<file path=ppt/slides/slide4.xml><?xml version="1.0" encoding="utf-8"?>
-<p:sld xmlns:a="http://schemas.openxmlformats.org/drawingml/2006/main" xmlns:r="http://schemas.openxmlformats.org/officeDocument/2006/relationships" xmlns:p="http://schemas.openxmlformats.org/presentationml/2006/main">
-  <p:cSld>
-    <p:spTree>
-      <p:nvGrpSpPr>
-        <p:cNvPr id="1" name=""/>
-        <p:cNvGrpSpPr/>
-        <p:nvPr/>
-      </p:nvGrpSpPr>
-      <p:grpSpPr>
-        <a:xfrm>
-          <a:off x="0" y="0"/>
-          <a:ext cx="0" cy="0"/>
-          <a:chOff x="0" y="0"/>
-          <a:chExt cx="0" cy="0"/>
-        </a:xfrm>
-      </p:grpSpPr>
-      <p:sp>
-        <p:nvSpPr>
-          <p:cNvPr id="2" name="TextBox 1">
-            <a:extLst>
-              <a:ext uri="{FF2B5EF4-FFF2-40B4-BE49-F238E27FC236}">
-                <a16:creationId xmlns:a16="http://schemas.microsoft.com/office/drawing/2014/main" id="{F38FF061-0C27-4C4B-BC50-4056C82F92B5}"/>
-              </a:ext>
-            </a:extLst>
-          </p:cNvPr>
-          <p:cNvSpPr txBox="1"/>
-          <p:nvPr/>
-        </p:nvSpPr>
-        <p:spPr>
-          <a:xfrm>
-            <a:off x="256674" y="344905"/>
-            <a:ext cx="184731" cy="369332"/>
-          </a:xfrm>
-          <a:prstGeom prst="rect">
-            <a:avLst/>
-          </a:prstGeom>
-          <a:noFill/>
-        </p:spPr>
-        <p:txBody>
-          <a:bodyPr wrap="none" rtlCol="0">
-            <a:spAutoFit/>
-          </a:bodyPr>
-          <a:lstStyle/>
-          <a:p>
-            <a:endParaRPr lang="en-US" dirty="0"/>
-          </a:p>
-        </p:txBody>
-      </p:sp>
-      <p:sp>
-        <p:nvSpPr>
-          <p:cNvPr id="3" name="TextBox 2">
-            <a:extLst>
-              <a:ext uri="{FF2B5EF4-FFF2-40B4-BE49-F238E27FC236}">
-                <a16:creationId xmlns:a16="http://schemas.microsoft.com/office/drawing/2014/main" id="{1E798AEA-4657-4AC2-AB1F-40B93469DA1D}"/>
-              </a:ext>
-            </a:extLst>
-          </p:cNvPr>
-          <p:cNvSpPr txBox="1"/>
-          <p:nvPr/>
-        </p:nvSpPr>
-        <p:spPr>
-          <a:xfrm>
-            <a:off x="256674" y="160552"/>
-            <a:ext cx="11493921" cy="369332"/>
-          </a:xfrm>
-          <a:prstGeom prst="rect">
-            <a:avLst/>
-          </a:prstGeom>
-          <a:solidFill>
-            <a:srgbClr val="002060"/>
-          </a:solidFill>
-        </p:spPr>
-        <p:style>
-          <a:lnRef idx="1">
-            <a:schemeClr val="dk1"/>
-          </a:lnRef>
-          <a:fillRef idx="2">
-            <a:schemeClr val="dk1"/>
-          </a:fillRef>
-          <a:effectRef idx="1">
-            <a:schemeClr val="dk1"/>
-          </a:effectRef>
-          <a:fontRef idx="minor">
-            <a:schemeClr val="dk1"/>
-          </a:fontRef>
-        </p:style>
-        <p:txBody>
-          <a:bodyPr wrap="square" rtlCol="0">
-            <a:spAutoFit/>
-          </a:bodyPr>
-          <a:lstStyle/>
-          <a:p>
-            <a:r>
-              <a:rPr lang="en-US" b="1" spc="50" dirty="0">
-                <a:ln w="0"/>
-                <a:solidFill>
-                  <a:schemeClr val="bg2"/>
-                </a:solidFill>
-                <a:effectLst>
-                  <a:innerShdw blurRad="63500" dist="50800" dir="13500000">
-                    <a:srgbClr val="000000">
-                      <a:alpha val="50000"/>
-                    </a:srgbClr>
-                  </a:innerShdw>
-                </a:effectLst>
-              </a:rPr>
-              <a:t>Comparing Two Scenarios using PMF </a:t>
-            </a:r>
-          </a:p>
-        </p:txBody>
-      </p:sp>
-      <p:sp>
-        <p:nvSpPr>
-          <p:cNvPr id="7" name="TextBox 6">
-            <a:extLst>
-              <a:ext uri="{FF2B5EF4-FFF2-40B4-BE49-F238E27FC236}">
-                <a16:creationId xmlns:a16="http://schemas.microsoft.com/office/drawing/2014/main" id="{BCAB18D2-6C50-4697-ACCB-30E0DF18843C}"/>
-              </a:ext>
-            </a:extLst>
-          </p:cNvPr>
-          <p:cNvSpPr txBox="1"/>
-          <p:nvPr/>
-        </p:nvSpPr>
-        <p:spPr>
-          <a:xfrm>
-            <a:off x="441405" y="898590"/>
-            <a:ext cx="11368818" cy="369332"/>
-          </a:xfrm>
-          <a:prstGeom prst="rect">
-            <a:avLst/>
-          </a:prstGeom>
-          <a:noFill/>
-        </p:spPr>
-        <p:txBody>
-          <a:bodyPr wrap="none" rtlCol="0">
-            <a:spAutoFit/>
-          </a:bodyPr>
-          <a:lstStyle/>
-          <a:p>
-            <a:r>
-              <a:rPr lang="en-US" dirty="0">
-                <a:latin typeface="Abadi" panose="020B0604020104020204" pitchFamily="34" charset="0"/>
-              </a:rPr>
-              <a:t>Problems are easier to solve, Work are easily done, People are being connected, Diseases are detected earlier…..</a:t>
-            </a:r>
-          </a:p>
-        </p:txBody>
-      </p:sp>
-      <p:sp>
-        <p:nvSpPr>
-          <p:cNvPr id="22" name="TextBox 21">
-            <a:extLst>
-              <a:ext uri="{FF2B5EF4-FFF2-40B4-BE49-F238E27FC236}">
-                <a16:creationId xmlns:a16="http://schemas.microsoft.com/office/drawing/2014/main" id="{72E2189C-B182-4550-BE72-15D67F96DC57}"/>
-              </a:ext>
-            </a:extLst>
-          </p:cNvPr>
-          <p:cNvSpPr txBox="1"/>
-          <p:nvPr/>
-        </p:nvSpPr>
-        <p:spPr>
-          <a:xfrm>
-            <a:off x="8149389" y="2253784"/>
-            <a:ext cx="2834262" cy="2723823"/>
-          </a:xfrm>
-          <a:prstGeom prst="rect">
-            <a:avLst/>
-          </a:prstGeom>
-          <a:noFill/>
-        </p:spPr>
-        <p:txBody>
-          <a:bodyPr wrap="square" rtlCol="0">
-            <a:spAutoFit/>
-          </a:bodyPr>
-          <a:lstStyle/>
-          <a:p>
-            <a:r>
-              <a:rPr lang="en-US" sz="1050" b="1" dirty="0">
-                <a:solidFill>
-                  <a:schemeClr val="bg1"/>
-                </a:solidFill>
-                <a:latin typeface="Abadi" panose="020B0604020104020204" pitchFamily="34" charset="0"/>
-              </a:rPr>
-              <a:t>Risk and Fraud Management decision (Examples) </a:t>
-            </a:r>
-          </a:p>
-          <a:p>
-            <a:endParaRPr lang="en-US" sz="1050" dirty="0">
-              <a:solidFill>
-                <a:schemeClr val="bg1"/>
-              </a:solidFill>
-              <a:latin typeface="Abadi" panose="020B0604020104020204" pitchFamily="34" charset="0"/>
-            </a:endParaRPr>
-          </a:p>
-          <a:p>
-            <a:pPr marL="171450" indent="-171450">
-              <a:buFont typeface="Wingdings" panose="05000000000000000000" pitchFamily="2" charset="2"/>
-              <a:buChar char="ü"/>
-            </a:pPr>
-            <a:r>
-              <a:rPr lang="en-US" sz="1050" dirty="0">
-                <a:solidFill>
-                  <a:schemeClr val="bg1"/>
-                </a:solidFill>
-                <a:latin typeface="Abadi" panose="020B0604020104020204" pitchFamily="34" charset="0"/>
-              </a:rPr>
-              <a:t>Reporting, Alerting and Notification System </a:t>
-            </a:r>
-          </a:p>
-          <a:p>
-            <a:pPr marL="171450" indent="-171450">
-              <a:buFont typeface="Wingdings" panose="05000000000000000000" pitchFamily="2" charset="2"/>
-              <a:buChar char="ü"/>
-            </a:pPr>
-            <a:endParaRPr lang="en-US" sz="1050" dirty="0">
-              <a:solidFill>
-                <a:schemeClr val="bg1"/>
-              </a:solidFill>
-              <a:latin typeface="Abadi" panose="020B0604020104020204" pitchFamily="34" charset="0"/>
-            </a:endParaRPr>
-          </a:p>
-          <a:p>
-            <a:pPr marL="171450" indent="-171450">
-              <a:buFont typeface="Wingdings" panose="05000000000000000000" pitchFamily="2" charset="2"/>
-              <a:buChar char="ü"/>
-            </a:pPr>
-            <a:r>
-              <a:rPr lang="en-US" sz="1050" dirty="0">
-                <a:solidFill>
-                  <a:schemeClr val="bg1"/>
-                </a:solidFill>
-                <a:latin typeface="Abadi" panose="020B0604020104020204" pitchFamily="34" charset="0"/>
-              </a:rPr>
-              <a:t>Monitoring Application</a:t>
-            </a:r>
-          </a:p>
-          <a:p>
-            <a:endParaRPr lang="en-US" sz="1050" dirty="0">
-              <a:solidFill>
-                <a:schemeClr val="bg1"/>
-              </a:solidFill>
-              <a:latin typeface="Abadi" panose="020B0604020104020204" pitchFamily="34" charset="0"/>
-            </a:endParaRPr>
-          </a:p>
-          <a:p>
-            <a:pPr marL="171450" indent="-171450">
-              <a:buFont typeface="Wingdings" panose="05000000000000000000" pitchFamily="2" charset="2"/>
-              <a:buChar char="ü"/>
-            </a:pPr>
-            <a:r>
-              <a:rPr lang="en-US" sz="1050" dirty="0">
-                <a:solidFill>
-                  <a:schemeClr val="bg1"/>
-                </a:solidFill>
-                <a:latin typeface="Abadi" panose="020B0604020104020204" pitchFamily="34" charset="0"/>
-              </a:rPr>
-              <a:t>Automated Case Management </a:t>
-            </a:r>
-          </a:p>
-          <a:p>
-            <a:endParaRPr lang="en-US" sz="1050" dirty="0">
-              <a:solidFill>
-                <a:schemeClr val="bg1"/>
-              </a:solidFill>
-              <a:latin typeface="Abadi" panose="020B0604020104020204" pitchFamily="34" charset="0"/>
-            </a:endParaRPr>
-          </a:p>
-          <a:p>
-            <a:pPr marL="171450" indent="-171450">
-              <a:buFont typeface="Wingdings" panose="05000000000000000000" pitchFamily="2" charset="2"/>
-              <a:buChar char="ü"/>
-            </a:pPr>
-            <a:r>
-              <a:rPr lang="en-US" sz="1050" dirty="0">
-                <a:solidFill>
-                  <a:schemeClr val="bg1"/>
-                </a:solidFill>
-                <a:latin typeface="Abadi" panose="020B0604020104020204" pitchFamily="34" charset="0"/>
-              </a:rPr>
-              <a:t>Reduction of False Positive when identifying fraud</a:t>
-            </a:r>
-          </a:p>
-          <a:p>
-            <a:endParaRPr lang="en-US" sz="1050" dirty="0">
-              <a:solidFill>
-                <a:schemeClr val="bg1"/>
-              </a:solidFill>
-              <a:latin typeface="Abadi" panose="020B0604020104020204" pitchFamily="34" charset="0"/>
-            </a:endParaRPr>
-          </a:p>
-          <a:p>
-            <a:pPr marL="171450" indent="-171450">
-              <a:buFont typeface="Wingdings" panose="05000000000000000000" pitchFamily="2" charset="2"/>
-              <a:buChar char="ü"/>
-            </a:pPr>
-            <a:r>
-              <a:rPr lang="en-US" sz="1050" dirty="0">
-                <a:solidFill>
-                  <a:schemeClr val="bg1"/>
-                </a:solidFill>
-                <a:latin typeface="Abadi" panose="020B0604020104020204" pitchFamily="34" charset="0"/>
-              </a:rPr>
-              <a:t>Influence Security Applications</a:t>
-            </a:r>
-          </a:p>
-          <a:p>
-            <a:endParaRPr lang="en-US" sz="1050" b="1" dirty="0">
-              <a:solidFill>
-                <a:schemeClr val="bg1"/>
-              </a:solidFill>
-            </a:endParaRPr>
-          </a:p>
-          <a:p>
-            <a:endParaRPr lang="en-US" sz="1200" b="1" dirty="0">
-              <a:solidFill>
-                <a:schemeClr val="bg1"/>
-              </a:solidFill>
-            </a:endParaRPr>
-          </a:p>
-          <a:p>
-            <a:pPr marL="171450" indent="-171450">
-              <a:buFont typeface="Wingdings" panose="05000000000000000000" pitchFamily="2" charset="2"/>
-              <a:buChar char="ü"/>
-            </a:pPr>
-            <a:endParaRPr lang="en-US" sz="1200" b="1" dirty="0">
-              <a:solidFill>
-                <a:schemeClr val="bg1"/>
-              </a:solidFill>
-            </a:endParaRPr>
-          </a:p>
-        </p:txBody>
-      </p:sp>
-      <p:pic>
-        <p:nvPicPr>
-          <p:cNvPr id="8" name="Graphic 7" descr="Doctor female with solid fill">
-            <a:extLst>
-              <a:ext uri="{FF2B5EF4-FFF2-40B4-BE49-F238E27FC236}">
-                <a16:creationId xmlns:a16="http://schemas.microsoft.com/office/drawing/2014/main" id="{C8BE2C0F-9251-48FE-AE61-C86C26A15420}"/>
-              </a:ext>
-            </a:extLst>
-          </p:cNvPr>
-          <p:cNvPicPr>
-            <a:picLocks noChangeAspect="1"/>
-          </p:cNvPicPr>
-          <p:nvPr/>
-        </p:nvPicPr>
-        <p:blipFill>
-          <a:blip r:embed="rId2">
-            <a:extLst>
-              <a:ext uri="{96DAC541-7B7A-43D3-8B79-37D633B846F1}">
-                <asvg:svgBlip xmlns:asvg="http://schemas.microsoft.com/office/drawing/2016/SVG/main" r:embed="rId3"/>
-              </a:ext>
-            </a:extLst>
-          </a:blip>
-          <a:stretch>
-            <a:fillRect/>
-          </a:stretch>
-        </p:blipFill>
-        <p:spPr>
-          <a:xfrm>
-            <a:off x="1092200" y="1353537"/>
-            <a:ext cx="914400" cy="914400"/>
-          </a:xfrm>
-          <a:prstGeom prst="rect">
-            <a:avLst/>
-          </a:prstGeom>
-        </p:spPr>
-      </p:pic>
-      <p:pic>
-        <p:nvPicPr>
-          <p:cNvPr id="10" name="Graphic 9" descr="Travel outline">
-            <a:extLst>
-              <a:ext uri="{FF2B5EF4-FFF2-40B4-BE49-F238E27FC236}">
-                <a16:creationId xmlns:a16="http://schemas.microsoft.com/office/drawing/2014/main" id="{8110D858-97C2-422D-A0AF-AE777C140077}"/>
-              </a:ext>
-            </a:extLst>
-          </p:cNvPr>
-          <p:cNvPicPr>
-            <a:picLocks noChangeAspect="1"/>
-          </p:cNvPicPr>
-          <p:nvPr/>
-        </p:nvPicPr>
-        <p:blipFill>
-          <a:blip r:embed="rId4">
-            <a:extLst>
-              <a:ext uri="{96DAC541-7B7A-43D3-8B79-37D633B846F1}">
-                <asvg:svgBlip xmlns:asvg="http://schemas.microsoft.com/office/drawing/2016/SVG/main" r:embed="rId5"/>
-              </a:ext>
-            </a:extLst>
-          </a:blip>
-          <a:stretch>
-            <a:fillRect/>
-          </a:stretch>
-        </p:blipFill>
-        <p:spPr>
-          <a:xfrm>
-            <a:off x="887598" y="2511933"/>
-            <a:ext cx="724323" cy="724323"/>
-          </a:xfrm>
-          <a:prstGeom prst="rect">
-            <a:avLst/>
-          </a:prstGeom>
-        </p:spPr>
-      </p:pic>
-      <p:pic>
-        <p:nvPicPr>
-          <p:cNvPr id="13" name="Graphic 12" descr="Connections outline">
-            <a:extLst>
-              <a:ext uri="{FF2B5EF4-FFF2-40B4-BE49-F238E27FC236}">
-                <a16:creationId xmlns:a16="http://schemas.microsoft.com/office/drawing/2014/main" id="{C44594B5-56C0-475D-9833-FF6C66F67D8C}"/>
-              </a:ext>
-            </a:extLst>
-          </p:cNvPr>
-          <p:cNvPicPr>
-            <a:picLocks noChangeAspect="1"/>
-          </p:cNvPicPr>
-          <p:nvPr/>
-        </p:nvPicPr>
-        <p:blipFill>
-          <a:blip r:embed="rId6">
-            <a:extLst>
-              <a:ext uri="{96DAC541-7B7A-43D3-8B79-37D633B846F1}">
-                <asvg:svgBlip xmlns:asvg="http://schemas.microsoft.com/office/drawing/2016/SVG/main" r:embed="rId7"/>
-              </a:ext>
-            </a:extLst>
-          </a:blip>
-          <a:stretch>
-            <a:fillRect/>
-          </a:stretch>
-        </p:blipFill>
-        <p:spPr>
-          <a:xfrm>
-            <a:off x="1023865" y="3565867"/>
-            <a:ext cx="914400" cy="914400"/>
-          </a:xfrm>
-          <a:prstGeom prst="rect">
-            <a:avLst/>
-          </a:prstGeom>
-        </p:spPr>
-      </p:pic>
-      <p:sp>
-        <p:nvSpPr>
-          <p:cNvPr id="14" name="TextBox 13">
-            <a:extLst>
-              <a:ext uri="{FF2B5EF4-FFF2-40B4-BE49-F238E27FC236}">
-                <a16:creationId xmlns:a16="http://schemas.microsoft.com/office/drawing/2014/main" id="{17783C9B-929E-4970-9A69-9A2F2E3AD666}"/>
-              </a:ext>
-            </a:extLst>
-          </p:cNvPr>
-          <p:cNvSpPr txBox="1"/>
-          <p:nvPr/>
-        </p:nvSpPr>
-        <p:spPr>
-          <a:xfrm>
-            <a:off x="2207126" y="1353537"/>
-            <a:ext cx="9256295" cy="4524315"/>
-          </a:xfrm>
-          <a:prstGeom prst="rect">
-            <a:avLst/>
-          </a:prstGeom>
-          <a:noFill/>
-        </p:spPr>
-        <p:txBody>
-          <a:bodyPr wrap="square" rtlCol="0">
-            <a:spAutoFit/>
-          </a:bodyPr>
-          <a:lstStyle/>
-          <a:p>
-            <a:r>
-              <a:rPr lang="en-US" sz="1600" b="1" dirty="0"/>
-              <a:t>Medical and Healthcare</a:t>
-            </a:r>
-          </a:p>
-          <a:p>
-            <a:r>
-              <a:rPr lang="en-US" sz="1600" dirty="0"/>
-              <a:t>Faster Diagnosis using known medical information and captured patient data</a:t>
-            </a:r>
-          </a:p>
-          <a:p>
-            <a:r>
-              <a:rPr lang="en-US" sz="1600" dirty="0"/>
-              <a:t>Recommendation on treatments where effectiveness are backed by data </a:t>
-            </a:r>
-          </a:p>
-          <a:p>
-            <a:r>
-              <a:rPr lang="en-US" sz="1600" dirty="0"/>
-              <a:t>Improve hospitals and healthcare facilities services</a:t>
-            </a:r>
-          </a:p>
-          <a:p>
-            <a:endParaRPr lang="en-US" sz="1600" dirty="0"/>
-          </a:p>
-          <a:p>
-            <a:r>
-              <a:rPr lang="en-US" sz="1600" b="1" dirty="0"/>
-              <a:t>Travel and Logistics</a:t>
-            </a:r>
-          </a:p>
-          <a:p>
-            <a:r>
-              <a:rPr lang="en-US" sz="1600" dirty="0"/>
-              <a:t>Improve Travel by recommending routes base on real-time situations (weather, events, roadside accidents)</a:t>
-            </a:r>
-          </a:p>
-          <a:p>
-            <a:r>
-              <a:rPr lang="en-US" sz="1600" dirty="0"/>
-              <a:t>Optimize Delivery routes that guarantee customer satisfaction and lower delivery cost</a:t>
-            </a:r>
-          </a:p>
-          <a:p>
-            <a:endParaRPr lang="en-US" sz="1600" dirty="0"/>
-          </a:p>
-          <a:p>
-            <a:r>
-              <a:rPr lang="en-US" sz="1600" b="1" dirty="0"/>
-              <a:t>Social Media</a:t>
-            </a:r>
-          </a:p>
-          <a:p>
-            <a:r>
-              <a:rPr lang="en-US" sz="1600" dirty="0"/>
-              <a:t>Connecting people with the same likes, background, and acquaintances (Facebook, Instagram, </a:t>
-            </a:r>
-            <a:r>
-              <a:rPr lang="en-US" sz="1600" dirty="0" err="1"/>
-              <a:t>Linkedin</a:t>
-            </a:r>
-            <a:r>
-              <a:rPr lang="en-US" sz="1600" dirty="0"/>
-              <a:t>) </a:t>
-            </a:r>
-          </a:p>
-          <a:p>
-            <a:r>
-              <a:rPr lang="en-US" sz="1600" dirty="0"/>
-              <a:t>Builds community, group and organization with shared ideas and common goals</a:t>
-            </a:r>
-          </a:p>
-          <a:p>
-            <a:endParaRPr lang="en-US" sz="1600" dirty="0"/>
-          </a:p>
-          <a:p>
-            <a:r>
-              <a:rPr lang="en-US" sz="1600" b="1" dirty="0"/>
-              <a:t>Users Experience</a:t>
-            </a:r>
-          </a:p>
-          <a:p>
-            <a:r>
-              <a:rPr lang="en-US" sz="1600" dirty="0"/>
-              <a:t>Personalize customer experiences</a:t>
-            </a:r>
-          </a:p>
-          <a:p>
-            <a:r>
-              <a:rPr lang="en-US" sz="1600" dirty="0"/>
-              <a:t>Suggest Product and Services and compare pricing </a:t>
-            </a:r>
-          </a:p>
-          <a:p>
-            <a:r>
-              <a:rPr lang="en-US" sz="1600" dirty="0"/>
-              <a:t>Ease in searches by providing recommendation that fit’s customer need (Amazon recommends, Auto-fill on Search engines)</a:t>
-            </a:r>
-          </a:p>
-        </p:txBody>
-      </p:sp>
-      <p:pic>
-        <p:nvPicPr>
-          <p:cNvPr id="18" name="Graphic 17" descr="Shopping cart with solid fill">
-            <a:extLst>
-              <a:ext uri="{FF2B5EF4-FFF2-40B4-BE49-F238E27FC236}">
-                <a16:creationId xmlns:a16="http://schemas.microsoft.com/office/drawing/2014/main" id="{52B3EDF0-0287-45DA-A26B-371B42E2B758}"/>
-              </a:ext>
-            </a:extLst>
-          </p:cNvPr>
-          <p:cNvPicPr>
-            <a:picLocks noChangeAspect="1"/>
-          </p:cNvPicPr>
-          <p:nvPr/>
-        </p:nvPicPr>
-        <p:blipFill>
-          <a:blip r:embed="rId8">
-            <a:extLst>
-              <a:ext uri="{96DAC541-7B7A-43D3-8B79-37D633B846F1}">
-                <asvg:svgBlip xmlns:asvg="http://schemas.microsoft.com/office/drawing/2016/SVG/main" r:embed="rId9"/>
-              </a:ext>
-            </a:extLst>
-          </a:blip>
-          <a:stretch>
-            <a:fillRect/>
-          </a:stretch>
-        </p:blipFill>
-        <p:spPr>
-          <a:xfrm>
-            <a:off x="981803" y="4780610"/>
-            <a:ext cx="914400" cy="914400"/>
-          </a:xfrm>
-          <a:prstGeom prst="rect">
-            <a:avLst/>
-          </a:prstGeom>
-        </p:spPr>
-      </p:pic>
-      <p:pic>
-        <p:nvPicPr>
-          <p:cNvPr id="26" name="Graphic 25" descr="Fork In Road outline">
-            <a:extLst>
-              <a:ext uri="{FF2B5EF4-FFF2-40B4-BE49-F238E27FC236}">
-                <a16:creationId xmlns:a16="http://schemas.microsoft.com/office/drawing/2014/main" id="{FE460600-5F85-4BA2-886C-A9C983DC5434}"/>
-              </a:ext>
-            </a:extLst>
-          </p:cNvPr>
-          <p:cNvPicPr>
-            <a:picLocks noChangeAspect="1"/>
-          </p:cNvPicPr>
-          <p:nvPr/>
-        </p:nvPicPr>
-        <p:blipFill>
-          <a:blip r:embed="rId10">
-            <a:extLst>
-              <a:ext uri="{96DAC541-7B7A-43D3-8B79-37D633B846F1}">
-                <asvg:svgBlip xmlns:asvg="http://schemas.microsoft.com/office/drawing/2016/SVG/main" r:embed="rId11"/>
-              </a:ext>
-            </a:extLst>
-          </a:blip>
-          <a:stretch>
-            <a:fillRect/>
-          </a:stretch>
-        </p:blipFill>
-        <p:spPr>
-          <a:xfrm>
-            <a:off x="1439003" y="2724350"/>
-            <a:ext cx="599832" cy="599832"/>
-          </a:xfrm>
-          <a:prstGeom prst="rect">
-            <a:avLst/>
-          </a:prstGeom>
-        </p:spPr>
-      </p:pic>
-    </p:spTree>
-    <p:extLst>
-      <p:ext uri="{BB962C8B-B14F-4D97-AF65-F5344CB8AC3E}">
-        <p14:creationId xmlns:p14="http://schemas.microsoft.com/office/powerpoint/2010/main" val="1061488422"/>
-      </p:ext>
-    </p:extLst>
-  </p:cSld>
-  <p:clrMapOvr>
-    <a:masterClrMapping/>
-  </p:clrMapOvr>
-</p:sld>
-</file>
-
-<file path=ppt/slides/slide5.xml><?xml version="1.0" encoding="utf-8"?>
-<p:sld xmlns:a="http://schemas.openxmlformats.org/drawingml/2006/main" xmlns:r="http://schemas.openxmlformats.org/officeDocument/2006/relationships" xmlns:p="http://schemas.openxmlformats.org/presentationml/2006/main">
-  <p:cSld>
-    <p:spTree>
-      <p:nvGrpSpPr>
-        <p:cNvPr id="1" name=""/>
-        <p:cNvGrpSpPr/>
-        <p:nvPr/>
-      </p:nvGrpSpPr>
-      <p:grpSpPr>
-        <a:xfrm>
-          <a:off x="0" y="0"/>
-          <a:ext cx="0" cy="0"/>
-          <a:chOff x="0" y="0"/>
-          <a:chExt cx="0" cy="0"/>
-        </a:xfrm>
-      </p:grpSpPr>
-      <p:sp>
-        <p:nvSpPr>
-          <p:cNvPr id="2" name="TextBox 1">
-            <a:extLst>
-              <a:ext uri="{FF2B5EF4-FFF2-40B4-BE49-F238E27FC236}">
-                <a16:creationId xmlns:a16="http://schemas.microsoft.com/office/drawing/2014/main" id="{F38FF061-0C27-4C4B-BC50-4056C82F92B5}"/>
-              </a:ext>
-            </a:extLst>
-          </p:cNvPr>
-          <p:cNvSpPr txBox="1"/>
-          <p:nvPr/>
-        </p:nvSpPr>
-        <p:spPr>
-          <a:xfrm>
-            <a:off x="256674" y="344905"/>
-            <a:ext cx="184731" cy="369332"/>
-          </a:xfrm>
-          <a:prstGeom prst="rect">
-            <a:avLst/>
-          </a:prstGeom>
-          <a:noFill/>
-        </p:spPr>
-        <p:txBody>
-          <a:bodyPr wrap="none" rtlCol="0">
-            <a:spAutoFit/>
-          </a:bodyPr>
-          <a:lstStyle/>
-          <a:p>
-            <a:endParaRPr lang="en-US" dirty="0"/>
-          </a:p>
-        </p:txBody>
-      </p:sp>
-      <p:sp>
-        <p:nvSpPr>
-          <p:cNvPr id="3" name="TextBox 2">
-            <a:extLst>
-              <a:ext uri="{FF2B5EF4-FFF2-40B4-BE49-F238E27FC236}">
-                <a16:creationId xmlns:a16="http://schemas.microsoft.com/office/drawing/2014/main" id="{1E798AEA-4657-4AC2-AB1F-40B93469DA1D}"/>
-              </a:ext>
-            </a:extLst>
-          </p:cNvPr>
-          <p:cNvSpPr txBox="1"/>
-          <p:nvPr/>
-        </p:nvSpPr>
-        <p:spPr>
-          <a:xfrm>
-            <a:off x="256674" y="160552"/>
-            <a:ext cx="11493921" cy="369332"/>
-          </a:xfrm>
-          <a:prstGeom prst="rect">
-            <a:avLst/>
-          </a:prstGeom>
-          <a:solidFill>
-            <a:srgbClr val="002060"/>
-          </a:solidFill>
-        </p:spPr>
-        <p:style>
-          <a:lnRef idx="1">
-            <a:schemeClr val="dk1"/>
-          </a:lnRef>
-          <a:fillRef idx="2">
-            <a:schemeClr val="dk1"/>
-          </a:fillRef>
-          <a:effectRef idx="1">
-            <a:schemeClr val="dk1"/>
-          </a:effectRef>
-          <a:fontRef idx="minor">
-            <a:schemeClr val="dk1"/>
-          </a:fontRef>
-        </p:style>
-        <p:txBody>
-          <a:bodyPr wrap="square" rtlCol="0">
-            <a:spAutoFit/>
-          </a:bodyPr>
-          <a:lstStyle/>
-          <a:p>
-            <a:r>
-              <a:rPr lang="en-US" b="1" spc="50" dirty="0">
-                <a:ln w="0"/>
-                <a:solidFill>
-                  <a:schemeClr val="bg2"/>
-                </a:solidFill>
-                <a:effectLst>
-                  <a:innerShdw blurRad="63500" dist="50800" dir="13500000">
-                    <a:srgbClr val="000000">
-                      <a:alpha val="50000"/>
-                    </a:srgbClr>
-                  </a:innerShdw>
-                </a:effectLst>
-              </a:rPr>
-              <a:t>CDF of a Variable</a:t>
-            </a:r>
-          </a:p>
-        </p:txBody>
-      </p:sp>
-      <p:sp>
-        <p:nvSpPr>
-          <p:cNvPr id="7" name="TextBox 6">
-            <a:extLst>
-              <a:ext uri="{FF2B5EF4-FFF2-40B4-BE49-F238E27FC236}">
-                <a16:creationId xmlns:a16="http://schemas.microsoft.com/office/drawing/2014/main" id="{BCAB18D2-6C50-4697-ACCB-30E0DF18843C}"/>
-              </a:ext>
-            </a:extLst>
-          </p:cNvPr>
-          <p:cNvSpPr txBox="1"/>
-          <p:nvPr/>
-        </p:nvSpPr>
-        <p:spPr>
-          <a:xfrm>
-            <a:off x="441405" y="898590"/>
-            <a:ext cx="11368818" cy="369332"/>
-          </a:xfrm>
-          <a:prstGeom prst="rect">
-            <a:avLst/>
-          </a:prstGeom>
-          <a:noFill/>
-        </p:spPr>
-        <p:txBody>
-          <a:bodyPr wrap="none" rtlCol="0">
-            <a:spAutoFit/>
-          </a:bodyPr>
-          <a:lstStyle/>
-          <a:p>
-            <a:r>
-              <a:rPr lang="en-US" dirty="0">
-                <a:latin typeface="Abadi" panose="020B0604020104020204" pitchFamily="34" charset="0"/>
-              </a:rPr>
-              <a:t>Problems are easier to solve, Work are easily done, People are being connected, Diseases are detected earlier…..</a:t>
-            </a:r>
-          </a:p>
-        </p:txBody>
-      </p:sp>
-      <p:sp>
-        <p:nvSpPr>
-          <p:cNvPr id="22" name="TextBox 21">
-            <a:extLst>
-              <a:ext uri="{FF2B5EF4-FFF2-40B4-BE49-F238E27FC236}">
-                <a16:creationId xmlns:a16="http://schemas.microsoft.com/office/drawing/2014/main" id="{72E2189C-B182-4550-BE72-15D67F96DC57}"/>
-              </a:ext>
-            </a:extLst>
-          </p:cNvPr>
-          <p:cNvSpPr txBox="1"/>
-          <p:nvPr/>
-        </p:nvSpPr>
-        <p:spPr>
-          <a:xfrm>
-            <a:off x="8149389" y="2253784"/>
-            <a:ext cx="2834262" cy="2723823"/>
-          </a:xfrm>
-          <a:prstGeom prst="rect">
-            <a:avLst/>
-          </a:prstGeom>
-          <a:noFill/>
-        </p:spPr>
-        <p:txBody>
-          <a:bodyPr wrap="square" rtlCol="0">
-            <a:spAutoFit/>
-          </a:bodyPr>
-          <a:lstStyle/>
-          <a:p>
-            <a:r>
-              <a:rPr lang="en-US" sz="1050" b="1" dirty="0">
-                <a:solidFill>
-                  <a:schemeClr val="bg1"/>
-                </a:solidFill>
-                <a:latin typeface="Abadi" panose="020B0604020104020204" pitchFamily="34" charset="0"/>
-              </a:rPr>
-              <a:t>Risk and Fraud Management decision (Examples) </a:t>
-            </a:r>
-          </a:p>
-          <a:p>
-            <a:endParaRPr lang="en-US" sz="1050" dirty="0">
-              <a:solidFill>
-                <a:schemeClr val="bg1"/>
-              </a:solidFill>
-              <a:latin typeface="Abadi" panose="020B0604020104020204" pitchFamily="34" charset="0"/>
-            </a:endParaRPr>
-          </a:p>
-          <a:p>
-            <a:pPr marL="171450" indent="-171450">
-              <a:buFont typeface="Wingdings" panose="05000000000000000000" pitchFamily="2" charset="2"/>
-              <a:buChar char="ü"/>
-            </a:pPr>
-            <a:r>
-              <a:rPr lang="en-US" sz="1050" dirty="0">
-                <a:solidFill>
-                  <a:schemeClr val="bg1"/>
-                </a:solidFill>
-                <a:latin typeface="Abadi" panose="020B0604020104020204" pitchFamily="34" charset="0"/>
-              </a:rPr>
-              <a:t>Reporting, Alerting and Notification System </a:t>
-            </a:r>
-          </a:p>
-          <a:p>
-            <a:pPr marL="171450" indent="-171450">
-              <a:buFont typeface="Wingdings" panose="05000000000000000000" pitchFamily="2" charset="2"/>
-              <a:buChar char="ü"/>
-            </a:pPr>
-            <a:endParaRPr lang="en-US" sz="1050" dirty="0">
-              <a:solidFill>
-                <a:schemeClr val="bg1"/>
-              </a:solidFill>
-              <a:latin typeface="Abadi" panose="020B0604020104020204" pitchFamily="34" charset="0"/>
-            </a:endParaRPr>
-          </a:p>
-          <a:p>
-            <a:pPr marL="171450" indent="-171450">
-              <a:buFont typeface="Wingdings" panose="05000000000000000000" pitchFamily="2" charset="2"/>
-              <a:buChar char="ü"/>
-            </a:pPr>
-            <a:r>
-              <a:rPr lang="en-US" sz="1050" dirty="0">
-                <a:solidFill>
-                  <a:schemeClr val="bg1"/>
-                </a:solidFill>
-                <a:latin typeface="Abadi" panose="020B0604020104020204" pitchFamily="34" charset="0"/>
-              </a:rPr>
-              <a:t>Monitoring Application</a:t>
-            </a:r>
-          </a:p>
-          <a:p>
-            <a:endParaRPr lang="en-US" sz="1050" dirty="0">
-              <a:solidFill>
-                <a:schemeClr val="bg1"/>
-              </a:solidFill>
-              <a:latin typeface="Abadi" panose="020B0604020104020204" pitchFamily="34" charset="0"/>
-            </a:endParaRPr>
-          </a:p>
-          <a:p>
-            <a:pPr marL="171450" indent="-171450">
-              <a:buFont typeface="Wingdings" panose="05000000000000000000" pitchFamily="2" charset="2"/>
-              <a:buChar char="ü"/>
-            </a:pPr>
-            <a:r>
-              <a:rPr lang="en-US" sz="1050" dirty="0">
-                <a:solidFill>
-                  <a:schemeClr val="bg1"/>
-                </a:solidFill>
-                <a:latin typeface="Abadi" panose="020B0604020104020204" pitchFamily="34" charset="0"/>
-              </a:rPr>
-              <a:t>Automated Case Management </a:t>
-            </a:r>
-          </a:p>
-          <a:p>
-            <a:endParaRPr lang="en-US" sz="1050" dirty="0">
-              <a:solidFill>
-                <a:schemeClr val="bg1"/>
-              </a:solidFill>
-              <a:latin typeface="Abadi" panose="020B0604020104020204" pitchFamily="34" charset="0"/>
-            </a:endParaRPr>
-          </a:p>
-          <a:p>
-            <a:pPr marL="171450" indent="-171450">
-              <a:buFont typeface="Wingdings" panose="05000000000000000000" pitchFamily="2" charset="2"/>
-              <a:buChar char="ü"/>
-            </a:pPr>
-            <a:r>
-              <a:rPr lang="en-US" sz="1050" dirty="0">
-                <a:solidFill>
-                  <a:schemeClr val="bg1"/>
-                </a:solidFill>
-                <a:latin typeface="Abadi" panose="020B0604020104020204" pitchFamily="34" charset="0"/>
-              </a:rPr>
-              <a:t>Reduction of False Positive when identifying fraud</a:t>
-            </a:r>
-          </a:p>
-          <a:p>
-            <a:endParaRPr lang="en-US" sz="1050" dirty="0">
-              <a:solidFill>
-                <a:schemeClr val="bg1"/>
-              </a:solidFill>
-              <a:latin typeface="Abadi" panose="020B0604020104020204" pitchFamily="34" charset="0"/>
-            </a:endParaRPr>
-          </a:p>
-          <a:p>
-            <a:pPr marL="171450" indent="-171450">
-              <a:buFont typeface="Wingdings" panose="05000000000000000000" pitchFamily="2" charset="2"/>
-              <a:buChar char="ü"/>
-            </a:pPr>
-            <a:r>
-              <a:rPr lang="en-US" sz="1050" dirty="0">
-                <a:solidFill>
-                  <a:schemeClr val="bg1"/>
-                </a:solidFill>
-                <a:latin typeface="Abadi" panose="020B0604020104020204" pitchFamily="34" charset="0"/>
-              </a:rPr>
-              <a:t>Influence Security Applications</a:t>
-            </a:r>
-          </a:p>
-          <a:p>
-            <a:endParaRPr lang="en-US" sz="1050" b="1" dirty="0">
-              <a:solidFill>
-                <a:schemeClr val="bg1"/>
-              </a:solidFill>
-            </a:endParaRPr>
-          </a:p>
-          <a:p>
-            <a:endParaRPr lang="en-US" sz="1200" b="1" dirty="0">
-              <a:solidFill>
-                <a:schemeClr val="bg1"/>
-              </a:solidFill>
-            </a:endParaRPr>
-          </a:p>
-          <a:p>
-            <a:pPr marL="171450" indent="-171450">
-              <a:buFont typeface="Wingdings" panose="05000000000000000000" pitchFamily="2" charset="2"/>
-              <a:buChar char="ü"/>
-            </a:pPr>
-            <a:endParaRPr lang="en-US" sz="1200" b="1" dirty="0">
-              <a:solidFill>
-                <a:schemeClr val="bg1"/>
-              </a:solidFill>
-            </a:endParaRPr>
-          </a:p>
-        </p:txBody>
-      </p:sp>
-      <p:pic>
-        <p:nvPicPr>
-          <p:cNvPr id="8" name="Graphic 7" descr="Doctor female with solid fill">
-            <a:extLst>
-              <a:ext uri="{FF2B5EF4-FFF2-40B4-BE49-F238E27FC236}">
-                <a16:creationId xmlns:a16="http://schemas.microsoft.com/office/drawing/2014/main" id="{C8BE2C0F-9251-48FE-AE61-C86C26A15420}"/>
-              </a:ext>
-            </a:extLst>
-          </p:cNvPr>
-          <p:cNvPicPr>
-            <a:picLocks noChangeAspect="1"/>
-          </p:cNvPicPr>
-          <p:nvPr/>
-        </p:nvPicPr>
-        <p:blipFill>
-          <a:blip r:embed="rId2">
-            <a:extLst>
-              <a:ext uri="{96DAC541-7B7A-43D3-8B79-37D633B846F1}">
-                <asvg:svgBlip xmlns:asvg="http://schemas.microsoft.com/office/drawing/2016/SVG/main" r:embed="rId3"/>
-              </a:ext>
-            </a:extLst>
-          </a:blip>
-          <a:stretch>
-            <a:fillRect/>
-          </a:stretch>
-        </p:blipFill>
-        <p:spPr>
-          <a:xfrm>
-            <a:off x="1092200" y="1353537"/>
-            <a:ext cx="914400" cy="914400"/>
-          </a:xfrm>
-          <a:prstGeom prst="rect">
-            <a:avLst/>
-          </a:prstGeom>
-        </p:spPr>
-      </p:pic>
-      <p:pic>
-        <p:nvPicPr>
-          <p:cNvPr id="10" name="Graphic 9" descr="Travel outline">
-            <a:extLst>
-              <a:ext uri="{FF2B5EF4-FFF2-40B4-BE49-F238E27FC236}">
-                <a16:creationId xmlns:a16="http://schemas.microsoft.com/office/drawing/2014/main" id="{8110D858-97C2-422D-A0AF-AE777C140077}"/>
-              </a:ext>
-            </a:extLst>
-          </p:cNvPr>
-          <p:cNvPicPr>
-            <a:picLocks noChangeAspect="1"/>
-          </p:cNvPicPr>
-          <p:nvPr/>
-        </p:nvPicPr>
-        <p:blipFill>
-          <a:blip r:embed="rId4">
-            <a:extLst>
-              <a:ext uri="{96DAC541-7B7A-43D3-8B79-37D633B846F1}">
-                <asvg:svgBlip xmlns:asvg="http://schemas.microsoft.com/office/drawing/2016/SVG/main" r:embed="rId5"/>
-              </a:ext>
-            </a:extLst>
-          </a:blip>
-          <a:stretch>
-            <a:fillRect/>
-          </a:stretch>
-        </p:blipFill>
-        <p:spPr>
-          <a:xfrm>
-            <a:off x="887598" y="2511933"/>
-            <a:ext cx="724323" cy="724323"/>
-          </a:xfrm>
-          <a:prstGeom prst="rect">
-            <a:avLst/>
-          </a:prstGeom>
-        </p:spPr>
-      </p:pic>
-      <p:pic>
-        <p:nvPicPr>
-          <p:cNvPr id="13" name="Graphic 12" descr="Connections outline">
-            <a:extLst>
-              <a:ext uri="{FF2B5EF4-FFF2-40B4-BE49-F238E27FC236}">
-                <a16:creationId xmlns:a16="http://schemas.microsoft.com/office/drawing/2014/main" id="{C44594B5-56C0-475D-9833-FF6C66F67D8C}"/>
-              </a:ext>
-            </a:extLst>
-          </p:cNvPr>
-          <p:cNvPicPr>
-            <a:picLocks noChangeAspect="1"/>
-          </p:cNvPicPr>
-          <p:nvPr/>
-        </p:nvPicPr>
-        <p:blipFill>
-          <a:blip r:embed="rId6">
-            <a:extLst>
-              <a:ext uri="{96DAC541-7B7A-43D3-8B79-37D633B846F1}">
-                <asvg:svgBlip xmlns:asvg="http://schemas.microsoft.com/office/drawing/2016/SVG/main" r:embed="rId7"/>
-              </a:ext>
-            </a:extLst>
-          </a:blip>
-          <a:stretch>
-            <a:fillRect/>
-          </a:stretch>
-        </p:blipFill>
-        <p:spPr>
-          <a:xfrm>
-            <a:off x="1023865" y="3565867"/>
-            <a:ext cx="914400" cy="914400"/>
-          </a:xfrm>
-          <a:prstGeom prst="rect">
-            <a:avLst/>
-          </a:prstGeom>
-        </p:spPr>
-      </p:pic>
-      <p:sp>
-        <p:nvSpPr>
-          <p:cNvPr id="14" name="TextBox 13">
-            <a:extLst>
-              <a:ext uri="{FF2B5EF4-FFF2-40B4-BE49-F238E27FC236}">
-                <a16:creationId xmlns:a16="http://schemas.microsoft.com/office/drawing/2014/main" id="{17783C9B-929E-4970-9A69-9A2F2E3AD666}"/>
-              </a:ext>
-            </a:extLst>
-          </p:cNvPr>
-          <p:cNvSpPr txBox="1"/>
-          <p:nvPr/>
-        </p:nvSpPr>
-        <p:spPr>
-          <a:xfrm>
-            <a:off x="2207126" y="1353537"/>
-            <a:ext cx="9256295" cy="4524315"/>
-          </a:xfrm>
-          <a:prstGeom prst="rect">
-            <a:avLst/>
-          </a:prstGeom>
-          <a:noFill/>
-        </p:spPr>
-        <p:txBody>
-          <a:bodyPr wrap="square" rtlCol="0">
-            <a:spAutoFit/>
-          </a:bodyPr>
-          <a:lstStyle/>
-          <a:p>
-            <a:r>
-              <a:rPr lang="en-US" sz="1600" b="1" dirty="0"/>
-              <a:t>Medical and Healthcare</a:t>
-            </a:r>
-          </a:p>
-          <a:p>
-            <a:r>
-              <a:rPr lang="en-US" sz="1600" dirty="0"/>
-              <a:t>Faster Diagnosis using known medical information and captured patient data</a:t>
-            </a:r>
-          </a:p>
-          <a:p>
-            <a:r>
-              <a:rPr lang="en-US" sz="1600" dirty="0"/>
-              <a:t>Recommendation on treatments where effectiveness are backed by data </a:t>
-            </a:r>
-          </a:p>
-          <a:p>
-            <a:r>
-              <a:rPr lang="en-US" sz="1600" dirty="0"/>
-              <a:t>Improve hospitals and healthcare facilities services</a:t>
-            </a:r>
-          </a:p>
-          <a:p>
-            <a:endParaRPr lang="en-US" sz="1600" dirty="0"/>
-          </a:p>
-          <a:p>
-            <a:r>
-              <a:rPr lang="en-US" sz="1600" b="1" dirty="0"/>
-              <a:t>Travel and Logistics</a:t>
-            </a:r>
-          </a:p>
-          <a:p>
-            <a:r>
-              <a:rPr lang="en-US" sz="1600" dirty="0"/>
-              <a:t>Improve Travel by recommending routes base on real-time situations (weather, events, roadside accidents)</a:t>
-            </a:r>
-          </a:p>
-          <a:p>
-            <a:r>
-              <a:rPr lang="en-US" sz="1600" dirty="0"/>
-              <a:t>Optimize Delivery routes that guarantee customer satisfaction and lower delivery cost</a:t>
-            </a:r>
-          </a:p>
-          <a:p>
-            <a:endParaRPr lang="en-US" sz="1600" dirty="0"/>
-          </a:p>
-          <a:p>
-            <a:r>
-              <a:rPr lang="en-US" sz="1600" b="1" dirty="0"/>
-              <a:t>Social Media</a:t>
-            </a:r>
-          </a:p>
-          <a:p>
-            <a:r>
-              <a:rPr lang="en-US" sz="1600" dirty="0"/>
-              <a:t>Connecting people with the same likes, background, and acquaintances (Facebook, Instagram, </a:t>
-            </a:r>
-            <a:r>
-              <a:rPr lang="en-US" sz="1600" dirty="0" err="1"/>
-              <a:t>Linkedin</a:t>
-            </a:r>
-            <a:r>
-              <a:rPr lang="en-US" sz="1600" dirty="0"/>
-              <a:t>) </a:t>
-            </a:r>
-          </a:p>
-          <a:p>
-            <a:r>
-              <a:rPr lang="en-US" sz="1600" dirty="0"/>
-              <a:t>Builds community, group and organization with shared ideas and common goals</a:t>
-            </a:r>
-          </a:p>
-          <a:p>
-            <a:endParaRPr lang="en-US" sz="1600" dirty="0"/>
-          </a:p>
-          <a:p>
-            <a:r>
-              <a:rPr lang="en-US" sz="1600" b="1" dirty="0"/>
-              <a:t>Users Experience</a:t>
-            </a:r>
-          </a:p>
-          <a:p>
-            <a:r>
-              <a:rPr lang="en-US" sz="1600" dirty="0"/>
-              <a:t>Personalize customer experiences</a:t>
-            </a:r>
-          </a:p>
-          <a:p>
-            <a:r>
-              <a:rPr lang="en-US" sz="1600" dirty="0"/>
-              <a:t>Suggest Product and Services and compare pricing </a:t>
-            </a:r>
-          </a:p>
-          <a:p>
-            <a:r>
-              <a:rPr lang="en-US" sz="1600" dirty="0"/>
-              <a:t>Ease in searches by providing recommendation that fit’s customer need (Amazon recommends, Auto-fill on Search engines)</a:t>
-            </a:r>
-          </a:p>
-        </p:txBody>
-      </p:sp>
-      <p:pic>
-        <p:nvPicPr>
-          <p:cNvPr id="18" name="Graphic 17" descr="Shopping cart with solid fill">
-            <a:extLst>
-              <a:ext uri="{FF2B5EF4-FFF2-40B4-BE49-F238E27FC236}">
-                <a16:creationId xmlns:a16="http://schemas.microsoft.com/office/drawing/2014/main" id="{52B3EDF0-0287-45DA-A26B-371B42E2B758}"/>
-              </a:ext>
-            </a:extLst>
-          </p:cNvPr>
-          <p:cNvPicPr>
-            <a:picLocks noChangeAspect="1"/>
-          </p:cNvPicPr>
-          <p:nvPr/>
-        </p:nvPicPr>
-        <p:blipFill>
-          <a:blip r:embed="rId8">
-            <a:extLst>
-              <a:ext uri="{96DAC541-7B7A-43D3-8B79-37D633B846F1}">
-                <asvg:svgBlip xmlns:asvg="http://schemas.microsoft.com/office/drawing/2016/SVG/main" r:embed="rId9"/>
-              </a:ext>
-            </a:extLst>
-          </a:blip>
-          <a:stretch>
-            <a:fillRect/>
-          </a:stretch>
-        </p:blipFill>
-        <p:spPr>
-          <a:xfrm>
-            <a:off x="981803" y="4780610"/>
-            <a:ext cx="914400" cy="914400"/>
-          </a:xfrm>
-          <a:prstGeom prst="rect">
-            <a:avLst/>
-          </a:prstGeom>
-        </p:spPr>
-      </p:pic>
-      <p:pic>
-        <p:nvPicPr>
-          <p:cNvPr id="26" name="Graphic 25" descr="Fork In Road outline">
-            <a:extLst>
-              <a:ext uri="{FF2B5EF4-FFF2-40B4-BE49-F238E27FC236}">
-                <a16:creationId xmlns:a16="http://schemas.microsoft.com/office/drawing/2014/main" id="{FE460600-5F85-4BA2-886C-A9C983DC5434}"/>
-              </a:ext>
-            </a:extLst>
-          </p:cNvPr>
-          <p:cNvPicPr>
-            <a:picLocks noChangeAspect="1"/>
-          </p:cNvPicPr>
-          <p:nvPr/>
-        </p:nvPicPr>
-        <p:blipFill>
-          <a:blip r:embed="rId10">
-            <a:extLst>
-              <a:ext uri="{96DAC541-7B7A-43D3-8B79-37D633B846F1}">
-                <asvg:svgBlip xmlns:asvg="http://schemas.microsoft.com/office/drawing/2016/SVG/main" r:embed="rId11"/>
-              </a:ext>
-            </a:extLst>
-          </a:blip>
-          <a:stretch>
-            <a:fillRect/>
-          </a:stretch>
-        </p:blipFill>
-        <p:spPr>
-          <a:xfrm>
-            <a:off x="1439003" y="2724350"/>
-            <a:ext cx="599832" cy="599832"/>
-          </a:xfrm>
-          <a:prstGeom prst="rect">
-            <a:avLst/>
-          </a:prstGeom>
-        </p:spPr>
-      </p:pic>
-    </p:spTree>
-    <p:extLst>
-      <p:ext uri="{BB962C8B-B14F-4D97-AF65-F5344CB8AC3E}">
-        <p14:creationId xmlns:p14="http://schemas.microsoft.com/office/powerpoint/2010/main" val="122707658"/>
-      </p:ext>
-    </p:extLst>
-  </p:cSld>
-  <p:clrMapOvr>
-    <a:masterClrMapping/>
-  </p:clrMapOvr>
-</p:sld>
-</file>
-
-<file path=ppt/slides/slide6.xml><?xml version="1.0" encoding="utf-8"?>
+<file path=ppt/slides/slide8.xml><?xml version="1.0" encoding="utf-8"?>
 <p:sld xmlns:a="http://schemas.openxmlformats.org/drawingml/2006/main" xmlns:r="http://schemas.openxmlformats.org/officeDocument/2006/relationships" xmlns:p="http://schemas.openxmlformats.org/presentationml/2006/main">
   <p:cSld>
     <p:spTree>
@@ -10529,1865 +11786,7 @@
     </p:spTree>
     <p:extLst>
       <p:ext uri="{BB962C8B-B14F-4D97-AF65-F5344CB8AC3E}">
-        <p14:creationId xmlns:p14="http://schemas.microsoft.com/office/powerpoint/2010/main" val="4048642611"/>
-      </p:ext>
-    </p:extLst>
-  </p:cSld>
-  <p:clrMapOvr>
-    <a:masterClrMapping/>
-  </p:clrMapOvr>
-</p:sld>
-</file>
-
-<file path=ppt/slides/slide7.xml><?xml version="1.0" encoding="utf-8"?>
-<p:sld xmlns:a="http://schemas.openxmlformats.org/drawingml/2006/main" xmlns:r="http://schemas.openxmlformats.org/officeDocument/2006/relationships" xmlns:p="http://schemas.openxmlformats.org/presentationml/2006/main">
-  <p:cSld>
-    <p:spTree>
-      <p:nvGrpSpPr>
-        <p:cNvPr id="1" name=""/>
-        <p:cNvGrpSpPr/>
-        <p:nvPr/>
-      </p:nvGrpSpPr>
-      <p:grpSpPr>
-        <a:xfrm>
-          <a:off x="0" y="0"/>
-          <a:ext cx="0" cy="0"/>
-          <a:chOff x="0" y="0"/>
-          <a:chExt cx="0" cy="0"/>
-        </a:xfrm>
-      </p:grpSpPr>
-      <p:sp>
-        <p:nvSpPr>
-          <p:cNvPr id="2" name="TextBox 1">
-            <a:extLst>
-              <a:ext uri="{FF2B5EF4-FFF2-40B4-BE49-F238E27FC236}">
-                <a16:creationId xmlns:a16="http://schemas.microsoft.com/office/drawing/2014/main" id="{F38FF061-0C27-4C4B-BC50-4056C82F92B5}"/>
-              </a:ext>
-            </a:extLst>
-          </p:cNvPr>
-          <p:cNvSpPr txBox="1"/>
-          <p:nvPr/>
-        </p:nvSpPr>
-        <p:spPr>
-          <a:xfrm>
-            <a:off x="256674" y="344905"/>
-            <a:ext cx="184731" cy="369332"/>
-          </a:xfrm>
-          <a:prstGeom prst="rect">
-            <a:avLst/>
-          </a:prstGeom>
-          <a:noFill/>
-        </p:spPr>
-        <p:txBody>
-          <a:bodyPr wrap="none" rtlCol="0">
-            <a:spAutoFit/>
-          </a:bodyPr>
-          <a:lstStyle/>
-          <a:p>
-            <a:endParaRPr lang="en-US" dirty="0"/>
-          </a:p>
-        </p:txBody>
-      </p:sp>
-      <p:sp>
-        <p:nvSpPr>
-          <p:cNvPr id="3" name="TextBox 2">
-            <a:extLst>
-              <a:ext uri="{FF2B5EF4-FFF2-40B4-BE49-F238E27FC236}">
-                <a16:creationId xmlns:a16="http://schemas.microsoft.com/office/drawing/2014/main" id="{1E798AEA-4657-4AC2-AB1F-40B93469DA1D}"/>
-              </a:ext>
-            </a:extLst>
-          </p:cNvPr>
-          <p:cNvSpPr txBox="1"/>
-          <p:nvPr/>
-        </p:nvSpPr>
-        <p:spPr>
-          <a:xfrm>
-            <a:off x="256674" y="160552"/>
-            <a:ext cx="11493921" cy="369332"/>
-          </a:xfrm>
-          <a:prstGeom prst="rect">
-            <a:avLst/>
-          </a:prstGeom>
-          <a:solidFill>
-            <a:srgbClr val="002060"/>
-          </a:solidFill>
-          <a:ln>
-            <a:noFill/>
-          </a:ln>
-        </p:spPr>
-        <p:style>
-          <a:lnRef idx="1">
-            <a:schemeClr val="dk1"/>
-          </a:lnRef>
-          <a:fillRef idx="2">
-            <a:schemeClr val="dk1"/>
-          </a:fillRef>
-          <a:effectRef idx="1">
-            <a:schemeClr val="dk1"/>
-          </a:effectRef>
-          <a:fontRef idx="minor">
-            <a:schemeClr val="dk1"/>
-          </a:fontRef>
-        </p:style>
-        <p:txBody>
-          <a:bodyPr wrap="square" rtlCol="0">
-            <a:spAutoFit/>
-          </a:bodyPr>
-          <a:lstStyle/>
-          <a:p>
-            <a:r>
-              <a:rPr lang="en-US" b="1" spc="50" dirty="0">
-                <a:ln w="0"/>
-                <a:solidFill>
-                  <a:schemeClr val="bg1"/>
-                </a:solidFill>
-                <a:effectLst>
-                  <a:innerShdw blurRad="63500" dist="50800" dir="13500000">
-                    <a:srgbClr val="000000">
-                      <a:alpha val="50000"/>
-                    </a:srgbClr>
-                  </a:innerShdw>
-                </a:effectLst>
-              </a:rPr>
-              <a:t>Analytical Distribution</a:t>
-            </a:r>
-          </a:p>
-        </p:txBody>
-      </p:sp>
-      <p:sp>
-        <p:nvSpPr>
-          <p:cNvPr id="4" name="TextBox 3">
-            <a:extLst>
-              <a:ext uri="{FF2B5EF4-FFF2-40B4-BE49-F238E27FC236}">
-                <a16:creationId xmlns:a16="http://schemas.microsoft.com/office/drawing/2014/main" id="{0494F424-6881-47BC-BF59-9F51B0AFEB07}"/>
-              </a:ext>
-            </a:extLst>
-          </p:cNvPr>
-          <p:cNvSpPr txBox="1"/>
-          <p:nvPr/>
-        </p:nvSpPr>
-        <p:spPr>
-          <a:xfrm>
-            <a:off x="256674" y="1393658"/>
-            <a:ext cx="4764505" cy="369332"/>
-          </a:xfrm>
-          <a:prstGeom prst="rect">
-            <a:avLst/>
-          </a:prstGeom>
-          <a:noFill/>
-        </p:spPr>
-        <p:txBody>
-          <a:bodyPr wrap="square" rtlCol="0">
-            <a:spAutoFit/>
-          </a:bodyPr>
-          <a:lstStyle/>
-          <a:p>
-            <a:r>
-              <a:rPr lang="en-US" b="1" dirty="0"/>
-              <a:t>In current process: </a:t>
-            </a:r>
-          </a:p>
-        </p:txBody>
-      </p:sp>
-      <p:sp>
-        <p:nvSpPr>
-          <p:cNvPr id="29" name="Rectangle 28">
-            <a:extLst>
-              <a:ext uri="{FF2B5EF4-FFF2-40B4-BE49-F238E27FC236}">
-                <a16:creationId xmlns:a16="http://schemas.microsoft.com/office/drawing/2014/main" id="{5B88C625-67F1-4677-B918-4E6BE60E0D9E}"/>
-              </a:ext>
-            </a:extLst>
-          </p:cNvPr>
-          <p:cNvSpPr/>
-          <p:nvPr/>
-        </p:nvSpPr>
-        <p:spPr>
-          <a:xfrm>
-            <a:off x="5534526" y="529884"/>
-            <a:ext cx="6216069" cy="5758621"/>
-          </a:xfrm>
-          <a:prstGeom prst="rect">
-            <a:avLst/>
-          </a:prstGeom>
-          <a:solidFill>
-            <a:srgbClr val="002060"/>
-          </a:solidFill>
-          <a:ln>
-            <a:noFill/>
-          </a:ln>
-        </p:spPr>
-        <p:style>
-          <a:lnRef idx="2">
-            <a:schemeClr val="accent1">
-              <a:shade val="50000"/>
-            </a:schemeClr>
-          </a:lnRef>
-          <a:fillRef idx="1">
-            <a:schemeClr val="accent1"/>
-          </a:fillRef>
-          <a:effectRef idx="0">
-            <a:schemeClr val="accent1"/>
-          </a:effectRef>
-          <a:fontRef idx="minor">
-            <a:schemeClr val="lt1"/>
-          </a:fontRef>
-        </p:style>
-        <p:txBody>
-          <a:bodyPr rtlCol="0" anchor="ctr"/>
-          <a:lstStyle/>
-          <a:p>
-            <a:pPr algn="ctr"/>
-            <a:endParaRPr lang="en-US"/>
-          </a:p>
-        </p:txBody>
-      </p:sp>
-      <p:sp>
-        <p:nvSpPr>
-          <p:cNvPr id="30" name="TextBox 29">
-            <a:extLst>
-              <a:ext uri="{FF2B5EF4-FFF2-40B4-BE49-F238E27FC236}">
-                <a16:creationId xmlns:a16="http://schemas.microsoft.com/office/drawing/2014/main" id="{860839E2-437F-4897-AF64-A99806966140}"/>
-              </a:ext>
-            </a:extLst>
-          </p:cNvPr>
-          <p:cNvSpPr txBox="1"/>
-          <p:nvPr/>
-        </p:nvSpPr>
-        <p:spPr>
-          <a:xfrm>
-            <a:off x="5955704" y="1393658"/>
-            <a:ext cx="4764505" cy="369332"/>
-          </a:xfrm>
-          <a:prstGeom prst="rect">
-            <a:avLst/>
-          </a:prstGeom>
-          <a:noFill/>
-        </p:spPr>
-        <p:txBody>
-          <a:bodyPr wrap="square" rtlCol="0">
-            <a:spAutoFit/>
-          </a:bodyPr>
-          <a:lstStyle/>
-          <a:p>
-            <a:r>
-              <a:rPr lang="en-US" b="1" dirty="0">
-                <a:solidFill>
-                  <a:schemeClr val="bg1"/>
-                </a:solidFill>
-              </a:rPr>
-              <a:t>In Data Science </a:t>
-            </a:r>
-          </a:p>
-        </p:txBody>
-      </p:sp>
-      <p:pic>
-        <p:nvPicPr>
-          <p:cNvPr id="31" name="Graphic 30" descr="Document outline">
-            <a:extLst>
-              <a:ext uri="{FF2B5EF4-FFF2-40B4-BE49-F238E27FC236}">
-                <a16:creationId xmlns:a16="http://schemas.microsoft.com/office/drawing/2014/main" id="{FA723BAA-BC8D-4C8D-94AE-23036703FE8C}"/>
-              </a:ext>
-            </a:extLst>
-          </p:cNvPr>
-          <p:cNvPicPr>
-            <a:picLocks noChangeAspect="1"/>
-          </p:cNvPicPr>
-          <p:nvPr/>
-        </p:nvPicPr>
-        <p:blipFill>
-          <a:blip r:embed="rId2">
-            <a:extLst>
-              <a:ext uri="{96DAC541-7B7A-43D3-8B79-37D633B846F1}">
-                <asvg:svgBlip xmlns:asvg="http://schemas.microsoft.com/office/drawing/2016/SVG/main" r:embed="rId3"/>
-              </a:ext>
-            </a:extLst>
-          </a:blip>
-          <a:stretch>
-            <a:fillRect/>
-          </a:stretch>
-        </p:blipFill>
-        <p:spPr>
-          <a:xfrm>
-            <a:off x="231168" y="1723045"/>
-            <a:ext cx="914400" cy="914400"/>
-          </a:xfrm>
-          <a:prstGeom prst="rect">
-            <a:avLst/>
-          </a:prstGeom>
-        </p:spPr>
-      </p:pic>
-      <p:pic>
-        <p:nvPicPr>
-          <p:cNvPr id="32" name="Graphic 31" descr="Business Growth">
-            <a:extLst>
-              <a:ext uri="{FF2B5EF4-FFF2-40B4-BE49-F238E27FC236}">
-                <a16:creationId xmlns:a16="http://schemas.microsoft.com/office/drawing/2014/main" id="{42BC1A1A-2056-4FB9-B9C7-CF071EB17007}"/>
-              </a:ext>
-            </a:extLst>
-          </p:cNvPr>
-          <p:cNvPicPr>
-            <a:picLocks noChangeAspect="1"/>
-          </p:cNvPicPr>
-          <p:nvPr/>
-        </p:nvPicPr>
-        <p:blipFill>
-          <a:blip r:embed="rId4">
-            <a:extLst>
-              <a:ext uri="{28A0092B-C50C-407E-A947-70E740481C1C}">
-                <a14:useLocalDpi xmlns:a14="http://schemas.microsoft.com/office/drawing/2010/main" val="0"/>
-              </a:ext>
-              <a:ext uri="{96DAC541-7B7A-43D3-8B79-37D633B846F1}">
-                <asvg:svgBlip xmlns:asvg="http://schemas.microsoft.com/office/drawing/2016/SVG/main" r:embed="rId5"/>
-              </a:ext>
-            </a:extLst>
-          </a:blip>
-          <a:stretch>
-            <a:fillRect/>
-          </a:stretch>
-        </p:blipFill>
-        <p:spPr>
-          <a:xfrm>
-            <a:off x="349039" y="5198765"/>
-            <a:ext cx="914400" cy="914400"/>
-          </a:xfrm>
-          <a:prstGeom prst="rect">
-            <a:avLst/>
-          </a:prstGeom>
-        </p:spPr>
-      </p:pic>
-      <p:pic>
-        <p:nvPicPr>
-          <p:cNvPr id="33" name="Graphic 32" descr="Research">
-            <a:extLst>
-              <a:ext uri="{FF2B5EF4-FFF2-40B4-BE49-F238E27FC236}">
-                <a16:creationId xmlns:a16="http://schemas.microsoft.com/office/drawing/2014/main" id="{FC4FA48B-6EC7-4798-ACFC-15A9973466A2}"/>
-              </a:ext>
-            </a:extLst>
-          </p:cNvPr>
-          <p:cNvPicPr>
-            <a:picLocks noChangeAspect="1"/>
-          </p:cNvPicPr>
-          <p:nvPr/>
-        </p:nvPicPr>
-        <p:blipFill>
-          <a:blip r:embed="rId6">
-            <a:extLst>
-              <a:ext uri="{28A0092B-C50C-407E-A947-70E740481C1C}">
-                <a14:useLocalDpi xmlns:a14="http://schemas.microsoft.com/office/drawing/2010/main" val="0"/>
-              </a:ext>
-              <a:ext uri="{96DAC541-7B7A-43D3-8B79-37D633B846F1}">
-                <asvg:svgBlip xmlns:asvg="http://schemas.microsoft.com/office/drawing/2016/SVG/main" r:embed="rId7"/>
-              </a:ext>
-            </a:extLst>
-          </a:blip>
-          <a:stretch>
-            <a:fillRect/>
-          </a:stretch>
-        </p:blipFill>
-        <p:spPr>
-          <a:xfrm>
-            <a:off x="273744" y="4050276"/>
-            <a:ext cx="914400" cy="914400"/>
-          </a:xfrm>
-          <a:prstGeom prst="rect">
-            <a:avLst/>
-          </a:prstGeom>
-        </p:spPr>
-      </p:pic>
-      <p:sp>
-        <p:nvSpPr>
-          <p:cNvPr id="34" name="TextBox 33">
-            <a:extLst>
-              <a:ext uri="{FF2B5EF4-FFF2-40B4-BE49-F238E27FC236}">
-                <a16:creationId xmlns:a16="http://schemas.microsoft.com/office/drawing/2014/main" id="{5C65E7A6-314E-4449-91B1-59D7CD7887B1}"/>
-              </a:ext>
-            </a:extLst>
-          </p:cNvPr>
-          <p:cNvSpPr txBox="1"/>
-          <p:nvPr/>
-        </p:nvSpPr>
-        <p:spPr>
-          <a:xfrm>
-            <a:off x="256674" y="754527"/>
-            <a:ext cx="2605200" cy="369332"/>
-          </a:xfrm>
-          <a:prstGeom prst="rect">
-            <a:avLst/>
-          </a:prstGeom>
-          <a:noFill/>
-        </p:spPr>
-        <p:txBody>
-          <a:bodyPr wrap="none" rtlCol="0">
-            <a:spAutoFit/>
-          </a:bodyPr>
-          <a:lstStyle/>
-          <a:p>
-            <a:r>
-              <a:rPr lang="en-US" b="1" dirty="0"/>
-              <a:t>The use of Data assets.... </a:t>
-            </a:r>
-          </a:p>
-        </p:txBody>
-      </p:sp>
-      <p:sp>
-        <p:nvSpPr>
-          <p:cNvPr id="35" name="TextBox 34">
-            <a:extLst>
-              <a:ext uri="{FF2B5EF4-FFF2-40B4-BE49-F238E27FC236}">
-                <a16:creationId xmlns:a16="http://schemas.microsoft.com/office/drawing/2014/main" id="{B1EBE2CD-F320-439D-B061-499A06CC028E}"/>
-              </a:ext>
-            </a:extLst>
-          </p:cNvPr>
-          <p:cNvSpPr txBox="1"/>
-          <p:nvPr/>
-        </p:nvSpPr>
-        <p:spPr>
-          <a:xfrm>
-            <a:off x="1004819" y="2017334"/>
-            <a:ext cx="4578497" cy="738664"/>
-          </a:xfrm>
-          <a:prstGeom prst="rect">
-            <a:avLst/>
-          </a:prstGeom>
-          <a:noFill/>
-        </p:spPr>
-        <p:txBody>
-          <a:bodyPr wrap="none" rtlCol="0">
-            <a:spAutoFit/>
-          </a:bodyPr>
-          <a:lstStyle/>
-          <a:p>
-            <a:r>
-              <a:rPr lang="en-US" sz="1400" b="1" dirty="0">
-                <a:latin typeface="Abadi" panose="020B0604020104020204" pitchFamily="34" charset="0"/>
-              </a:rPr>
-              <a:t>Reports </a:t>
-            </a:r>
-            <a:r>
-              <a:rPr lang="en-US" sz="1400" dirty="0">
-                <a:latin typeface="Abadi" panose="020B0604020104020204" pitchFamily="34" charset="0"/>
-              </a:rPr>
-              <a:t>representation of historical data to show current </a:t>
-            </a:r>
-          </a:p>
-          <a:p>
-            <a:r>
-              <a:rPr lang="en-US" sz="1400" dirty="0">
-                <a:latin typeface="Abadi" panose="020B0604020104020204" pitchFamily="34" charset="0"/>
-              </a:rPr>
-              <a:t>metrices and information in different user-friendly format</a:t>
-            </a:r>
-          </a:p>
-          <a:p>
-            <a:endParaRPr lang="en-US" sz="1400" dirty="0">
-              <a:latin typeface="Abadi" panose="020B0604020104020204" pitchFamily="34" charset="0"/>
-            </a:endParaRPr>
-          </a:p>
-        </p:txBody>
-      </p:sp>
-      <p:cxnSp>
-        <p:nvCxnSpPr>
-          <p:cNvPr id="37" name="Straight Connector 36">
-            <a:extLst>
-              <a:ext uri="{FF2B5EF4-FFF2-40B4-BE49-F238E27FC236}">
-                <a16:creationId xmlns:a16="http://schemas.microsoft.com/office/drawing/2014/main" id="{2A41B59E-DCD8-430B-976D-6DADFC4B2759}"/>
-              </a:ext>
-            </a:extLst>
-          </p:cNvPr>
-          <p:cNvCxnSpPr/>
-          <p:nvPr/>
-        </p:nvCxnSpPr>
-        <p:spPr>
-          <a:xfrm flipV="1">
-            <a:off x="349039" y="1699370"/>
-            <a:ext cx="4711334" cy="39304"/>
-          </a:xfrm>
-          <a:prstGeom prst="line">
-            <a:avLst/>
-          </a:prstGeom>
-          <a:ln>
-            <a:solidFill>
-              <a:schemeClr val="bg1">
-                <a:lumMod val="65000"/>
-              </a:schemeClr>
-            </a:solidFill>
-          </a:ln>
-        </p:spPr>
-        <p:style>
-          <a:lnRef idx="1">
-            <a:schemeClr val="dk1"/>
-          </a:lnRef>
-          <a:fillRef idx="0">
-            <a:schemeClr val="dk1"/>
-          </a:fillRef>
-          <a:effectRef idx="0">
-            <a:schemeClr val="dk1"/>
-          </a:effectRef>
-          <a:fontRef idx="minor">
-            <a:schemeClr val="tx1"/>
-          </a:fontRef>
-        </p:style>
-      </p:cxnSp>
-      <p:cxnSp>
-        <p:nvCxnSpPr>
-          <p:cNvPr id="38" name="Straight Connector 37">
-            <a:extLst>
-              <a:ext uri="{FF2B5EF4-FFF2-40B4-BE49-F238E27FC236}">
-                <a16:creationId xmlns:a16="http://schemas.microsoft.com/office/drawing/2014/main" id="{AE2C70F8-01A8-479E-8ECC-C964C9AC48CA}"/>
-              </a:ext>
-            </a:extLst>
-          </p:cNvPr>
-          <p:cNvCxnSpPr>
-            <a:cxnSpLocks/>
-          </p:cNvCxnSpPr>
-          <p:nvPr/>
-        </p:nvCxnSpPr>
-        <p:spPr>
-          <a:xfrm flipV="1">
-            <a:off x="6112238" y="1678735"/>
-            <a:ext cx="5448300" cy="27056"/>
-          </a:xfrm>
-          <a:prstGeom prst="line">
-            <a:avLst/>
-          </a:prstGeom>
-          <a:ln>
-            <a:solidFill>
-              <a:schemeClr val="bg1">
-                <a:lumMod val="65000"/>
-              </a:schemeClr>
-            </a:solidFill>
-          </a:ln>
-        </p:spPr>
-        <p:style>
-          <a:lnRef idx="1">
-            <a:schemeClr val="dk1"/>
-          </a:lnRef>
-          <a:fillRef idx="0">
-            <a:schemeClr val="dk1"/>
-          </a:fillRef>
-          <a:effectRef idx="0">
-            <a:schemeClr val="dk1"/>
-          </a:effectRef>
-          <a:fontRef idx="minor">
-            <a:schemeClr val="tx1"/>
-          </a:fontRef>
-        </p:style>
-      </p:cxnSp>
-      <p:sp>
-        <p:nvSpPr>
-          <p:cNvPr id="40" name="TextBox 39">
-            <a:extLst>
-              <a:ext uri="{FF2B5EF4-FFF2-40B4-BE49-F238E27FC236}">
-                <a16:creationId xmlns:a16="http://schemas.microsoft.com/office/drawing/2014/main" id="{BED08445-FE2F-44C8-91FD-4452DA11FAF9}"/>
-              </a:ext>
-            </a:extLst>
-          </p:cNvPr>
-          <p:cNvSpPr txBox="1"/>
-          <p:nvPr/>
-        </p:nvSpPr>
-        <p:spPr>
-          <a:xfrm>
-            <a:off x="1004819" y="4124895"/>
-            <a:ext cx="4211409" cy="738664"/>
-          </a:xfrm>
-          <a:prstGeom prst="rect">
-            <a:avLst/>
-          </a:prstGeom>
-          <a:noFill/>
-        </p:spPr>
-        <p:txBody>
-          <a:bodyPr wrap="none" rtlCol="0">
-            <a:spAutoFit/>
-          </a:bodyPr>
-          <a:lstStyle/>
-          <a:p>
-            <a:r>
-              <a:rPr lang="en-US" sz="1400" b="1" dirty="0">
-                <a:latin typeface="Abadi" panose="020B0604020104020204" pitchFamily="34" charset="0"/>
-              </a:rPr>
-              <a:t>Research/Development </a:t>
-            </a:r>
-            <a:r>
-              <a:rPr lang="en-US" sz="1400" dirty="0">
-                <a:latin typeface="Abadi" panose="020B0604020104020204" pitchFamily="34" charset="0"/>
-              </a:rPr>
-              <a:t>focusing on innovation and </a:t>
-            </a:r>
-          </a:p>
-          <a:p>
-            <a:r>
-              <a:rPr lang="en-US" sz="1400" dirty="0">
-                <a:latin typeface="Abadi" panose="020B0604020104020204" pitchFamily="34" charset="0"/>
-              </a:rPr>
-              <a:t>Introduction of new product and services to improve</a:t>
-            </a:r>
-          </a:p>
-          <a:p>
-            <a:r>
-              <a:rPr lang="en-US" sz="1400" dirty="0">
-                <a:latin typeface="Abadi" panose="020B0604020104020204" pitchFamily="34" charset="0"/>
-              </a:rPr>
-              <a:t>existing offering </a:t>
-            </a:r>
-          </a:p>
-        </p:txBody>
-      </p:sp>
-      <p:sp>
-        <p:nvSpPr>
-          <p:cNvPr id="41" name="TextBox 40">
-            <a:extLst>
-              <a:ext uri="{FF2B5EF4-FFF2-40B4-BE49-F238E27FC236}">
-                <a16:creationId xmlns:a16="http://schemas.microsoft.com/office/drawing/2014/main" id="{4E08E25B-2416-40FF-8841-740D57625B18}"/>
-              </a:ext>
-            </a:extLst>
-          </p:cNvPr>
-          <p:cNvSpPr txBox="1"/>
-          <p:nvPr/>
-        </p:nvSpPr>
-        <p:spPr>
-          <a:xfrm>
-            <a:off x="1047395" y="5203127"/>
-            <a:ext cx="4331635" cy="738664"/>
-          </a:xfrm>
-          <a:prstGeom prst="rect">
-            <a:avLst/>
-          </a:prstGeom>
-          <a:noFill/>
-        </p:spPr>
-        <p:txBody>
-          <a:bodyPr wrap="none" rtlCol="0">
-            <a:spAutoFit/>
-          </a:bodyPr>
-          <a:lstStyle/>
-          <a:p>
-            <a:r>
-              <a:rPr lang="en-US" sz="1400" b="1" dirty="0">
-                <a:latin typeface="Abadi" panose="020B0604020104020204" pitchFamily="34" charset="0"/>
-              </a:rPr>
-              <a:t>Business Intelligence </a:t>
-            </a:r>
-            <a:r>
-              <a:rPr lang="en-US" sz="1400" dirty="0">
-                <a:latin typeface="Abadi" panose="020B0604020104020204" pitchFamily="34" charset="0"/>
-              </a:rPr>
-              <a:t>analyzing current data to deliver </a:t>
-            </a:r>
-          </a:p>
-          <a:p>
-            <a:r>
-              <a:rPr lang="en-US" sz="1400" dirty="0">
-                <a:latin typeface="Abadi" panose="020B0604020104020204" pitchFamily="34" charset="0"/>
-              </a:rPr>
-              <a:t>   actionable information to make informed </a:t>
-            </a:r>
-          </a:p>
-          <a:p>
-            <a:r>
-              <a:rPr lang="en-US" sz="1400" dirty="0">
-                <a:latin typeface="Abadi" panose="020B0604020104020204" pitchFamily="34" charset="0"/>
-              </a:rPr>
-              <a:t>business decision.</a:t>
-            </a:r>
-            <a:endParaRPr lang="en-US" sz="1400" b="1" dirty="0">
-              <a:latin typeface="Abadi" panose="020B0604020104020204" pitchFamily="34" charset="0"/>
-            </a:endParaRPr>
-          </a:p>
-        </p:txBody>
-      </p:sp>
-      <p:grpSp>
-        <p:nvGrpSpPr>
-          <p:cNvPr id="50" name="Group 49">
-            <a:extLst>
-              <a:ext uri="{FF2B5EF4-FFF2-40B4-BE49-F238E27FC236}">
-                <a16:creationId xmlns:a16="http://schemas.microsoft.com/office/drawing/2014/main" id="{E9FAE785-9226-47D0-AF82-89494133C761}"/>
-              </a:ext>
-            </a:extLst>
-          </p:cNvPr>
-          <p:cNvGrpSpPr/>
-          <p:nvPr/>
-        </p:nvGrpSpPr>
-        <p:grpSpPr>
-          <a:xfrm>
-            <a:off x="5735644" y="1874353"/>
-            <a:ext cx="1361209" cy="1549951"/>
-            <a:chOff x="5744707" y="2614173"/>
-            <a:chExt cx="1361209" cy="1549951"/>
-          </a:xfrm>
-        </p:grpSpPr>
-        <p:sp>
-          <p:nvSpPr>
-            <p:cNvPr id="49" name="Rectangle 48">
-              <a:extLst>
-                <a:ext uri="{FF2B5EF4-FFF2-40B4-BE49-F238E27FC236}">
-                  <a16:creationId xmlns:a16="http://schemas.microsoft.com/office/drawing/2014/main" id="{B5BA32CF-6F1F-452E-A16A-243572115A92}"/>
-                </a:ext>
-              </a:extLst>
-            </p:cNvPr>
-            <p:cNvSpPr/>
-            <p:nvPr/>
-          </p:nvSpPr>
-          <p:spPr>
-            <a:xfrm>
-              <a:off x="5744707" y="2614173"/>
-              <a:ext cx="1361209" cy="1549951"/>
-            </a:xfrm>
-            <a:prstGeom prst="rect">
-              <a:avLst/>
-            </a:prstGeom>
-            <a:solidFill>
-              <a:schemeClr val="bg1"/>
-            </a:solidFill>
-          </p:spPr>
-          <p:style>
-            <a:lnRef idx="2">
-              <a:schemeClr val="accent1">
-                <a:shade val="50000"/>
-              </a:schemeClr>
-            </a:lnRef>
-            <a:fillRef idx="1">
-              <a:schemeClr val="accent1"/>
-            </a:fillRef>
-            <a:effectRef idx="0">
-              <a:schemeClr val="accent1"/>
-            </a:effectRef>
-            <a:fontRef idx="minor">
-              <a:schemeClr val="lt1"/>
-            </a:fontRef>
-          </p:style>
-          <p:txBody>
-            <a:bodyPr rtlCol="0" anchor="ctr"/>
-            <a:lstStyle/>
-            <a:p>
-              <a:pPr algn="ctr"/>
-              <a:endParaRPr lang="en-US"/>
-            </a:p>
-          </p:txBody>
-        </p:sp>
-        <p:grpSp>
-          <p:nvGrpSpPr>
-            <p:cNvPr id="44" name="Group 43">
-              <a:extLst>
-                <a:ext uri="{FF2B5EF4-FFF2-40B4-BE49-F238E27FC236}">
-                  <a16:creationId xmlns:a16="http://schemas.microsoft.com/office/drawing/2014/main" id="{5962619A-1A40-4486-AB6A-41D6976F0060}"/>
-                </a:ext>
-              </a:extLst>
-            </p:cNvPr>
-            <p:cNvGrpSpPr/>
-            <p:nvPr/>
-          </p:nvGrpSpPr>
-          <p:grpSpPr>
-            <a:xfrm>
-              <a:off x="5836129" y="2754934"/>
-              <a:ext cx="1178364" cy="1348132"/>
-              <a:chOff x="4884821" y="1635291"/>
-              <a:chExt cx="1852864" cy="1741569"/>
-            </a:xfrm>
-          </p:grpSpPr>
-          <p:pic>
-            <p:nvPicPr>
-              <p:cNvPr id="45" name="Graphic 44" descr="Mathematics with solid fill">
-                <a:extLst>
-                  <a:ext uri="{FF2B5EF4-FFF2-40B4-BE49-F238E27FC236}">
-                    <a16:creationId xmlns:a16="http://schemas.microsoft.com/office/drawing/2014/main" id="{89B297D2-D03E-4F85-932D-9F84B7503CFD}"/>
-                  </a:ext>
-                </a:extLst>
-              </p:cNvPr>
-              <p:cNvPicPr>
-                <a:picLocks noChangeAspect="1"/>
-              </p:cNvPicPr>
-              <p:nvPr/>
-            </p:nvPicPr>
-            <p:blipFill>
-              <a:blip r:embed="rId8">
-                <a:extLst>
-                  <a:ext uri="{96DAC541-7B7A-43D3-8B79-37D633B846F1}">
-                    <asvg:svgBlip xmlns:asvg="http://schemas.microsoft.com/office/drawing/2016/SVG/main" r:embed="rId9"/>
-                  </a:ext>
-                </a:extLst>
-              </a:blip>
-              <a:stretch>
-                <a:fillRect/>
-              </a:stretch>
-            </p:blipFill>
-            <p:spPr>
-              <a:xfrm>
-                <a:off x="4908885" y="2462460"/>
-                <a:ext cx="914400" cy="914400"/>
-              </a:xfrm>
-              <a:prstGeom prst="rect">
-                <a:avLst/>
-              </a:prstGeom>
-            </p:spPr>
-          </p:pic>
-          <p:pic>
-            <p:nvPicPr>
-              <p:cNvPr id="46" name="Graphic 45" descr="Computer with solid fill">
-                <a:extLst>
-                  <a:ext uri="{FF2B5EF4-FFF2-40B4-BE49-F238E27FC236}">
-                    <a16:creationId xmlns:a16="http://schemas.microsoft.com/office/drawing/2014/main" id="{730F6589-D8EF-4732-B66F-66A84B47152F}"/>
-                  </a:ext>
-                </a:extLst>
-              </p:cNvPr>
-              <p:cNvPicPr>
-                <a:picLocks noChangeAspect="1"/>
-              </p:cNvPicPr>
-              <p:nvPr/>
-            </p:nvPicPr>
-            <p:blipFill>
-              <a:blip r:embed="rId10">
-                <a:extLst>
-                  <a:ext uri="{96DAC541-7B7A-43D3-8B79-37D633B846F1}">
-                    <asvg:svgBlip xmlns:asvg="http://schemas.microsoft.com/office/drawing/2016/SVG/main" r:embed="rId11"/>
-                  </a:ext>
-                </a:extLst>
-              </a:blip>
-              <a:stretch>
-                <a:fillRect/>
-              </a:stretch>
-            </p:blipFill>
-            <p:spPr>
-              <a:xfrm>
-                <a:off x="4884821" y="1635291"/>
-                <a:ext cx="914400" cy="914400"/>
-              </a:xfrm>
-              <a:prstGeom prst="rect">
-                <a:avLst/>
-              </a:prstGeom>
-            </p:spPr>
-          </p:pic>
-          <p:pic>
-            <p:nvPicPr>
-              <p:cNvPr id="47" name="Graphic 46" descr="Statistics with solid fill">
-                <a:extLst>
-                  <a:ext uri="{FF2B5EF4-FFF2-40B4-BE49-F238E27FC236}">
-                    <a16:creationId xmlns:a16="http://schemas.microsoft.com/office/drawing/2014/main" id="{4EE2D0DB-C1BE-4C5A-92C2-10F88FA0F3EF}"/>
-                  </a:ext>
-                </a:extLst>
-              </p:cNvPr>
-              <p:cNvPicPr>
-                <a:picLocks noChangeAspect="1"/>
-              </p:cNvPicPr>
-              <p:nvPr/>
-            </p:nvPicPr>
-            <p:blipFill>
-              <a:blip r:embed="rId12">
-                <a:extLst>
-                  <a:ext uri="{96DAC541-7B7A-43D3-8B79-37D633B846F1}">
-                    <asvg:svgBlip xmlns:asvg="http://schemas.microsoft.com/office/drawing/2016/SVG/main" r:embed="rId13"/>
-                  </a:ext>
-                </a:extLst>
-              </a:blip>
-              <a:stretch>
-                <a:fillRect/>
-              </a:stretch>
-            </p:blipFill>
-            <p:spPr>
-              <a:xfrm>
-                <a:off x="5823285" y="1635291"/>
-                <a:ext cx="914400" cy="914400"/>
-              </a:xfrm>
-              <a:prstGeom prst="rect">
-                <a:avLst/>
-              </a:prstGeom>
-            </p:spPr>
-          </p:pic>
-          <p:pic>
-            <p:nvPicPr>
-              <p:cNvPr id="48" name="Graphic 47" descr="Robot outline">
-                <a:extLst>
-                  <a:ext uri="{FF2B5EF4-FFF2-40B4-BE49-F238E27FC236}">
-                    <a16:creationId xmlns:a16="http://schemas.microsoft.com/office/drawing/2014/main" id="{47529FEF-1BAE-446C-B5E0-728CA4FD8A4A}"/>
-                  </a:ext>
-                </a:extLst>
-              </p:cNvPr>
-              <p:cNvPicPr>
-                <a:picLocks noChangeAspect="1"/>
-              </p:cNvPicPr>
-              <p:nvPr/>
-            </p:nvPicPr>
-            <p:blipFill>
-              <a:blip r:embed="rId14">
-                <a:extLst>
-                  <a:ext uri="{96DAC541-7B7A-43D3-8B79-37D633B846F1}">
-                    <asvg:svgBlip xmlns:asvg="http://schemas.microsoft.com/office/drawing/2016/SVG/main" r:embed="rId15"/>
-                  </a:ext>
-                </a:extLst>
-              </a:blip>
-              <a:stretch>
-                <a:fillRect/>
-              </a:stretch>
-            </p:blipFill>
-            <p:spPr>
-              <a:xfrm>
-                <a:off x="5863391" y="2549691"/>
-                <a:ext cx="705851" cy="705851"/>
-              </a:xfrm>
-              <a:prstGeom prst="rect">
-                <a:avLst/>
-              </a:prstGeom>
-            </p:spPr>
-          </p:pic>
-        </p:grpSp>
-      </p:grpSp>
-      <p:sp>
-        <p:nvSpPr>
-          <p:cNvPr id="53" name="TextBox 52">
-            <a:extLst>
-              <a:ext uri="{FF2B5EF4-FFF2-40B4-BE49-F238E27FC236}">
-                <a16:creationId xmlns:a16="http://schemas.microsoft.com/office/drawing/2014/main" id="{8AAC8122-C154-40D5-B62F-47A9DB5A6BAD}"/>
-              </a:ext>
-            </a:extLst>
-          </p:cNvPr>
-          <p:cNvSpPr txBox="1"/>
-          <p:nvPr/>
-        </p:nvSpPr>
-        <p:spPr>
-          <a:xfrm>
-            <a:off x="1011908" y="3043904"/>
-            <a:ext cx="4578497" cy="738664"/>
-          </a:xfrm>
-          <a:prstGeom prst="rect">
-            <a:avLst/>
-          </a:prstGeom>
-          <a:noFill/>
-        </p:spPr>
-        <p:txBody>
-          <a:bodyPr wrap="none" rtlCol="0">
-            <a:spAutoFit/>
-          </a:bodyPr>
-          <a:lstStyle/>
-          <a:p>
-            <a:r>
-              <a:rPr lang="en-US" sz="1400" b="1" dirty="0">
-                <a:latin typeface="Abadi" panose="020B0604020104020204" pitchFamily="34" charset="0"/>
-              </a:rPr>
-              <a:t>Analytics</a:t>
-            </a:r>
-            <a:r>
-              <a:rPr lang="en-US" sz="1400" dirty="0">
-                <a:latin typeface="Abadi" panose="020B0604020104020204" pitchFamily="34" charset="0"/>
-              </a:rPr>
-              <a:t> exploration of information to identify insights to</a:t>
-            </a:r>
-          </a:p>
-          <a:p>
-            <a:r>
-              <a:rPr lang="en-US" sz="1400" dirty="0">
-                <a:latin typeface="Abadi" panose="020B0604020104020204" pitchFamily="34" charset="0"/>
-              </a:rPr>
-              <a:t>Improve business</a:t>
-            </a:r>
-          </a:p>
-          <a:p>
-            <a:endParaRPr lang="en-US" sz="1400" dirty="0">
-              <a:latin typeface="Abadi" panose="020B0604020104020204" pitchFamily="34" charset="0"/>
-            </a:endParaRPr>
-          </a:p>
-        </p:txBody>
-      </p:sp>
-      <p:pic>
-        <p:nvPicPr>
-          <p:cNvPr id="55" name="Graphic 54" descr="Statistics with solid fill">
-            <a:extLst>
-              <a:ext uri="{FF2B5EF4-FFF2-40B4-BE49-F238E27FC236}">
-                <a16:creationId xmlns:a16="http://schemas.microsoft.com/office/drawing/2014/main" id="{475140B3-67FC-449B-9ED1-21250CC38969}"/>
-              </a:ext>
-            </a:extLst>
-          </p:cNvPr>
-          <p:cNvPicPr>
-            <a:picLocks noChangeAspect="1"/>
-          </p:cNvPicPr>
-          <p:nvPr/>
-        </p:nvPicPr>
-        <p:blipFill>
-          <a:blip r:embed="rId16">
-            <a:extLst>
-              <a:ext uri="{96DAC541-7B7A-43D3-8B79-37D633B846F1}">
-                <asvg:svgBlip xmlns:asvg="http://schemas.microsoft.com/office/drawing/2016/SVG/main" r:embed="rId17"/>
-              </a:ext>
-            </a:extLst>
-          </a:blip>
-          <a:stretch>
-            <a:fillRect/>
-          </a:stretch>
-        </p:blipFill>
-        <p:spPr>
-          <a:xfrm>
-            <a:off x="231168" y="2793549"/>
-            <a:ext cx="914400" cy="914400"/>
-          </a:xfrm>
-          <a:prstGeom prst="rect">
-            <a:avLst/>
-          </a:prstGeom>
-        </p:spPr>
-      </p:pic>
-      <p:sp>
-        <p:nvSpPr>
-          <p:cNvPr id="58" name="TextBox 57">
-            <a:extLst>
-              <a:ext uri="{FF2B5EF4-FFF2-40B4-BE49-F238E27FC236}">
-                <a16:creationId xmlns:a16="http://schemas.microsoft.com/office/drawing/2014/main" id="{171DBA5A-B998-4F81-866C-B5736AF43CC6}"/>
-              </a:ext>
-            </a:extLst>
-          </p:cNvPr>
-          <p:cNvSpPr txBox="1"/>
-          <p:nvPr/>
-        </p:nvSpPr>
-        <p:spPr>
-          <a:xfrm>
-            <a:off x="5742734" y="2000102"/>
-            <a:ext cx="5638230" cy="4031873"/>
-          </a:xfrm>
-          <a:prstGeom prst="rect">
-            <a:avLst/>
-          </a:prstGeom>
-          <a:noFill/>
-        </p:spPr>
-        <p:txBody>
-          <a:bodyPr wrap="square" rtlCol="0">
-            <a:spAutoFit/>
-          </a:bodyPr>
-          <a:lstStyle/>
-          <a:p>
-            <a:pPr lvl="3"/>
-            <a:r>
-              <a:rPr lang="en-US" sz="1600" dirty="0">
-                <a:solidFill>
-                  <a:schemeClr val="bg1"/>
-                </a:solidFill>
-                <a:latin typeface="Abadi" panose="020B0604020104020204" pitchFamily="34" charset="0"/>
-              </a:rPr>
-              <a:t>Improve current processes with: </a:t>
-            </a:r>
-          </a:p>
-          <a:p>
-            <a:pPr lvl="3"/>
-            <a:endParaRPr lang="en-US" sz="1600" dirty="0">
-              <a:solidFill>
-                <a:schemeClr val="bg1"/>
-              </a:solidFill>
-              <a:latin typeface="Abadi" panose="020B0604020104020204" pitchFamily="34" charset="0"/>
-            </a:endParaRPr>
-          </a:p>
-          <a:p>
-            <a:pPr marL="1657350" lvl="3" indent="-285750">
-              <a:buFont typeface="Wingdings" panose="05000000000000000000" pitchFamily="2" charset="2"/>
-              <a:buChar char="ü"/>
-            </a:pPr>
-            <a:r>
-              <a:rPr lang="en-US" sz="1600" dirty="0">
-                <a:solidFill>
-                  <a:schemeClr val="bg1"/>
-                </a:solidFill>
-                <a:latin typeface="Abadi" panose="020B0604020104020204" pitchFamily="34" charset="0"/>
-              </a:rPr>
-              <a:t>Use of Data Engineering to extract and process huge amount of structured and Unstructured data. </a:t>
-            </a:r>
-          </a:p>
-          <a:p>
-            <a:pPr lvl="3"/>
-            <a:endParaRPr lang="en-US" sz="1600" dirty="0">
-              <a:solidFill>
-                <a:schemeClr val="bg1"/>
-              </a:solidFill>
-              <a:latin typeface="Abadi" panose="020B0604020104020204" pitchFamily="34" charset="0"/>
-            </a:endParaRPr>
-          </a:p>
-          <a:p>
-            <a:pPr marL="1657350" lvl="3" indent="-285750">
-              <a:buFont typeface="Wingdings" panose="05000000000000000000" pitchFamily="2" charset="2"/>
-              <a:buChar char="ü"/>
-            </a:pPr>
-            <a:r>
-              <a:rPr lang="en-US" sz="1600" dirty="0">
-                <a:solidFill>
-                  <a:schemeClr val="bg1"/>
-                </a:solidFill>
-                <a:latin typeface="Abadi" panose="020B0604020104020204" pitchFamily="34" charset="0"/>
-              </a:rPr>
-              <a:t>Capable of complex Algorithm models and Data processing to identify hidden patterns and insights</a:t>
-            </a:r>
-          </a:p>
-          <a:p>
-            <a:pPr lvl="3"/>
-            <a:endParaRPr lang="en-US" sz="1600" dirty="0">
-              <a:solidFill>
-                <a:schemeClr val="bg1"/>
-              </a:solidFill>
-              <a:latin typeface="Abadi" panose="020B0604020104020204" pitchFamily="34" charset="0"/>
-            </a:endParaRPr>
-          </a:p>
-          <a:p>
-            <a:pPr marL="1657350" lvl="3" indent="-285750">
-              <a:buFont typeface="Wingdings" panose="05000000000000000000" pitchFamily="2" charset="2"/>
-              <a:buChar char="ü"/>
-            </a:pPr>
-            <a:r>
-              <a:rPr lang="en-US" sz="1600" dirty="0">
-                <a:solidFill>
-                  <a:schemeClr val="bg1"/>
-                </a:solidFill>
-                <a:latin typeface="Abadi" panose="020B0604020104020204" pitchFamily="34" charset="0"/>
-              </a:rPr>
-              <a:t>Exploration of the unknown</a:t>
-            </a:r>
-          </a:p>
-          <a:p>
-            <a:pPr lvl="3"/>
-            <a:endParaRPr lang="en-US" sz="1600" dirty="0">
-              <a:solidFill>
-                <a:schemeClr val="bg1"/>
-              </a:solidFill>
-              <a:latin typeface="Abadi" panose="020B0604020104020204" pitchFamily="34" charset="0"/>
-            </a:endParaRPr>
-          </a:p>
-          <a:p>
-            <a:pPr marL="1657350" lvl="3" indent="-285750">
-              <a:buFont typeface="Wingdings" panose="05000000000000000000" pitchFamily="2" charset="2"/>
-              <a:buChar char="ü"/>
-            </a:pPr>
-            <a:r>
-              <a:rPr lang="en-US" sz="1600" dirty="0">
-                <a:solidFill>
-                  <a:schemeClr val="bg1"/>
-                </a:solidFill>
-                <a:latin typeface="Abadi" panose="020B0604020104020204" pitchFamily="34" charset="0"/>
-              </a:rPr>
-              <a:t>Computer Engineering and Machine Learning</a:t>
-            </a:r>
-          </a:p>
-          <a:p>
-            <a:endParaRPr lang="en-US" sz="1600" dirty="0">
-              <a:solidFill>
-                <a:schemeClr val="bg1"/>
-              </a:solidFill>
-              <a:latin typeface="Abadi" panose="020B0604020104020204" pitchFamily="34" charset="0"/>
-            </a:endParaRPr>
-          </a:p>
-          <a:p>
-            <a:r>
-              <a:rPr lang="en-US" sz="1600" dirty="0">
-                <a:solidFill>
-                  <a:schemeClr val="bg1"/>
-                </a:solidFill>
-                <a:latin typeface="Abadi" panose="020B0604020104020204" pitchFamily="34" charset="0"/>
-              </a:rPr>
-              <a:t>                Delivers Predictive models to </a:t>
-            </a:r>
-            <a:r>
-              <a:rPr lang="en-US" sz="1600" u="sng" dirty="0">
-                <a:solidFill>
-                  <a:srgbClr val="00B0F0"/>
-                </a:solidFill>
-                <a:latin typeface="Abadi" panose="020B0604020104020204" pitchFamily="34" charset="0"/>
-              </a:rPr>
-              <a:t>forecast future </a:t>
-            </a:r>
-            <a:endParaRPr lang="en-US" sz="1600" dirty="0">
-              <a:solidFill>
-                <a:schemeClr val="bg1"/>
-              </a:solidFill>
-              <a:latin typeface="Abadi" panose="020B0604020104020204" pitchFamily="34" charset="0"/>
-            </a:endParaRPr>
-          </a:p>
-        </p:txBody>
-      </p:sp>
-      <p:pic>
-        <p:nvPicPr>
-          <p:cNvPr id="60" name="Graphic 59" descr="Right pointing backhand index outline">
-            <a:extLst>
-              <a:ext uri="{FF2B5EF4-FFF2-40B4-BE49-F238E27FC236}">
-                <a16:creationId xmlns:a16="http://schemas.microsoft.com/office/drawing/2014/main" id="{DEF00793-7AE2-4332-B896-CE41EC14904A}"/>
-              </a:ext>
-            </a:extLst>
-          </p:cNvPr>
-          <p:cNvPicPr>
-            <a:picLocks noChangeAspect="1"/>
-          </p:cNvPicPr>
-          <p:nvPr/>
-        </p:nvPicPr>
-        <p:blipFill>
-          <a:blip r:embed="rId18">
-            <a:extLst>
-              <a:ext uri="{96DAC541-7B7A-43D3-8B79-37D633B846F1}">
-                <asvg:svgBlip xmlns:asvg="http://schemas.microsoft.com/office/drawing/2016/SVG/main" r:embed="rId19"/>
-              </a:ext>
-            </a:extLst>
-          </a:blip>
-          <a:stretch>
-            <a:fillRect/>
-          </a:stretch>
-        </p:blipFill>
-        <p:spPr>
-          <a:xfrm>
-            <a:off x="6003634" y="5572459"/>
-            <a:ext cx="655345" cy="655345"/>
-          </a:xfrm>
-          <a:prstGeom prst="rect">
-            <a:avLst/>
-          </a:prstGeom>
-        </p:spPr>
-      </p:pic>
-    </p:spTree>
-    <p:extLst>
-      <p:ext uri="{BB962C8B-B14F-4D97-AF65-F5344CB8AC3E}">
         <p14:creationId xmlns:p14="http://schemas.microsoft.com/office/powerpoint/2010/main" val="3721627370"/>
-      </p:ext>
-    </p:extLst>
-  </p:cSld>
-  <p:clrMapOvr>
-    <a:masterClrMapping/>
-  </p:clrMapOvr>
-</p:sld>
-</file>
-
-<file path=ppt/slides/slide8.xml><?xml version="1.0" encoding="utf-8"?>
-<p:sld xmlns:a="http://schemas.openxmlformats.org/drawingml/2006/main" xmlns:r="http://schemas.openxmlformats.org/officeDocument/2006/relationships" xmlns:p="http://schemas.openxmlformats.org/presentationml/2006/main">
-  <p:cSld>
-    <p:spTree>
-      <p:nvGrpSpPr>
-        <p:cNvPr id="1" name=""/>
-        <p:cNvGrpSpPr/>
-        <p:nvPr/>
-      </p:nvGrpSpPr>
-      <p:grpSpPr>
-        <a:xfrm>
-          <a:off x="0" y="0"/>
-          <a:ext cx="0" cy="0"/>
-          <a:chOff x="0" y="0"/>
-          <a:chExt cx="0" cy="0"/>
-        </a:xfrm>
-      </p:grpSpPr>
-      <p:sp>
-        <p:nvSpPr>
-          <p:cNvPr id="2" name="TextBox 1">
-            <a:extLst>
-              <a:ext uri="{FF2B5EF4-FFF2-40B4-BE49-F238E27FC236}">
-                <a16:creationId xmlns:a16="http://schemas.microsoft.com/office/drawing/2014/main" id="{F38FF061-0C27-4C4B-BC50-4056C82F92B5}"/>
-              </a:ext>
-            </a:extLst>
-          </p:cNvPr>
-          <p:cNvSpPr txBox="1"/>
-          <p:nvPr/>
-        </p:nvSpPr>
-        <p:spPr>
-          <a:xfrm>
-            <a:off x="256674" y="344905"/>
-            <a:ext cx="184731" cy="369332"/>
-          </a:xfrm>
-          <a:prstGeom prst="rect">
-            <a:avLst/>
-          </a:prstGeom>
-          <a:noFill/>
-        </p:spPr>
-        <p:txBody>
-          <a:bodyPr wrap="none" rtlCol="0">
-            <a:spAutoFit/>
-          </a:bodyPr>
-          <a:lstStyle/>
-          <a:p>
-            <a:endParaRPr lang="en-US" dirty="0"/>
-          </a:p>
-        </p:txBody>
-      </p:sp>
-      <p:sp>
-        <p:nvSpPr>
-          <p:cNvPr id="3" name="TextBox 2">
-            <a:extLst>
-              <a:ext uri="{FF2B5EF4-FFF2-40B4-BE49-F238E27FC236}">
-                <a16:creationId xmlns:a16="http://schemas.microsoft.com/office/drawing/2014/main" id="{1E798AEA-4657-4AC2-AB1F-40B93469DA1D}"/>
-              </a:ext>
-            </a:extLst>
-          </p:cNvPr>
-          <p:cNvSpPr txBox="1"/>
-          <p:nvPr/>
-        </p:nvSpPr>
-        <p:spPr>
-          <a:xfrm>
-            <a:off x="256674" y="160552"/>
-            <a:ext cx="11493921" cy="369332"/>
-          </a:xfrm>
-          <a:prstGeom prst="rect">
-            <a:avLst/>
-          </a:prstGeom>
-          <a:solidFill>
-            <a:srgbClr val="002060"/>
-          </a:solidFill>
-        </p:spPr>
-        <p:style>
-          <a:lnRef idx="1">
-            <a:schemeClr val="dk1"/>
-          </a:lnRef>
-          <a:fillRef idx="2">
-            <a:schemeClr val="dk1"/>
-          </a:fillRef>
-          <a:effectRef idx="1">
-            <a:schemeClr val="dk1"/>
-          </a:effectRef>
-          <a:fontRef idx="minor">
-            <a:schemeClr val="dk1"/>
-          </a:fontRef>
-        </p:style>
-        <p:txBody>
-          <a:bodyPr wrap="square" rtlCol="0">
-            <a:spAutoFit/>
-          </a:bodyPr>
-          <a:lstStyle/>
-          <a:p>
-            <a:r>
-              <a:rPr lang="en-US" b="1" spc="50" dirty="0">
-                <a:ln w="0"/>
-                <a:solidFill>
-                  <a:schemeClr val="bg2"/>
-                </a:solidFill>
-                <a:effectLst>
-                  <a:innerShdw blurRad="63500" dist="50800" dir="13500000">
-                    <a:srgbClr val="000000">
-                      <a:alpha val="50000"/>
-                    </a:srgbClr>
-                  </a:innerShdw>
-                </a:effectLst>
-              </a:rPr>
-              <a:t>Scatterplot, Correlation and Causation</a:t>
-            </a:r>
-          </a:p>
-        </p:txBody>
-      </p:sp>
-      <p:sp>
-        <p:nvSpPr>
-          <p:cNvPr id="7" name="TextBox 6">
-            <a:extLst>
-              <a:ext uri="{FF2B5EF4-FFF2-40B4-BE49-F238E27FC236}">
-                <a16:creationId xmlns:a16="http://schemas.microsoft.com/office/drawing/2014/main" id="{BCAB18D2-6C50-4697-ACCB-30E0DF18843C}"/>
-              </a:ext>
-            </a:extLst>
-          </p:cNvPr>
-          <p:cNvSpPr txBox="1"/>
-          <p:nvPr/>
-        </p:nvSpPr>
-        <p:spPr>
-          <a:xfrm>
-            <a:off x="441405" y="898590"/>
-            <a:ext cx="11368818" cy="369332"/>
-          </a:xfrm>
-          <a:prstGeom prst="rect">
-            <a:avLst/>
-          </a:prstGeom>
-          <a:noFill/>
-        </p:spPr>
-        <p:txBody>
-          <a:bodyPr wrap="none" rtlCol="0">
-            <a:spAutoFit/>
-          </a:bodyPr>
-          <a:lstStyle/>
-          <a:p>
-            <a:r>
-              <a:rPr lang="en-US" dirty="0">
-                <a:latin typeface="Abadi" panose="020B0604020104020204" pitchFamily="34" charset="0"/>
-              </a:rPr>
-              <a:t>Problems are easier to solve, Work are easily done, People are being connected, Diseases are detected earlier…..</a:t>
-            </a:r>
-          </a:p>
-        </p:txBody>
-      </p:sp>
-      <p:sp>
-        <p:nvSpPr>
-          <p:cNvPr id="22" name="TextBox 21">
-            <a:extLst>
-              <a:ext uri="{FF2B5EF4-FFF2-40B4-BE49-F238E27FC236}">
-                <a16:creationId xmlns:a16="http://schemas.microsoft.com/office/drawing/2014/main" id="{72E2189C-B182-4550-BE72-15D67F96DC57}"/>
-              </a:ext>
-            </a:extLst>
-          </p:cNvPr>
-          <p:cNvSpPr txBox="1"/>
-          <p:nvPr/>
-        </p:nvSpPr>
-        <p:spPr>
-          <a:xfrm>
-            <a:off x="8149389" y="2253784"/>
-            <a:ext cx="2834262" cy="2723823"/>
-          </a:xfrm>
-          <a:prstGeom prst="rect">
-            <a:avLst/>
-          </a:prstGeom>
-          <a:noFill/>
-        </p:spPr>
-        <p:txBody>
-          <a:bodyPr wrap="square" rtlCol="0">
-            <a:spAutoFit/>
-          </a:bodyPr>
-          <a:lstStyle/>
-          <a:p>
-            <a:r>
-              <a:rPr lang="en-US" sz="1050" b="1" dirty="0">
-                <a:solidFill>
-                  <a:schemeClr val="bg1"/>
-                </a:solidFill>
-                <a:latin typeface="Abadi" panose="020B0604020104020204" pitchFamily="34" charset="0"/>
-              </a:rPr>
-              <a:t>Risk and Fraud Management decision (Examples) </a:t>
-            </a:r>
-          </a:p>
-          <a:p>
-            <a:endParaRPr lang="en-US" sz="1050" dirty="0">
-              <a:solidFill>
-                <a:schemeClr val="bg1"/>
-              </a:solidFill>
-              <a:latin typeface="Abadi" panose="020B0604020104020204" pitchFamily="34" charset="0"/>
-            </a:endParaRPr>
-          </a:p>
-          <a:p>
-            <a:pPr marL="171450" indent="-171450">
-              <a:buFont typeface="Wingdings" panose="05000000000000000000" pitchFamily="2" charset="2"/>
-              <a:buChar char="ü"/>
-            </a:pPr>
-            <a:r>
-              <a:rPr lang="en-US" sz="1050" dirty="0">
-                <a:solidFill>
-                  <a:schemeClr val="bg1"/>
-                </a:solidFill>
-                <a:latin typeface="Abadi" panose="020B0604020104020204" pitchFamily="34" charset="0"/>
-              </a:rPr>
-              <a:t>Reporting, Alerting and Notification System </a:t>
-            </a:r>
-          </a:p>
-          <a:p>
-            <a:pPr marL="171450" indent="-171450">
-              <a:buFont typeface="Wingdings" panose="05000000000000000000" pitchFamily="2" charset="2"/>
-              <a:buChar char="ü"/>
-            </a:pPr>
-            <a:endParaRPr lang="en-US" sz="1050" dirty="0">
-              <a:solidFill>
-                <a:schemeClr val="bg1"/>
-              </a:solidFill>
-              <a:latin typeface="Abadi" panose="020B0604020104020204" pitchFamily="34" charset="0"/>
-            </a:endParaRPr>
-          </a:p>
-          <a:p>
-            <a:pPr marL="171450" indent="-171450">
-              <a:buFont typeface="Wingdings" panose="05000000000000000000" pitchFamily="2" charset="2"/>
-              <a:buChar char="ü"/>
-            </a:pPr>
-            <a:r>
-              <a:rPr lang="en-US" sz="1050" dirty="0">
-                <a:solidFill>
-                  <a:schemeClr val="bg1"/>
-                </a:solidFill>
-                <a:latin typeface="Abadi" panose="020B0604020104020204" pitchFamily="34" charset="0"/>
-              </a:rPr>
-              <a:t>Monitoring Application</a:t>
-            </a:r>
-          </a:p>
-          <a:p>
-            <a:endParaRPr lang="en-US" sz="1050" dirty="0">
-              <a:solidFill>
-                <a:schemeClr val="bg1"/>
-              </a:solidFill>
-              <a:latin typeface="Abadi" panose="020B0604020104020204" pitchFamily="34" charset="0"/>
-            </a:endParaRPr>
-          </a:p>
-          <a:p>
-            <a:pPr marL="171450" indent="-171450">
-              <a:buFont typeface="Wingdings" panose="05000000000000000000" pitchFamily="2" charset="2"/>
-              <a:buChar char="ü"/>
-            </a:pPr>
-            <a:r>
-              <a:rPr lang="en-US" sz="1050" dirty="0">
-                <a:solidFill>
-                  <a:schemeClr val="bg1"/>
-                </a:solidFill>
-                <a:latin typeface="Abadi" panose="020B0604020104020204" pitchFamily="34" charset="0"/>
-              </a:rPr>
-              <a:t>Automated Case Management </a:t>
-            </a:r>
-          </a:p>
-          <a:p>
-            <a:endParaRPr lang="en-US" sz="1050" dirty="0">
-              <a:solidFill>
-                <a:schemeClr val="bg1"/>
-              </a:solidFill>
-              <a:latin typeface="Abadi" panose="020B0604020104020204" pitchFamily="34" charset="0"/>
-            </a:endParaRPr>
-          </a:p>
-          <a:p>
-            <a:pPr marL="171450" indent="-171450">
-              <a:buFont typeface="Wingdings" panose="05000000000000000000" pitchFamily="2" charset="2"/>
-              <a:buChar char="ü"/>
-            </a:pPr>
-            <a:r>
-              <a:rPr lang="en-US" sz="1050" dirty="0">
-                <a:solidFill>
-                  <a:schemeClr val="bg1"/>
-                </a:solidFill>
-                <a:latin typeface="Abadi" panose="020B0604020104020204" pitchFamily="34" charset="0"/>
-              </a:rPr>
-              <a:t>Reduction of False Positive when identifying fraud</a:t>
-            </a:r>
-          </a:p>
-          <a:p>
-            <a:endParaRPr lang="en-US" sz="1050" dirty="0">
-              <a:solidFill>
-                <a:schemeClr val="bg1"/>
-              </a:solidFill>
-              <a:latin typeface="Abadi" panose="020B0604020104020204" pitchFamily="34" charset="0"/>
-            </a:endParaRPr>
-          </a:p>
-          <a:p>
-            <a:pPr marL="171450" indent="-171450">
-              <a:buFont typeface="Wingdings" panose="05000000000000000000" pitchFamily="2" charset="2"/>
-              <a:buChar char="ü"/>
-            </a:pPr>
-            <a:r>
-              <a:rPr lang="en-US" sz="1050" dirty="0">
-                <a:solidFill>
-                  <a:schemeClr val="bg1"/>
-                </a:solidFill>
-                <a:latin typeface="Abadi" panose="020B0604020104020204" pitchFamily="34" charset="0"/>
-              </a:rPr>
-              <a:t>Influence Security Applications</a:t>
-            </a:r>
-          </a:p>
-          <a:p>
-            <a:endParaRPr lang="en-US" sz="1050" b="1" dirty="0">
-              <a:solidFill>
-                <a:schemeClr val="bg1"/>
-              </a:solidFill>
-            </a:endParaRPr>
-          </a:p>
-          <a:p>
-            <a:endParaRPr lang="en-US" sz="1200" b="1" dirty="0">
-              <a:solidFill>
-                <a:schemeClr val="bg1"/>
-              </a:solidFill>
-            </a:endParaRPr>
-          </a:p>
-          <a:p>
-            <a:pPr marL="171450" indent="-171450">
-              <a:buFont typeface="Wingdings" panose="05000000000000000000" pitchFamily="2" charset="2"/>
-              <a:buChar char="ü"/>
-            </a:pPr>
-            <a:endParaRPr lang="en-US" sz="1200" b="1" dirty="0">
-              <a:solidFill>
-                <a:schemeClr val="bg1"/>
-              </a:solidFill>
-            </a:endParaRPr>
-          </a:p>
-        </p:txBody>
-      </p:sp>
-      <p:pic>
-        <p:nvPicPr>
-          <p:cNvPr id="8" name="Graphic 7" descr="Doctor female with solid fill">
-            <a:extLst>
-              <a:ext uri="{FF2B5EF4-FFF2-40B4-BE49-F238E27FC236}">
-                <a16:creationId xmlns:a16="http://schemas.microsoft.com/office/drawing/2014/main" id="{C8BE2C0F-9251-48FE-AE61-C86C26A15420}"/>
-              </a:ext>
-            </a:extLst>
-          </p:cNvPr>
-          <p:cNvPicPr>
-            <a:picLocks noChangeAspect="1"/>
-          </p:cNvPicPr>
-          <p:nvPr/>
-        </p:nvPicPr>
-        <p:blipFill>
-          <a:blip r:embed="rId2">
-            <a:extLst>
-              <a:ext uri="{96DAC541-7B7A-43D3-8B79-37D633B846F1}">
-                <asvg:svgBlip xmlns:asvg="http://schemas.microsoft.com/office/drawing/2016/SVG/main" r:embed="rId3"/>
-              </a:ext>
-            </a:extLst>
-          </a:blip>
-          <a:stretch>
-            <a:fillRect/>
-          </a:stretch>
-        </p:blipFill>
-        <p:spPr>
-          <a:xfrm>
-            <a:off x="1092200" y="1353537"/>
-            <a:ext cx="914400" cy="914400"/>
-          </a:xfrm>
-          <a:prstGeom prst="rect">
-            <a:avLst/>
-          </a:prstGeom>
-        </p:spPr>
-      </p:pic>
-      <p:pic>
-        <p:nvPicPr>
-          <p:cNvPr id="10" name="Graphic 9" descr="Travel outline">
-            <a:extLst>
-              <a:ext uri="{FF2B5EF4-FFF2-40B4-BE49-F238E27FC236}">
-                <a16:creationId xmlns:a16="http://schemas.microsoft.com/office/drawing/2014/main" id="{8110D858-97C2-422D-A0AF-AE777C140077}"/>
-              </a:ext>
-            </a:extLst>
-          </p:cNvPr>
-          <p:cNvPicPr>
-            <a:picLocks noChangeAspect="1"/>
-          </p:cNvPicPr>
-          <p:nvPr/>
-        </p:nvPicPr>
-        <p:blipFill>
-          <a:blip r:embed="rId4">
-            <a:extLst>
-              <a:ext uri="{96DAC541-7B7A-43D3-8B79-37D633B846F1}">
-                <asvg:svgBlip xmlns:asvg="http://schemas.microsoft.com/office/drawing/2016/SVG/main" r:embed="rId5"/>
-              </a:ext>
-            </a:extLst>
-          </a:blip>
-          <a:stretch>
-            <a:fillRect/>
-          </a:stretch>
-        </p:blipFill>
-        <p:spPr>
-          <a:xfrm>
-            <a:off x="887598" y="2511933"/>
-            <a:ext cx="724323" cy="724323"/>
-          </a:xfrm>
-          <a:prstGeom prst="rect">
-            <a:avLst/>
-          </a:prstGeom>
-        </p:spPr>
-      </p:pic>
-      <p:pic>
-        <p:nvPicPr>
-          <p:cNvPr id="13" name="Graphic 12" descr="Connections outline">
-            <a:extLst>
-              <a:ext uri="{FF2B5EF4-FFF2-40B4-BE49-F238E27FC236}">
-                <a16:creationId xmlns:a16="http://schemas.microsoft.com/office/drawing/2014/main" id="{C44594B5-56C0-475D-9833-FF6C66F67D8C}"/>
-              </a:ext>
-            </a:extLst>
-          </p:cNvPr>
-          <p:cNvPicPr>
-            <a:picLocks noChangeAspect="1"/>
-          </p:cNvPicPr>
-          <p:nvPr/>
-        </p:nvPicPr>
-        <p:blipFill>
-          <a:blip r:embed="rId6">
-            <a:extLst>
-              <a:ext uri="{96DAC541-7B7A-43D3-8B79-37D633B846F1}">
-                <asvg:svgBlip xmlns:asvg="http://schemas.microsoft.com/office/drawing/2016/SVG/main" r:embed="rId7"/>
-              </a:ext>
-            </a:extLst>
-          </a:blip>
-          <a:stretch>
-            <a:fillRect/>
-          </a:stretch>
-        </p:blipFill>
-        <p:spPr>
-          <a:xfrm>
-            <a:off x="1023865" y="3565867"/>
-            <a:ext cx="914400" cy="914400"/>
-          </a:xfrm>
-          <a:prstGeom prst="rect">
-            <a:avLst/>
-          </a:prstGeom>
-        </p:spPr>
-      </p:pic>
-      <p:sp>
-        <p:nvSpPr>
-          <p:cNvPr id="14" name="TextBox 13">
-            <a:extLst>
-              <a:ext uri="{FF2B5EF4-FFF2-40B4-BE49-F238E27FC236}">
-                <a16:creationId xmlns:a16="http://schemas.microsoft.com/office/drawing/2014/main" id="{17783C9B-929E-4970-9A69-9A2F2E3AD666}"/>
-              </a:ext>
-            </a:extLst>
-          </p:cNvPr>
-          <p:cNvSpPr txBox="1"/>
-          <p:nvPr/>
-        </p:nvSpPr>
-        <p:spPr>
-          <a:xfrm>
-            <a:off x="2207126" y="1353537"/>
-            <a:ext cx="9256295" cy="4524315"/>
-          </a:xfrm>
-          <a:prstGeom prst="rect">
-            <a:avLst/>
-          </a:prstGeom>
-          <a:noFill/>
-        </p:spPr>
-        <p:txBody>
-          <a:bodyPr wrap="square" rtlCol="0">
-            <a:spAutoFit/>
-          </a:bodyPr>
-          <a:lstStyle/>
-          <a:p>
-            <a:r>
-              <a:rPr lang="en-US" sz="1600" b="1" dirty="0"/>
-              <a:t>Medical and Healthcare</a:t>
-            </a:r>
-          </a:p>
-          <a:p>
-            <a:r>
-              <a:rPr lang="en-US" sz="1600" dirty="0"/>
-              <a:t>Faster Diagnosis using known medical information and captured patient data</a:t>
-            </a:r>
-          </a:p>
-          <a:p>
-            <a:r>
-              <a:rPr lang="en-US" sz="1600" dirty="0"/>
-              <a:t>Recommendation on treatments where effectiveness are backed by data </a:t>
-            </a:r>
-          </a:p>
-          <a:p>
-            <a:r>
-              <a:rPr lang="en-US" sz="1600" dirty="0"/>
-              <a:t>Improve hospitals and healthcare facilities services</a:t>
-            </a:r>
-          </a:p>
-          <a:p>
-            <a:endParaRPr lang="en-US" sz="1600" dirty="0"/>
-          </a:p>
-          <a:p>
-            <a:r>
-              <a:rPr lang="en-US" sz="1600" b="1" dirty="0"/>
-              <a:t>Travel and Logistics</a:t>
-            </a:r>
-          </a:p>
-          <a:p>
-            <a:r>
-              <a:rPr lang="en-US" sz="1600" dirty="0"/>
-              <a:t>Improve Travel by recommending routes base on real-time situations (weather, events, roadside accidents)</a:t>
-            </a:r>
-          </a:p>
-          <a:p>
-            <a:r>
-              <a:rPr lang="en-US" sz="1600" dirty="0"/>
-              <a:t>Optimize Delivery routes that guarantee customer satisfaction and lower delivery cost</a:t>
-            </a:r>
-          </a:p>
-          <a:p>
-            <a:endParaRPr lang="en-US" sz="1600" dirty="0"/>
-          </a:p>
-          <a:p>
-            <a:r>
-              <a:rPr lang="en-US" sz="1600" b="1" dirty="0"/>
-              <a:t>Social Media</a:t>
-            </a:r>
-          </a:p>
-          <a:p>
-            <a:r>
-              <a:rPr lang="en-US" sz="1600" dirty="0"/>
-              <a:t>Connecting people with the same likes, background, and acquaintances (Facebook, Instagram, </a:t>
-            </a:r>
-            <a:r>
-              <a:rPr lang="en-US" sz="1600" dirty="0" err="1"/>
-              <a:t>Linkedin</a:t>
-            </a:r>
-            <a:r>
-              <a:rPr lang="en-US" sz="1600" dirty="0"/>
-              <a:t>) </a:t>
-            </a:r>
-          </a:p>
-          <a:p>
-            <a:r>
-              <a:rPr lang="en-US" sz="1600" dirty="0"/>
-              <a:t>Builds community, group and organization with shared ideas and common goals</a:t>
-            </a:r>
-          </a:p>
-          <a:p>
-            <a:endParaRPr lang="en-US" sz="1600" dirty="0"/>
-          </a:p>
-          <a:p>
-            <a:r>
-              <a:rPr lang="en-US" sz="1600" b="1" dirty="0"/>
-              <a:t>Users Experience</a:t>
-            </a:r>
-          </a:p>
-          <a:p>
-            <a:r>
-              <a:rPr lang="en-US" sz="1600" dirty="0"/>
-              <a:t>Personalize customer experiences</a:t>
-            </a:r>
-          </a:p>
-          <a:p>
-            <a:r>
-              <a:rPr lang="en-US" sz="1600" dirty="0"/>
-              <a:t>Suggest Product and Services and compare pricing </a:t>
-            </a:r>
-          </a:p>
-          <a:p>
-            <a:r>
-              <a:rPr lang="en-US" sz="1600" dirty="0"/>
-              <a:t>Ease in searches by providing recommendation that fit’s customer need (Amazon recommends, Auto-fill on Search engines)</a:t>
-            </a:r>
-          </a:p>
-        </p:txBody>
-      </p:sp>
-      <p:pic>
-        <p:nvPicPr>
-          <p:cNvPr id="18" name="Graphic 17" descr="Shopping cart with solid fill">
-            <a:extLst>
-              <a:ext uri="{FF2B5EF4-FFF2-40B4-BE49-F238E27FC236}">
-                <a16:creationId xmlns:a16="http://schemas.microsoft.com/office/drawing/2014/main" id="{52B3EDF0-0287-45DA-A26B-371B42E2B758}"/>
-              </a:ext>
-            </a:extLst>
-          </p:cNvPr>
-          <p:cNvPicPr>
-            <a:picLocks noChangeAspect="1"/>
-          </p:cNvPicPr>
-          <p:nvPr/>
-        </p:nvPicPr>
-        <p:blipFill>
-          <a:blip r:embed="rId8">
-            <a:extLst>
-              <a:ext uri="{96DAC541-7B7A-43D3-8B79-37D633B846F1}">
-                <asvg:svgBlip xmlns:asvg="http://schemas.microsoft.com/office/drawing/2016/SVG/main" r:embed="rId9"/>
-              </a:ext>
-            </a:extLst>
-          </a:blip>
-          <a:stretch>
-            <a:fillRect/>
-          </a:stretch>
-        </p:blipFill>
-        <p:spPr>
-          <a:xfrm>
-            <a:off x="981803" y="4780610"/>
-            <a:ext cx="914400" cy="914400"/>
-          </a:xfrm>
-          <a:prstGeom prst="rect">
-            <a:avLst/>
-          </a:prstGeom>
-        </p:spPr>
-      </p:pic>
-      <p:pic>
-        <p:nvPicPr>
-          <p:cNvPr id="26" name="Graphic 25" descr="Fork In Road outline">
-            <a:extLst>
-              <a:ext uri="{FF2B5EF4-FFF2-40B4-BE49-F238E27FC236}">
-                <a16:creationId xmlns:a16="http://schemas.microsoft.com/office/drawing/2014/main" id="{FE460600-5F85-4BA2-886C-A9C983DC5434}"/>
-              </a:ext>
-            </a:extLst>
-          </p:cNvPr>
-          <p:cNvPicPr>
-            <a:picLocks noChangeAspect="1"/>
-          </p:cNvPicPr>
-          <p:nvPr/>
-        </p:nvPicPr>
-        <p:blipFill>
-          <a:blip r:embed="rId10">
-            <a:extLst>
-              <a:ext uri="{96DAC541-7B7A-43D3-8B79-37D633B846F1}">
-                <asvg:svgBlip xmlns:asvg="http://schemas.microsoft.com/office/drawing/2016/SVG/main" r:embed="rId11"/>
-              </a:ext>
-            </a:extLst>
-          </a:blip>
-          <a:stretch>
-            <a:fillRect/>
-          </a:stretch>
-        </p:blipFill>
-        <p:spPr>
-          <a:xfrm>
-            <a:off x="1439003" y="2724350"/>
-            <a:ext cx="599832" cy="599832"/>
-          </a:xfrm>
-          <a:prstGeom prst="rect">
-            <a:avLst/>
-          </a:prstGeom>
-        </p:spPr>
-      </p:pic>
-    </p:spTree>
-    <p:extLst>
-      <p:ext uri="{BB962C8B-B14F-4D97-AF65-F5344CB8AC3E}">
-        <p14:creationId xmlns:p14="http://schemas.microsoft.com/office/powerpoint/2010/main" val="422667224"/>
       </p:ext>
     </p:extLst>
   </p:cSld>
@@ -12504,7 +11903,7 @@
                   </a:innerShdw>
                 </a:effectLst>
               </a:rPr>
-              <a:t>Hypothesis Test</a:t>
+              <a:t>Scatterplot, Correlation and Causation</a:t>
             </a:r>
           </a:p>
         </p:txBody>
@@ -13043,7 +12442,7 @@
     </p:spTree>
     <p:extLst>
       <p:ext uri="{BB962C8B-B14F-4D97-AF65-F5344CB8AC3E}">
-        <p14:creationId xmlns:p14="http://schemas.microsoft.com/office/powerpoint/2010/main" val="3081733930"/>
+        <p14:creationId xmlns:p14="http://schemas.microsoft.com/office/powerpoint/2010/main" val="422667224"/>
       </p:ext>
     </p:extLst>
   </p:cSld>
@@ -13684,6 +13083,15 @@
 </file>
 
 <file path=customXml/item2.xml><?xml version="1.0" encoding="utf-8"?>
+<p:properties xmlns:p="http://schemas.microsoft.com/office/2006/metadata/properties" xmlns:xsi="http://www.w3.org/2001/XMLSchema-instance" xmlns:pc="http://schemas.microsoft.com/office/infopath/2007/PartnerControls">
+  <documentManagement>
+    <Status xmlns="71af3243-3dd4-4a8d-8c0d-dd76da1f02a5">Not started</Status>
+    <MediaServiceKeyPoints xmlns="71af3243-3dd4-4a8d-8c0d-dd76da1f02a5" xsi:nil="true"/>
+  </documentManagement>
+</p:properties>
+</file>
+
+<file path=customXml/item3.xml><?xml version="1.0" encoding="utf-8"?>
 <ct:contentTypeSchema xmlns:ct="http://schemas.microsoft.com/office/2006/metadata/contentType" xmlns:ma="http://schemas.microsoft.com/office/2006/metadata/properties/metaAttributes" ct:_="" ma:_="" ma:contentTypeName="Document" ma:contentTypeID="0x01010079F111ED35F8CC479449609E8A0923A6" ma:contentTypeVersion="12" ma:contentTypeDescription="Create a new document." ma:contentTypeScope="" ma:versionID="a410dd7f93c95333ffa1b60ed6adedd1">
   <xsd:schema xmlns:xsd="http://www.w3.org/2001/XMLSchema" xmlns:xs="http://www.w3.org/2001/XMLSchema" xmlns:p="http://schemas.microsoft.com/office/2006/metadata/properties" xmlns:ns2="71af3243-3dd4-4a8d-8c0d-dd76da1f02a5" xmlns:ns3="16c05727-aa75-4e4a-9b5f-8a80a1165891" targetNamespace="http://schemas.microsoft.com/office/2006/metadata/properties" ma:root="true" ma:fieldsID="a936d9baba76aa3866493feff160faab" ns2:_="" ns3:_="">
     <xsd:import namespace="71af3243-3dd4-4a8d-8c0d-dd76da1f02a5"/>
@@ -13904,15 +13312,6 @@
 </ct:contentTypeSchema>
 </file>
 
-<file path=customXml/item3.xml><?xml version="1.0" encoding="utf-8"?>
-<p:properties xmlns:p="http://schemas.microsoft.com/office/2006/metadata/properties" xmlns:xsi="http://www.w3.org/2001/XMLSchema-instance" xmlns:pc="http://schemas.microsoft.com/office/infopath/2007/PartnerControls">
-  <documentManagement>
-    <Status xmlns="71af3243-3dd4-4a8d-8c0d-dd76da1f02a5">Not started</Status>
-    <MediaServiceKeyPoints xmlns="71af3243-3dd4-4a8d-8c0d-dd76da1f02a5" xsi:nil="true"/>
-  </documentManagement>
-</p:properties>
-</file>
-
 <file path=customXml/itemProps1.xml><?xml version="1.0" encoding="utf-8"?>
 <ds:datastoreItem xmlns:ds="http://schemas.openxmlformats.org/officeDocument/2006/customXml" ds:itemID="{31F006B4-A9E1-4F39-85C8-FB836F919348}">
   <ds:schemaRefs>
@@ -13922,6 +13321,16 @@
 </file>
 
 <file path=customXml/itemProps2.xml><?xml version="1.0" encoding="utf-8"?>
+<ds:datastoreItem xmlns:ds="http://schemas.openxmlformats.org/officeDocument/2006/customXml" ds:itemID="{8F3CD65D-61A5-43C9-A837-6EC73C7DA8AB}">
+  <ds:schemaRefs>
+    <ds:schemaRef ds:uri="http://schemas.microsoft.com/office/2006/metadata/properties"/>
+    <ds:schemaRef ds:uri="http://schemas.microsoft.com/office/infopath/2007/PartnerControls"/>
+    <ds:schemaRef ds:uri="71af3243-3dd4-4a8d-8c0d-dd76da1f02a5"/>
+  </ds:schemaRefs>
+</ds:datastoreItem>
+</file>
+
+<file path=customXml/itemProps3.xml><?xml version="1.0" encoding="utf-8"?>
 <ds:datastoreItem xmlns:ds="http://schemas.openxmlformats.org/officeDocument/2006/customXml" ds:itemID="{16377351-63A1-4C2E-8C9A-66CDD70F16AC}">
   <ds:schemaRefs>
     <ds:schemaRef ds:uri="http://schemas.microsoft.com/office/2006/metadata/contentType"/>
@@ -13938,14 +13347,4 @@
     <ds:schemaRef ds:uri="http://schemas.microsoft.com/internal/obd"/>
   </ds:schemaRefs>
 </ds:datastoreItem>
-</file>
-
-<file path=customXml/itemProps3.xml><?xml version="1.0" encoding="utf-8"?>
-<ds:datastoreItem xmlns:ds="http://schemas.openxmlformats.org/officeDocument/2006/customXml" ds:itemID="{8F3CD65D-61A5-43C9-A837-6EC73C7DA8AB}">
-  <ds:schemaRefs>
-    <ds:schemaRef ds:uri="http://schemas.microsoft.com/office/2006/metadata/properties"/>
-    <ds:schemaRef ds:uri="http://schemas.microsoft.com/office/infopath/2007/PartnerControls"/>
-    <ds:schemaRef ds:uri="71af3243-3dd4-4a8d-8c0d-dd76da1f02a5"/>
-  </ds:schemaRefs>
-</ds:datastoreItem>
 </file>
--- a/ParJanineDSC530-T303Week12_YelpDataset.pptx
+++ b/ParJanineDSC530-T303Week12_YelpDataset.pptx
@@ -5,22 +5,26 @@
     <p:sldMasterId id="2147483660" r:id="rId4"/>
   </p:sldMasterIdLst>
   <p:notesMasterIdLst>
-    <p:notesMasterId r:id="rId18"/>
+    <p:notesMasterId r:id="rId22"/>
   </p:notesMasterIdLst>
   <p:sldIdLst>
     <p:sldId id="266" r:id="rId5"/>
     <p:sldId id="334" r:id="rId6"/>
     <p:sldId id="345" r:id="rId7"/>
     <p:sldId id="325" r:id="rId8"/>
-    <p:sldId id="336" r:id="rId9"/>
-    <p:sldId id="337" r:id="rId10"/>
-    <p:sldId id="339" r:id="rId11"/>
-    <p:sldId id="340" r:id="rId12"/>
-    <p:sldId id="338" r:id="rId13"/>
-    <p:sldId id="341" r:id="rId14"/>
-    <p:sldId id="342" r:id="rId15"/>
-    <p:sldId id="332" r:id="rId16"/>
-    <p:sldId id="335" r:id="rId17"/>
+    <p:sldId id="348" r:id="rId9"/>
+    <p:sldId id="349" r:id="rId10"/>
+    <p:sldId id="350" r:id="rId11"/>
+    <p:sldId id="351" r:id="rId12"/>
+    <p:sldId id="373" r:id="rId13"/>
+    <p:sldId id="352" r:id="rId14"/>
+    <p:sldId id="355" r:id="rId15"/>
+    <p:sldId id="357" r:id="rId16"/>
+    <p:sldId id="372" r:id="rId17"/>
+    <p:sldId id="362" r:id="rId18"/>
+    <p:sldId id="356" r:id="rId19"/>
+    <p:sldId id="371" r:id="rId20"/>
+    <p:sldId id="335" r:id="rId21"/>
   </p:sldIdLst>
   <p:sldSz cx="12192000" cy="6858000"/>
   <p:notesSz cx="6858000" cy="9144000"/>
@@ -127,761 +131,6 @@
 </p:presentation>
 </file>
 
-<file path=ppt/revisionInfo.xml><?xml version="1.0" encoding="utf-8"?>
-<p1510:revInfo xmlns:a="http://schemas.openxmlformats.org/drawingml/2006/main" xmlns:r="http://schemas.openxmlformats.org/officeDocument/2006/relationships" xmlns:p1510="http://schemas.microsoft.com/office/powerpoint/2015/10/main">
-  <p1510:revLst>
-    <p1510:client id="{106C33DE-0B7F-4EEA-BA27-D8D3BC910825}" v="22" dt="2023-03-02T06:01:50.613"/>
-  </p1510:revLst>
-</p1510:revInfo>
-</file>
-
-<file path=ppt/changesInfos/changesInfo1.xml><?xml version="1.0" encoding="utf-8"?>
-<pc:chgInfo xmlns:a="http://schemas.openxmlformats.org/drawingml/2006/main" xmlns:r="http://schemas.openxmlformats.org/officeDocument/2006/relationships" xmlns:ac="http://schemas.microsoft.com/office/drawing/2013/main/command" xmlns:pc="http://schemas.microsoft.com/office/powerpoint/2013/main/command">
-  <pc:docChgLst>
-    <pc:chgData name="Janine Par" userId="554bec0ce29a50bd" providerId="LiveId" clId="{106C33DE-0B7F-4EEA-BA27-D8D3BC910825}"/>
-    <pc:docChg chg="undo custSel addSld delSld modSld sldOrd">
-      <pc:chgData name="Janine Par" userId="554bec0ce29a50bd" providerId="LiveId" clId="{106C33DE-0B7F-4EEA-BA27-D8D3BC910825}" dt="2023-03-02T06:16:14.024" v="2375" actId="478"/>
-      <pc:docMkLst>
-        <pc:docMk/>
-      </pc:docMkLst>
-      <pc:sldChg chg="modSp mod">
-        <pc:chgData name="Janine Par" userId="554bec0ce29a50bd" providerId="LiveId" clId="{106C33DE-0B7F-4EEA-BA27-D8D3BC910825}" dt="2023-03-02T04:38:44.256" v="0" actId="1076"/>
-        <pc:sldMkLst>
-          <pc:docMk/>
-          <pc:sldMk cId="895915843" sldId="266"/>
-        </pc:sldMkLst>
-        <pc:picChg chg="mod">
-          <ac:chgData name="Janine Par" userId="554bec0ce29a50bd" providerId="LiveId" clId="{106C33DE-0B7F-4EEA-BA27-D8D3BC910825}" dt="2023-03-02T04:38:44.256" v="0" actId="1076"/>
-          <ac:picMkLst>
-            <pc:docMk/>
-            <pc:sldMk cId="895915843" sldId="266"/>
-            <ac:picMk id="5" creationId="{A3F9CACF-1ADC-0B9E-B8C8-6F9E5F163283}"/>
-          </ac:picMkLst>
-        </pc:picChg>
-      </pc:sldChg>
-      <pc:sldChg chg="del">
-        <pc:chgData name="Janine Par" userId="554bec0ce29a50bd" providerId="LiveId" clId="{106C33DE-0B7F-4EEA-BA27-D8D3BC910825}" dt="2023-03-02T04:39:15.396" v="4" actId="47"/>
-        <pc:sldMkLst>
-          <pc:docMk/>
-          <pc:sldMk cId="69910948" sldId="324"/>
-        </pc:sldMkLst>
-      </pc:sldChg>
-      <pc:sldChg chg="addSp delSp modSp mod ord">
-        <pc:chgData name="Janine Par" userId="554bec0ce29a50bd" providerId="LiveId" clId="{106C33DE-0B7F-4EEA-BA27-D8D3BC910825}" dt="2023-03-02T06:16:14.024" v="2375" actId="478"/>
-        <pc:sldMkLst>
-          <pc:docMk/>
-          <pc:sldMk cId="3487369945" sldId="325"/>
-        </pc:sldMkLst>
-        <pc:spChg chg="mod">
-          <ac:chgData name="Janine Par" userId="554bec0ce29a50bd" providerId="LiveId" clId="{106C33DE-0B7F-4EEA-BA27-D8D3BC910825}" dt="2023-03-02T06:12:28.777" v="2313" actId="20577"/>
-          <ac:spMkLst>
-            <pc:docMk/>
-            <pc:sldMk cId="3487369945" sldId="325"/>
-            <ac:spMk id="3" creationId="{1E798AEA-4657-4AC2-AB1F-40B93469DA1D}"/>
-          </ac:spMkLst>
-        </pc:spChg>
-        <pc:spChg chg="del">
-          <ac:chgData name="Janine Par" userId="554bec0ce29a50bd" providerId="LiveId" clId="{106C33DE-0B7F-4EEA-BA27-D8D3BC910825}" dt="2023-03-02T06:12:46.955" v="2314" actId="478"/>
-          <ac:spMkLst>
-            <pc:docMk/>
-            <pc:sldMk cId="3487369945" sldId="325"/>
-            <ac:spMk id="4" creationId="{0494F424-6881-47BC-BF59-9F51B0AFEB07}"/>
-          </ac:spMkLst>
-        </pc:spChg>
-        <pc:spChg chg="del">
-          <ac:chgData name="Janine Par" userId="554bec0ce29a50bd" providerId="LiveId" clId="{106C33DE-0B7F-4EEA-BA27-D8D3BC910825}" dt="2023-03-02T06:12:55.546" v="2317" actId="478"/>
-          <ac:spMkLst>
-            <pc:docMk/>
-            <pc:sldMk cId="3487369945" sldId="325"/>
-            <ac:spMk id="30" creationId="{860839E2-437F-4897-AF64-A99806966140}"/>
-          </ac:spMkLst>
-        </pc:spChg>
-        <pc:spChg chg="mod">
-          <ac:chgData name="Janine Par" userId="554bec0ce29a50bd" providerId="LiveId" clId="{106C33DE-0B7F-4EEA-BA27-D8D3BC910825}" dt="2023-03-02T06:14:38.362" v="2355" actId="20577"/>
-          <ac:spMkLst>
-            <pc:docMk/>
-            <pc:sldMk cId="3487369945" sldId="325"/>
-            <ac:spMk id="34" creationId="{5C65E7A6-314E-4449-91B1-59D7CD7887B1}"/>
-          </ac:spMkLst>
-        </pc:spChg>
-        <pc:spChg chg="del">
-          <ac:chgData name="Janine Par" userId="554bec0ce29a50bd" providerId="LiveId" clId="{106C33DE-0B7F-4EEA-BA27-D8D3BC910825}" dt="2023-03-02T06:12:49.931" v="2315" actId="478"/>
-          <ac:spMkLst>
-            <pc:docMk/>
-            <pc:sldMk cId="3487369945" sldId="325"/>
-            <ac:spMk id="35" creationId="{B1EBE2CD-F320-439D-B061-499A06CC028E}"/>
-          </ac:spMkLst>
-        </pc:spChg>
-        <pc:spChg chg="del">
-          <ac:chgData name="Janine Par" userId="554bec0ce29a50bd" providerId="LiveId" clId="{106C33DE-0B7F-4EEA-BA27-D8D3BC910825}" dt="2023-03-02T06:12:46.955" v="2314" actId="478"/>
-          <ac:spMkLst>
-            <pc:docMk/>
-            <pc:sldMk cId="3487369945" sldId="325"/>
-            <ac:spMk id="40" creationId="{BED08445-FE2F-44C8-91FD-4452DA11FAF9}"/>
-          </ac:spMkLst>
-        </pc:spChg>
-        <pc:spChg chg="del">
-          <ac:chgData name="Janine Par" userId="554bec0ce29a50bd" providerId="LiveId" clId="{106C33DE-0B7F-4EEA-BA27-D8D3BC910825}" dt="2023-03-02T06:12:46.955" v="2314" actId="478"/>
-          <ac:spMkLst>
-            <pc:docMk/>
-            <pc:sldMk cId="3487369945" sldId="325"/>
-            <ac:spMk id="41" creationId="{4E08E25B-2416-40FF-8841-740D57625B18}"/>
-          </ac:spMkLst>
-        </pc:spChg>
-        <pc:spChg chg="del">
-          <ac:chgData name="Janine Par" userId="554bec0ce29a50bd" providerId="LiveId" clId="{106C33DE-0B7F-4EEA-BA27-D8D3BC910825}" dt="2023-03-02T06:12:52.042" v="2316" actId="478"/>
-          <ac:spMkLst>
-            <pc:docMk/>
-            <pc:sldMk cId="3487369945" sldId="325"/>
-            <ac:spMk id="53" creationId="{8AAC8122-C154-40D5-B62F-47A9DB5A6BAD}"/>
-          </ac:spMkLst>
-        </pc:spChg>
-        <pc:spChg chg="del">
-          <ac:chgData name="Janine Par" userId="554bec0ce29a50bd" providerId="LiveId" clId="{106C33DE-0B7F-4EEA-BA27-D8D3BC910825}" dt="2023-03-02T06:12:55.546" v="2317" actId="478"/>
-          <ac:spMkLst>
-            <pc:docMk/>
-            <pc:sldMk cId="3487369945" sldId="325"/>
-            <ac:spMk id="58" creationId="{171DBA5A-B998-4F81-866C-B5736AF43CC6}"/>
-          </ac:spMkLst>
-        </pc:spChg>
-        <pc:grpChg chg="del">
-          <ac:chgData name="Janine Par" userId="554bec0ce29a50bd" providerId="LiveId" clId="{106C33DE-0B7F-4EEA-BA27-D8D3BC910825}" dt="2023-03-02T06:12:58.217" v="2318" actId="478"/>
-          <ac:grpSpMkLst>
-            <pc:docMk/>
-            <pc:sldMk cId="3487369945" sldId="325"/>
-            <ac:grpSpMk id="50" creationId="{E9FAE785-9226-47D0-AF82-89494133C761}"/>
-          </ac:grpSpMkLst>
-        </pc:grpChg>
-        <pc:picChg chg="add mod">
-          <ac:chgData name="Janine Par" userId="554bec0ce29a50bd" providerId="LiveId" clId="{106C33DE-0B7F-4EEA-BA27-D8D3BC910825}" dt="2023-03-02T06:15:53.438" v="2373" actId="1076"/>
-          <ac:picMkLst>
-            <pc:docMk/>
-            <pc:sldMk cId="3487369945" sldId="325"/>
-            <ac:picMk id="6" creationId="{7FCA596A-F1D5-12C2-B1F7-F15745AEE6B6}"/>
-          </ac:picMkLst>
-        </pc:picChg>
-        <pc:picChg chg="add del mod">
-          <ac:chgData name="Janine Par" userId="554bec0ce29a50bd" providerId="LiveId" clId="{106C33DE-0B7F-4EEA-BA27-D8D3BC910825}" dt="2023-03-02T06:16:14.024" v="2375" actId="478"/>
-          <ac:picMkLst>
-            <pc:docMk/>
-            <pc:sldMk cId="3487369945" sldId="325"/>
-            <ac:picMk id="8" creationId="{7DBF6417-74B0-B284-6628-127EEFFEB4C1}"/>
-          </ac:picMkLst>
-        </pc:picChg>
-        <pc:picChg chg="add mod">
-          <ac:chgData name="Janine Par" userId="554bec0ce29a50bd" providerId="LiveId" clId="{106C33DE-0B7F-4EEA-BA27-D8D3BC910825}" dt="2023-03-02T06:15:56.214" v="2374" actId="1076"/>
-          <ac:picMkLst>
-            <pc:docMk/>
-            <pc:sldMk cId="3487369945" sldId="325"/>
-            <ac:picMk id="10" creationId="{D2193146-F864-C643-CF50-0508B8D48D7E}"/>
-          </ac:picMkLst>
-        </pc:picChg>
-        <pc:picChg chg="del">
-          <ac:chgData name="Janine Par" userId="554bec0ce29a50bd" providerId="LiveId" clId="{106C33DE-0B7F-4EEA-BA27-D8D3BC910825}" dt="2023-03-02T06:12:46.955" v="2314" actId="478"/>
-          <ac:picMkLst>
-            <pc:docMk/>
-            <pc:sldMk cId="3487369945" sldId="325"/>
-            <ac:picMk id="31" creationId="{FA723BAA-BC8D-4C8D-94AE-23036703FE8C}"/>
-          </ac:picMkLst>
-        </pc:picChg>
-        <pc:picChg chg="del">
-          <ac:chgData name="Janine Par" userId="554bec0ce29a50bd" providerId="LiveId" clId="{106C33DE-0B7F-4EEA-BA27-D8D3BC910825}" dt="2023-03-02T06:12:46.955" v="2314" actId="478"/>
-          <ac:picMkLst>
-            <pc:docMk/>
-            <pc:sldMk cId="3487369945" sldId="325"/>
-            <ac:picMk id="32" creationId="{42BC1A1A-2056-4FB9-B9C7-CF071EB17007}"/>
-          </ac:picMkLst>
-        </pc:picChg>
-        <pc:picChg chg="del">
-          <ac:chgData name="Janine Par" userId="554bec0ce29a50bd" providerId="LiveId" clId="{106C33DE-0B7F-4EEA-BA27-D8D3BC910825}" dt="2023-03-02T06:12:46.955" v="2314" actId="478"/>
-          <ac:picMkLst>
-            <pc:docMk/>
-            <pc:sldMk cId="3487369945" sldId="325"/>
-            <ac:picMk id="33" creationId="{FC4FA48B-6EC7-4798-ACFC-15A9973466A2}"/>
-          </ac:picMkLst>
-        </pc:picChg>
-        <pc:picChg chg="del">
-          <ac:chgData name="Janine Par" userId="554bec0ce29a50bd" providerId="LiveId" clId="{106C33DE-0B7F-4EEA-BA27-D8D3BC910825}" dt="2023-03-02T06:12:46.955" v="2314" actId="478"/>
-          <ac:picMkLst>
-            <pc:docMk/>
-            <pc:sldMk cId="3487369945" sldId="325"/>
-            <ac:picMk id="55" creationId="{475140B3-67FC-449B-9ED1-21250CC38969}"/>
-          </ac:picMkLst>
-        </pc:picChg>
-        <pc:picChg chg="del">
-          <ac:chgData name="Janine Par" userId="554bec0ce29a50bd" providerId="LiveId" clId="{106C33DE-0B7F-4EEA-BA27-D8D3BC910825}" dt="2023-03-02T06:13:02.747" v="2320" actId="478"/>
-          <ac:picMkLst>
-            <pc:docMk/>
-            <pc:sldMk cId="3487369945" sldId="325"/>
-            <ac:picMk id="60" creationId="{DEF00793-7AE2-4332-B896-CE41EC14904A}"/>
-          </ac:picMkLst>
-        </pc:picChg>
-        <pc:cxnChg chg="del">
-          <ac:chgData name="Janine Par" userId="554bec0ce29a50bd" providerId="LiveId" clId="{106C33DE-0B7F-4EEA-BA27-D8D3BC910825}" dt="2023-03-02T06:12:46.955" v="2314" actId="478"/>
-          <ac:cxnSpMkLst>
-            <pc:docMk/>
-            <pc:sldMk cId="3487369945" sldId="325"/>
-            <ac:cxnSpMk id="37" creationId="{2A41B59E-DCD8-430B-976D-6DADFC4B2759}"/>
-          </ac:cxnSpMkLst>
-        </pc:cxnChg>
-        <pc:cxnChg chg="del">
-          <ac:chgData name="Janine Par" userId="554bec0ce29a50bd" providerId="LiveId" clId="{106C33DE-0B7F-4EEA-BA27-D8D3BC910825}" dt="2023-03-02T06:13:00.506" v="2319" actId="478"/>
-          <ac:cxnSpMkLst>
-            <pc:docMk/>
-            <pc:sldMk cId="3487369945" sldId="325"/>
-            <ac:cxnSpMk id="38" creationId="{AE2C70F8-01A8-479E-8ECC-C964C9AC48CA}"/>
-          </ac:cxnSpMkLst>
-        </pc:cxnChg>
-      </pc:sldChg>
-      <pc:sldChg chg="del">
-        <pc:chgData name="Janine Par" userId="554bec0ce29a50bd" providerId="LiveId" clId="{106C33DE-0B7F-4EEA-BA27-D8D3BC910825}" dt="2023-03-02T04:39:17.397" v="5" actId="47"/>
-        <pc:sldMkLst>
-          <pc:docMk/>
-          <pc:sldMk cId="3466633916" sldId="326"/>
-        </pc:sldMkLst>
-      </pc:sldChg>
-      <pc:sldChg chg="del">
-        <pc:chgData name="Janine Par" userId="554bec0ce29a50bd" providerId="LiveId" clId="{106C33DE-0B7F-4EEA-BA27-D8D3BC910825}" dt="2023-03-02T04:39:18.450" v="6" actId="47"/>
-        <pc:sldMkLst>
-          <pc:docMk/>
-          <pc:sldMk cId="1026564271" sldId="328"/>
-        </pc:sldMkLst>
-      </pc:sldChg>
-      <pc:sldChg chg="del">
-        <pc:chgData name="Janine Par" userId="554bec0ce29a50bd" providerId="LiveId" clId="{106C33DE-0B7F-4EEA-BA27-D8D3BC910825}" dt="2023-03-02T04:39:19.400" v="7" actId="47"/>
-        <pc:sldMkLst>
-          <pc:docMk/>
-          <pc:sldMk cId="2981577547" sldId="329"/>
-        </pc:sldMkLst>
-      </pc:sldChg>
-      <pc:sldChg chg="add del">
-        <pc:chgData name="Janine Par" userId="554bec0ce29a50bd" providerId="LiveId" clId="{106C33DE-0B7F-4EEA-BA27-D8D3BC910825}" dt="2023-03-02T04:41:28.165" v="85" actId="47"/>
-        <pc:sldMkLst>
-          <pc:docMk/>
-          <pc:sldMk cId="93076526" sldId="331"/>
-        </pc:sldMkLst>
-      </pc:sldChg>
-      <pc:sldChg chg="modSp add del mod ord">
-        <pc:chgData name="Janine Par" userId="554bec0ce29a50bd" providerId="LiveId" clId="{106C33DE-0B7F-4EEA-BA27-D8D3BC910825}" dt="2023-03-02T04:45:25.663" v="372" actId="20577"/>
-        <pc:sldMkLst>
-          <pc:docMk/>
-          <pc:sldMk cId="3989556334" sldId="332"/>
-        </pc:sldMkLst>
-        <pc:spChg chg="mod">
-          <ac:chgData name="Janine Par" userId="554bec0ce29a50bd" providerId="LiveId" clId="{106C33DE-0B7F-4EEA-BA27-D8D3BC910825}" dt="2023-03-02T04:45:25.663" v="372" actId="20577"/>
-          <ac:spMkLst>
-            <pc:docMk/>
-            <pc:sldMk cId="3989556334" sldId="332"/>
-            <ac:spMk id="3" creationId="{1E798AEA-4657-4AC2-AB1F-40B93469DA1D}"/>
-          </ac:spMkLst>
-        </pc:spChg>
-      </pc:sldChg>
-      <pc:sldChg chg="add del">
-        <pc:chgData name="Janine Par" userId="554bec0ce29a50bd" providerId="LiveId" clId="{106C33DE-0B7F-4EEA-BA27-D8D3BC910825}" dt="2023-03-02T04:45:31.508" v="373" actId="47"/>
-        <pc:sldMkLst>
-          <pc:docMk/>
-          <pc:sldMk cId="668296518" sldId="333"/>
-        </pc:sldMkLst>
-      </pc:sldChg>
-      <pc:sldChg chg="addSp delSp modSp add del mod ord">
-        <pc:chgData name="Janine Par" userId="554bec0ce29a50bd" providerId="LiveId" clId="{106C33DE-0B7F-4EEA-BA27-D8D3BC910825}" dt="2023-03-02T06:07:37.305" v="1762" actId="20577"/>
-        <pc:sldMkLst>
-          <pc:docMk/>
-          <pc:sldMk cId="1061488422" sldId="334"/>
-        </pc:sldMkLst>
-        <pc:spChg chg="mod">
-          <ac:chgData name="Janine Par" userId="554bec0ce29a50bd" providerId="LiveId" clId="{106C33DE-0B7F-4EEA-BA27-D8D3BC910825}" dt="2023-03-02T05:38:37.706" v="399" actId="20577"/>
-          <ac:spMkLst>
-            <pc:docMk/>
-            <pc:sldMk cId="1061488422" sldId="334"/>
-            <ac:spMk id="3" creationId="{1E798AEA-4657-4AC2-AB1F-40B93469DA1D}"/>
-          </ac:spMkLst>
-        </pc:spChg>
-        <pc:spChg chg="mod">
-          <ac:chgData name="Janine Par" userId="554bec0ce29a50bd" providerId="LiveId" clId="{106C33DE-0B7F-4EEA-BA27-D8D3BC910825}" dt="2023-03-02T06:07:37.305" v="1762" actId="20577"/>
-          <ac:spMkLst>
-            <pc:docMk/>
-            <pc:sldMk cId="1061488422" sldId="334"/>
-            <ac:spMk id="7" creationId="{BCAB18D2-6C50-4697-ACCB-30E0DF18843C}"/>
-          </ac:spMkLst>
-        </pc:spChg>
-        <pc:spChg chg="del mod">
-          <ac:chgData name="Janine Par" userId="554bec0ce29a50bd" providerId="LiveId" clId="{106C33DE-0B7F-4EEA-BA27-D8D3BC910825}" dt="2023-03-02T05:55:13.818" v="1418" actId="478"/>
-          <ac:spMkLst>
-            <pc:docMk/>
-            <pc:sldMk cId="1061488422" sldId="334"/>
-            <ac:spMk id="14" creationId="{17783C9B-929E-4970-9A69-9A2F2E3AD666}"/>
-          </ac:spMkLst>
-        </pc:spChg>
-        <pc:spChg chg="del mod">
-          <ac:chgData name="Janine Par" userId="554bec0ce29a50bd" providerId="LiveId" clId="{106C33DE-0B7F-4EEA-BA27-D8D3BC910825}" dt="2023-03-02T05:54:29.162" v="1376" actId="478"/>
-          <ac:spMkLst>
-            <pc:docMk/>
-            <pc:sldMk cId="1061488422" sldId="334"/>
-            <ac:spMk id="22" creationId="{72E2189C-B182-4550-BE72-15D67F96DC57}"/>
-          </ac:spMkLst>
-        </pc:spChg>
-        <pc:picChg chg="add del mod">
-          <ac:chgData name="Janine Par" userId="554bec0ce29a50bd" providerId="LiveId" clId="{106C33DE-0B7F-4EEA-BA27-D8D3BC910825}" dt="2023-03-02T05:48:06.684" v="843" actId="478"/>
-          <ac:picMkLst>
-            <pc:docMk/>
-            <pc:sldMk cId="1061488422" sldId="334"/>
-            <ac:picMk id="4" creationId="{476E0050-484E-F6E6-2256-1DF4E6309FA0}"/>
-          </ac:picMkLst>
-        </pc:picChg>
-        <pc:picChg chg="add del">
-          <ac:chgData name="Janine Par" userId="554bec0ce29a50bd" providerId="LiveId" clId="{106C33DE-0B7F-4EEA-BA27-D8D3BC910825}" dt="2023-03-02T05:48:05.114" v="842" actId="22"/>
-          <ac:picMkLst>
-            <pc:docMk/>
-            <pc:sldMk cId="1061488422" sldId="334"/>
-            <ac:picMk id="6" creationId="{3965E3E7-236C-C227-79F5-44D3EA79F1AE}"/>
-          </ac:picMkLst>
-        </pc:picChg>
-        <pc:picChg chg="del">
-          <ac:chgData name="Janine Par" userId="554bec0ce29a50bd" providerId="LiveId" clId="{106C33DE-0B7F-4EEA-BA27-D8D3BC910825}" dt="2023-03-02T05:47:38.125" v="839" actId="478"/>
-          <ac:picMkLst>
-            <pc:docMk/>
-            <pc:sldMk cId="1061488422" sldId="334"/>
-            <ac:picMk id="8" creationId="{C8BE2C0F-9251-48FE-AE61-C86C26A15420}"/>
-          </ac:picMkLst>
-        </pc:picChg>
-        <pc:picChg chg="del">
-          <ac:chgData name="Janine Par" userId="554bec0ce29a50bd" providerId="LiveId" clId="{106C33DE-0B7F-4EEA-BA27-D8D3BC910825}" dt="2023-03-02T05:48:23.918" v="846" actId="478"/>
-          <ac:picMkLst>
-            <pc:docMk/>
-            <pc:sldMk cId="1061488422" sldId="334"/>
-            <ac:picMk id="10" creationId="{8110D858-97C2-422D-A0AF-AE777C140077}"/>
-          </ac:picMkLst>
-        </pc:picChg>
-        <pc:picChg chg="add mod">
-          <ac:chgData name="Janine Par" userId="554bec0ce29a50bd" providerId="LiveId" clId="{106C33DE-0B7F-4EEA-BA27-D8D3BC910825}" dt="2023-03-02T06:01:21.335" v="1517" actId="14100"/>
-          <ac:picMkLst>
-            <pc:docMk/>
-            <pc:sldMk cId="1061488422" sldId="334"/>
-            <ac:picMk id="11" creationId="{8A411E76-0301-BB1C-E897-B16760DC951A}"/>
-          </ac:picMkLst>
-        </pc:picChg>
-        <pc:picChg chg="del">
-          <ac:chgData name="Janine Par" userId="554bec0ce29a50bd" providerId="LiveId" clId="{106C33DE-0B7F-4EEA-BA27-D8D3BC910825}" dt="2023-03-02T05:48:23.918" v="846" actId="478"/>
-          <ac:picMkLst>
-            <pc:docMk/>
-            <pc:sldMk cId="1061488422" sldId="334"/>
-            <ac:picMk id="13" creationId="{C44594B5-56C0-475D-9833-FF6C66F67D8C}"/>
-          </ac:picMkLst>
-        </pc:picChg>
-        <pc:picChg chg="del">
-          <ac:chgData name="Janine Par" userId="554bec0ce29a50bd" providerId="LiveId" clId="{106C33DE-0B7F-4EEA-BA27-D8D3BC910825}" dt="2023-03-02T05:48:23.918" v="846" actId="478"/>
-          <ac:picMkLst>
-            <pc:docMk/>
-            <pc:sldMk cId="1061488422" sldId="334"/>
-            <ac:picMk id="18" creationId="{52B3EDF0-0287-45DA-A26B-371B42E2B758}"/>
-          </ac:picMkLst>
-        </pc:picChg>
-        <pc:picChg chg="del">
-          <ac:chgData name="Janine Par" userId="554bec0ce29a50bd" providerId="LiveId" clId="{106C33DE-0B7F-4EEA-BA27-D8D3BC910825}" dt="2023-03-02T05:48:23.918" v="846" actId="478"/>
-          <ac:picMkLst>
-            <pc:docMk/>
-            <pc:sldMk cId="1061488422" sldId="334"/>
-            <ac:picMk id="26" creationId="{FE460600-5F85-4BA2-886C-A9C983DC5434}"/>
-          </ac:picMkLst>
-        </pc:picChg>
-      </pc:sldChg>
-      <pc:sldChg chg="modSp mod">
-        <pc:chgData name="Janine Par" userId="554bec0ce29a50bd" providerId="LiveId" clId="{106C33DE-0B7F-4EEA-BA27-D8D3BC910825}" dt="2023-03-02T06:05:27.922" v="1582"/>
-        <pc:sldMkLst>
-          <pc:docMk/>
-          <pc:sldMk cId="912172551" sldId="335"/>
-        </pc:sldMkLst>
-        <pc:spChg chg="mod">
-          <ac:chgData name="Janine Par" userId="554bec0ce29a50bd" providerId="LiveId" clId="{106C33DE-0B7F-4EEA-BA27-D8D3BC910825}" dt="2023-03-02T06:05:27.922" v="1582"/>
-          <ac:spMkLst>
-            <pc:docMk/>
-            <pc:sldMk cId="912172551" sldId="335"/>
-            <ac:spMk id="7" creationId="{5B47CE0E-0877-4E98-A00B-E6A582759AE3}"/>
-          </ac:spMkLst>
-        </pc:spChg>
-      </pc:sldChg>
-      <pc:sldChg chg="modSp add mod ord">
-        <pc:chgData name="Janine Par" userId="554bec0ce29a50bd" providerId="LiveId" clId="{106C33DE-0B7F-4EEA-BA27-D8D3BC910825}" dt="2023-03-02T04:42:23.239" v="169"/>
-        <pc:sldMkLst>
-          <pc:docMk/>
-          <pc:sldMk cId="779814751" sldId="336"/>
-        </pc:sldMkLst>
-        <pc:spChg chg="mod">
-          <ac:chgData name="Janine Par" userId="554bec0ce29a50bd" providerId="LiveId" clId="{106C33DE-0B7F-4EEA-BA27-D8D3BC910825}" dt="2023-03-02T04:42:11.840" v="167" actId="20577"/>
-          <ac:spMkLst>
-            <pc:docMk/>
-            <pc:sldMk cId="779814751" sldId="336"/>
-            <ac:spMk id="3" creationId="{1E798AEA-4657-4AC2-AB1F-40B93469DA1D}"/>
-          </ac:spMkLst>
-        </pc:spChg>
-      </pc:sldChg>
-      <pc:sldChg chg="addSp delSp add del mod">
-        <pc:chgData name="Janine Par" userId="554bec0ce29a50bd" providerId="LiveId" clId="{106C33DE-0B7F-4EEA-BA27-D8D3BC910825}" dt="2023-03-02T04:41:28.165" v="85" actId="47"/>
-        <pc:sldMkLst>
-          <pc:docMk/>
-          <pc:sldMk cId="2652095666" sldId="336"/>
-        </pc:sldMkLst>
-        <pc:spChg chg="add del">
-          <ac:chgData name="Janine Par" userId="554bec0ce29a50bd" providerId="LiveId" clId="{106C33DE-0B7F-4EEA-BA27-D8D3BC910825}" dt="2023-03-02T04:41:11.646" v="65" actId="478"/>
-          <ac:spMkLst>
-            <pc:docMk/>
-            <pc:sldMk cId="2652095666" sldId="336"/>
-            <ac:spMk id="4" creationId="{0494F424-6881-47BC-BF59-9F51B0AFEB07}"/>
-          </ac:spMkLst>
-        </pc:spChg>
-        <pc:spChg chg="add del">
-          <ac:chgData name="Janine Par" userId="554bec0ce29a50bd" providerId="LiveId" clId="{106C33DE-0B7F-4EEA-BA27-D8D3BC910825}" dt="2023-03-02T04:41:11.646" v="65" actId="478"/>
-          <ac:spMkLst>
-            <pc:docMk/>
-            <pc:sldMk cId="2652095666" sldId="336"/>
-            <ac:spMk id="30" creationId="{860839E2-437F-4897-AF64-A99806966140}"/>
-          </ac:spMkLst>
-        </pc:spChg>
-        <pc:spChg chg="add del">
-          <ac:chgData name="Janine Par" userId="554bec0ce29a50bd" providerId="LiveId" clId="{106C33DE-0B7F-4EEA-BA27-D8D3BC910825}" dt="2023-03-02T04:41:11.646" v="65" actId="478"/>
-          <ac:spMkLst>
-            <pc:docMk/>
-            <pc:sldMk cId="2652095666" sldId="336"/>
-            <ac:spMk id="35" creationId="{B1EBE2CD-F320-439D-B061-499A06CC028E}"/>
-          </ac:spMkLst>
-        </pc:spChg>
-        <pc:spChg chg="add del">
-          <ac:chgData name="Janine Par" userId="554bec0ce29a50bd" providerId="LiveId" clId="{106C33DE-0B7F-4EEA-BA27-D8D3BC910825}" dt="2023-03-02T04:41:11.646" v="65" actId="478"/>
-          <ac:spMkLst>
-            <pc:docMk/>
-            <pc:sldMk cId="2652095666" sldId="336"/>
-            <ac:spMk id="40" creationId="{BED08445-FE2F-44C8-91FD-4452DA11FAF9}"/>
-          </ac:spMkLst>
-        </pc:spChg>
-        <pc:spChg chg="add del">
-          <ac:chgData name="Janine Par" userId="554bec0ce29a50bd" providerId="LiveId" clId="{106C33DE-0B7F-4EEA-BA27-D8D3BC910825}" dt="2023-03-02T04:41:11.646" v="65" actId="478"/>
-          <ac:spMkLst>
-            <pc:docMk/>
-            <pc:sldMk cId="2652095666" sldId="336"/>
-            <ac:spMk id="41" creationId="{4E08E25B-2416-40FF-8841-740D57625B18}"/>
-          </ac:spMkLst>
-        </pc:spChg>
-        <pc:spChg chg="add del">
-          <ac:chgData name="Janine Par" userId="554bec0ce29a50bd" providerId="LiveId" clId="{106C33DE-0B7F-4EEA-BA27-D8D3BC910825}" dt="2023-03-02T04:41:11.646" v="65" actId="478"/>
-          <ac:spMkLst>
-            <pc:docMk/>
-            <pc:sldMk cId="2652095666" sldId="336"/>
-            <ac:spMk id="53" creationId="{8AAC8122-C154-40D5-B62F-47A9DB5A6BAD}"/>
-          </ac:spMkLst>
-        </pc:spChg>
-        <pc:spChg chg="add del">
-          <ac:chgData name="Janine Par" userId="554bec0ce29a50bd" providerId="LiveId" clId="{106C33DE-0B7F-4EEA-BA27-D8D3BC910825}" dt="2023-03-02T04:41:11.646" v="65" actId="478"/>
-          <ac:spMkLst>
-            <pc:docMk/>
-            <pc:sldMk cId="2652095666" sldId="336"/>
-            <ac:spMk id="58" creationId="{171DBA5A-B998-4F81-866C-B5736AF43CC6}"/>
-          </ac:spMkLst>
-        </pc:spChg>
-        <pc:grpChg chg="add del">
-          <ac:chgData name="Janine Par" userId="554bec0ce29a50bd" providerId="LiveId" clId="{106C33DE-0B7F-4EEA-BA27-D8D3BC910825}" dt="2023-03-02T04:41:11.646" v="65" actId="478"/>
-          <ac:grpSpMkLst>
-            <pc:docMk/>
-            <pc:sldMk cId="2652095666" sldId="336"/>
-            <ac:grpSpMk id="50" creationId="{E9FAE785-9226-47D0-AF82-89494133C761}"/>
-          </ac:grpSpMkLst>
-        </pc:grpChg>
-        <pc:picChg chg="add del">
-          <ac:chgData name="Janine Par" userId="554bec0ce29a50bd" providerId="LiveId" clId="{106C33DE-0B7F-4EEA-BA27-D8D3BC910825}" dt="2023-03-02T04:41:11.646" v="65" actId="478"/>
-          <ac:picMkLst>
-            <pc:docMk/>
-            <pc:sldMk cId="2652095666" sldId="336"/>
-            <ac:picMk id="31" creationId="{FA723BAA-BC8D-4C8D-94AE-23036703FE8C}"/>
-          </ac:picMkLst>
-        </pc:picChg>
-        <pc:picChg chg="add del">
-          <ac:chgData name="Janine Par" userId="554bec0ce29a50bd" providerId="LiveId" clId="{106C33DE-0B7F-4EEA-BA27-D8D3BC910825}" dt="2023-03-02T04:41:11.646" v="65" actId="478"/>
-          <ac:picMkLst>
-            <pc:docMk/>
-            <pc:sldMk cId="2652095666" sldId="336"/>
-            <ac:picMk id="32" creationId="{42BC1A1A-2056-4FB9-B9C7-CF071EB17007}"/>
-          </ac:picMkLst>
-        </pc:picChg>
-        <pc:picChg chg="add del">
-          <ac:chgData name="Janine Par" userId="554bec0ce29a50bd" providerId="LiveId" clId="{106C33DE-0B7F-4EEA-BA27-D8D3BC910825}" dt="2023-03-02T04:41:11.646" v="65" actId="478"/>
-          <ac:picMkLst>
-            <pc:docMk/>
-            <pc:sldMk cId="2652095666" sldId="336"/>
-            <ac:picMk id="33" creationId="{FC4FA48B-6EC7-4798-ACFC-15A9973466A2}"/>
-          </ac:picMkLst>
-        </pc:picChg>
-        <pc:picChg chg="add del">
-          <ac:chgData name="Janine Par" userId="554bec0ce29a50bd" providerId="LiveId" clId="{106C33DE-0B7F-4EEA-BA27-D8D3BC910825}" dt="2023-03-02T04:41:11.646" v="65" actId="478"/>
-          <ac:picMkLst>
-            <pc:docMk/>
-            <pc:sldMk cId="2652095666" sldId="336"/>
-            <ac:picMk id="55" creationId="{475140B3-67FC-449B-9ED1-21250CC38969}"/>
-          </ac:picMkLst>
-        </pc:picChg>
-        <pc:picChg chg="add del">
-          <ac:chgData name="Janine Par" userId="554bec0ce29a50bd" providerId="LiveId" clId="{106C33DE-0B7F-4EEA-BA27-D8D3BC910825}" dt="2023-03-02T04:41:11.646" v="65" actId="478"/>
-          <ac:picMkLst>
-            <pc:docMk/>
-            <pc:sldMk cId="2652095666" sldId="336"/>
-            <ac:picMk id="60" creationId="{DEF00793-7AE2-4332-B896-CE41EC14904A}"/>
-          </ac:picMkLst>
-        </pc:picChg>
-        <pc:cxnChg chg="add del">
-          <ac:chgData name="Janine Par" userId="554bec0ce29a50bd" providerId="LiveId" clId="{106C33DE-0B7F-4EEA-BA27-D8D3BC910825}" dt="2023-03-02T04:41:11.646" v="65" actId="478"/>
-          <ac:cxnSpMkLst>
-            <pc:docMk/>
-            <pc:sldMk cId="2652095666" sldId="336"/>
-            <ac:cxnSpMk id="37" creationId="{2A41B59E-DCD8-430B-976D-6DADFC4B2759}"/>
-          </ac:cxnSpMkLst>
-        </pc:cxnChg>
-        <pc:cxnChg chg="add del">
-          <ac:chgData name="Janine Par" userId="554bec0ce29a50bd" providerId="LiveId" clId="{106C33DE-0B7F-4EEA-BA27-D8D3BC910825}" dt="2023-03-02T04:41:11.646" v="65" actId="478"/>
-          <ac:cxnSpMkLst>
-            <pc:docMk/>
-            <pc:sldMk cId="2652095666" sldId="336"/>
-            <ac:cxnSpMk id="38" creationId="{AE2C70F8-01A8-479E-8ECC-C964C9AC48CA}"/>
-          </ac:cxnSpMkLst>
-        </pc:cxnChg>
-      </pc:sldChg>
-      <pc:sldChg chg="modSp add mod">
-        <pc:chgData name="Janine Par" userId="554bec0ce29a50bd" providerId="LiveId" clId="{106C33DE-0B7F-4EEA-BA27-D8D3BC910825}" dt="2023-03-02T04:43:15.774" v="232" actId="20577"/>
-        <pc:sldMkLst>
-          <pc:docMk/>
-          <pc:sldMk cId="122707658" sldId="337"/>
-        </pc:sldMkLst>
-        <pc:spChg chg="mod">
-          <ac:chgData name="Janine Par" userId="554bec0ce29a50bd" providerId="LiveId" clId="{106C33DE-0B7F-4EEA-BA27-D8D3BC910825}" dt="2023-03-02T04:43:15.774" v="232" actId="20577"/>
-          <ac:spMkLst>
-            <pc:docMk/>
-            <pc:sldMk cId="122707658" sldId="337"/>
-            <ac:spMk id="3" creationId="{1E798AEA-4657-4AC2-AB1F-40B93469DA1D}"/>
-          </ac:spMkLst>
-        </pc:spChg>
-      </pc:sldChg>
-      <pc:sldChg chg="addSp delSp modSp add del mod">
-        <pc:chgData name="Janine Par" userId="554bec0ce29a50bd" providerId="LiveId" clId="{106C33DE-0B7F-4EEA-BA27-D8D3BC910825}" dt="2023-03-02T04:41:16.851" v="75"/>
-        <pc:sldMkLst>
-          <pc:docMk/>
-          <pc:sldMk cId="1659787181" sldId="337"/>
-        </pc:sldMkLst>
-        <pc:spChg chg="add del">
-          <ac:chgData name="Janine Par" userId="554bec0ce29a50bd" providerId="LiveId" clId="{106C33DE-0B7F-4EEA-BA27-D8D3BC910825}" dt="2023-03-02T04:41:16.296" v="73" actId="478"/>
-          <ac:spMkLst>
-            <pc:docMk/>
-            <pc:sldMk cId="1659787181" sldId="337"/>
-            <ac:spMk id="4" creationId="{0494F424-6881-47BC-BF59-9F51B0AFEB07}"/>
-          </ac:spMkLst>
-        </pc:spChg>
-        <pc:spChg chg="mod">
-          <ac:chgData name="Janine Par" userId="554bec0ce29a50bd" providerId="LiveId" clId="{106C33DE-0B7F-4EEA-BA27-D8D3BC910825}" dt="2023-03-02T04:40:18.966" v="32" actId="1076"/>
-          <ac:spMkLst>
-            <pc:docMk/>
-            <pc:sldMk cId="1659787181" sldId="337"/>
-            <ac:spMk id="29" creationId="{5B88C625-67F1-4677-B918-4E6BE60E0D9E}"/>
-          </ac:spMkLst>
-        </pc:spChg>
-        <pc:spChg chg="mod">
-          <ac:chgData name="Janine Par" userId="554bec0ce29a50bd" providerId="LiveId" clId="{106C33DE-0B7F-4EEA-BA27-D8D3BC910825}" dt="2023-03-02T04:41:14.104" v="71" actId="1076"/>
-          <ac:spMkLst>
-            <pc:docMk/>
-            <pc:sldMk cId="1659787181" sldId="337"/>
-            <ac:spMk id="30" creationId="{860839E2-437F-4897-AF64-A99806966140}"/>
-          </ac:spMkLst>
-        </pc:spChg>
-        <pc:grpChg chg="add del">
-          <ac:chgData name="Janine Par" userId="554bec0ce29a50bd" providerId="LiveId" clId="{106C33DE-0B7F-4EEA-BA27-D8D3BC910825}" dt="2023-03-02T04:41:16.581" v="74" actId="478"/>
-          <ac:grpSpMkLst>
-            <pc:docMk/>
-            <pc:sldMk cId="1659787181" sldId="337"/>
-            <ac:grpSpMk id="50" creationId="{E9FAE785-9226-47D0-AF82-89494133C761}"/>
-          </ac:grpSpMkLst>
-        </pc:grpChg>
-        <pc:cxnChg chg="add del mod">
-          <ac:chgData name="Janine Par" userId="554bec0ce29a50bd" providerId="LiveId" clId="{106C33DE-0B7F-4EEA-BA27-D8D3BC910825}" dt="2023-03-02T04:41:15.526" v="72" actId="1076"/>
-          <ac:cxnSpMkLst>
-            <pc:docMk/>
-            <pc:sldMk cId="1659787181" sldId="337"/>
-            <ac:cxnSpMk id="37" creationId="{2A41B59E-DCD8-430B-976D-6DADFC4B2759}"/>
-          </ac:cxnSpMkLst>
-        </pc:cxnChg>
-        <pc:cxnChg chg="mod">
-          <ac:chgData name="Janine Par" userId="554bec0ce29a50bd" providerId="LiveId" clId="{106C33DE-0B7F-4EEA-BA27-D8D3BC910825}" dt="2023-03-02T04:41:13.378" v="70" actId="1076"/>
-          <ac:cxnSpMkLst>
-            <pc:docMk/>
-            <pc:sldMk cId="1659787181" sldId="337"/>
-            <ac:cxnSpMk id="38" creationId="{AE2C70F8-01A8-479E-8ECC-C964C9AC48CA}"/>
-          </ac:cxnSpMkLst>
-        </pc:cxnChg>
-      </pc:sldChg>
-      <pc:sldChg chg="modSp add mod">
-        <pc:chgData name="Janine Par" userId="554bec0ce29a50bd" providerId="LiveId" clId="{106C33DE-0B7F-4EEA-BA27-D8D3BC910825}" dt="2023-03-02T04:44:18.740" v="304" actId="20577"/>
-        <pc:sldMkLst>
-          <pc:docMk/>
-          <pc:sldMk cId="422667224" sldId="338"/>
-        </pc:sldMkLst>
-        <pc:spChg chg="mod">
-          <ac:chgData name="Janine Par" userId="554bec0ce29a50bd" providerId="LiveId" clId="{106C33DE-0B7F-4EEA-BA27-D8D3BC910825}" dt="2023-03-02T04:44:18.740" v="304" actId="20577"/>
-          <ac:spMkLst>
-            <pc:docMk/>
-            <pc:sldMk cId="422667224" sldId="338"/>
-            <ac:spMk id="3" creationId="{1E798AEA-4657-4AC2-AB1F-40B93469DA1D}"/>
-          </ac:spMkLst>
-        </pc:spChg>
-      </pc:sldChg>
-      <pc:sldChg chg="addSp delSp modSp add del mod">
-        <pc:chgData name="Janine Par" userId="554bec0ce29a50bd" providerId="LiveId" clId="{106C33DE-0B7F-4EEA-BA27-D8D3BC910825}" dt="2023-03-02T04:41:13.154" v="69"/>
-        <pc:sldMkLst>
-          <pc:docMk/>
-          <pc:sldMk cId="1787446800" sldId="338"/>
-        </pc:sldMkLst>
-        <pc:spChg chg="mod">
-          <ac:chgData name="Janine Par" userId="554bec0ce29a50bd" providerId="LiveId" clId="{106C33DE-0B7F-4EEA-BA27-D8D3BC910825}" dt="2023-03-02T04:41:12.883" v="68" actId="20577"/>
-          <ac:spMkLst>
-            <pc:docMk/>
-            <pc:sldMk cId="1787446800" sldId="338"/>
-            <ac:spMk id="3" creationId="{1E798AEA-4657-4AC2-AB1F-40B93469DA1D}"/>
-          </ac:spMkLst>
-        </pc:spChg>
-        <pc:spChg chg="mod">
-          <ac:chgData name="Janine Par" userId="554bec0ce29a50bd" providerId="LiveId" clId="{106C33DE-0B7F-4EEA-BA27-D8D3BC910825}" dt="2023-03-02T04:40:58.628" v="62" actId="6549"/>
-          <ac:spMkLst>
-            <pc:docMk/>
-            <pc:sldMk cId="1787446800" sldId="338"/>
-            <ac:spMk id="58" creationId="{171DBA5A-B998-4F81-866C-B5736AF43CC6}"/>
-          </ac:spMkLst>
-        </pc:spChg>
-        <pc:grpChg chg="add del">
-          <ac:chgData name="Janine Par" userId="554bec0ce29a50bd" providerId="LiveId" clId="{106C33DE-0B7F-4EEA-BA27-D8D3BC910825}" dt="2023-03-02T04:41:11.962" v="66" actId="478"/>
-          <ac:grpSpMkLst>
-            <pc:docMk/>
-            <pc:sldMk cId="1787446800" sldId="338"/>
-            <ac:grpSpMk id="50" creationId="{E9FAE785-9226-47D0-AF82-89494133C761}"/>
-          </ac:grpSpMkLst>
-        </pc:grpChg>
-      </pc:sldChg>
-      <pc:sldChg chg="modSp add mod ord">
-        <pc:chgData name="Janine Par" userId="554bec0ce29a50bd" providerId="LiveId" clId="{106C33DE-0B7F-4EEA-BA27-D8D3BC910825}" dt="2023-03-02T04:43:38.021" v="263" actId="20577"/>
-        <pc:sldMkLst>
-          <pc:docMk/>
-          <pc:sldMk cId="4048642611" sldId="339"/>
-        </pc:sldMkLst>
-        <pc:spChg chg="mod">
-          <ac:chgData name="Janine Par" userId="554bec0ce29a50bd" providerId="LiveId" clId="{106C33DE-0B7F-4EEA-BA27-D8D3BC910825}" dt="2023-03-02T04:43:38.021" v="263" actId="20577"/>
-          <ac:spMkLst>
-            <pc:docMk/>
-            <pc:sldMk cId="4048642611" sldId="339"/>
-            <ac:spMk id="3" creationId="{1E798AEA-4657-4AC2-AB1F-40B93469DA1D}"/>
-          </ac:spMkLst>
-        </pc:spChg>
-      </pc:sldChg>
-      <pc:sldChg chg="add">
-        <pc:chgData name="Janine Par" userId="554bec0ce29a50bd" providerId="LiveId" clId="{106C33DE-0B7F-4EEA-BA27-D8D3BC910825}" dt="2023-03-02T04:43:57.240" v="264"/>
-        <pc:sldMkLst>
-          <pc:docMk/>
-          <pc:sldMk cId="3721627370" sldId="340"/>
-        </pc:sldMkLst>
-      </pc:sldChg>
-      <pc:sldChg chg="add del">
-        <pc:chgData name="Janine Par" userId="554bec0ce29a50bd" providerId="LiveId" clId="{106C33DE-0B7F-4EEA-BA27-D8D3BC910825}" dt="2023-03-02T04:44:00.208" v="266"/>
-        <pc:sldMkLst>
-          <pc:docMk/>
-          <pc:sldMk cId="1588367456" sldId="341"/>
-        </pc:sldMkLst>
-      </pc:sldChg>
-      <pc:sldChg chg="modSp add mod">
-        <pc:chgData name="Janine Par" userId="554bec0ce29a50bd" providerId="LiveId" clId="{106C33DE-0B7F-4EEA-BA27-D8D3BC910825}" dt="2023-03-02T04:45:01.427" v="346" actId="20577"/>
-        <pc:sldMkLst>
-          <pc:docMk/>
-          <pc:sldMk cId="3081733930" sldId="341"/>
-        </pc:sldMkLst>
-        <pc:spChg chg="mod">
-          <ac:chgData name="Janine Par" userId="554bec0ce29a50bd" providerId="LiveId" clId="{106C33DE-0B7F-4EEA-BA27-D8D3BC910825}" dt="2023-03-02T04:45:01.427" v="346" actId="20577"/>
-          <ac:spMkLst>
-            <pc:docMk/>
-            <pc:sldMk cId="3081733930" sldId="341"/>
-            <ac:spMk id="3" creationId="{1E798AEA-4657-4AC2-AB1F-40B93469DA1D}"/>
-          </ac:spMkLst>
-        </pc:spChg>
-      </pc:sldChg>
-      <pc:sldChg chg="add">
-        <pc:chgData name="Janine Par" userId="554bec0ce29a50bd" providerId="LiveId" clId="{106C33DE-0B7F-4EEA-BA27-D8D3BC910825}" dt="2023-03-02T04:45:03.516" v="347"/>
-        <pc:sldMkLst>
-          <pc:docMk/>
-          <pc:sldMk cId="1372879902" sldId="342"/>
-        </pc:sldMkLst>
-      </pc:sldChg>
-      <pc:sldChg chg="add del">
-        <pc:chgData name="Janine Par" userId="554bec0ce29a50bd" providerId="LiveId" clId="{106C33DE-0B7F-4EEA-BA27-D8D3BC910825}" dt="2023-03-02T05:38:48.593" v="416"/>
-        <pc:sldMkLst>
-          <pc:docMk/>
-          <pc:sldMk cId="1488758184" sldId="343"/>
-        </pc:sldMkLst>
-      </pc:sldChg>
-      <pc:sldChg chg="add del">
-        <pc:chgData name="Janine Par" userId="554bec0ce29a50bd" providerId="LiveId" clId="{106C33DE-0B7F-4EEA-BA27-D8D3BC910825}" dt="2023-03-02T05:38:41.332" v="401" actId="47"/>
-        <pc:sldMkLst>
-          <pc:docMk/>
-          <pc:sldMk cId="2852375539" sldId="343"/>
-        </pc:sldMkLst>
-      </pc:sldChg>
-      <pc:sldChg chg="add del">
-        <pc:chgData name="Janine Par" userId="554bec0ce29a50bd" providerId="LiveId" clId="{106C33DE-0B7F-4EEA-BA27-D8D3BC910825}" dt="2023-03-02T06:12:05.695" v="2292" actId="47"/>
-        <pc:sldMkLst>
-          <pc:docMk/>
-          <pc:sldMk cId="3451546618" sldId="343"/>
-        </pc:sldMkLst>
-      </pc:sldChg>
-      <pc:sldChg chg="delSp modSp add del mod">
-        <pc:chgData name="Janine Par" userId="554bec0ce29a50bd" providerId="LiveId" clId="{106C33DE-0B7F-4EEA-BA27-D8D3BC910825}" dt="2023-03-02T06:07:46.441" v="1763" actId="47"/>
-        <pc:sldMkLst>
-          <pc:docMk/>
-          <pc:sldMk cId="1195987902" sldId="344"/>
-        </pc:sldMkLst>
-        <pc:spChg chg="mod">
-          <ac:chgData name="Janine Par" userId="554bec0ce29a50bd" providerId="LiveId" clId="{106C33DE-0B7F-4EEA-BA27-D8D3BC910825}" dt="2023-03-02T06:01:43.225" v="1538" actId="20577"/>
-          <ac:spMkLst>
-            <pc:docMk/>
-            <pc:sldMk cId="1195987902" sldId="344"/>
-            <ac:spMk id="7" creationId="{BCAB18D2-6C50-4697-ACCB-30E0DF18843C}"/>
-          </ac:spMkLst>
-        </pc:spChg>
-        <pc:picChg chg="del">
-          <ac:chgData name="Janine Par" userId="554bec0ce29a50bd" providerId="LiveId" clId="{106C33DE-0B7F-4EEA-BA27-D8D3BC910825}" dt="2023-03-02T06:01:33.193" v="1518" actId="478"/>
-          <ac:picMkLst>
-            <pc:docMk/>
-            <pc:sldMk cId="1195987902" sldId="344"/>
-            <ac:picMk id="11" creationId="{8A411E76-0301-BB1C-E897-B16760DC951A}"/>
-          </ac:picMkLst>
-        </pc:picChg>
-      </pc:sldChg>
-      <pc:sldChg chg="modSp add mod">
-        <pc:chgData name="Janine Par" userId="554bec0ce29a50bd" providerId="LiveId" clId="{106C33DE-0B7F-4EEA-BA27-D8D3BC910825}" dt="2023-03-02T06:11:50.472" v="2291" actId="5793"/>
-        <pc:sldMkLst>
-          <pc:docMk/>
-          <pc:sldMk cId="1768601469" sldId="345"/>
-        </pc:sldMkLst>
-        <pc:spChg chg="mod">
-          <ac:chgData name="Janine Par" userId="554bec0ce29a50bd" providerId="LiveId" clId="{106C33DE-0B7F-4EEA-BA27-D8D3BC910825}" dt="2023-03-02T06:01:58.776" v="1551" actId="20577"/>
-          <ac:spMkLst>
-            <pc:docMk/>
-            <pc:sldMk cId="1768601469" sldId="345"/>
-            <ac:spMk id="3" creationId="{1E798AEA-4657-4AC2-AB1F-40B93469DA1D}"/>
-          </ac:spMkLst>
-        </pc:spChg>
-        <pc:spChg chg="mod">
-          <ac:chgData name="Janine Par" userId="554bec0ce29a50bd" providerId="LiveId" clId="{106C33DE-0B7F-4EEA-BA27-D8D3BC910825}" dt="2023-03-02T06:11:50.472" v="2291" actId="5793"/>
-          <ac:spMkLst>
-            <pc:docMk/>
-            <pc:sldMk cId="1768601469" sldId="345"/>
-            <ac:spMk id="6" creationId="{74B9C796-15A8-487E-865A-4C280C0C2CD0}"/>
-          </ac:spMkLst>
-        </pc:spChg>
-      </pc:sldChg>
-    </pc:docChg>
-  </pc:docChgLst>
-</pc:chgInfo>
-</file>
-
 <file path=ppt/notesMasters/notesMaster1.xml><?xml version="1.0" encoding="utf-8"?>
 <p:notesMaster xmlns:a="http://schemas.openxmlformats.org/drawingml/2006/main" xmlns:r="http://schemas.openxmlformats.org/officeDocument/2006/relationships" xmlns:p="http://schemas.openxmlformats.org/presentationml/2006/main">
   <p:cSld>
@@ -964,7 +213,7 @@
           <a:p>
             <a:fld id="{9F16CFE3-D912-4FF0-955A-250807CE238D}" type="datetimeFigureOut">
               <a:rPr lang="en-US" smtClean="0"/>
-              <a:t>3/1/2023</a:t>
+              <a:t>3/4/2023</a:t>
             </a:fld>
             <a:endParaRPr lang="en-US"/>
           </a:p>
@@ -1475,7 +724,7 @@
           <a:p>
             <a:fld id="{9184DA70-C731-4C70-880D-CCD4705E623C}" type="datetime1">
               <a:rPr lang="en-US" smtClean="0"/>
-              <a:t>3/1/2023</a:t>
+              <a:t>3/4/2023</a:t>
             </a:fld>
             <a:endParaRPr lang="en-US" dirty="0"/>
           </a:p>
@@ -1663,7 +912,7 @@
           <a:p>
             <a:fld id="{4BE1D723-8F53-4F53-90B0-1982A396982E}" type="datetime1">
               <a:rPr lang="en-US" smtClean="0"/>
-              <a:t>3/1/2023</a:t>
+              <a:t>3/4/2023</a:t>
             </a:fld>
             <a:endParaRPr lang="en-US" dirty="0"/>
           </a:p>
@@ -2036,7 +1285,7 @@
           <a:p>
             <a:fld id="{97669AF7-7BEB-44E4-9852-375E34362B5B}" type="datetime1">
               <a:rPr lang="en-US" smtClean="0"/>
-              <a:t>3/1/2023</a:t>
+              <a:t>3/4/2023</a:t>
             </a:fld>
             <a:endParaRPr lang="en-US" dirty="0"/>
           </a:p>
@@ -2291,7 +1540,7 @@
           <a:p>
             <a:fld id="{BAAAC38D-0552-4C82-B593-E6124DFADBE2}" type="datetime1">
               <a:rPr lang="en-US" smtClean="0"/>
-              <a:t>3/1/2023</a:t>
+              <a:t>3/4/2023</a:t>
             </a:fld>
             <a:endParaRPr lang="en-US" dirty="0"/>
           </a:p>
@@ -2688,7 +1937,7 @@
           <a:p>
             <a:fld id="{D9DF0F1C-5577-4ACB-BB62-DF8F3C494C7E}" type="datetime1">
               <a:rPr lang="en-US" smtClean="0"/>
-              <a:t>3/1/2023</a:t>
+              <a:t>3/4/2023</a:t>
             </a:fld>
             <a:endParaRPr lang="en-US" dirty="0"/>
           </a:p>
@@ -2824,7 +2073,7 @@
           <a:p>
             <a:fld id="{1775B394-D9F9-4F0C-B15D-605F45CB9E9F}" type="datetime1">
               <a:rPr lang="en-US" smtClean="0"/>
-              <a:t>3/1/2023</a:t>
+              <a:t>3/4/2023</a:t>
             </a:fld>
             <a:endParaRPr lang="en-US" dirty="0"/>
           </a:p>
@@ -2981,7 +2230,7 @@
           <a:p>
             <a:fld id="{39667345-2558-425A-8533-9BFDBCE15005}" type="datetime1">
               <a:rPr lang="en-US" smtClean="0"/>
-              <a:t>3/1/2023</a:t>
+              <a:t>3/4/2023</a:t>
             </a:fld>
             <a:endParaRPr lang="en-US" dirty="0"/>
           </a:p>
@@ -3310,7 +2559,7 @@
           <a:p>
             <a:fld id="{92BEA474-078D-4E9B-9B14-09A87B19DC46}" type="datetime1">
               <a:rPr lang="en-US" smtClean="0"/>
-              <a:t>3/1/2023</a:t>
+              <a:t>3/4/2023</a:t>
             </a:fld>
             <a:endParaRPr lang="en-US" dirty="0"/>
           </a:p>
@@ -3660,7 +2909,7 @@
           <a:p>
             <a:fld id="{4907D986-8816-4272-A432-0437A28A9828}" type="datetime1">
               <a:rPr lang="en-US" smtClean="0"/>
-              <a:t>3/1/2023</a:t>
+              <a:t>3/4/2023</a:t>
             </a:fld>
             <a:endParaRPr lang="en-US" dirty="0"/>
           </a:p>
@@ -3921,7 +3170,7 @@
           <a:p>
             <a:fld id="{62D6E202-B606-4609-B914-27C9371A1F6D}" type="datetime1">
               <a:rPr lang="en-US" smtClean="0"/>
-              <a:t>3/1/2023</a:t>
+              <a:t>3/4/2023</a:t>
             </a:fld>
             <a:endParaRPr lang="en-US" dirty="0"/>
           </a:p>
@@ -4835,6 +4084,9 @@
           <a:solidFill>
             <a:srgbClr val="002060"/>
           </a:solidFill>
+          <a:ln>
+            <a:noFill/>
+          </a:ln>
         </p:spPr>
         <p:style>
           <a:lnRef idx="1">
@@ -4860,7 +4112,7 @@
               <a:rPr lang="en-US" b="1" spc="50" dirty="0">
                 <a:ln w="0"/>
                 <a:solidFill>
-                  <a:schemeClr val="bg2"/>
+                  <a:schemeClr val="bg1"/>
                 </a:solidFill>
                 <a:effectLst>
                   <a:innerShdw blurRad="63500" dist="50800" dir="13500000">
@@ -4870,17 +4122,17 @@
                   </a:innerShdw>
                 </a:effectLst>
               </a:rPr>
-              <a:t>Hypothesis Test</a:t>
-            </a:r>
-          </a:p>
-        </p:txBody>
-      </p:sp>
-      <p:sp>
-        <p:nvSpPr>
-          <p:cNvPr id="7" name="TextBox 6">
-            <a:extLst>
-              <a:ext uri="{FF2B5EF4-FFF2-40B4-BE49-F238E27FC236}">
-                <a16:creationId xmlns:a16="http://schemas.microsoft.com/office/drawing/2014/main" id="{BCAB18D2-6C50-4697-ACCB-30E0DF18843C}"/>
+              <a:t>PMF Two Scenarios</a:t>
+            </a:r>
+          </a:p>
+        </p:txBody>
+      </p:sp>
+      <p:sp>
+        <p:nvSpPr>
+          <p:cNvPr id="34" name="TextBox 33">
+            <a:extLst>
+              <a:ext uri="{FF2B5EF4-FFF2-40B4-BE49-F238E27FC236}">
+                <a16:creationId xmlns:a16="http://schemas.microsoft.com/office/drawing/2014/main" id="{5C65E7A6-314E-4449-91B1-59D7CD7887B1}"/>
               </a:ext>
             </a:extLst>
           </p:cNvPr>
@@ -4889,45 +4141,8 @@
         </p:nvSpPr>
         <p:spPr>
           <a:xfrm>
-            <a:off x="441405" y="898590"/>
-            <a:ext cx="11368818" cy="369332"/>
-          </a:xfrm>
-          <a:prstGeom prst="rect">
-            <a:avLst/>
-          </a:prstGeom>
-          <a:noFill/>
-        </p:spPr>
-        <p:txBody>
-          <a:bodyPr wrap="none" rtlCol="0">
-            <a:spAutoFit/>
-          </a:bodyPr>
-          <a:lstStyle/>
-          <a:p>
-            <a:r>
-              <a:rPr lang="en-US" dirty="0">
-                <a:latin typeface="Abadi" panose="020B0604020104020204" pitchFamily="34" charset="0"/>
-              </a:rPr>
-              <a:t>Problems are easier to solve, Work are easily done, People are being connected, Diseases are detected earlier…..</a:t>
-            </a:r>
-          </a:p>
-        </p:txBody>
-      </p:sp>
-      <p:sp>
-        <p:nvSpPr>
-          <p:cNvPr id="22" name="TextBox 21">
-            <a:extLst>
-              <a:ext uri="{FF2B5EF4-FFF2-40B4-BE49-F238E27FC236}">
-                <a16:creationId xmlns:a16="http://schemas.microsoft.com/office/drawing/2014/main" id="{72E2189C-B182-4550-BE72-15D67F96DC57}"/>
-              </a:ext>
-            </a:extLst>
-          </p:cNvPr>
-          <p:cNvSpPr txBox="1"/>
-          <p:nvPr/>
-        </p:nvSpPr>
-        <p:spPr>
-          <a:xfrm>
-            <a:off x="8149389" y="2253784"/>
-            <a:ext cx="2834262" cy="2723823"/>
+            <a:off x="718456" y="4870686"/>
+            <a:ext cx="11328835" cy="1200329"/>
           </a:xfrm>
           <a:prstGeom prst="rect">
             <a:avLst/>
@@ -4941,475 +4156,83 @@
           <a:lstStyle/>
           <a:p>
             <a:r>
-              <a:rPr lang="en-US" sz="1050" b="1" dirty="0">
-                <a:solidFill>
-                  <a:schemeClr val="bg1"/>
-                </a:solidFill>
-                <a:latin typeface="Abadi" panose="020B0604020104020204" pitchFamily="34" charset="0"/>
-              </a:rPr>
-              <a:t>Risk and Fraud Management decision (Examples) </a:t>
-            </a:r>
-          </a:p>
-          <a:p>
-            <a:endParaRPr lang="en-US" sz="1050" dirty="0">
-              <a:solidFill>
-                <a:schemeClr val="bg1"/>
-              </a:solidFill>
-              <a:latin typeface="Abadi" panose="020B0604020104020204" pitchFamily="34" charset="0"/>
-            </a:endParaRPr>
-          </a:p>
-          <a:p>
-            <a:pPr marL="171450" indent="-171450">
-              <a:buFont typeface="Wingdings" panose="05000000000000000000" pitchFamily="2" charset="2"/>
-              <a:buChar char="ü"/>
+              <a:rPr lang="en-US" b="1" dirty="0"/>
+              <a:t> </a:t>
+            </a:r>
+          </a:p>
+          <a:p>
+            <a:r>
+              <a:rPr lang="en-US" b="1" dirty="0"/>
+              <a:t>Review Count for Open and Closed Restaurant and Food businesses in Yelp</a:t>
+            </a:r>
+            <a:endParaRPr lang="en-US" dirty="0"/>
+          </a:p>
+          <a:p>
+            <a:pPr marL="285750" indent="-285750">
+              <a:buFontTx/>
+              <a:buChar char="-"/>
             </a:pPr>
             <a:r>
-              <a:rPr lang="en-US" sz="1050" dirty="0">
-                <a:solidFill>
-                  <a:schemeClr val="bg1"/>
-                </a:solidFill>
-                <a:latin typeface="Abadi" panose="020B0604020104020204" pitchFamily="34" charset="0"/>
-              </a:rPr>
-              <a:t>Reporting, Alerting and Notification System </a:t>
-            </a:r>
-          </a:p>
-          <a:p>
-            <a:pPr marL="171450" indent="-171450">
-              <a:buFont typeface="Wingdings" panose="05000000000000000000" pitchFamily="2" charset="2"/>
-              <a:buChar char="ü"/>
-            </a:pPr>
-            <a:endParaRPr lang="en-US" sz="1050" dirty="0">
-              <a:solidFill>
-                <a:schemeClr val="bg1"/>
-              </a:solidFill>
-              <a:latin typeface="Abadi" panose="020B0604020104020204" pitchFamily="34" charset="0"/>
-            </a:endParaRPr>
-          </a:p>
-          <a:p>
-            <a:pPr marL="171450" indent="-171450">
-              <a:buFont typeface="Wingdings" panose="05000000000000000000" pitchFamily="2" charset="2"/>
-              <a:buChar char="ü"/>
-            </a:pPr>
-            <a:r>
-              <a:rPr lang="en-US" sz="1050" dirty="0">
-                <a:solidFill>
-                  <a:schemeClr val="bg1"/>
-                </a:solidFill>
-                <a:latin typeface="Abadi" panose="020B0604020104020204" pitchFamily="34" charset="0"/>
-              </a:rPr>
-              <a:t>Monitoring Application</a:t>
-            </a:r>
-          </a:p>
-          <a:p>
-            <a:endParaRPr lang="en-US" sz="1050" dirty="0">
-              <a:solidFill>
-                <a:schemeClr val="bg1"/>
-              </a:solidFill>
-              <a:latin typeface="Abadi" panose="020B0604020104020204" pitchFamily="34" charset="0"/>
-            </a:endParaRPr>
-          </a:p>
-          <a:p>
-            <a:pPr marL="171450" indent="-171450">
-              <a:buFont typeface="Wingdings" panose="05000000000000000000" pitchFamily="2" charset="2"/>
-              <a:buChar char="ü"/>
-            </a:pPr>
-            <a:r>
-              <a:rPr lang="en-US" sz="1050" dirty="0">
-                <a:solidFill>
-                  <a:schemeClr val="bg1"/>
-                </a:solidFill>
-                <a:latin typeface="Abadi" panose="020B0604020104020204" pitchFamily="34" charset="0"/>
-              </a:rPr>
-              <a:t>Automated Case Management </a:t>
-            </a:r>
-          </a:p>
-          <a:p>
-            <a:endParaRPr lang="en-US" sz="1050" dirty="0">
-              <a:solidFill>
-                <a:schemeClr val="bg1"/>
-              </a:solidFill>
-              <a:latin typeface="Abadi" panose="020B0604020104020204" pitchFamily="34" charset="0"/>
-            </a:endParaRPr>
-          </a:p>
-          <a:p>
-            <a:pPr marL="171450" indent="-171450">
-              <a:buFont typeface="Wingdings" panose="05000000000000000000" pitchFamily="2" charset="2"/>
-              <a:buChar char="ü"/>
-            </a:pPr>
-            <a:r>
-              <a:rPr lang="en-US" sz="1050" dirty="0">
-                <a:solidFill>
-                  <a:schemeClr val="bg1"/>
-                </a:solidFill>
-                <a:latin typeface="Abadi" panose="020B0604020104020204" pitchFamily="34" charset="0"/>
-              </a:rPr>
-              <a:t>Reduction of False Positive when identifying fraud</a:t>
-            </a:r>
-          </a:p>
-          <a:p>
-            <a:endParaRPr lang="en-US" sz="1050" dirty="0">
-              <a:solidFill>
-                <a:schemeClr val="bg1"/>
-              </a:solidFill>
-              <a:latin typeface="Abadi" panose="020B0604020104020204" pitchFamily="34" charset="0"/>
-            </a:endParaRPr>
-          </a:p>
-          <a:p>
-            <a:pPr marL="171450" indent="-171450">
-              <a:buFont typeface="Wingdings" panose="05000000000000000000" pitchFamily="2" charset="2"/>
-              <a:buChar char="ü"/>
-            </a:pPr>
-            <a:r>
-              <a:rPr lang="en-US" sz="1050" dirty="0">
-                <a:solidFill>
-                  <a:schemeClr val="bg1"/>
-                </a:solidFill>
-                <a:latin typeface="Abadi" panose="020B0604020104020204" pitchFamily="34" charset="0"/>
-              </a:rPr>
-              <a:t>Influence Security Applications</a:t>
-            </a:r>
-          </a:p>
-          <a:p>
-            <a:endParaRPr lang="en-US" sz="1050" b="1" dirty="0">
-              <a:solidFill>
-                <a:schemeClr val="bg1"/>
-              </a:solidFill>
-            </a:endParaRPr>
-          </a:p>
-          <a:p>
-            <a:endParaRPr lang="en-US" sz="1200" b="1" dirty="0">
-              <a:solidFill>
-                <a:schemeClr val="bg1"/>
-              </a:solidFill>
-            </a:endParaRPr>
-          </a:p>
-          <a:p>
-            <a:pPr marL="171450" indent="-171450">
-              <a:buFont typeface="Wingdings" panose="05000000000000000000" pitchFamily="2" charset="2"/>
-              <a:buChar char="ü"/>
-            </a:pPr>
-            <a:endParaRPr lang="en-US" sz="1200" b="1" dirty="0">
-              <a:solidFill>
-                <a:schemeClr val="bg1"/>
-              </a:solidFill>
-            </a:endParaRPr>
+              <a:rPr lang="en-US" dirty="0"/>
+              <a:t>PMF shows that Close restaurants have more less frequent reviews compare to Open businesses.</a:t>
+            </a:r>
+          </a:p>
+          <a:p>
+            <a:endParaRPr lang="en-US" dirty="0"/>
           </a:p>
         </p:txBody>
       </p:sp>
       <p:pic>
         <p:nvPicPr>
-          <p:cNvPr id="8" name="Graphic 7" descr="Doctor female with solid fill">
-            <a:extLst>
-              <a:ext uri="{FF2B5EF4-FFF2-40B4-BE49-F238E27FC236}">
-                <a16:creationId xmlns:a16="http://schemas.microsoft.com/office/drawing/2014/main" id="{C8BE2C0F-9251-48FE-AE61-C86C26A15420}"/>
+          <p:cNvPr id="1030" name="Picture 6">
+            <a:extLst>
+              <a:ext uri="{FF2B5EF4-FFF2-40B4-BE49-F238E27FC236}">
+                <a16:creationId xmlns:a16="http://schemas.microsoft.com/office/drawing/2014/main" id="{A3C11237-1931-6C77-38ED-B7F11B0A587F}"/>
               </a:ext>
             </a:extLst>
           </p:cNvPr>
           <p:cNvPicPr>
-            <a:picLocks noChangeAspect="1"/>
+            <a:picLocks noChangeAspect="1" noChangeArrowheads="1"/>
           </p:cNvPicPr>
           <p:nvPr/>
         </p:nvPicPr>
         <p:blipFill>
           <a:blip r:embed="rId2">
             <a:extLst>
-              <a:ext uri="{96DAC541-7B7A-43D3-8B79-37D633B846F1}">
-                <asvg:svgBlip xmlns:asvg="http://schemas.microsoft.com/office/drawing/2016/SVG/main" r:embed="rId3"/>
+              <a:ext uri="{28A0092B-C50C-407E-A947-70E740481C1C}">
+                <a14:useLocalDpi xmlns:a14="http://schemas.microsoft.com/office/drawing/2010/main" val="0"/>
               </a:ext>
             </a:extLst>
           </a:blip>
+          <a:srcRect/>
           <a:stretch>
             <a:fillRect/>
           </a:stretch>
         </p:blipFill>
-        <p:spPr>
-          <a:xfrm>
-            <a:off x="1092200" y="1353537"/>
-            <a:ext cx="914400" cy="914400"/>
+        <p:spPr bwMode="auto">
+          <a:xfrm>
+            <a:off x="1610356" y="529571"/>
+            <a:ext cx="8971287" cy="4647881"/>
           </a:xfrm>
           <a:prstGeom prst="rect">
             <a:avLst/>
           </a:prstGeom>
-        </p:spPr>
-      </p:pic>
-      <p:pic>
-        <p:nvPicPr>
-          <p:cNvPr id="10" name="Graphic 9" descr="Travel outline">
-            <a:extLst>
-              <a:ext uri="{FF2B5EF4-FFF2-40B4-BE49-F238E27FC236}">
-                <a16:creationId xmlns:a16="http://schemas.microsoft.com/office/drawing/2014/main" id="{8110D858-97C2-422D-A0AF-AE777C140077}"/>
-              </a:ext>
-            </a:extLst>
-          </p:cNvPr>
-          <p:cNvPicPr>
-            <a:picLocks noChangeAspect="1"/>
-          </p:cNvPicPr>
-          <p:nvPr/>
-        </p:nvPicPr>
-        <p:blipFill>
-          <a:blip r:embed="rId4">
-            <a:extLst>
-              <a:ext uri="{96DAC541-7B7A-43D3-8B79-37D633B846F1}">
-                <asvg:svgBlip xmlns:asvg="http://schemas.microsoft.com/office/drawing/2016/SVG/main" r:embed="rId5"/>
-              </a:ext>
-            </a:extLst>
-          </a:blip>
-          <a:stretch>
-            <a:fillRect/>
-          </a:stretch>
-        </p:blipFill>
-        <p:spPr>
-          <a:xfrm>
-            <a:off x="887598" y="2511933"/>
-            <a:ext cx="724323" cy="724323"/>
-          </a:xfrm>
-          <a:prstGeom prst="rect">
-            <a:avLst/>
-          </a:prstGeom>
-        </p:spPr>
-      </p:pic>
-      <p:pic>
-        <p:nvPicPr>
-          <p:cNvPr id="13" name="Graphic 12" descr="Connections outline">
-            <a:extLst>
-              <a:ext uri="{FF2B5EF4-FFF2-40B4-BE49-F238E27FC236}">
-                <a16:creationId xmlns:a16="http://schemas.microsoft.com/office/drawing/2014/main" id="{C44594B5-56C0-475D-9833-FF6C66F67D8C}"/>
-              </a:ext>
-            </a:extLst>
-          </p:cNvPr>
-          <p:cNvPicPr>
-            <a:picLocks noChangeAspect="1"/>
-          </p:cNvPicPr>
-          <p:nvPr/>
-        </p:nvPicPr>
-        <p:blipFill>
-          <a:blip r:embed="rId6">
-            <a:extLst>
-              <a:ext uri="{96DAC541-7B7A-43D3-8B79-37D633B846F1}">
-                <asvg:svgBlip xmlns:asvg="http://schemas.microsoft.com/office/drawing/2016/SVG/main" r:embed="rId7"/>
-              </a:ext>
-            </a:extLst>
-          </a:blip>
-          <a:stretch>
-            <a:fillRect/>
-          </a:stretch>
-        </p:blipFill>
-        <p:spPr>
-          <a:xfrm>
-            <a:off x="1023865" y="3565867"/>
-            <a:ext cx="914400" cy="914400"/>
-          </a:xfrm>
-          <a:prstGeom prst="rect">
-            <a:avLst/>
-          </a:prstGeom>
-        </p:spPr>
-      </p:pic>
-      <p:sp>
-        <p:nvSpPr>
-          <p:cNvPr id="14" name="TextBox 13">
-            <a:extLst>
-              <a:ext uri="{FF2B5EF4-FFF2-40B4-BE49-F238E27FC236}">
-                <a16:creationId xmlns:a16="http://schemas.microsoft.com/office/drawing/2014/main" id="{17783C9B-929E-4970-9A69-9A2F2E3AD666}"/>
-              </a:ext>
-            </a:extLst>
-          </p:cNvPr>
-          <p:cNvSpPr txBox="1"/>
-          <p:nvPr/>
-        </p:nvSpPr>
-        <p:spPr>
-          <a:xfrm>
-            <a:off x="2207126" y="1353537"/>
-            <a:ext cx="9256295" cy="4524315"/>
-          </a:xfrm>
-          <a:prstGeom prst="rect">
-            <a:avLst/>
-          </a:prstGeom>
           <a:noFill/>
-        </p:spPr>
-        <p:txBody>
-          <a:bodyPr wrap="square" rtlCol="0">
-            <a:spAutoFit/>
-          </a:bodyPr>
-          <a:lstStyle/>
-          <a:p>
-            <a:r>
-              <a:rPr lang="en-US" sz="1600" b="1" dirty="0"/>
-              <a:t>Medical and Healthcare</a:t>
-            </a:r>
-          </a:p>
-          <a:p>
-            <a:r>
-              <a:rPr lang="en-US" sz="1600" dirty="0"/>
-              <a:t>Faster Diagnosis using known medical information and captured patient data</a:t>
-            </a:r>
-          </a:p>
-          <a:p>
-            <a:r>
-              <a:rPr lang="en-US" sz="1600" dirty="0"/>
-              <a:t>Recommendation on treatments where effectiveness are backed by data </a:t>
-            </a:r>
-          </a:p>
-          <a:p>
-            <a:r>
-              <a:rPr lang="en-US" sz="1600" dirty="0"/>
-              <a:t>Improve hospitals and healthcare facilities services</a:t>
-            </a:r>
-          </a:p>
-          <a:p>
-            <a:endParaRPr lang="en-US" sz="1600" dirty="0"/>
-          </a:p>
-          <a:p>
-            <a:r>
-              <a:rPr lang="en-US" sz="1600" b="1" dirty="0"/>
-              <a:t>Travel and Logistics</a:t>
-            </a:r>
-          </a:p>
-          <a:p>
-            <a:r>
-              <a:rPr lang="en-US" sz="1600" dirty="0"/>
-              <a:t>Improve Travel by recommending routes base on real-time situations (weather, events, roadside accidents)</a:t>
-            </a:r>
-          </a:p>
-          <a:p>
-            <a:r>
-              <a:rPr lang="en-US" sz="1600" dirty="0"/>
-              <a:t>Optimize Delivery routes that guarantee customer satisfaction and lower delivery cost</a:t>
-            </a:r>
-          </a:p>
-          <a:p>
-            <a:endParaRPr lang="en-US" sz="1600" dirty="0"/>
-          </a:p>
-          <a:p>
-            <a:r>
-              <a:rPr lang="en-US" sz="1600" b="1" dirty="0"/>
-              <a:t>Social Media</a:t>
-            </a:r>
-          </a:p>
-          <a:p>
-            <a:r>
-              <a:rPr lang="en-US" sz="1600" dirty="0"/>
-              <a:t>Connecting people with the same likes, background, and acquaintances (Facebook, Instagram, </a:t>
-            </a:r>
-            <a:r>
-              <a:rPr lang="en-US" sz="1600" dirty="0" err="1"/>
-              <a:t>Linkedin</a:t>
-            </a:r>
-            <a:r>
-              <a:rPr lang="en-US" sz="1600" dirty="0"/>
-              <a:t>) </a:t>
-            </a:r>
-          </a:p>
-          <a:p>
-            <a:r>
-              <a:rPr lang="en-US" sz="1600" dirty="0"/>
-              <a:t>Builds community, group and organization with shared ideas and common goals</a:t>
-            </a:r>
-          </a:p>
-          <a:p>
-            <a:endParaRPr lang="en-US" sz="1600" dirty="0"/>
-          </a:p>
-          <a:p>
-            <a:r>
-              <a:rPr lang="en-US" sz="1600" b="1" dirty="0"/>
-              <a:t>Users Experience</a:t>
-            </a:r>
-          </a:p>
-          <a:p>
-            <a:r>
-              <a:rPr lang="en-US" sz="1600" dirty="0"/>
-              <a:t>Personalize customer experiences</a:t>
-            </a:r>
-          </a:p>
-          <a:p>
-            <a:r>
-              <a:rPr lang="en-US" sz="1600" dirty="0"/>
-              <a:t>Suggest Product and Services and compare pricing </a:t>
-            </a:r>
-          </a:p>
-          <a:p>
-            <a:r>
-              <a:rPr lang="en-US" sz="1600" dirty="0"/>
-              <a:t>Ease in searches by providing recommendation that fit’s customer need (Amazon recommends, Auto-fill on Search engines)</a:t>
-            </a:r>
-          </a:p>
-        </p:txBody>
-      </p:sp>
-      <p:pic>
-        <p:nvPicPr>
-          <p:cNvPr id="18" name="Graphic 17" descr="Shopping cart with solid fill">
-            <a:extLst>
-              <a:ext uri="{FF2B5EF4-FFF2-40B4-BE49-F238E27FC236}">
-                <a16:creationId xmlns:a16="http://schemas.microsoft.com/office/drawing/2014/main" id="{52B3EDF0-0287-45DA-A26B-371B42E2B758}"/>
-              </a:ext>
-            </a:extLst>
-          </p:cNvPr>
-          <p:cNvPicPr>
-            <a:picLocks noChangeAspect="1"/>
-          </p:cNvPicPr>
-          <p:nvPr/>
-        </p:nvPicPr>
-        <p:blipFill>
-          <a:blip r:embed="rId8">
-            <a:extLst>
-              <a:ext uri="{96DAC541-7B7A-43D3-8B79-37D633B846F1}">
-                <asvg:svgBlip xmlns:asvg="http://schemas.microsoft.com/office/drawing/2016/SVG/main" r:embed="rId9"/>
-              </a:ext>
-            </a:extLst>
-          </a:blip>
-          <a:stretch>
-            <a:fillRect/>
-          </a:stretch>
-        </p:blipFill>
-        <p:spPr>
-          <a:xfrm>
-            <a:off x="981803" y="4780610"/>
-            <a:ext cx="914400" cy="914400"/>
-          </a:xfrm>
-          <a:prstGeom prst="rect">
-            <a:avLst/>
-          </a:prstGeom>
-        </p:spPr>
-      </p:pic>
-      <p:pic>
-        <p:nvPicPr>
-          <p:cNvPr id="26" name="Graphic 25" descr="Fork In Road outline">
-            <a:extLst>
-              <a:ext uri="{FF2B5EF4-FFF2-40B4-BE49-F238E27FC236}">
-                <a16:creationId xmlns:a16="http://schemas.microsoft.com/office/drawing/2014/main" id="{FE460600-5F85-4BA2-886C-A9C983DC5434}"/>
-              </a:ext>
-            </a:extLst>
-          </p:cNvPr>
-          <p:cNvPicPr>
-            <a:picLocks noChangeAspect="1"/>
-          </p:cNvPicPr>
-          <p:nvPr/>
-        </p:nvPicPr>
-        <p:blipFill>
-          <a:blip r:embed="rId10">
-            <a:extLst>
-              <a:ext uri="{96DAC541-7B7A-43D3-8B79-37D633B846F1}">
-                <asvg:svgBlip xmlns:asvg="http://schemas.microsoft.com/office/drawing/2016/SVG/main" r:embed="rId11"/>
-              </a:ext>
-            </a:extLst>
-          </a:blip>
-          <a:stretch>
-            <a:fillRect/>
-          </a:stretch>
-        </p:blipFill>
-        <p:spPr>
-          <a:xfrm>
-            <a:off x="1439003" y="2724350"/>
-            <a:ext cx="599832" cy="599832"/>
-          </a:xfrm>
-          <a:prstGeom prst="rect">
-            <a:avLst/>
-          </a:prstGeom>
+          <a:extLst>
+            <a:ext uri="{909E8E84-426E-40DD-AFC4-6F175D3DCCD1}">
+              <a14:hiddenFill xmlns:a14="http://schemas.microsoft.com/office/drawing/2010/main">
+                <a:solidFill>
+                  <a:srgbClr val="FFFFFF"/>
+                </a:solidFill>
+              </a14:hiddenFill>
+            </a:ext>
+          </a:extLst>
         </p:spPr>
       </p:pic>
     </p:spTree>
     <p:extLst>
       <p:ext uri="{BB962C8B-B14F-4D97-AF65-F5344CB8AC3E}">
-        <p14:creationId xmlns:p14="http://schemas.microsoft.com/office/powerpoint/2010/main" val="3081733930"/>
+        <p14:creationId xmlns:p14="http://schemas.microsoft.com/office/powerpoint/2010/main" val="4257436882"/>
       </p:ext>
     </p:extLst>
   </p:cSld>
@@ -5491,6 +4314,9 @@
           <a:solidFill>
             <a:srgbClr val="002060"/>
           </a:solidFill>
+          <a:ln>
+            <a:noFill/>
+          </a:ln>
         </p:spPr>
         <p:style>
           <a:lnRef idx="1">
@@ -5516,7 +4342,7 @@
               <a:rPr lang="en-US" b="1" spc="50" dirty="0">
                 <a:ln w="0"/>
                 <a:solidFill>
-                  <a:schemeClr val="bg2"/>
+                  <a:schemeClr val="bg1"/>
                 </a:solidFill>
                 <a:effectLst>
                   <a:innerShdw blurRad="63500" dist="50800" dir="13500000">
@@ -5526,17 +4352,17 @@
                   </a:innerShdw>
                 </a:effectLst>
               </a:rPr>
-              <a:t>Hypothesis Test</a:t>
-            </a:r>
-          </a:p>
-        </p:txBody>
-      </p:sp>
-      <p:sp>
-        <p:nvSpPr>
-          <p:cNvPr id="7" name="TextBox 6">
-            <a:extLst>
-              <a:ext uri="{FF2B5EF4-FFF2-40B4-BE49-F238E27FC236}">
-                <a16:creationId xmlns:a16="http://schemas.microsoft.com/office/drawing/2014/main" id="{BCAB18D2-6C50-4697-ACCB-30E0DF18843C}"/>
+              <a:t>PMF Two Scenarios</a:t>
+            </a:r>
+          </a:p>
+        </p:txBody>
+      </p:sp>
+      <p:sp>
+        <p:nvSpPr>
+          <p:cNvPr id="34" name="TextBox 33">
+            <a:extLst>
+              <a:ext uri="{FF2B5EF4-FFF2-40B4-BE49-F238E27FC236}">
+                <a16:creationId xmlns:a16="http://schemas.microsoft.com/office/drawing/2014/main" id="{5C65E7A6-314E-4449-91B1-59D7CD7887B1}"/>
               </a:ext>
             </a:extLst>
           </p:cNvPr>
@@ -5545,45 +4371,8 @@
         </p:nvSpPr>
         <p:spPr>
           <a:xfrm>
-            <a:off x="441405" y="898590"/>
-            <a:ext cx="11368818" cy="369332"/>
-          </a:xfrm>
-          <a:prstGeom prst="rect">
-            <a:avLst/>
-          </a:prstGeom>
-          <a:noFill/>
-        </p:spPr>
-        <p:txBody>
-          <a:bodyPr wrap="none" rtlCol="0">
-            <a:spAutoFit/>
-          </a:bodyPr>
-          <a:lstStyle/>
-          <a:p>
-            <a:r>
-              <a:rPr lang="en-US" dirty="0">
-                <a:latin typeface="Abadi" panose="020B0604020104020204" pitchFamily="34" charset="0"/>
-              </a:rPr>
-              <a:t>Problems are easier to solve, Work are easily done, People are being connected, Diseases are detected earlier…..</a:t>
-            </a:r>
-          </a:p>
-        </p:txBody>
-      </p:sp>
-      <p:sp>
-        <p:nvSpPr>
-          <p:cNvPr id="22" name="TextBox 21">
-            <a:extLst>
-              <a:ext uri="{FF2B5EF4-FFF2-40B4-BE49-F238E27FC236}">
-                <a16:creationId xmlns:a16="http://schemas.microsoft.com/office/drawing/2014/main" id="{72E2189C-B182-4550-BE72-15D67F96DC57}"/>
-              </a:ext>
-            </a:extLst>
-          </p:cNvPr>
-          <p:cNvSpPr txBox="1"/>
-          <p:nvPr/>
-        </p:nvSpPr>
-        <p:spPr>
-          <a:xfrm>
-            <a:off x="8149389" y="2253784"/>
-            <a:ext cx="2834262" cy="2723823"/>
+            <a:off x="699796" y="5187926"/>
+            <a:ext cx="11328835" cy="923330"/>
           </a:xfrm>
           <a:prstGeom prst="rect">
             <a:avLst/>
@@ -5597,475 +4386,80 @@
           <a:lstStyle/>
           <a:p>
             <a:r>
-              <a:rPr lang="en-US" sz="1050" b="1" dirty="0">
-                <a:solidFill>
-                  <a:schemeClr val="bg1"/>
-                </a:solidFill>
-                <a:latin typeface="Abadi" panose="020B0604020104020204" pitchFamily="34" charset="0"/>
-              </a:rPr>
-              <a:t>Risk and Fraud Management decision (Examples) </a:t>
-            </a:r>
-          </a:p>
-          <a:p>
-            <a:endParaRPr lang="en-US" sz="1050" dirty="0">
-              <a:solidFill>
-                <a:schemeClr val="bg1"/>
-              </a:solidFill>
-              <a:latin typeface="Abadi" panose="020B0604020104020204" pitchFamily="34" charset="0"/>
-            </a:endParaRPr>
-          </a:p>
-          <a:p>
-            <a:pPr marL="171450" indent="-171450">
-              <a:buFont typeface="Wingdings" panose="05000000000000000000" pitchFamily="2" charset="2"/>
-              <a:buChar char="ü"/>
+              <a:rPr lang="en-US" b="1" dirty="0"/>
+              <a:t> </a:t>
+            </a:r>
+          </a:p>
+          <a:p>
+            <a:r>
+              <a:rPr lang="en-US" b="1" dirty="0"/>
+              <a:t>Review Count for Low Rating (&lt;3 stars) and High Rating (&gt;3 stars) Restaurant and Food Businesses in Yelp</a:t>
+            </a:r>
+            <a:endParaRPr lang="en-US" dirty="0"/>
+          </a:p>
+          <a:p>
+            <a:pPr marL="285750" indent="-285750">
+              <a:buFontTx/>
+              <a:buChar char="-"/>
             </a:pPr>
             <a:r>
-              <a:rPr lang="en-US" sz="1050" dirty="0">
-                <a:solidFill>
-                  <a:schemeClr val="bg1"/>
-                </a:solidFill>
-                <a:latin typeface="Abadi" panose="020B0604020104020204" pitchFamily="34" charset="0"/>
-              </a:rPr>
-              <a:t>Reporting, Alerting and Notification System </a:t>
-            </a:r>
-          </a:p>
-          <a:p>
-            <a:pPr marL="171450" indent="-171450">
-              <a:buFont typeface="Wingdings" panose="05000000000000000000" pitchFamily="2" charset="2"/>
-              <a:buChar char="ü"/>
-            </a:pPr>
-            <a:endParaRPr lang="en-US" sz="1050" dirty="0">
-              <a:solidFill>
-                <a:schemeClr val="bg1"/>
-              </a:solidFill>
-              <a:latin typeface="Abadi" panose="020B0604020104020204" pitchFamily="34" charset="0"/>
-            </a:endParaRPr>
-          </a:p>
-          <a:p>
-            <a:pPr marL="171450" indent="-171450">
-              <a:buFont typeface="Wingdings" panose="05000000000000000000" pitchFamily="2" charset="2"/>
-              <a:buChar char="ü"/>
-            </a:pPr>
-            <a:r>
-              <a:rPr lang="en-US" sz="1050" dirty="0">
-                <a:solidFill>
-                  <a:schemeClr val="bg1"/>
-                </a:solidFill>
-                <a:latin typeface="Abadi" panose="020B0604020104020204" pitchFamily="34" charset="0"/>
-              </a:rPr>
-              <a:t>Monitoring Application</a:t>
-            </a:r>
-          </a:p>
-          <a:p>
-            <a:endParaRPr lang="en-US" sz="1050" dirty="0">
-              <a:solidFill>
-                <a:schemeClr val="bg1"/>
-              </a:solidFill>
-              <a:latin typeface="Abadi" panose="020B0604020104020204" pitchFamily="34" charset="0"/>
-            </a:endParaRPr>
-          </a:p>
-          <a:p>
-            <a:pPr marL="171450" indent="-171450">
-              <a:buFont typeface="Wingdings" panose="05000000000000000000" pitchFamily="2" charset="2"/>
-              <a:buChar char="ü"/>
-            </a:pPr>
-            <a:r>
-              <a:rPr lang="en-US" sz="1050" dirty="0">
-                <a:solidFill>
-                  <a:schemeClr val="bg1"/>
-                </a:solidFill>
-                <a:latin typeface="Abadi" panose="020B0604020104020204" pitchFamily="34" charset="0"/>
-              </a:rPr>
-              <a:t>Automated Case Management </a:t>
-            </a:r>
-          </a:p>
-          <a:p>
-            <a:endParaRPr lang="en-US" sz="1050" dirty="0">
-              <a:solidFill>
-                <a:schemeClr val="bg1"/>
-              </a:solidFill>
-              <a:latin typeface="Abadi" panose="020B0604020104020204" pitchFamily="34" charset="0"/>
-            </a:endParaRPr>
-          </a:p>
-          <a:p>
-            <a:pPr marL="171450" indent="-171450">
-              <a:buFont typeface="Wingdings" panose="05000000000000000000" pitchFamily="2" charset="2"/>
-              <a:buChar char="ü"/>
-            </a:pPr>
-            <a:r>
-              <a:rPr lang="en-US" sz="1050" dirty="0">
-                <a:solidFill>
-                  <a:schemeClr val="bg1"/>
-                </a:solidFill>
-                <a:latin typeface="Abadi" panose="020B0604020104020204" pitchFamily="34" charset="0"/>
-              </a:rPr>
-              <a:t>Reduction of False Positive when identifying fraud</a:t>
-            </a:r>
-          </a:p>
-          <a:p>
-            <a:endParaRPr lang="en-US" sz="1050" dirty="0">
-              <a:solidFill>
-                <a:schemeClr val="bg1"/>
-              </a:solidFill>
-              <a:latin typeface="Abadi" panose="020B0604020104020204" pitchFamily="34" charset="0"/>
-            </a:endParaRPr>
-          </a:p>
-          <a:p>
-            <a:pPr marL="171450" indent="-171450">
-              <a:buFont typeface="Wingdings" panose="05000000000000000000" pitchFamily="2" charset="2"/>
-              <a:buChar char="ü"/>
-            </a:pPr>
-            <a:r>
-              <a:rPr lang="en-US" sz="1050" dirty="0">
-                <a:solidFill>
-                  <a:schemeClr val="bg1"/>
-                </a:solidFill>
-                <a:latin typeface="Abadi" panose="020B0604020104020204" pitchFamily="34" charset="0"/>
-              </a:rPr>
-              <a:t>Influence Security Applications</a:t>
-            </a:r>
-          </a:p>
-          <a:p>
-            <a:endParaRPr lang="en-US" sz="1050" b="1" dirty="0">
-              <a:solidFill>
-                <a:schemeClr val="bg1"/>
-              </a:solidFill>
-            </a:endParaRPr>
-          </a:p>
-          <a:p>
-            <a:endParaRPr lang="en-US" sz="1200" b="1" dirty="0">
-              <a:solidFill>
-                <a:schemeClr val="bg1"/>
-              </a:solidFill>
-            </a:endParaRPr>
-          </a:p>
-          <a:p>
-            <a:pPr marL="171450" indent="-171450">
-              <a:buFont typeface="Wingdings" panose="05000000000000000000" pitchFamily="2" charset="2"/>
-              <a:buChar char="ü"/>
-            </a:pPr>
-            <a:endParaRPr lang="en-US" sz="1200" b="1" dirty="0">
-              <a:solidFill>
-                <a:schemeClr val="bg1"/>
-              </a:solidFill>
-            </a:endParaRPr>
+              <a:rPr lang="en-US" dirty="0"/>
+              <a:t>PMF shows that more low rating stars have less frequent reviews compare to High rating businesses.</a:t>
+            </a:r>
           </a:p>
         </p:txBody>
       </p:sp>
       <p:pic>
         <p:nvPicPr>
-          <p:cNvPr id="8" name="Graphic 7" descr="Doctor female with solid fill">
-            <a:extLst>
-              <a:ext uri="{FF2B5EF4-FFF2-40B4-BE49-F238E27FC236}">
-                <a16:creationId xmlns:a16="http://schemas.microsoft.com/office/drawing/2014/main" id="{C8BE2C0F-9251-48FE-AE61-C86C26A15420}"/>
+          <p:cNvPr id="3074" name="Picture 2">
+            <a:extLst>
+              <a:ext uri="{FF2B5EF4-FFF2-40B4-BE49-F238E27FC236}">
+                <a16:creationId xmlns:a16="http://schemas.microsoft.com/office/drawing/2014/main" id="{2E14294F-1C55-F741-4230-9993B84CCFC4}"/>
               </a:ext>
             </a:extLst>
           </p:cNvPr>
           <p:cNvPicPr>
-            <a:picLocks noChangeAspect="1"/>
+            <a:picLocks noChangeAspect="1" noChangeArrowheads="1"/>
           </p:cNvPicPr>
           <p:nvPr/>
         </p:nvPicPr>
         <p:blipFill>
           <a:blip r:embed="rId2">
             <a:extLst>
-              <a:ext uri="{96DAC541-7B7A-43D3-8B79-37D633B846F1}">
-                <asvg:svgBlip xmlns:asvg="http://schemas.microsoft.com/office/drawing/2016/SVG/main" r:embed="rId3"/>
+              <a:ext uri="{28A0092B-C50C-407E-A947-70E740481C1C}">
+                <a14:useLocalDpi xmlns:a14="http://schemas.microsoft.com/office/drawing/2010/main" val="0"/>
               </a:ext>
             </a:extLst>
           </a:blip>
+          <a:srcRect/>
           <a:stretch>
             <a:fillRect/>
           </a:stretch>
         </p:blipFill>
-        <p:spPr>
-          <a:xfrm>
-            <a:off x="1092200" y="1353537"/>
-            <a:ext cx="914400" cy="914400"/>
+        <p:spPr bwMode="auto">
+          <a:xfrm>
+            <a:off x="1763486" y="781715"/>
+            <a:ext cx="8495425" cy="4401344"/>
           </a:xfrm>
           <a:prstGeom prst="rect">
             <a:avLst/>
           </a:prstGeom>
-        </p:spPr>
-      </p:pic>
-      <p:pic>
-        <p:nvPicPr>
-          <p:cNvPr id="10" name="Graphic 9" descr="Travel outline">
-            <a:extLst>
-              <a:ext uri="{FF2B5EF4-FFF2-40B4-BE49-F238E27FC236}">
-                <a16:creationId xmlns:a16="http://schemas.microsoft.com/office/drawing/2014/main" id="{8110D858-97C2-422D-A0AF-AE777C140077}"/>
-              </a:ext>
-            </a:extLst>
-          </p:cNvPr>
-          <p:cNvPicPr>
-            <a:picLocks noChangeAspect="1"/>
-          </p:cNvPicPr>
-          <p:nvPr/>
-        </p:nvPicPr>
-        <p:blipFill>
-          <a:blip r:embed="rId4">
-            <a:extLst>
-              <a:ext uri="{96DAC541-7B7A-43D3-8B79-37D633B846F1}">
-                <asvg:svgBlip xmlns:asvg="http://schemas.microsoft.com/office/drawing/2016/SVG/main" r:embed="rId5"/>
-              </a:ext>
-            </a:extLst>
-          </a:blip>
-          <a:stretch>
-            <a:fillRect/>
-          </a:stretch>
-        </p:blipFill>
-        <p:spPr>
-          <a:xfrm>
-            <a:off x="887598" y="2511933"/>
-            <a:ext cx="724323" cy="724323"/>
-          </a:xfrm>
-          <a:prstGeom prst="rect">
-            <a:avLst/>
-          </a:prstGeom>
-        </p:spPr>
-      </p:pic>
-      <p:pic>
-        <p:nvPicPr>
-          <p:cNvPr id="13" name="Graphic 12" descr="Connections outline">
-            <a:extLst>
-              <a:ext uri="{FF2B5EF4-FFF2-40B4-BE49-F238E27FC236}">
-                <a16:creationId xmlns:a16="http://schemas.microsoft.com/office/drawing/2014/main" id="{C44594B5-56C0-475D-9833-FF6C66F67D8C}"/>
-              </a:ext>
-            </a:extLst>
-          </p:cNvPr>
-          <p:cNvPicPr>
-            <a:picLocks noChangeAspect="1"/>
-          </p:cNvPicPr>
-          <p:nvPr/>
-        </p:nvPicPr>
-        <p:blipFill>
-          <a:blip r:embed="rId6">
-            <a:extLst>
-              <a:ext uri="{96DAC541-7B7A-43D3-8B79-37D633B846F1}">
-                <asvg:svgBlip xmlns:asvg="http://schemas.microsoft.com/office/drawing/2016/SVG/main" r:embed="rId7"/>
-              </a:ext>
-            </a:extLst>
-          </a:blip>
-          <a:stretch>
-            <a:fillRect/>
-          </a:stretch>
-        </p:blipFill>
-        <p:spPr>
-          <a:xfrm>
-            <a:off x="1023865" y="3565867"/>
-            <a:ext cx="914400" cy="914400"/>
-          </a:xfrm>
-          <a:prstGeom prst="rect">
-            <a:avLst/>
-          </a:prstGeom>
-        </p:spPr>
-      </p:pic>
-      <p:sp>
-        <p:nvSpPr>
-          <p:cNvPr id="14" name="TextBox 13">
-            <a:extLst>
-              <a:ext uri="{FF2B5EF4-FFF2-40B4-BE49-F238E27FC236}">
-                <a16:creationId xmlns:a16="http://schemas.microsoft.com/office/drawing/2014/main" id="{17783C9B-929E-4970-9A69-9A2F2E3AD666}"/>
-              </a:ext>
-            </a:extLst>
-          </p:cNvPr>
-          <p:cNvSpPr txBox="1"/>
-          <p:nvPr/>
-        </p:nvSpPr>
-        <p:spPr>
-          <a:xfrm>
-            <a:off x="2207126" y="1353537"/>
-            <a:ext cx="9256295" cy="4524315"/>
-          </a:xfrm>
-          <a:prstGeom prst="rect">
-            <a:avLst/>
-          </a:prstGeom>
           <a:noFill/>
-        </p:spPr>
-        <p:txBody>
-          <a:bodyPr wrap="square" rtlCol="0">
-            <a:spAutoFit/>
-          </a:bodyPr>
-          <a:lstStyle/>
-          <a:p>
-            <a:r>
-              <a:rPr lang="en-US" sz="1600" b="1" dirty="0"/>
-              <a:t>Medical and Healthcare</a:t>
-            </a:r>
-          </a:p>
-          <a:p>
-            <a:r>
-              <a:rPr lang="en-US" sz="1600" dirty="0"/>
-              <a:t>Faster Diagnosis using known medical information and captured patient data</a:t>
-            </a:r>
-          </a:p>
-          <a:p>
-            <a:r>
-              <a:rPr lang="en-US" sz="1600" dirty="0"/>
-              <a:t>Recommendation on treatments where effectiveness are backed by data </a:t>
-            </a:r>
-          </a:p>
-          <a:p>
-            <a:r>
-              <a:rPr lang="en-US" sz="1600" dirty="0"/>
-              <a:t>Improve hospitals and healthcare facilities services</a:t>
-            </a:r>
-          </a:p>
-          <a:p>
-            <a:endParaRPr lang="en-US" sz="1600" dirty="0"/>
-          </a:p>
-          <a:p>
-            <a:r>
-              <a:rPr lang="en-US" sz="1600" b="1" dirty="0"/>
-              <a:t>Travel and Logistics</a:t>
-            </a:r>
-          </a:p>
-          <a:p>
-            <a:r>
-              <a:rPr lang="en-US" sz="1600" dirty="0"/>
-              <a:t>Improve Travel by recommending routes base on real-time situations (weather, events, roadside accidents)</a:t>
-            </a:r>
-          </a:p>
-          <a:p>
-            <a:r>
-              <a:rPr lang="en-US" sz="1600" dirty="0"/>
-              <a:t>Optimize Delivery routes that guarantee customer satisfaction and lower delivery cost</a:t>
-            </a:r>
-          </a:p>
-          <a:p>
-            <a:endParaRPr lang="en-US" sz="1600" dirty="0"/>
-          </a:p>
-          <a:p>
-            <a:r>
-              <a:rPr lang="en-US" sz="1600" b="1" dirty="0"/>
-              <a:t>Social Media</a:t>
-            </a:r>
-          </a:p>
-          <a:p>
-            <a:r>
-              <a:rPr lang="en-US" sz="1600" dirty="0"/>
-              <a:t>Connecting people with the same likes, background, and acquaintances (Facebook, Instagram, </a:t>
-            </a:r>
-            <a:r>
-              <a:rPr lang="en-US" sz="1600" dirty="0" err="1"/>
-              <a:t>Linkedin</a:t>
-            </a:r>
-            <a:r>
-              <a:rPr lang="en-US" sz="1600" dirty="0"/>
-              <a:t>) </a:t>
-            </a:r>
-          </a:p>
-          <a:p>
-            <a:r>
-              <a:rPr lang="en-US" sz="1600" dirty="0"/>
-              <a:t>Builds community, group and organization with shared ideas and common goals</a:t>
-            </a:r>
-          </a:p>
-          <a:p>
-            <a:endParaRPr lang="en-US" sz="1600" dirty="0"/>
-          </a:p>
-          <a:p>
-            <a:r>
-              <a:rPr lang="en-US" sz="1600" b="1" dirty="0"/>
-              <a:t>Users Experience</a:t>
-            </a:r>
-          </a:p>
-          <a:p>
-            <a:r>
-              <a:rPr lang="en-US" sz="1600" dirty="0"/>
-              <a:t>Personalize customer experiences</a:t>
-            </a:r>
-          </a:p>
-          <a:p>
-            <a:r>
-              <a:rPr lang="en-US" sz="1600" dirty="0"/>
-              <a:t>Suggest Product and Services and compare pricing </a:t>
-            </a:r>
-          </a:p>
-          <a:p>
-            <a:r>
-              <a:rPr lang="en-US" sz="1600" dirty="0"/>
-              <a:t>Ease in searches by providing recommendation that fit’s customer need (Amazon recommends, Auto-fill on Search engines)</a:t>
-            </a:r>
-          </a:p>
-        </p:txBody>
-      </p:sp>
-      <p:pic>
-        <p:nvPicPr>
-          <p:cNvPr id="18" name="Graphic 17" descr="Shopping cart with solid fill">
-            <a:extLst>
-              <a:ext uri="{FF2B5EF4-FFF2-40B4-BE49-F238E27FC236}">
-                <a16:creationId xmlns:a16="http://schemas.microsoft.com/office/drawing/2014/main" id="{52B3EDF0-0287-45DA-A26B-371B42E2B758}"/>
-              </a:ext>
-            </a:extLst>
-          </p:cNvPr>
-          <p:cNvPicPr>
-            <a:picLocks noChangeAspect="1"/>
-          </p:cNvPicPr>
-          <p:nvPr/>
-        </p:nvPicPr>
-        <p:blipFill>
-          <a:blip r:embed="rId8">
-            <a:extLst>
-              <a:ext uri="{96DAC541-7B7A-43D3-8B79-37D633B846F1}">
-                <asvg:svgBlip xmlns:asvg="http://schemas.microsoft.com/office/drawing/2016/SVG/main" r:embed="rId9"/>
-              </a:ext>
-            </a:extLst>
-          </a:blip>
-          <a:stretch>
-            <a:fillRect/>
-          </a:stretch>
-        </p:blipFill>
-        <p:spPr>
-          <a:xfrm>
-            <a:off x="981803" y="4780610"/>
-            <a:ext cx="914400" cy="914400"/>
-          </a:xfrm>
-          <a:prstGeom prst="rect">
-            <a:avLst/>
-          </a:prstGeom>
-        </p:spPr>
-      </p:pic>
-      <p:pic>
-        <p:nvPicPr>
-          <p:cNvPr id="26" name="Graphic 25" descr="Fork In Road outline">
-            <a:extLst>
-              <a:ext uri="{FF2B5EF4-FFF2-40B4-BE49-F238E27FC236}">
-                <a16:creationId xmlns:a16="http://schemas.microsoft.com/office/drawing/2014/main" id="{FE460600-5F85-4BA2-886C-A9C983DC5434}"/>
-              </a:ext>
-            </a:extLst>
-          </p:cNvPr>
-          <p:cNvPicPr>
-            <a:picLocks noChangeAspect="1"/>
-          </p:cNvPicPr>
-          <p:nvPr/>
-        </p:nvPicPr>
-        <p:blipFill>
-          <a:blip r:embed="rId10">
-            <a:extLst>
-              <a:ext uri="{96DAC541-7B7A-43D3-8B79-37D633B846F1}">
-                <asvg:svgBlip xmlns:asvg="http://schemas.microsoft.com/office/drawing/2016/SVG/main" r:embed="rId11"/>
-              </a:ext>
-            </a:extLst>
-          </a:blip>
-          <a:stretch>
-            <a:fillRect/>
-          </a:stretch>
-        </p:blipFill>
-        <p:spPr>
-          <a:xfrm>
-            <a:off x="1439003" y="2724350"/>
-            <a:ext cx="599832" cy="599832"/>
-          </a:xfrm>
-          <a:prstGeom prst="rect">
-            <a:avLst/>
-          </a:prstGeom>
+          <a:extLst>
+            <a:ext uri="{909E8E84-426E-40DD-AFC4-6F175D3DCCD1}">
+              <a14:hiddenFill xmlns:a14="http://schemas.microsoft.com/office/drawing/2010/main">
+                <a:solidFill>
+                  <a:srgbClr val="FFFFFF"/>
+                </a:solidFill>
+              </a14:hiddenFill>
+            </a:ext>
+          </a:extLst>
         </p:spPr>
       </p:pic>
     </p:spTree>
     <p:extLst>
       <p:ext uri="{BB962C8B-B14F-4D97-AF65-F5344CB8AC3E}">
-        <p14:creationId xmlns:p14="http://schemas.microsoft.com/office/powerpoint/2010/main" val="1372879902"/>
+        <p14:creationId xmlns:p14="http://schemas.microsoft.com/office/powerpoint/2010/main" val="1654808024"/>
       </p:ext>
     </p:extLst>
   </p:cSld>
@@ -6138,7 +4532,7 @@
         </p:nvSpPr>
         <p:spPr>
           <a:xfrm>
-            <a:off x="256674" y="160552"/>
+            <a:off x="256674" y="231282"/>
             <a:ext cx="11493921" cy="369332"/>
           </a:xfrm>
           <a:prstGeom prst="rect">
@@ -6147,6 +4541,9 @@
           <a:solidFill>
             <a:srgbClr val="002060"/>
           </a:solidFill>
+          <a:ln>
+            <a:noFill/>
+          </a:ln>
         </p:spPr>
         <p:style>
           <a:lnRef idx="1">
@@ -6172,7 +4569,7 @@
               <a:rPr lang="en-US" b="1" spc="50" dirty="0">
                 <a:ln w="0"/>
                 <a:solidFill>
-                  <a:schemeClr val="bg2"/>
+                  <a:schemeClr val="bg1"/>
                 </a:solidFill>
                 <a:effectLst>
                   <a:innerShdw blurRad="63500" dist="50800" dir="13500000">
@@ -6182,17 +4579,69 @@
                   </a:innerShdw>
                 </a:effectLst>
               </a:rPr>
-              <a:t>Regression Analysis</a:t>
-            </a:r>
-          </a:p>
-        </p:txBody>
-      </p:sp>
-      <p:sp>
-        <p:nvSpPr>
-          <p:cNvPr id="6" name="TextBox 5">
-            <a:extLst>
-              <a:ext uri="{FF2B5EF4-FFF2-40B4-BE49-F238E27FC236}">
-                <a16:creationId xmlns:a16="http://schemas.microsoft.com/office/drawing/2014/main" id="{74B9C796-15A8-487E-865A-4C280C0C2CD0}"/>
+              <a:t>CDF</a:t>
+            </a:r>
+          </a:p>
+        </p:txBody>
+      </p:sp>
+      <p:sp>
+        <p:nvSpPr>
+          <p:cNvPr id="29" name="Rectangle 28">
+            <a:extLst>
+              <a:ext uri="{FF2B5EF4-FFF2-40B4-BE49-F238E27FC236}">
+                <a16:creationId xmlns:a16="http://schemas.microsoft.com/office/drawing/2014/main" id="{5B88C625-67F1-4677-B918-4E6BE60E0D9E}"/>
+              </a:ext>
+            </a:extLst>
+          </p:cNvPr>
+          <p:cNvSpPr/>
+          <p:nvPr/>
+        </p:nvSpPr>
+        <p:spPr>
+          <a:xfrm>
+            <a:off x="5306938" y="635161"/>
+            <a:ext cx="6443657" cy="5758621"/>
+          </a:xfrm>
+          <a:prstGeom prst="rect">
+            <a:avLst/>
+          </a:prstGeom>
+          <a:solidFill>
+            <a:srgbClr val="002060"/>
+          </a:solidFill>
+          <a:ln>
+            <a:noFill/>
+          </a:ln>
+        </p:spPr>
+        <p:style>
+          <a:lnRef idx="2">
+            <a:schemeClr val="accent1">
+              <a:shade val="50000"/>
+            </a:schemeClr>
+          </a:lnRef>
+          <a:fillRef idx="1">
+            <a:schemeClr val="accent1"/>
+          </a:fillRef>
+          <a:effectRef idx="0">
+            <a:schemeClr val="accent1"/>
+          </a:effectRef>
+          <a:fontRef idx="minor">
+            <a:schemeClr val="lt1"/>
+          </a:fontRef>
+        </p:style>
+        <p:txBody>
+          <a:bodyPr rtlCol="0" anchor="ctr"/>
+          <a:lstStyle/>
+          <a:p>
+            <a:pPr algn="ctr"/>
+            <a:endParaRPr lang="en-US" dirty="0"/>
+          </a:p>
+        </p:txBody>
+      </p:sp>
+      <p:sp>
+        <p:nvSpPr>
+          <p:cNvPr id="34" name="TextBox 33">
+            <a:extLst>
+              <a:ext uri="{FF2B5EF4-FFF2-40B4-BE49-F238E27FC236}">
+                <a16:creationId xmlns:a16="http://schemas.microsoft.com/office/drawing/2014/main" id="{5C65E7A6-314E-4449-91B1-59D7CD7887B1}"/>
               </a:ext>
             </a:extLst>
           </p:cNvPr>
@@ -6201,8 +4650,8 @@
         </p:nvSpPr>
         <p:spPr>
           <a:xfrm>
-            <a:off x="441405" y="1059873"/>
-            <a:ext cx="11309190" cy="4524315"/>
+            <a:off x="349039" y="714237"/>
+            <a:ext cx="5050264" cy="3139321"/>
           </a:xfrm>
           <a:prstGeom prst="rect">
             <a:avLst/>
@@ -6215,122 +4664,110 @@
           </a:bodyPr>
           <a:lstStyle/>
           <a:p>
-            <a:pPr marL="285750" indent="-285750">
-              <a:buFont typeface="Wingdings" panose="05000000000000000000" pitchFamily="2" charset="2"/>
-              <a:buChar char="ü"/>
-            </a:pPr>
-            <a:r>
-              <a:rPr lang="en-US" dirty="0">
-                <a:latin typeface="Abadi" panose="020B0604020104020204" pitchFamily="34" charset="0"/>
-              </a:rPr>
-              <a:t>Prediction and Forecast Future based on the company’s data assets in a combination of other relevant business data domain =“New Data”</a:t>
-            </a:r>
-          </a:p>
-          <a:p>
-            <a:endParaRPr lang="en-US" dirty="0">
-              <a:latin typeface="Abadi" panose="020B0604020104020204" pitchFamily="34" charset="0"/>
-            </a:endParaRPr>
-          </a:p>
-          <a:p>
-            <a:pPr marL="285750" indent="-285750">
-              <a:buFont typeface="Wingdings" panose="05000000000000000000" pitchFamily="2" charset="2"/>
-              <a:buChar char="ü"/>
-            </a:pPr>
-            <a:r>
-              <a:rPr lang="en-US" dirty="0">
-                <a:latin typeface="Abadi" panose="020B0604020104020204" pitchFamily="34" charset="0"/>
-              </a:rPr>
-              <a:t>Delivers models that can be used to predict real-time scenarios that can improve user experience.</a:t>
-            </a:r>
-          </a:p>
-          <a:p>
-            <a:endParaRPr lang="en-US" dirty="0">
-              <a:latin typeface="Abadi" panose="020B0604020104020204" pitchFamily="34" charset="0"/>
-            </a:endParaRPr>
-          </a:p>
-          <a:p>
-            <a:pPr marL="285750" indent="-285750">
-              <a:buFont typeface="Wingdings" panose="05000000000000000000" pitchFamily="2" charset="2"/>
-              <a:buChar char="ü"/>
-            </a:pPr>
-            <a:r>
-              <a:rPr lang="en-US" dirty="0">
-                <a:latin typeface="Abadi" panose="020B0604020104020204" pitchFamily="34" charset="0"/>
-              </a:rPr>
-              <a:t>Capabilities in looking at a wide range of business operations and discover unknown unknown allowing focus on areas with potential risk and failures before it happens.  </a:t>
-            </a:r>
-          </a:p>
-          <a:p>
-            <a:endParaRPr lang="en-US" dirty="0">
-              <a:latin typeface="Abadi" panose="020B0604020104020204" pitchFamily="34" charset="0"/>
-            </a:endParaRPr>
-          </a:p>
-          <a:p>
-            <a:pPr marL="285750" indent="-285750">
-              <a:buFont typeface="Wingdings" panose="05000000000000000000" pitchFamily="2" charset="2"/>
-              <a:buChar char="ü"/>
-            </a:pPr>
-            <a:r>
-              <a:rPr lang="en-US" dirty="0">
-                <a:latin typeface="Abadi" panose="020B0604020104020204" pitchFamily="34" charset="0"/>
-              </a:rPr>
-              <a:t>Scale up the data analytics and reporting by looking at a larger volume and variety of datasets (Big Data) with the use of technology.</a:t>
-            </a:r>
-          </a:p>
-          <a:p>
-            <a:pPr marL="285750" indent="-285750">
-              <a:buFont typeface="Wingdings" panose="05000000000000000000" pitchFamily="2" charset="2"/>
-              <a:buChar char="ü"/>
-            </a:pPr>
-            <a:endParaRPr lang="en-US" dirty="0">
-              <a:latin typeface="Abadi" panose="020B0604020104020204" pitchFamily="34" charset="0"/>
-            </a:endParaRPr>
-          </a:p>
-          <a:p>
-            <a:pPr marL="285750" indent="-285750">
-              <a:buFont typeface="Wingdings" panose="05000000000000000000" pitchFamily="2" charset="2"/>
-              <a:buChar char="ü"/>
-            </a:pPr>
-            <a:r>
-              <a:rPr lang="en-US" dirty="0">
-                <a:latin typeface="Abadi" panose="020B0604020104020204" pitchFamily="34" charset="0"/>
-              </a:rPr>
-              <a:t>Develop new capabilities by innovating products and services backed by customer data.</a:t>
-            </a:r>
-          </a:p>
-          <a:p>
-            <a:endParaRPr lang="en-US" dirty="0">
-              <a:latin typeface="Abadi" panose="020B0604020104020204" pitchFamily="34" charset="0"/>
-            </a:endParaRPr>
-          </a:p>
-          <a:p>
-            <a:pPr marL="285750" indent="-285750">
-              <a:buFont typeface="Wingdings" panose="05000000000000000000" pitchFamily="2" charset="2"/>
-              <a:buChar char="ü"/>
-            </a:pPr>
-            <a:r>
-              <a:rPr lang="en-US" dirty="0">
-                <a:latin typeface="Abadi" panose="020B0604020104020204" pitchFamily="34" charset="0"/>
-              </a:rPr>
-              <a:t>Learn and Improve with wide range of new solutions with predicted best-case outcomes.</a:t>
-            </a:r>
-          </a:p>
-          <a:p>
-            <a:endParaRPr lang="en-US" dirty="0">
-              <a:latin typeface="Abadi" panose="020B0604020104020204" pitchFamily="34" charset="0"/>
-            </a:endParaRPr>
-          </a:p>
-          <a:p>
-            <a:endParaRPr lang="en-US" dirty="0">
-              <a:latin typeface="Abadi" panose="020B0604020104020204" pitchFamily="34" charset="0"/>
-            </a:endParaRPr>
-          </a:p>
-        </p:txBody>
-      </p:sp>
+            <a:endParaRPr lang="en-US" dirty="0"/>
+          </a:p>
+          <a:p>
+            <a:r>
+              <a:rPr lang="en-US" dirty="0"/>
+              <a:t>CDF of open restaurant/food businesses has  more average star rating (2.5-3.0) compared to those that were closed. Closed businesses has an increased percentage on medium high (4-4.5) ratings. Both Open and Close businesses have close to same CDF on high star rating (5). </a:t>
+            </a:r>
+          </a:p>
+          <a:p>
+            <a:endParaRPr lang="en-US" dirty="0"/>
+          </a:p>
+          <a:p>
+            <a:r>
+              <a:rPr lang="en-US" dirty="0"/>
+              <a:t>This shows that there are other variables that can influence the outcome of a restaurant besides the star rating. </a:t>
+            </a:r>
+          </a:p>
+        </p:txBody>
+      </p:sp>
+      <p:grpSp>
+        <p:nvGrpSpPr>
+          <p:cNvPr id="20" name="Group 19">
+            <a:extLst>
+              <a:ext uri="{FF2B5EF4-FFF2-40B4-BE49-F238E27FC236}">
+                <a16:creationId xmlns:a16="http://schemas.microsoft.com/office/drawing/2014/main" id="{F089E3F1-C9A7-7BB6-FF72-83A3F450A085}"/>
+              </a:ext>
+            </a:extLst>
+          </p:cNvPr>
+          <p:cNvGrpSpPr/>
+          <p:nvPr/>
+        </p:nvGrpSpPr>
+        <p:grpSpPr>
+          <a:xfrm>
+            <a:off x="6003634" y="1405903"/>
+            <a:ext cx="5418290" cy="3299746"/>
+            <a:chOff x="6003634" y="1405903"/>
+            <a:chExt cx="5418290" cy="3299746"/>
+          </a:xfrm>
+        </p:grpSpPr>
+        <p:pic>
+          <p:nvPicPr>
+            <p:cNvPr id="17" name="Picture 16">
+              <a:extLst>
+                <a:ext uri="{FF2B5EF4-FFF2-40B4-BE49-F238E27FC236}">
+                  <a16:creationId xmlns:a16="http://schemas.microsoft.com/office/drawing/2014/main" id="{8C9FAC33-1C38-386A-2346-9D7A00872A6F}"/>
+                </a:ext>
+              </a:extLst>
+            </p:cNvPr>
+            <p:cNvPicPr>
+              <a:picLocks noChangeAspect="1"/>
+            </p:cNvPicPr>
+            <p:nvPr/>
+          </p:nvPicPr>
+          <p:blipFill>
+            <a:blip r:embed="rId2"/>
+            <a:stretch>
+              <a:fillRect/>
+            </a:stretch>
+          </p:blipFill>
+          <p:spPr>
+            <a:xfrm>
+              <a:off x="6003634" y="1405903"/>
+              <a:ext cx="5418290" cy="3299746"/>
+            </a:xfrm>
+            <a:prstGeom prst="rect">
+              <a:avLst/>
+            </a:prstGeom>
+          </p:spPr>
+        </p:pic>
+        <p:pic>
+          <p:nvPicPr>
+            <p:cNvPr id="19" name="Picture 18">
+              <a:extLst>
+                <a:ext uri="{FF2B5EF4-FFF2-40B4-BE49-F238E27FC236}">
+                  <a16:creationId xmlns:a16="http://schemas.microsoft.com/office/drawing/2014/main" id="{160B0A1F-0517-D6AC-72D8-A892BE68DB61}"/>
+                </a:ext>
+              </a:extLst>
+            </p:cNvPr>
+            <p:cNvPicPr>
+              <a:picLocks noChangeAspect="1"/>
+            </p:cNvPicPr>
+            <p:nvPr/>
+          </p:nvPicPr>
+          <p:blipFill>
+            <a:blip r:embed="rId3"/>
+            <a:stretch>
+              <a:fillRect/>
+            </a:stretch>
+          </p:blipFill>
+          <p:spPr>
+            <a:xfrm>
+              <a:off x="6667079" y="1607337"/>
+              <a:ext cx="723963" cy="396274"/>
+            </a:xfrm>
+            <a:prstGeom prst="rect">
+              <a:avLst/>
+            </a:prstGeom>
+          </p:spPr>
+        </p:pic>
+      </p:grpSp>
     </p:spTree>
     <p:extLst>
       <p:ext uri="{BB962C8B-B14F-4D97-AF65-F5344CB8AC3E}">
-        <p14:creationId xmlns:p14="http://schemas.microsoft.com/office/powerpoint/2010/main" val="3989556334"/>
+        <p14:creationId xmlns:p14="http://schemas.microsoft.com/office/powerpoint/2010/main" val="74792504"/>
       </p:ext>
     </p:extLst>
   </p:cSld>
@@ -6403,7 +4840,7 @@
         </p:nvSpPr>
         <p:spPr>
           <a:xfrm>
-            <a:off x="256674" y="160552"/>
+            <a:off x="323913" y="153195"/>
             <a:ext cx="11493921" cy="369332"/>
           </a:xfrm>
           <a:prstGeom prst="rect">
@@ -6412,6 +4849,9 @@
           <a:solidFill>
             <a:srgbClr val="002060"/>
           </a:solidFill>
+          <a:ln>
+            <a:noFill/>
+          </a:ln>
         </p:spPr>
         <p:style>
           <a:lnRef idx="1">
@@ -6437,6 +4877,1546 @@
               <a:rPr lang="en-US" b="1" spc="50" dirty="0">
                 <a:ln w="0"/>
                 <a:solidFill>
+                  <a:schemeClr val="bg1"/>
+                </a:solidFill>
+                <a:effectLst>
+                  <a:innerShdw blurRad="63500" dist="50800" dir="13500000">
+                    <a:srgbClr val="000000">
+                      <a:alpha val="50000"/>
+                    </a:srgbClr>
+                  </a:innerShdw>
+                </a:effectLst>
+              </a:rPr>
+              <a:t>Analytical Distribution</a:t>
+            </a:r>
+          </a:p>
+        </p:txBody>
+      </p:sp>
+      <p:sp>
+        <p:nvSpPr>
+          <p:cNvPr id="29" name="Rectangle 28">
+            <a:extLst>
+              <a:ext uri="{FF2B5EF4-FFF2-40B4-BE49-F238E27FC236}">
+                <a16:creationId xmlns:a16="http://schemas.microsoft.com/office/drawing/2014/main" id="{5B88C625-67F1-4677-B918-4E6BE60E0D9E}"/>
+              </a:ext>
+            </a:extLst>
+          </p:cNvPr>
+          <p:cNvSpPr/>
+          <p:nvPr/>
+        </p:nvSpPr>
+        <p:spPr>
+          <a:xfrm>
+            <a:off x="373224" y="529885"/>
+            <a:ext cx="11377371" cy="5339070"/>
+          </a:xfrm>
+          <a:prstGeom prst="rect">
+            <a:avLst/>
+          </a:prstGeom>
+          <a:solidFill>
+            <a:srgbClr val="002060"/>
+          </a:solidFill>
+          <a:ln>
+            <a:noFill/>
+          </a:ln>
+        </p:spPr>
+        <p:style>
+          <a:lnRef idx="2">
+            <a:schemeClr val="accent1">
+              <a:shade val="50000"/>
+            </a:schemeClr>
+          </a:lnRef>
+          <a:fillRef idx="1">
+            <a:schemeClr val="accent1"/>
+          </a:fillRef>
+          <a:effectRef idx="0">
+            <a:schemeClr val="accent1"/>
+          </a:effectRef>
+          <a:fontRef idx="minor">
+            <a:schemeClr val="lt1"/>
+          </a:fontRef>
+        </p:style>
+        <p:txBody>
+          <a:bodyPr rtlCol="0" anchor="ctr"/>
+          <a:lstStyle/>
+          <a:p>
+            <a:pPr algn="ctr"/>
+            <a:endParaRPr lang="en-US"/>
+          </a:p>
+        </p:txBody>
+      </p:sp>
+      <p:sp>
+        <p:nvSpPr>
+          <p:cNvPr id="34" name="TextBox 33">
+            <a:extLst>
+              <a:ext uri="{FF2B5EF4-FFF2-40B4-BE49-F238E27FC236}">
+                <a16:creationId xmlns:a16="http://schemas.microsoft.com/office/drawing/2014/main" id="{5C65E7A6-314E-4449-91B1-59D7CD7887B1}"/>
+              </a:ext>
+            </a:extLst>
+          </p:cNvPr>
+          <p:cNvSpPr txBox="1"/>
+          <p:nvPr/>
+        </p:nvSpPr>
+        <p:spPr>
+          <a:xfrm>
+            <a:off x="256674" y="700148"/>
+            <a:ext cx="5050264" cy="3416320"/>
+          </a:xfrm>
+          <a:prstGeom prst="rect">
+            <a:avLst/>
+          </a:prstGeom>
+          <a:noFill/>
+        </p:spPr>
+        <p:txBody>
+          <a:bodyPr wrap="square" rtlCol="0">
+            <a:spAutoFit/>
+          </a:bodyPr>
+          <a:lstStyle/>
+          <a:p>
+            <a:r>
+              <a:rPr lang="en-US" b="1" dirty="0"/>
+              <a:t> </a:t>
+            </a:r>
+          </a:p>
+          <a:p>
+            <a:endParaRPr lang="en-US" b="1" dirty="0"/>
+          </a:p>
+          <a:p>
+            <a:endParaRPr lang="en-US" b="1" dirty="0"/>
+          </a:p>
+          <a:p>
+            <a:endParaRPr lang="en-US" b="1" dirty="0"/>
+          </a:p>
+          <a:p>
+            <a:endParaRPr lang="en-US" b="1" dirty="0"/>
+          </a:p>
+          <a:p>
+            <a:endParaRPr lang="en-US" b="1" dirty="0"/>
+          </a:p>
+          <a:p>
+            <a:endParaRPr lang="en-US" b="1" dirty="0"/>
+          </a:p>
+          <a:p>
+            <a:endParaRPr lang="en-US" b="1" dirty="0"/>
+          </a:p>
+          <a:p>
+            <a:endParaRPr lang="en-US" b="1" dirty="0"/>
+          </a:p>
+          <a:p>
+            <a:endParaRPr lang="en-US" b="1" dirty="0"/>
+          </a:p>
+          <a:p>
+            <a:endParaRPr lang="en-US" b="1" dirty="0"/>
+          </a:p>
+          <a:p>
+            <a:endParaRPr lang="en-US" b="1" dirty="0"/>
+          </a:p>
+        </p:txBody>
+      </p:sp>
+      <p:pic>
+        <p:nvPicPr>
+          <p:cNvPr id="18434" name="Picture 2">
+            <a:extLst>
+              <a:ext uri="{FF2B5EF4-FFF2-40B4-BE49-F238E27FC236}">
+                <a16:creationId xmlns:a16="http://schemas.microsoft.com/office/drawing/2014/main" id="{0720B9CC-753C-AA28-7B2C-79ECB0E9167B}"/>
+              </a:ext>
+            </a:extLst>
+          </p:cNvPr>
+          <p:cNvPicPr>
+            <a:picLocks noChangeAspect="1" noChangeArrowheads="1"/>
+          </p:cNvPicPr>
+          <p:nvPr/>
+        </p:nvPicPr>
+        <p:blipFill>
+          <a:blip r:embed="rId2">
+            <a:extLst>
+              <a:ext uri="{28A0092B-C50C-407E-A947-70E740481C1C}">
+                <a14:useLocalDpi xmlns:a14="http://schemas.microsoft.com/office/drawing/2010/main" val="0"/>
+              </a:ext>
+            </a:extLst>
+          </a:blip>
+          <a:srcRect/>
+          <a:stretch>
+            <a:fillRect/>
+          </a:stretch>
+        </p:blipFill>
+        <p:spPr bwMode="auto">
+          <a:xfrm>
+            <a:off x="1030882" y="1576392"/>
+            <a:ext cx="4276056" cy="3416320"/>
+          </a:xfrm>
+          <a:prstGeom prst="rect">
+            <a:avLst/>
+          </a:prstGeom>
+          <a:noFill/>
+          <a:extLst>
+            <a:ext uri="{909E8E84-426E-40DD-AFC4-6F175D3DCCD1}">
+              <a14:hiddenFill xmlns:a14="http://schemas.microsoft.com/office/drawing/2010/main">
+                <a:solidFill>
+                  <a:srgbClr val="FFFFFF"/>
+                </a:solidFill>
+              </a14:hiddenFill>
+            </a:ext>
+          </a:extLst>
+        </p:spPr>
+      </p:pic>
+      <p:pic>
+        <p:nvPicPr>
+          <p:cNvPr id="18436" name="Picture 4">
+            <a:extLst>
+              <a:ext uri="{FF2B5EF4-FFF2-40B4-BE49-F238E27FC236}">
+                <a16:creationId xmlns:a16="http://schemas.microsoft.com/office/drawing/2014/main" id="{83C51D85-2CC8-CA7D-57FF-867E4EB4D9A7}"/>
+              </a:ext>
+            </a:extLst>
+          </p:cNvPr>
+          <p:cNvPicPr>
+            <a:picLocks noChangeAspect="1" noChangeArrowheads="1"/>
+          </p:cNvPicPr>
+          <p:nvPr/>
+        </p:nvPicPr>
+        <p:blipFill>
+          <a:blip r:embed="rId3">
+            <a:extLst>
+              <a:ext uri="{28A0092B-C50C-407E-A947-70E740481C1C}">
+                <a14:useLocalDpi xmlns:a14="http://schemas.microsoft.com/office/drawing/2010/main" val="0"/>
+              </a:ext>
+            </a:extLst>
+          </a:blip>
+          <a:srcRect/>
+          <a:stretch>
+            <a:fillRect/>
+          </a:stretch>
+        </p:blipFill>
+        <p:spPr bwMode="auto">
+          <a:xfrm>
+            <a:off x="6614138" y="1500967"/>
+            <a:ext cx="4546980" cy="3567169"/>
+          </a:xfrm>
+          <a:prstGeom prst="rect">
+            <a:avLst/>
+          </a:prstGeom>
+          <a:noFill/>
+          <a:extLst>
+            <a:ext uri="{909E8E84-426E-40DD-AFC4-6F175D3DCCD1}">
+              <a14:hiddenFill xmlns:a14="http://schemas.microsoft.com/office/drawing/2010/main">
+                <a:solidFill>
+                  <a:srgbClr val="FFFFFF"/>
+                </a:solidFill>
+              </a14:hiddenFill>
+            </a:ext>
+          </a:extLst>
+        </p:spPr>
+      </p:pic>
+      <p:sp>
+        <p:nvSpPr>
+          <p:cNvPr id="4" name="TextBox 3">
+            <a:extLst>
+              <a:ext uri="{FF2B5EF4-FFF2-40B4-BE49-F238E27FC236}">
+                <a16:creationId xmlns:a16="http://schemas.microsoft.com/office/drawing/2014/main" id="{3B4476F0-895E-0202-6D78-B74065B5DADC}"/>
+              </a:ext>
+            </a:extLst>
+          </p:cNvPr>
+          <p:cNvSpPr txBox="1"/>
+          <p:nvPr/>
+        </p:nvSpPr>
+        <p:spPr>
+          <a:xfrm>
+            <a:off x="2210785" y="819768"/>
+            <a:ext cx="8034227" cy="338554"/>
+          </a:xfrm>
+          <a:prstGeom prst="rect">
+            <a:avLst/>
+          </a:prstGeom>
+          <a:noFill/>
+        </p:spPr>
+        <p:txBody>
+          <a:bodyPr wrap="square" rtlCol="0">
+            <a:spAutoFit/>
+          </a:bodyPr>
+          <a:lstStyle/>
+          <a:p>
+            <a:r>
+              <a:rPr lang="en-US" sz="1600" kern="100" dirty="0">
+                <a:solidFill>
+                  <a:schemeClr val="bg1"/>
+                </a:solidFill>
+                <a:latin typeface="Calibri" panose="020F0502020204030204" pitchFamily="34" charset="0"/>
+                <a:ea typeface="Calibri" panose="020F0502020204030204" pitchFamily="34" charset="0"/>
+                <a:cs typeface="Times New Roman" panose="02020603050405020304" pitchFamily="18" charset="0"/>
+              </a:rPr>
+              <a:t>The plot shows that there are few standard deviation from the mean but the tails deviates. </a:t>
+            </a:r>
+            <a:endParaRPr lang="en-US" dirty="0">
+              <a:solidFill>
+                <a:schemeClr val="bg1"/>
+              </a:solidFill>
+            </a:endParaRPr>
+          </a:p>
+        </p:txBody>
+      </p:sp>
+    </p:spTree>
+    <p:extLst>
+      <p:ext uri="{BB962C8B-B14F-4D97-AF65-F5344CB8AC3E}">
+        <p14:creationId xmlns:p14="http://schemas.microsoft.com/office/powerpoint/2010/main" val="1628049816"/>
+      </p:ext>
+    </p:extLst>
+  </p:cSld>
+  <p:clrMapOvr>
+    <a:masterClrMapping/>
+  </p:clrMapOvr>
+</p:sld>
+</file>
+
+<file path=ppt/slides/slide14.xml><?xml version="1.0" encoding="utf-8"?>
+<p:sld xmlns:a="http://schemas.openxmlformats.org/drawingml/2006/main" xmlns:r="http://schemas.openxmlformats.org/officeDocument/2006/relationships" xmlns:p="http://schemas.openxmlformats.org/presentationml/2006/main">
+  <p:cSld>
+    <p:spTree>
+      <p:nvGrpSpPr>
+        <p:cNvPr id="1" name=""/>
+        <p:cNvGrpSpPr/>
+        <p:nvPr/>
+      </p:nvGrpSpPr>
+      <p:grpSpPr>
+        <a:xfrm>
+          <a:off x="0" y="0"/>
+          <a:ext cx="0" cy="0"/>
+          <a:chOff x="0" y="0"/>
+          <a:chExt cx="0" cy="0"/>
+        </a:xfrm>
+      </p:grpSpPr>
+      <p:sp>
+        <p:nvSpPr>
+          <p:cNvPr id="2" name="TextBox 1">
+            <a:extLst>
+              <a:ext uri="{FF2B5EF4-FFF2-40B4-BE49-F238E27FC236}">
+                <a16:creationId xmlns:a16="http://schemas.microsoft.com/office/drawing/2014/main" id="{F38FF061-0C27-4C4B-BC50-4056C82F92B5}"/>
+              </a:ext>
+            </a:extLst>
+          </p:cNvPr>
+          <p:cNvSpPr txBox="1"/>
+          <p:nvPr/>
+        </p:nvSpPr>
+        <p:spPr>
+          <a:xfrm>
+            <a:off x="256674" y="344905"/>
+            <a:ext cx="184731" cy="369332"/>
+          </a:xfrm>
+          <a:prstGeom prst="rect">
+            <a:avLst/>
+          </a:prstGeom>
+          <a:noFill/>
+        </p:spPr>
+        <p:txBody>
+          <a:bodyPr wrap="none" rtlCol="0">
+            <a:spAutoFit/>
+          </a:bodyPr>
+          <a:lstStyle/>
+          <a:p>
+            <a:endParaRPr lang="en-US" dirty="0"/>
+          </a:p>
+        </p:txBody>
+      </p:sp>
+      <p:sp>
+        <p:nvSpPr>
+          <p:cNvPr id="3" name="TextBox 2">
+            <a:extLst>
+              <a:ext uri="{FF2B5EF4-FFF2-40B4-BE49-F238E27FC236}">
+                <a16:creationId xmlns:a16="http://schemas.microsoft.com/office/drawing/2014/main" id="{1E798AEA-4657-4AC2-AB1F-40B93469DA1D}"/>
+              </a:ext>
+            </a:extLst>
+          </p:cNvPr>
+          <p:cNvSpPr txBox="1"/>
+          <p:nvPr/>
+        </p:nvSpPr>
+        <p:spPr>
+          <a:xfrm>
+            <a:off x="256674" y="160552"/>
+            <a:ext cx="11493921" cy="369332"/>
+          </a:xfrm>
+          <a:prstGeom prst="rect">
+            <a:avLst/>
+          </a:prstGeom>
+          <a:solidFill>
+            <a:srgbClr val="002060"/>
+          </a:solidFill>
+          <a:ln>
+            <a:noFill/>
+          </a:ln>
+        </p:spPr>
+        <p:style>
+          <a:lnRef idx="1">
+            <a:schemeClr val="dk1"/>
+          </a:lnRef>
+          <a:fillRef idx="2">
+            <a:schemeClr val="dk1"/>
+          </a:fillRef>
+          <a:effectRef idx="1">
+            <a:schemeClr val="dk1"/>
+          </a:effectRef>
+          <a:fontRef idx="minor">
+            <a:schemeClr val="dk1"/>
+          </a:fontRef>
+        </p:style>
+        <p:txBody>
+          <a:bodyPr wrap="square" rtlCol="0">
+            <a:spAutoFit/>
+          </a:bodyPr>
+          <a:lstStyle/>
+          <a:p>
+            <a:r>
+              <a:rPr lang="en-US" b="1" spc="50" dirty="0">
+                <a:ln w="0"/>
+                <a:solidFill>
+                  <a:schemeClr val="bg1"/>
+                </a:solidFill>
+                <a:effectLst>
+                  <a:innerShdw blurRad="63500" dist="50800" dir="13500000">
+                    <a:srgbClr val="000000">
+                      <a:alpha val="50000"/>
+                    </a:srgbClr>
+                  </a:innerShdw>
+                </a:effectLst>
+              </a:rPr>
+              <a:t>Scatter Plots, Correlation and Causation</a:t>
+            </a:r>
+          </a:p>
+        </p:txBody>
+      </p:sp>
+      <p:sp>
+        <p:nvSpPr>
+          <p:cNvPr id="29" name="Rectangle 28">
+            <a:extLst>
+              <a:ext uri="{FF2B5EF4-FFF2-40B4-BE49-F238E27FC236}">
+                <a16:creationId xmlns:a16="http://schemas.microsoft.com/office/drawing/2014/main" id="{5B88C625-67F1-4677-B918-4E6BE60E0D9E}"/>
+              </a:ext>
+            </a:extLst>
+          </p:cNvPr>
+          <p:cNvSpPr/>
+          <p:nvPr/>
+        </p:nvSpPr>
+        <p:spPr>
+          <a:xfrm>
+            <a:off x="441405" y="539795"/>
+            <a:ext cx="11309189" cy="4629364"/>
+          </a:xfrm>
+          <a:prstGeom prst="rect">
+            <a:avLst/>
+          </a:prstGeom>
+          <a:solidFill>
+            <a:srgbClr val="002060"/>
+          </a:solidFill>
+          <a:ln>
+            <a:noFill/>
+          </a:ln>
+        </p:spPr>
+        <p:style>
+          <a:lnRef idx="2">
+            <a:schemeClr val="accent1">
+              <a:shade val="50000"/>
+            </a:schemeClr>
+          </a:lnRef>
+          <a:fillRef idx="1">
+            <a:schemeClr val="accent1"/>
+          </a:fillRef>
+          <a:effectRef idx="0">
+            <a:schemeClr val="accent1"/>
+          </a:effectRef>
+          <a:fontRef idx="minor">
+            <a:schemeClr val="lt1"/>
+          </a:fontRef>
+        </p:style>
+        <p:txBody>
+          <a:bodyPr rtlCol="0" anchor="ctr"/>
+          <a:lstStyle/>
+          <a:p>
+            <a:pPr algn="ctr"/>
+            <a:endParaRPr lang="en-US"/>
+          </a:p>
+        </p:txBody>
+      </p:sp>
+      <p:sp>
+        <p:nvSpPr>
+          <p:cNvPr id="34" name="TextBox 33">
+            <a:extLst>
+              <a:ext uri="{FF2B5EF4-FFF2-40B4-BE49-F238E27FC236}">
+                <a16:creationId xmlns:a16="http://schemas.microsoft.com/office/drawing/2014/main" id="{5C65E7A6-314E-4449-91B1-59D7CD7887B1}"/>
+              </a:ext>
+            </a:extLst>
+          </p:cNvPr>
+          <p:cNvSpPr txBox="1"/>
+          <p:nvPr/>
+        </p:nvSpPr>
+        <p:spPr>
+          <a:xfrm>
+            <a:off x="441405" y="5240987"/>
+            <a:ext cx="11493921" cy="1077218"/>
+          </a:xfrm>
+          <a:prstGeom prst="rect">
+            <a:avLst/>
+          </a:prstGeom>
+          <a:noFill/>
+        </p:spPr>
+        <p:txBody>
+          <a:bodyPr wrap="square" rtlCol="0">
+            <a:spAutoFit/>
+          </a:bodyPr>
+          <a:lstStyle/>
+          <a:p>
+            <a:r>
+              <a:rPr lang="en-US" sz="1600" kern="100" dirty="0">
+                <a:latin typeface="Calibri" panose="020F0502020204030204" pitchFamily="34" charset="0"/>
+                <a:ea typeface="Calibri" panose="020F0502020204030204" pitchFamily="34" charset="0"/>
+                <a:cs typeface="Times New Roman" panose="02020603050405020304" pitchFamily="18" charset="0"/>
+              </a:rPr>
+              <a:t>The scatterplot on Review Count and Stars shows data are packed into columns because the star ratings is in values rounded to half-stars.</a:t>
+            </a:r>
+          </a:p>
+          <a:p>
+            <a:r>
+              <a:rPr lang="en-US" sz="1600" kern="100" dirty="0">
+                <a:latin typeface="Calibri" panose="020F0502020204030204" pitchFamily="34" charset="0"/>
+                <a:ea typeface="Calibri" panose="020F0502020204030204" pitchFamily="34" charset="0"/>
+                <a:cs typeface="Times New Roman" panose="02020603050405020304" pitchFamily="18" charset="0"/>
+              </a:rPr>
+              <a:t> </a:t>
+            </a:r>
+          </a:p>
+          <a:p>
+            <a:r>
+              <a:rPr lang="en-US" sz="1600" kern="100" dirty="0">
+                <a:latin typeface="Calibri" panose="020F0502020204030204" pitchFamily="34" charset="0"/>
+                <a:ea typeface="Calibri" panose="020F0502020204030204" pitchFamily="34" charset="0"/>
+                <a:cs typeface="Times New Roman" panose="02020603050405020304" pitchFamily="18" charset="0"/>
+              </a:rPr>
+              <a:t>Both shows positive coefficient relationship between these two variables that the value of one variable increases, the value of the other variable also tends to increase. </a:t>
+            </a:r>
+            <a:endParaRPr lang="en-US" b="1" dirty="0"/>
+          </a:p>
+        </p:txBody>
+      </p:sp>
+      <p:pic>
+        <p:nvPicPr>
+          <p:cNvPr id="9" name="Picture 2">
+            <a:extLst>
+              <a:ext uri="{FF2B5EF4-FFF2-40B4-BE49-F238E27FC236}">
+                <a16:creationId xmlns:a16="http://schemas.microsoft.com/office/drawing/2014/main" id="{C8FBF473-FC24-ADA0-0E78-E98364AB5F55}"/>
+              </a:ext>
+            </a:extLst>
+          </p:cNvPr>
+          <p:cNvPicPr>
+            <a:picLocks noChangeAspect="1" noChangeArrowheads="1"/>
+          </p:cNvPicPr>
+          <p:nvPr/>
+        </p:nvPicPr>
+        <p:blipFill>
+          <a:blip r:embed="rId2">
+            <a:extLst>
+              <a:ext uri="{28A0092B-C50C-407E-A947-70E740481C1C}">
+                <a14:useLocalDpi xmlns:a14="http://schemas.microsoft.com/office/drawing/2010/main" val="0"/>
+              </a:ext>
+            </a:extLst>
+          </a:blip>
+          <a:srcRect/>
+          <a:stretch>
+            <a:fillRect/>
+          </a:stretch>
+        </p:blipFill>
+        <p:spPr bwMode="auto">
+          <a:xfrm>
+            <a:off x="6341237" y="1984236"/>
+            <a:ext cx="4542913" cy="2547419"/>
+          </a:xfrm>
+          <a:prstGeom prst="rect">
+            <a:avLst/>
+          </a:prstGeom>
+          <a:noFill/>
+          <a:extLst>
+            <a:ext uri="{909E8E84-426E-40DD-AFC4-6F175D3DCCD1}">
+              <a14:hiddenFill xmlns:a14="http://schemas.microsoft.com/office/drawing/2010/main">
+                <a:solidFill>
+                  <a:srgbClr val="FFFFFF"/>
+                </a:solidFill>
+              </a14:hiddenFill>
+            </a:ext>
+          </a:extLst>
+        </p:spPr>
+      </p:pic>
+      <p:pic>
+        <p:nvPicPr>
+          <p:cNvPr id="12" name="Picture 11">
+            <a:extLst>
+              <a:ext uri="{FF2B5EF4-FFF2-40B4-BE49-F238E27FC236}">
+                <a16:creationId xmlns:a16="http://schemas.microsoft.com/office/drawing/2014/main" id="{B6CA341D-901B-CC38-5607-FC4DB374E632}"/>
+              </a:ext>
+            </a:extLst>
+          </p:cNvPr>
+          <p:cNvPicPr>
+            <a:picLocks noChangeAspect="1"/>
+          </p:cNvPicPr>
+          <p:nvPr/>
+        </p:nvPicPr>
+        <p:blipFill>
+          <a:blip r:embed="rId3"/>
+          <a:stretch>
+            <a:fillRect/>
+          </a:stretch>
+        </p:blipFill>
+        <p:spPr>
+          <a:xfrm>
+            <a:off x="839515" y="661259"/>
+            <a:ext cx="4635279" cy="2502681"/>
+          </a:xfrm>
+          <a:prstGeom prst="rect">
+            <a:avLst/>
+          </a:prstGeom>
+        </p:spPr>
+      </p:pic>
+      <p:pic>
+        <p:nvPicPr>
+          <p:cNvPr id="14" name="Picture 13">
+            <a:extLst>
+              <a:ext uri="{FF2B5EF4-FFF2-40B4-BE49-F238E27FC236}">
+                <a16:creationId xmlns:a16="http://schemas.microsoft.com/office/drawing/2014/main" id="{3DD3CF9F-3CC7-16CA-6AF5-A3365487D2AA}"/>
+              </a:ext>
+            </a:extLst>
+          </p:cNvPr>
+          <p:cNvPicPr>
+            <a:picLocks noChangeAspect="1"/>
+          </p:cNvPicPr>
+          <p:nvPr/>
+        </p:nvPicPr>
+        <p:blipFill>
+          <a:blip r:embed="rId4"/>
+          <a:stretch>
+            <a:fillRect/>
+          </a:stretch>
+        </p:blipFill>
+        <p:spPr>
+          <a:xfrm>
+            <a:off x="5191356" y="730739"/>
+            <a:ext cx="2280892" cy="513201"/>
+          </a:xfrm>
+          <a:prstGeom prst="rect">
+            <a:avLst/>
+          </a:prstGeom>
+        </p:spPr>
+      </p:pic>
+      <p:pic>
+        <p:nvPicPr>
+          <p:cNvPr id="16" name="Picture 15">
+            <a:extLst>
+              <a:ext uri="{FF2B5EF4-FFF2-40B4-BE49-F238E27FC236}">
+                <a16:creationId xmlns:a16="http://schemas.microsoft.com/office/drawing/2014/main" id="{6AE18C57-ED35-A609-8CB9-DFB7AFF5BCD1}"/>
+              </a:ext>
+            </a:extLst>
+          </p:cNvPr>
+          <p:cNvPicPr>
+            <a:picLocks noChangeAspect="1"/>
+          </p:cNvPicPr>
+          <p:nvPr/>
+        </p:nvPicPr>
+        <p:blipFill>
+          <a:blip r:embed="rId5"/>
+          <a:stretch>
+            <a:fillRect/>
+          </a:stretch>
+        </p:blipFill>
+        <p:spPr>
+          <a:xfrm>
+            <a:off x="9732037" y="1767047"/>
+            <a:ext cx="2110923" cy="434378"/>
+          </a:xfrm>
+          <a:prstGeom prst="rect">
+            <a:avLst/>
+          </a:prstGeom>
+        </p:spPr>
+      </p:pic>
+      <p:sp>
+        <p:nvSpPr>
+          <p:cNvPr id="17" name="TextBox 16">
+            <a:extLst>
+              <a:ext uri="{FF2B5EF4-FFF2-40B4-BE49-F238E27FC236}">
+                <a16:creationId xmlns:a16="http://schemas.microsoft.com/office/drawing/2014/main" id="{1D409B00-5B8F-0DB7-15D7-D174AA60A3A1}"/>
+              </a:ext>
+            </a:extLst>
+          </p:cNvPr>
+          <p:cNvSpPr txBox="1"/>
+          <p:nvPr/>
+        </p:nvSpPr>
+        <p:spPr>
+          <a:xfrm>
+            <a:off x="2018628" y="3213725"/>
+            <a:ext cx="2711992" cy="307777"/>
+          </a:xfrm>
+          <a:prstGeom prst="rect">
+            <a:avLst/>
+          </a:prstGeom>
+          <a:noFill/>
+        </p:spPr>
+        <p:txBody>
+          <a:bodyPr wrap="square" rtlCol="0">
+            <a:spAutoFit/>
+          </a:bodyPr>
+          <a:lstStyle/>
+          <a:p>
+            <a:r>
+              <a:rPr lang="en-US" sz="1400" kern="100" dirty="0">
+                <a:solidFill>
+                  <a:schemeClr val="bg1"/>
+                </a:solidFill>
+                <a:latin typeface="Calibri" panose="020F0502020204030204" pitchFamily="34" charset="0"/>
+                <a:ea typeface="Calibri" panose="020F0502020204030204" pitchFamily="34" charset="0"/>
+                <a:cs typeface="Times New Roman" panose="02020603050405020304" pitchFamily="18" charset="0"/>
+              </a:rPr>
+              <a:t>Review count and Star Ratings</a:t>
+            </a:r>
+            <a:endParaRPr lang="en-US" b="1" dirty="0">
+              <a:solidFill>
+                <a:schemeClr val="bg1"/>
+              </a:solidFill>
+            </a:endParaRPr>
+          </a:p>
+        </p:txBody>
+      </p:sp>
+      <p:sp>
+        <p:nvSpPr>
+          <p:cNvPr id="18" name="TextBox 17">
+            <a:extLst>
+              <a:ext uri="{FF2B5EF4-FFF2-40B4-BE49-F238E27FC236}">
+                <a16:creationId xmlns:a16="http://schemas.microsoft.com/office/drawing/2014/main" id="{ADA8EE5E-C138-A528-15F4-23028417B3AD}"/>
+              </a:ext>
+            </a:extLst>
+          </p:cNvPr>
+          <p:cNvSpPr txBox="1"/>
+          <p:nvPr/>
+        </p:nvSpPr>
+        <p:spPr>
+          <a:xfrm>
+            <a:off x="7610775" y="4577821"/>
+            <a:ext cx="2711992" cy="307777"/>
+          </a:xfrm>
+          <a:prstGeom prst="rect">
+            <a:avLst/>
+          </a:prstGeom>
+          <a:noFill/>
+        </p:spPr>
+        <p:txBody>
+          <a:bodyPr wrap="square" rtlCol="0">
+            <a:spAutoFit/>
+          </a:bodyPr>
+          <a:lstStyle/>
+          <a:p>
+            <a:r>
+              <a:rPr lang="en-US" sz="1400" kern="100" dirty="0">
+                <a:solidFill>
+                  <a:schemeClr val="bg1"/>
+                </a:solidFill>
+                <a:latin typeface="Calibri" panose="020F0502020204030204" pitchFamily="34" charset="0"/>
+                <a:ea typeface="Calibri" panose="020F0502020204030204" pitchFamily="34" charset="0"/>
+                <a:cs typeface="Times New Roman" panose="02020603050405020304" pitchFamily="18" charset="0"/>
+              </a:rPr>
+              <a:t>Review count and Check-in Count</a:t>
+            </a:r>
+            <a:endParaRPr lang="en-US" b="1" dirty="0">
+              <a:solidFill>
+                <a:schemeClr val="bg1"/>
+              </a:solidFill>
+            </a:endParaRPr>
+          </a:p>
+        </p:txBody>
+      </p:sp>
+    </p:spTree>
+    <p:extLst>
+      <p:ext uri="{BB962C8B-B14F-4D97-AF65-F5344CB8AC3E}">
+        <p14:creationId xmlns:p14="http://schemas.microsoft.com/office/powerpoint/2010/main" val="4255677703"/>
+      </p:ext>
+    </p:extLst>
+  </p:cSld>
+  <p:clrMapOvr>
+    <a:masterClrMapping/>
+  </p:clrMapOvr>
+</p:sld>
+</file>
+
+<file path=ppt/slides/slide15.xml><?xml version="1.0" encoding="utf-8"?>
+<p:sld xmlns:a="http://schemas.openxmlformats.org/drawingml/2006/main" xmlns:r="http://schemas.openxmlformats.org/officeDocument/2006/relationships" xmlns:p="http://schemas.openxmlformats.org/presentationml/2006/main">
+  <p:cSld>
+    <p:spTree>
+      <p:nvGrpSpPr>
+        <p:cNvPr id="1" name=""/>
+        <p:cNvGrpSpPr/>
+        <p:nvPr/>
+      </p:nvGrpSpPr>
+      <p:grpSpPr>
+        <a:xfrm>
+          <a:off x="0" y="0"/>
+          <a:ext cx="0" cy="0"/>
+          <a:chOff x="0" y="0"/>
+          <a:chExt cx="0" cy="0"/>
+        </a:xfrm>
+      </p:grpSpPr>
+      <p:sp>
+        <p:nvSpPr>
+          <p:cNvPr id="2" name="TextBox 1">
+            <a:extLst>
+              <a:ext uri="{FF2B5EF4-FFF2-40B4-BE49-F238E27FC236}">
+                <a16:creationId xmlns:a16="http://schemas.microsoft.com/office/drawing/2014/main" id="{F38FF061-0C27-4C4B-BC50-4056C82F92B5}"/>
+              </a:ext>
+            </a:extLst>
+          </p:cNvPr>
+          <p:cNvSpPr txBox="1"/>
+          <p:nvPr/>
+        </p:nvSpPr>
+        <p:spPr>
+          <a:xfrm>
+            <a:off x="256674" y="344905"/>
+            <a:ext cx="184731" cy="369332"/>
+          </a:xfrm>
+          <a:prstGeom prst="rect">
+            <a:avLst/>
+          </a:prstGeom>
+          <a:noFill/>
+        </p:spPr>
+        <p:txBody>
+          <a:bodyPr wrap="none" rtlCol="0">
+            <a:spAutoFit/>
+          </a:bodyPr>
+          <a:lstStyle/>
+          <a:p>
+            <a:endParaRPr lang="en-US" dirty="0"/>
+          </a:p>
+        </p:txBody>
+      </p:sp>
+      <p:sp>
+        <p:nvSpPr>
+          <p:cNvPr id="3" name="TextBox 2">
+            <a:extLst>
+              <a:ext uri="{FF2B5EF4-FFF2-40B4-BE49-F238E27FC236}">
+                <a16:creationId xmlns:a16="http://schemas.microsoft.com/office/drawing/2014/main" id="{1E798AEA-4657-4AC2-AB1F-40B93469DA1D}"/>
+              </a:ext>
+            </a:extLst>
+          </p:cNvPr>
+          <p:cNvSpPr txBox="1"/>
+          <p:nvPr/>
+        </p:nvSpPr>
+        <p:spPr>
+          <a:xfrm>
+            <a:off x="256674" y="160552"/>
+            <a:ext cx="11493921" cy="369332"/>
+          </a:xfrm>
+          <a:prstGeom prst="rect">
+            <a:avLst/>
+          </a:prstGeom>
+          <a:solidFill>
+            <a:srgbClr val="002060"/>
+          </a:solidFill>
+          <a:ln>
+            <a:noFill/>
+          </a:ln>
+        </p:spPr>
+        <p:style>
+          <a:lnRef idx="1">
+            <a:schemeClr val="dk1"/>
+          </a:lnRef>
+          <a:fillRef idx="2">
+            <a:schemeClr val="dk1"/>
+          </a:fillRef>
+          <a:effectRef idx="1">
+            <a:schemeClr val="dk1"/>
+          </a:effectRef>
+          <a:fontRef idx="minor">
+            <a:schemeClr val="dk1"/>
+          </a:fontRef>
+        </p:style>
+        <p:txBody>
+          <a:bodyPr wrap="square" rtlCol="0">
+            <a:spAutoFit/>
+          </a:bodyPr>
+          <a:lstStyle/>
+          <a:p>
+            <a:r>
+              <a:rPr lang="en-US" b="1" spc="50" dirty="0">
+                <a:ln w="0"/>
+                <a:solidFill>
+                  <a:schemeClr val="bg1"/>
+                </a:solidFill>
+                <a:effectLst>
+                  <a:innerShdw blurRad="63500" dist="50800" dir="13500000">
+                    <a:srgbClr val="000000">
+                      <a:alpha val="50000"/>
+                    </a:srgbClr>
+                  </a:innerShdw>
+                </a:effectLst>
+              </a:rPr>
+              <a:t>Hypothesis Testing</a:t>
+            </a:r>
+          </a:p>
+        </p:txBody>
+      </p:sp>
+      <p:sp>
+        <p:nvSpPr>
+          <p:cNvPr id="34" name="TextBox 33">
+            <a:extLst>
+              <a:ext uri="{FF2B5EF4-FFF2-40B4-BE49-F238E27FC236}">
+                <a16:creationId xmlns:a16="http://schemas.microsoft.com/office/drawing/2014/main" id="{5C65E7A6-314E-4449-91B1-59D7CD7887B1}"/>
+              </a:ext>
+            </a:extLst>
+          </p:cNvPr>
+          <p:cNvSpPr txBox="1"/>
+          <p:nvPr/>
+        </p:nvSpPr>
+        <p:spPr>
+          <a:xfrm>
+            <a:off x="256674" y="529571"/>
+            <a:ext cx="11328835" cy="6186309"/>
+          </a:xfrm>
+          <a:prstGeom prst="rect">
+            <a:avLst/>
+          </a:prstGeom>
+          <a:noFill/>
+        </p:spPr>
+        <p:txBody>
+          <a:bodyPr wrap="square" rtlCol="0">
+            <a:spAutoFit/>
+          </a:bodyPr>
+          <a:lstStyle/>
+          <a:p>
+            <a:endParaRPr lang="en-US" b="1" dirty="0"/>
+          </a:p>
+          <a:p>
+            <a:r>
+              <a:rPr lang="en-US" b="0" i="0" dirty="0">
+                <a:solidFill>
+                  <a:srgbClr val="4D5156"/>
+                </a:solidFill>
+                <a:effectLst/>
+                <a:latin typeface="Roboto"/>
+              </a:rPr>
+              <a:t>Null hypothesis (H0)</a:t>
+            </a:r>
+            <a:r>
+              <a:rPr lang="en-US" b="1" dirty="0"/>
+              <a:t>: </a:t>
+            </a:r>
+            <a:r>
+              <a:rPr lang="en-US" dirty="0"/>
+              <a:t>There is no correlation between business star rating and number of check-ins</a:t>
+            </a:r>
+          </a:p>
+          <a:p>
+            <a:endParaRPr lang="en-US" dirty="0"/>
+          </a:p>
+          <a:p>
+            <a:r>
+              <a:rPr lang="en-US" b="1" dirty="0"/>
+              <a:t>Alternative hypothesis(HA): </a:t>
+            </a:r>
+            <a:r>
+              <a:rPr lang="en-US" dirty="0"/>
+              <a:t>Correlation exists between the business star rating and the number of check-ins</a:t>
+            </a:r>
+          </a:p>
+          <a:p>
+            <a:endParaRPr lang="en-US" dirty="0"/>
+          </a:p>
+          <a:p>
+            <a:endParaRPr lang="en-US" dirty="0"/>
+          </a:p>
+          <a:p>
+            <a:endParaRPr lang="en-US" dirty="0"/>
+          </a:p>
+          <a:p>
+            <a:endParaRPr lang="en-US" dirty="0"/>
+          </a:p>
+          <a:p>
+            <a:endParaRPr lang="en-US" dirty="0"/>
+          </a:p>
+          <a:p>
+            <a:endParaRPr lang="en-US" dirty="0"/>
+          </a:p>
+          <a:p>
+            <a:endParaRPr lang="en-US" dirty="0"/>
+          </a:p>
+          <a:p>
+            <a:endParaRPr lang="en-US" dirty="0"/>
+          </a:p>
+          <a:p>
+            <a:endParaRPr lang="en-US" dirty="0"/>
+          </a:p>
+          <a:p>
+            <a:endParaRPr lang="en-US" dirty="0"/>
+          </a:p>
+          <a:p>
+            <a:endParaRPr lang="en-US" dirty="0"/>
+          </a:p>
+          <a:p>
+            <a:endParaRPr lang="en-US" dirty="0"/>
+          </a:p>
+          <a:p>
+            <a:endParaRPr lang="en-US" dirty="0"/>
+          </a:p>
+          <a:p>
+            <a:r>
+              <a:rPr lang="en-US" dirty="0"/>
+              <a:t>Results:</a:t>
+            </a:r>
+          </a:p>
+          <a:p>
+            <a:r>
+              <a:rPr lang="en-US" dirty="0"/>
+              <a:t>The actual correlation is 0.09. The computed p-value is 0; after 1000 iterations the largest simulated correlation is  .02 . Observed correlation is small but statistically significant.</a:t>
+            </a:r>
+          </a:p>
+          <a:p>
+            <a:endParaRPr lang="en-US" b="1" dirty="0"/>
+          </a:p>
+          <a:p>
+            <a:endParaRPr lang="en-US" dirty="0"/>
+          </a:p>
+        </p:txBody>
+      </p:sp>
+      <p:pic>
+        <p:nvPicPr>
+          <p:cNvPr id="10" name="Picture 9">
+            <a:extLst>
+              <a:ext uri="{FF2B5EF4-FFF2-40B4-BE49-F238E27FC236}">
+                <a16:creationId xmlns:a16="http://schemas.microsoft.com/office/drawing/2014/main" id="{54A1BC7D-B94A-9522-07DE-E61CEC80DF3F}"/>
+              </a:ext>
+            </a:extLst>
+          </p:cNvPr>
+          <p:cNvPicPr>
+            <a:picLocks noChangeAspect="1"/>
+          </p:cNvPicPr>
+          <p:nvPr/>
+        </p:nvPicPr>
+        <p:blipFill>
+          <a:blip r:embed="rId2"/>
+          <a:stretch>
+            <a:fillRect/>
+          </a:stretch>
+        </p:blipFill>
+        <p:spPr>
+          <a:xfrm>
+            <a:off x="2326225" y="2286000"/>
+            <a:ext cx="7354817" cy="2392148"/>
+          </a:xfrm>
+          <a:prstGeom prst="rect">
+            <a:avLst/>
+          </a:prstGeom>
+        </p:spPr>
+      </p:pic>
+    </p:spTree>
+    <p:extLst>
+      <p:ext uri="{BB962C8B-B14F-4D97-AF65-F5344CB8AC3E}">
+        <p14:creationId xmlns:p14="http://schemas.microsoft.com/office/powerpoint/2010/main" val="727794926"/>
+      </p:ext>
+    </p:extLst>
+  </p:cSld>
+  <p:clrMapOvr>
+    <a:masterClrMapping/>
+  </p:clrMapOvr>
+</p:sld>
+</file>
+
+<file path=ppt/slides/slide16.xml><?xml version="1.0" encoding="utf-8"?>
+<p:sld xmlns:a="http://schemas.openxmlformats.org/drawingml/2006/main" xmlns:r="http://schemas.openxmlformats.org/officeDocument/2006/relationships" xmlns:p="http://schemas.openxmlformats.org/presentationml/2006/main">
+  <p:cSld>
+    <p:spTree>
+      <p:nvGrpSpPr>
+        <p:cNvPr id="1" name=""/>
+        <p:cNvGrpSpPr/>
+        <p:nvPr/>
+      </p:nvGrpSpPr>
+      <p:grpSpPr>
+        <a:xfrm>
+          <a:off x="0" y="0"/>
+          <a:ext cx="0" cy="0"/>
+          <a:chOff x="0" y="0"/>
+          <a:chExt cx="0" cy="0"/>
+        </a:xfrm>
+      </p:grpSpPr>
+      <p:sp>
+        <p:nvSpPr>
+          <p:cNvPr id="2" name="TextBox 1">
+            <a:extLst>
+              <a:ext uri="{FF2B5EF4-FFF2-40B4-BE49-F238E27FC236}">
+                <a16:creationId xmlns:a16="http://schemas.microsoft.com/office/drawing/2014/main" id="{F38FF061-0C27-4C4B-BC50-4056C82F92B5}"/>
+              </a:ext>
+            </a:extLst>
+          </p:cNvPr>
+          <p:cNvSpPr txBox="1"/>
+          <p:nvPr/>
+        </p:nvSpPr>
+        <p:spPr>
+          <a:xfrm>
+            <a:off x="256674" y="344905"/>
+            <a:ext cx="184731" cy="369332"/>
+          </a:xfrm>
+          <a:prstGeom prst="rect">
+            <a:avLst/>
+          </a:prstGeom>
+          <a:noFill/>
+        </p:spPr>
+        <p:txBody>
+          <a:bodyPr wrap="none" rtlCol="0">
+            <a:spAutoFit/>
+          </a:bodyPr>
+          <a:lstStyle/>
+          <a:p>
+            <a:endParaRPr lang="en-US" dirty="0"/>
+          </a:p>
+        </p:txBody>
+      </p:sp>
+      <p:sp>
+        <p:nvSpPr>
+          <p:cNvPr id="3" name="TextBox 2">
+            <a:extLst>
+              <a:ext uri="{FF2B5EF4-FFF2-40B4-BE49-F238E27FC236}">
+                <a16:creationId xmlns:a16="http://schemas.microsoft.com/office/drawing/2014/main" id="{1E798AEA-4657-4AC2-AB1F-40B93469DA1D}"/>
+              </a:ext>
+            </a:extLst>
+          </p:cNvPr>
+          <p:cNvSpPr txBox="1"/>
+          <p:nvPr/>
+        </p:nvSpPr>
+        <p:spPr>
+          <a:xfrm>
+            <a:off x="256674" y="160552"/>
+            <a:ext cx="11493921" cy="369332"/>
+          </a:xfrm>
+          <a:prstGeom prst="rect">
+            <a:avLst/>
+          </a:prstGeom>
+          <a:solidFill>
+            <a:srgbClr val="002060"/>
+          </a:solidFill>
+          <a:ln>
+            <a:noFill/>
+          </a:ln>
+        </p:spPr>
+        <p:style>
+          <a:lnRef idx="1">
+            <a:schemeClr val="dk1"/>
+          </a:lnRef>
+          <a:fillRef idx="2">
+            <a:schemeClr val="dk1"/>
+          </a:fillRef>
+          <a:effectRef idx="1">
+            <a:schemeClr val="dk1"/>
+          </a:effectRef>
+          <a:fontRef idx="minor">
+            <a:schemeClr val="dk1"/>
+          </a:fontRef>
+        </p:style>
+        <p:txBody>
+          <a:bodyPr wrap="square" rtlCol="0">
+            <a:spAutoFit/>
+          </a:bodyPr>
+          <a:lstStyle/>
+          <a:p>
+            <a:r>
+              <a:rPr lang="en-US" b="1" spc="50" dirty="0">
+                <a:ln w="0"/>
+                <a:solidFill>
+                  <a:schemeClr val="bg1"/>
+                </a:solidFill>
+                <a:effectLst>
+                  <a:innerShdw blurRad="63500" dist="50800" dir="13500000">
+                    <a:srgbClr val="000000">
+                      <a:alpha val="50000"/>
+                    </a:srgbClr>
+                  </a:innerShdw>
+                </a:effectLst>
+              </a:rPr>
+              <a:t>Regression Analysis</a:t>
+            </a:r>
+          </a:p>
+        </p:txBody>
+      </p:sp>
+      <p:sp>
+        <p:nvSpPr>
+          <p:cNvPr id="29" name="Rectangle 28">
+            <a:extLst>
+              <a:ext uri="{FF2B5EF4-FFF2-40B4-BE49-F238E27FC236}">
+                <a16:creationId xmlns:a16="http://schemas.microsoft.com/office/drawing/2014/main" id="{5B88C625-67F1-4677-B918-4E6BE60E0D9E}"/>
+              </a:ext>
+            </a:extLst>
+          </p:cNvPr>
+          <p:cNvSpPr/>
+          <p:nvPr/>
+        </p:nvSpPr>
+        <p:spPr>
+          <a:xfrm>
+            <a:off x="5534526" y="529884"/>
+            <a:ext cx="6216069" cy="5758621"/>
+          </a:xfrm>
+          <a:prstGeom prst="rect">
+            <a:avLst/>
+          </a:prstGeom>
+          <a:solidFill>
+            <a:srgbClr val="002060"/>
+          </a:solidFill>
+          <a:ln>
+            <a:noFill/>
+          </a:ln>
+        </p:spPr>
+        <p:style>
+          <a:lnRef idx="2">
+            <a:schemeClr val="accent1">
+              <a:shade val="50000"/>
+            </a:schemeClr>
+          </a:lnRef>
+          <a:fillRef idx="1">
+            <a:schemeClr val="accent1"/>
+          </a:fillRef>
+          <a:effectRef idx="0">
+            <a:schemeClr val="accent1"/>
+          </a:effectRef>
+          <a:fontRef idx="minor">
+            <a:schemeClr val="lt1"/>
+          </a:fontRef>
+        </p:style>
+        <p:txBody>
+          <a:bodyPr rtlCol="0" anchor="ctr"/>
+          <a:lstStyle/>
+          <a:p>
+            <a:pPr algn="ctr"/>
+            <a:endParaRPr lang="en-US"/>
+          </a:p>
+        </p:txBody>
+      </p:sp>
+      <p:sp>
+        <p:nvSpPr>
+          <p:cNvPr id="34" name="TextBox 33">
+            <a:extLst>
+              <a:ext uri="{FF2B5EF4-FFF2-40B4-BE49-F238E27FC236}">
+                <a16:creationId xmlns:a16="http://schemas.microsoft.com/office/drawing/2014/main" id="{5C65E7A6-314E-4449-91B1-59D7CD7887B1}"/>
+              </a:ext>
+            </a:extLst>
+          </p:cNvPr>
+          <p:cNvSpPr txBox="1"/>
+          <p:nvPr/>
+        </p:nvSpPr>
+        <p:spPr>
+          <a:xfrm>
+            <a:off x="256674" y="700148"/>
+            <a:ext cx="5050264" cy="5509200"/>
+          </a:xfrm>
+          <a:prstGeom prst="rect">
+            <a:avLst/>
+          </a:prstGeom>
+          <a:noFill/>
+        </p:spPr>
+        <p:txBody>
+          <a:bodyPr wrap="square" rtlCol="0">
+            <a:spAutoFit/>
+          </a:bodyPr>
+          <a:lstStyle/>
+          <a:p>
+            <a:r>
+              <a:rPr lang="en-US" b="1" dirty="0"/>
+              <a:t>Multiple Linear Regression: </a:t>
+            </a:r>
+          </a:p>
+          <a:p>
+            <a:endParaRPr lang="en-US" b="1" dirty="0"/>
+          </a:p>
+          <a:p>
+            <a:r>
+              <a:rPr lang="en-US" b="1" dirty="0"/>
+              <a:t>stars ~ </a:t>
+            </a:r>
+            <a:r>
+              <a:rPr lang="en-US" b="1" dirty="0" err="1"/>
+              <a:t>checkin_count</a:t>
+            </a:r>
+            <a:r>
+              <a:rPr lang="en-US" b="1" dirty="0"/>
+              <a:t> + </a:t>
+            </a:r>
+            <a:r>
+              <a:rPr lang="en-US" b="1" dirty="0" err="1"/>
+              <a:t>review_count</a:t>
+            </a:r>
+            <a:r>
+              <a:rPr lang="en-US" b="1" dirty="0"/>
+              <a:t> + </a:t>
+            </a:r>
+            <a:r>
+              <a:rPr lang="en-US" b="1" dirty="0" err="1"/>
+              <a:t>attribute_count</a:t>
+            </a:r>
+            <a:r>
+              <a:rPr lang="en-US" b="1" dirty="0"/>
+              <a:t>  </a:t>
+            </a:r>
+          </a:p>
+          <a:p>
+            <a:endParaRPr lang="en-US" b="1" dirty="0"/>
+          </a:p>
+          <a:p>
+            <a:pPr marL="285750" indent="-285750">
+              <a:buFontTx/>
+              <a:buChar char="-"/>
+            </a:pPr>
+            <a:r>
+              <a:rPr lang="en-US" sz="1400" dirty="0"/>
+              <a:t>Dependent Variable  - Star Ratings</a:t>
+            </a:r>
+          </a:p>
+          <a:p>
+            <a:pPr marL="285750" indent="-285750">
+              <a:buFontTx/>
+              <a:buChar char="-"/>
+            </a:pPr>
+            <a:r>
+              <a:rPr lang="en-US" sz="1400" dirty="0"/>
+              <a:t>Explanatory Variables:</a:t>
+            </a:r>
+          </a:p>
+          <a:p>
+            <a:pPr marL="742950" lvl="1" indent="-285750">
+              <a:buFont typeface="Wingdings" panose="05000000000000000000" pitchFamily="2" charset="2"/>
+              <a:buChar char="§"/>
+            </a:pPr>
+            <a:r>
+              <a:rPr lang="en-US" sz="1400" dirty="0" err="1"/>
+              <a:t>Checkin</a:t>
+            </a:r>
+            <a:r>
+              <a:rPr lang="en-US" sz="1400" dirty="0"/>
+              <a:t> Count</a:t>
+            </a:r>
+          </a:p>
+          <a:p>
+            <a:pPr marL="742950" lvl="1" indent="-285750">
+              <a:buFont typeface="Wingdings" panose="05000000000000000000" pitchFamily="2" charset="2"/>
+              <a:buChar char="§"/>
+            </a:pPr>
+            <a:r>
+              <a:rPr lang="en-US" sz="1400" dirty="0"/>
+              <a:t>Review Count</a:t>
+            </a:r>
+          </a:p>
+          <a:p>
+            <a:pPr marL="742950" lvl="1" indent="-285750">
+              <a:buFont typeface="Wingdings" panose="05000000000000000000" pitchFamily="2" charset="2"/>
+              <a:buChar char="§"/>
+            </a:pPr>
+            <a:r>
+              <a:rPr lang="en-US" sz="1400" dirty="0"/>
+              <a:t>Attribute count</a:t>
+            </a:r>
+          </a:p>
+          <a:p>
+            <a:endParaRPr lang="en-US" sz="1400" b="1" dirty="0"/>
+          </a:p>
+          <a:p>
+            <a:r>
+              <a:rPr lang="en-US" sz="1400" dirty="0"/>
+              <a:t>- Shows that the review and </a:t>
+            </a:r>
+            <a:r>
+              <a:rPr lang="en-US" sz="1400" dirty="0" err="1"/>
+              <a:t>checkin</a:t>
+            </a:r>
+            <a:r>
+              <a:rPr lang="en-US" sz="1400" dirty="0"/>
+              <a:t> count have statistically significant effect on Star Rating with having p-value less than 0.05 which could mean that these two variable together could account for the variation of business star rating. </a:t>
+            </a:r>
+          </a:p>
+          <a:p>
+            <a:endParaRPr lang="en-US" sz="1400" dirty="0"/>
+          </a:p>
+          <a:p>
+            <a:endParaRPr lang="en-US" b="1" dirty="0"/>
+          </a:p>
+          <a:p>
+            <a:endParaRPr lang="en-US" b="1" dirty="0"/>
+          </a:p>
+          <a:p>
+            <a:endParaRPr lang="en-US" b="1" dirty="0"/>
+          </a:p>
+          <a:p>
+            <a:endParaRPr lang="en-US" b="1" dirty="0"/>
+          </a:p>
+          <a:p>
+            <a:endParaRPr lang="en-US" b="1" dirty="0"/>
+          </a:p>
+          <a:p>
+            <a:endParaRPr lang="en-US" b="1" dirty="0"/>
+          </a:p>
+        </p:txBody>
+      </p:sp>
+      <p:pic>
+        <p:nvPicPr>
+          <p:cNvPr id="8" name="Picture 7">
+            <a:extLst>
+              <a:ext uri="{FF2B5EF4-FFF2-40B4-BE49-F238E27FC236}">
+                <a16:creationId xmlns:a16="http://schemas.microsoft.com/office/drawing/2014/main" id="{5407DB65-AF10-F9F7-C6D2-CDFE4659C49D}"/>
+              </a:ext>
+            </a:extLst>
+          </p:cNvPr>
+          <p:cNvPicPr>
+            <a:picLocks noChangeAspect="1"/>
+          </p:cNvPicPr>
+          <p:nvPr/>
+        </p:nvPicPr>
+        <p:blipFill>
+          <a:blip r:embed="rId2"/>
+          <a:stretch>
+            <a:fillRect/>
+          </a:stretch>
+        </p:blipFill>
+        <p:spPr>
+          <a:xfrm>
+            <a:off x="7613771" y="4068629"/>
+            <a:ext cx="2057578" cy="510584"/>
+          </a:xfrm>
+          <a:prstGeom prst="rect">
+            <a:avLst/>
+          </a:prstGeom>
+        </p:spPr>
+      </p:pic>
+      <p:pic>
+        <p:nvPicPr>
+          <p:cNvPr id="5" name="Picture 4">
+            <a:extLst>
+              <a:ext uri="{FF2B5EF4-FFF2-40B4-BE49-F238E27FC236}">
+                <a16:creationId xmlns:a16="http://schemas.microsoft.com/office/drawing/2014/main" id="{65DCF183-F8D3-B02D-CDB4-37629E60295E}"/>
+              </a:ext>
+            </a:extLst>
+          </p:cNvPr>
+          <p:cNvPicPr>
+            <a:picLocks noChangeAspect="1"/>
+          </p:cNvPicPr>
+          <p:nvPr/>
+        </p:nvPicPr>
+        <p:blipFill>
+          <a:blip r:embed="rId3"/>
+          <a:stretch>
+            <a:fillRect/>
+          </a:stretch>
+        </p:blipFill>
+        <p:spPr>
+          <a:xfrm>
+            <a:off x="6196328" y="569495"/>
+            <a:ext cx="4892464" cy="4511431"/>
+          </a:xfrm>
+          <a:prstGeom prst="rect">
+            <a:avLst/>
+          </a:prstGeom>
+        </p:spPr>
+      </p:pic>
+    </p:spTree>
+    <p:extLst>
+      <p:ext uri="{BB962C8B-B14F-4D97-AF65-F5344CB8AC3E}">
+        <p14:creationId xmlns:p14="http://schemas.microsoft.com/office/powerpoint/2010/main" val="2730666283"/>
+      </p:ext>
+    </p:extLst>
+  </p:cSld>
+  <p:clrMapOvr>
+    <a:masterClrMapping/>
+  </p:clrMapOvr>
+</p:sld>
+</file>
+
+<file path=ppt/slides/slide17.xml><?xml version="1.0" encoding="utf-8"?>
+<p:sld xmlns:a="http://schemas.openxmlformats.org/drawingml/2006/main" xmlns:r="http://schemas.openxmlformats.org/officeDocument/2006/relationships" xmlns:p="http://schemas.openxmlformats.org/presentationml/2006/main">
+  <p:cSld>
+    <p:spTree>
+      <p:nvGrpSpPr>
+        <p:cNvPr id="1" name=""/>
+        <p:cNvGrpSpPr/>
+        <p:nvPr/>
+      </p:nvGrpSpPr>
+      <p:grpSpPr>
+        <a:xfrm>
+          <a:off x="0" y="0"/>
+          <a:ext cx="0" cy="0"/>
+          <a:chOff x="0" y="0"/>
+          <a:chExt cx="0" cy="0"/>
+        </a:xfrm>
+      </p:grpSpPr>
+      <p:sp>
+        <p:nvSpPr>
+          <p:cNvPr id="2" name="TextBox 1">
+            <a:extLst>
+              <a:ext uri="{FF2B5EF4-FFF2-40B4-BE49-F238E27FC236}">
+                <a16:creationId xmlns:a16="http://schemas.microsoft.com/office/drawing/2014/main" id="{F38FF061-0C27-4C4B-BC50-4056C82F92B5}"/>
+              </a:ext>
+            </a:extLst>
+          </p:cNvPr>
+          <p:cNvSpPr txBox="1"/>
+          <p:nvPr/>
+        </p:nvSpPr>
+        <p:spPr>
+          <a:xfrm>
+            <a:off x="256674" y="344905"/>
+            <a:ext cx="184731" cy="369332"/>
+          </a:xfrm>
+          <a:prstGeom prst="rect">
+            <a:avLst/>
+          </a:prstGeom>
+          <a:noFill/>
+        </p:spPr>
+        <p:txBody>
+          <a:bodyPr wrap="none" rtlCol="0">
+            <a:spAutoFit/>
+          </a:bodyPr>
+          <a:lstStyle/>
+          <a:p>
+            <a:endParaRPr lang="en-US" dirty="0"/>
+          </a:p>
+        </p:txBody>
+      </p:sp>
+      <p:sp>
+        <p:nvSpPr>
+          <p:cNvPr id="3" name="TextBox 2">
+            <a:extLst>
+              <a:ext uri="{FF2B5EF4-FFF2-40B4-BE49-F238E27FC236}">
+                <a16:creationId xmlns:a16="http://schemas.microsoft.com/office/drawing/2014/main" id="{1E798AEA-4657-4AC2-AB1F-40B93469DA1D}"/>
+              </a:ext>
+            </a:extLst>
+          </p:cNvPr>
+          <p:cNvSpPr txBox="1"/>
+          <p:nvPr/>
+        </p:nvSpPr>
+        <p:spPr>
+          <a:xfrm>
+            <a:off x="256674" y="160552"/>
+            <a:ext cx="11493921" cy="369332"/>
+          </a:xfrm>
+          <a:prstGeom prst="rect">
+            <a:avLst/>
+          </a:prstGeom>
+          <a:solidFill>
+            <a:srgbClr val="002060"/>
+          </a:solidFill>
+        </p:spPr>
+        <p:style>
+          <a:lnRef idx="1">
+            <a:schemeClr val="dk1"/>
+          </a:lnRef>
+          <a:fillRef idx="2">
+            <a:schemeClr val="dk1"/>
+          </a:fillRef>
+          <a:effectRef idx="1">
+            <a:schemeClr val="dk1"/>
+          </a:effectRef>
+          <a:fontRef idx="minor">
+            <a:schemeClr val="dk1"/>
+          </a:fontRef>
+        </p:style>
+        <p:txBody>
+          <a:bodyPr wrap="square" rtlCol="0">
+            <a:spAutoFit/>
+          </a:bodyPr>
+          <a:lstStyle/>
+          <a:p>
+            <a:r>
+              <a:rPr lang="en-US" b="1" spc="50" dirty="0">
+                <a:ln w="0"/>
+                <a:solidFill>
                   <a:schemeClr val="bg2"/>
                 </a:solidFill>
                 <a:effectLst>
@@ -6467,7 +6447,7 @@
         <p:spPr>
           <a:xfrm>
             <a:off x="256674" y="714237"/>
-            <a:ext cx="11309190" cy="646331"/>
+            <a:ext cx="11309190" cy="2308324"/>
           </a:xfrm>
           <a:prstGeom prst="rect">
             <a:avLst/>
@@ -6480,44 +6460,17 @@
           </a:bodyPr>
           <a:lstStyle/>
           <a:p>
+            <a:r>
+              <a:rPr lang="en-US" dirty="0">
+                <a:effectLst/>
+                <a:hlinkClick r:id="rId2"/>
+              </a:rPr>
+              <a:t>https://www.yelp.com/dataset</a:t>
+            </a:r>
             <a:endParaRPr lang="en-US" dirty="0">
-              <a:latin typeface="Abadi" panose="020B0604020104020204" pitchFamily="34" charset="0"/>
+              <a:effectLst/>
             </a:endParaRPr>
           </a:p>
-          <a:p>
-            <a:endParaRPr lang="en-US" dirty="0">
-              <a:latin typeface="Abadi" panose="020B0604020104020204" pitchFamily="34" charset="0"/>
-            </a:endParaRPr>
-          </a:p>
-        </p:txBody>
-      </p:sp>
-      <p:sp>
-        <p:nvSpPr>
-          <p:cNvPr id="7" name="TextBox 6">
-            <a:extLst>
-              <a:ext uri="{FF2B5EF4-FFF2-40B4-BE49-F238E27FC236}">
-                <a16:creationId xmlns:a16="http://schemas.microsoft.com/office/drawing/2014/main" id="{5B47CE0E-0877-4E98-A00B-E6A582759AE3}"/>
-              </a:ext>
-            </a:extLst>
-          </p:cNvPr>
-          <p:cNvSpPr txBox="1"/>
-          <p:nvPr/>
-        </p:nvSpPr>
-        <p:spPr>
-          <a:xfrm>
-            <a:off x="349038" y="605330"/>
-            <a:ext cx="10864393" cy="2585323"/>
-          </a:xfrm>
-          <a:prstGeom prst="rect">
-            <a:avLst/>
-          </a:prstGeom>
-          <a:noFill/>
-        </p:spPr>
-        <p:txBody>
-          <a:bodyPr wrap="square">
-            <a:spAutoFit/>
-          </a:bodyPr>
-          <a:lstStyle/>
           <a:p>
             <a:endParaRPr lang="en-US" dirty="0"/>
           </a:p>
@@ -6526,75 +6479,73 @@
               <a:rPr lang="en-US" dirty="0">
                 <a:effectLst/>
               </a:rPr>
-              <a:t>Lau, D. C. H. (2019, January 10). </a:t>
+              <a:t>Yelp, I. (2022) </a:t>
             </a:r>
             <a:r>
               <a:rPr lang="en-US" i="1" dirty="0">
                 <a:effectLst/>
               </a:rPr>
-              <a:t>5 steps of a data science project lifecycle</a:t>
+              <a:t>Yelp dataset</a:t>
             </a:r>
             <a:r>
               <a:rPr lang="en-US" dirty="0">
                 <a:effectLst/>
               </a:rPr>
-              <a:t>. Towards Data Science. https://towardsdatascience.com/5-steps-of-a-data-science-project-lifecycle-26c50372b492</a:t>
-            </a:r>
-          </a:p>
-          <a:p>
-            <a:endParaRPr lang="en-US" dirty="0"/>
-          </a:p>
-          <a:p>
+              <a:t>, </a:t>
+            </a:r>
             <a:r>
               <a:rPr lang="en-US" i="1" dirty="0">
                 <a:effectLst/>
               </a:rPr>
-              <a:t>Upasana. </a:t>
+              <a:t>Kaggle</a:t>
             </a:r>
             <a:r>
               <a:rPr lang="en-US" dirty="0">
                 <a:effectLst/>
               </a:rPr>
-              <a:t>(2021, July 15). </a:t>
+              <a:t>. Available at: https://www.kaggle.com/datasets/yelp-dataset/yelp-dataset (Accessed: March 4, 2023). </a:t>
+            </a:r>
+          </a:p>
+          <a:p>
+            <a:endParaRPr lang="en-US" dirty="0"/>
+          </a:p>
+          <a:p>
+            <a:r>
+              <a:rPr lang="en-US" dirty="0" err="1">
+                <a:effectLst/>
+              </a:rPr>
+              <a:t>Alifierakis</a:t>
+            </a:r>
+            <a:r>
+              <a:rPr lang="en-US" dirty="0">
+                <a:effectLst/>
+              </a:rPr>
+              <a:t>, M. (2018) </a:t>
             </a:r>
             <a:r>
               <a:rPr lang="en-US" i="1" dirty="0">
                 <a:effectLst/>
               </a:rPr>
-              <a:t>Data science Applications: Top 10 use cases of data science</a:t>
+              <a:t>Using yelp data to predict restaurant closure</a:t>
             </a:r>
             <a:r>
               <a:rPr lang="en-US" dirty="0">
                 <a:effectLst/>
               </a:rPr>
-              <a:t>. </a:t>
-            </a:r>
-            <a:r>
-              <a:rPr lang="en-US" dirty="0" err="1">
+              <a:t>, </a:t>
+            </a:r>
+            <a:r>
+              <a:rPr lang="en-US" i="1" dirty="0">
                 <a:effectLst/>
               </a:rPr>
-              <a:t>Edureka</a:t>
+              <a:t>Medium</a:t>
             </a:r>
             <a:r>
               <a:rPr lang="en-US" dirty="0">
                 <a:effectLst/>
               </a:rPr>
-              <a:t>. https://www.edureka.co/blog/data-science-applications/. </a:t>
-            </a:r>
-          </a:p>
-          <a:p>
-            <a:endParaRPr lang="en-US" dirty="0"/>
-          </a:p>
-          <a:p>
-            <a:r>
-              <a:rPr lang="en-US" dirty="0">
-                <a:effectLst/>
-              </a:rPr>
-              <a:t>https://observablehq.com/@louismlym/assignment-2-exploratory-data-analysis</a:t>
-            </a:r>
-          </a:p>
-          <a:p>
-            <a:endParaRPr lang="en-US" dirty="0"/>
+              <a:t>. Towards Data Science. Available at: https://towardsdatascience.com/using-yelp-data-to-predict-restaurant-closure-8aafa4f72ad6 (Accessed: March 4, 2023). </a:t>
+            </a:r>
           </a:p>
         </p:txBody>
       </p:sp>
@@ -6738,7 +6689,7 @@
         <p:spPr>
           <a:xfrm>
             <a:off x="256674" y="898590"/>
-            <a:ext cx="11935326" cy="5847755"/>
+            <a:ext cx="11935326" cy="5570756"/>
           </a:xfrm>
           <a:prstGeom prst="rect">
             <a:avLst/>
@@ -6753,18 +6704,8 @@
           <a:p>
             <a:pPr algn="l" fontAlgn="t"/>
             <a:r>
-              <a:rPr lang="en-US" b="0" i="0" dirty="0">
-                <a:solidFill>
-                  <a:srgbClr val="4D5156"/>
-                </a:solidFill>
-                <a:effectLst/>
-                <a:latin typeface="Roboto" panose="02000000000000000000" pitchFamily="2" charset="0"/>
-              </a:rPr>
-              <a:t>              </a:t>
-            </a:r>
-            <a:r>
               <a:rPr lang="en-US" sz="1600" b="1" dirty="0"/>
-              <a:t>is a website with business directory and customer rate, comment, provide tip and contact these establishment where enterprises can get listed and found online. Customers can find them, contact them and rate them. Yelp is used like Yellow Pages but online and interactive where customers can collaborate and provide meaningful feedback.</a:t>
+              <a:t>                   is a platform used by customers to find details about the business, contact and rate them. Yelp is used like Yellow Pages but more interactive where customers can collaborate and provide meaningful feedback of the businesses.</a:t>
             </a:r>
           </a:p>
           <a:p>
@@ -6980,8 +6921,8 @@
         </p:blipFill>
         <p:spPr>
           <a:xfrm>
-            <a:off x="256674" y="677678"/>
-            <a:ext cx="804491" cy="493096"/>
+            <a:off x="256674" y="652042"/>
+            <a:ext cx="1273546" cy="493096"/>
           </a:xfrm>
           <a:prstGeom prst="rect">
             <a:avLst/>
@@ -7128,7 +7069,7 @@
         <p:spPr>
           <a:xfrm>
             <a:off x="441405" y="1059873"/>
-            <a:ext cx="11309190" cy="3416320"/>
+            <a:ext cx="11309190" cy="2339102"/>
           </a:xfrm>
           <a:prstGeom prst="rect">
             <a:avLst/>
@@ -7142,16 +7083,12 @@
           <a:lstStyle/>
           <a:p>
             <a:r>
-              <a:rPr lang="en-US" dirty="0">
-                <a:latin typeface="Abadi" panose="020B0604020104020204" pitchFamily="34" charset="0"/>
-              </a:rPr>
+              <a:rPr lang="en-US" sz="1600" b="1" dirty="0"/>
               <a:t>Analysis Questions: </a:t>
             </a:r>
           </a:p>
           <a:p>
-            <a:endParaRPr lang="en-US" dirty="0">
-              <a:latin typeface="Abadi" panose="020B0604020104020204" pitchFamily="34" charset="0"/>
-            </a:endParaRPr>
+            <a:endParaRPr lang="en-US" sz="1600" b="1" dirty="0"/>
           </a:p>
           <a:p>
             <a:pPr marL="285750" indent="-285750">
@@ -7159,16 +7096,12 @@
               <a:buChar char="ü"/>
             </a:pPr>
             <a:r>
-              <a:rPr lang="en-US" dirty="0">
-                <a:latin typeface="Abadi" panose="020B0604020104020204" pitchFamily="34" charset="0"/>
-              </a:rPr>
+              <a:rPr lang="en-US" sz="1600" b="1" dirty="0"/>
               <a:t>What are the factors that impacts the rating of the business establishment</a:t>
             </a:r>
           </a:p>
           <a:p>
-            <a:endParaRPr lang="en-US" dirty="0">
-              <a:latin typeface="Abadi" panose="020B0604020104020204" pitchFamily="34" charset="0"/>
-            </a:endParaRPr>
+            <a:endParaRPr lang="en-US" sz="1600" b="1" dirty="0"/>
           </a:p>
           <a:p>
             <a:pPr marL="285750" indent="-285750">
@@ -7176,33 +7109,16 @@
               <a:buChar char="ü"/>
             </a:pPr>
             <a:r>
-              <a:rPr lang="en-US" dirty="0">
-                <a:latin typeface="Abadi" panose="020B0604020104020204" pitchFamily="34" charset="0"/>
-              </a:rPr>
-              <a:t>How can features and attribute impacts the establishment outcome</a:t>
-            </a:r>
-          </a:p>
-          <a:p>
-            <a:endParaRPr lang="en-US" dirty="0">
-              <a:latin typeface="Abadi" panose="020B0604020104020204" pitchFamily="34" charset="0"/>
-            </a:endParaRPr>
+              <a:rPr lang="en-US" sz="1600" b="1" dirty="0"/>
+              <a:t>How can rating impacts the establishment outcome (Is Open or Close)?</a:t>
+            </a:r>
           </a:p>
           <a:p>
             <a:pPr marL="285750" indent="-285750">
               <a:buFont typeface="Wingdings" panose="05000000000000000000" pitchFamily="2" charset="2"/>
               <a:buChar char="ü"/>
             </a:pPr>
-            <a:r>
-              <a:rPr lang="en-US" dirty="0">
-                <a:latin typeface="Abadi" panose="020B0604020104020204" pitchFamily="34" charset="0"/>
-              </a:rPr>
-              <a:t>How does the attributes or features affect rating or reviews</a:t>
-            </a:r>
-          </a:p>
-          <a:p>
-            <a:endParaRPr lang="en-US" dirty="0">
-              <a:latin typeface="Abadi" panose="020B0604020104020204" pitchFamily="34" charset="0"/>
-            </a:endParaRPr>
+            <a:endParaRPr lang="en-US" sz="1600" b="1" dirty="0"/>
           </a:p>
           <a:p>
             <a:pPr marL="285750" indent="-285750">
@@ -7210,28 +7126,12 @@
               <a:buChar char="ü"/>
             </a:pPr>
             <a:r>
-              <a:rPr lang="en-US" dirty="0">
-                <a:latin typeface="Abadi" panose="020B0604020104020204" pitchFamily="34" charset="0"/>
-              </a:rPr>
+              <a:rPr lang="en-US" sz="1600" b="1" dirty="0"/>
               <a:t>Is there any association between number of check-ins and number of reviews</a:t>
             </a:r>
           </a:p>
           <a:p>
-            <a:endParaRPr lang="en-US" dirty="0">
-              <a:latin typeface="Abadi" panose="020B0604020104020204" pitchFamily="34" charset="0"/>
-            </a:endParaRPr>
-          </a:p>
-          <a:p>
-            <a:pPr marL="285750" indent="-285750">
-              <a:buFont typeface="Wingdings" panose="05000000000000000000" pitchFamily="2" charset="2"/>
-              <a:buChar char="ü"/>
-            </a:pPr>
-            <a:r>
-              <a:rPr lang="en-US" dirty="0">
-                <a:latin typeface="Abadi" panose="020B0604020104020204" pitchFamily="34" charset="0"/>
-              </a:rPr>
-              <a:t>Can we predict a closure of a business establishment? </a:t>
-            </a:r>
+            <a:endParaRPr lang="en-US" sz="1600" b="1" dirty="0"/>
           </a:p>
           <a:p>
             <a:endParaRPr lang="en-US" dirty="0">
@@ -7434,8 +7334,8 @@
         </p:nvSpPr>
         <p:spPr>
           <a:xfrm>
-            <a:off x="256674" y="754527"/>
-            <a:ext cx="5050264" cy="646331"/>
+            <a:off x="256674" y="700148"/>
+            <a:ext cx="5050264" cy="8956298"/>
           </a:xfrm>
           <a:prstGeom prst="rect">
             <a:avLst/>
@@ -7458,6 +7358,116 @@
               <a:rPr lang="en-US" b="1" dirty="0"/>
               <a:t>  </a:t>
             </a:r>
+          </a:p>
+          <a:p>
+            <a:r>
+              <a:rPr lang="en-US" b="1" dirty="0"/>
+              <a:t>1. Star (Rating)</a:t>
+            </a:r>
+            <a:endParaRPr lang="en-US" dirty="0"/>
+          </a:p>
+          <a:p>
+            <a:pPr marL="285750" indent="-285750">
+              <a:buFontTx/>
+              <a:buChar char="-"/>
+            </a:pPr>
+            <a:r>
+              <a:rPr lang="en-US" dirty="0"/>
+              <a:t>In float format and rounded to half-stars for a business ID</a:t>
+            </a:r>
+            <a:r>
+              <a:rPr lang="en-US" b="1" dirty="0"/>
+              <a:t> </a:t>
+            </a:r>
+          </a:p>
+          <a:p>
+            <a:pPr marL="285750" indent="-285750">
+              <a:buFontTx/>
+              <a:buChar char="-"/>
+            </a:pPr>
+            <a:r>
+              <a:rPr lang="en-US" dirty="0"/>
+              <a:t>The distribution is approximately bell shape which is the shape of the Normal Distribution</a:t>
+            </a:r>
+          </a:p>
+          <a:p>
+            <a:pPr marL="285750" indent="-285750">
+              <a:buFontTx/>
+              <a:buChar char="-"/>
+            </a:pPr>
+            <a:r>
+              <a:rPr lang="en-US" dirty="0"/>
+              <a:t>Tail extends farther to the left compared to the right.</a:t>
+            </a:r>
+          </a:p>
+          <a:p>
+            <a:pPr marL="285750" indent="-285750">
+              <a:buFontTx/>
+              <a:buChar char="-"/>
+            </a:pPr>
+            <a:endParaRPr lang="en-US" dirty="0"/>
+          </a:p>
+          <a:p>
+            <a:r>
+              <a:rPr lang="en-US" b="1" dirty="0"/>
+              <a:t>2. Review Count</a:t>
+            </a:r>
+          </a:p>
+          <a:p>
+            <a:pPr marL="285750" indent="-285750">
+              <a:buFontTx/>
+              <a:buChar char="-"/>
+            </a:pPr>
+            <a:r>
+              <a:rPr lang="en-US" dirty="0"/>
+              <a:t>Integer type of total number of reviews for a business ID</a:t>
+            </a:r>
+          </a:p>
+          <a:p>
+            <a:pPr marL="285750" indent="-285750">
+              <a:buFontTx/>
+              <a:buChar char="-"/>
+            </a:pPr>
+            <a:r>
+              <a:rPr lang="en-US" dirty="0"/>
+              <a:t>The distribution is right skewed. This can be due to the quality of review data and to understand more about the data, the review datasets can be analyzed to identify and clean-up for bias and outliers. Review dataset which is not currently in scope for my analysis.</a:t>
+            </a:r>
+          </a:p>
+          <a:p>
+            <a:endParaRPr lang="en-US" b="1" dirty="0"/>
+          </a:p>
+          <a:p>
+            <a:endParaRPr lang="en-US" b="1" dirty="0"/>
+          </a:p>
+          <a:p>
+            <a:endParaRPr lang="en-US" b="1" dirty="0"/>
+          </a:p>
+          <a:p>
+            <a:endParaRPr lang="en-US" b="1" dirty="0"/>
+          </a:p>
+          <a:p>
+            <a:endParaRPr lang="en-US" b="1" dirty="0"/>
+          </a:p>
+          <a:p>
+            <a:endParaRPr lang="en-US" b="1" dirty="0"/>
+          </a:p>
+          <a:p>
+            <a:endParaRPr lang="en-US" b="1" dirty="0"/>
+          </a:p>
+          <a:p>
+            <a:endParaRPr lang="en-US" b="1" dirty="0"/>
+          </a:p>
+          <a:p>
+            <a:endParaRPr lang="en-US" b="1" dirty="0"/>
+          </a:p>
+          <a:p>
+            <a:endParaRPr lang="en-US" b="1" dirty="0"/>
+          </a:p>
+          <a:p>
+            <a:endParaRPr lang="en-US" b="1" dirty="0"/>
+          </a:p>
+          <a:p>
+            <a:endParaRPr lang="en-US" b="1" dirty="0"/>
           </a:p>
         </p:txBody>
       </p:sp>
@@ -7483,8 +7493,8 @@
         </p:blipFill>
         <p:spPr>
           <a:xfrm>
-            <a:off x="7091858" y="556073"/>
-            <a:ext cx="3101403" cy="1689570"/>
+            <a:off x="6356376" y="820782"/>
+            <a:ext cx="3965510" cy="2263569"/>
           </a:xfrm>
           <a:prstGeom prst="rect">
             <a:avLst/>
@@ -7493,10 +7503,10 @@
       </p:pic>
       <p:pic>
         <p:nvPicPr>
-          <p:cNvPr id="10" name="Picture 9">
-            <a:extLst>
-              <a:ext uri="{FF2B5EF4-FFF2-40B4-BE49-F238E27FC236}">
-                <a16:creationId xmlns:a16="http://schemas.microsoft.com/office/drawing/2014/main" id="{D2193146-F864-C643-CF50-0508B8D48D7E}"/>
+          <p:cNvPr id="5" name="Picture 4">
+            <a:extLst>
+              <a:ext uri="{FF2B5EF4-FFF2-40B4-BE49-F238E27FC236}">
+                <a16:creationId xmlns:a16="http://schemas.microsoft.com/office/drawing/2014/main" id="{FBF1272A-F822-34DF-0930-4413C8F3076C}"/>
               </a:ext>
             </a:extLst>
           </p:cNvPr>
@@ -7513,8 +7523,8 @@
         </p:blipFill>
         <p:spPr>
           <a:xfrm>
-            <a:off x="7051011" y="2484381"/>
-            <a:ext cx="3183095" cy="1819716"/>
+            <a:off x="6434549" y="3375250"/>
+            <a:ext cx="3809165" cy="2617580"/>
           </a:xfrm>
           <a:prstGeom prst="rect">
             <a:avLst/>
@@ -7644,42 +7654,7 @@
                   </a:innerShdw>
                 </a:effectLst>
               </a:rPr>
-              <a:t>Histogram of Variables</a:t>
-            </a:r>
-          </a:p>
-        </p:txBody>
-      </p:sp>
-      <p:sp>
-        <p:nvSpPr>
-          <p:cNvPr id="4" name="TextBox 3">
-            <a:extLst>
-              <a:ext uri="{FF2B5EF4-FFF2-40B4-BE49-F238E27FC236}">
-                <a16:creationId xmlns:a16="http://schemas.microsoft.com/office/drawing/2014/main" id="{0494F424-6881-47BC-BF59-9F51B0AFEB07}"/>
-              </a:ext>
-            </a:extLst>
-          </p:cNvPr>
-          <p:cNvSpPr txBox="1"/>
-          <p:nvPr/>
-        </p:nvSpPr>
-        <p:spPr>
-          <a:xfrm>
-            <a:off x="256674" y="1393658"/>
-            <a:ext cx="4764505" cy="369332"/>
-          </a:xfrm>
-          <a:prstGeom prst="rect">
-            <a:avLst/>
-          </a:prstGeom>
-          <a:noFill/>
-        </p:spPr>
-        <p:txBody>
-          <a:bodyPr wrap="square" rtlCol="0">
-            <a:spAutoFit/>
-          </a:bodyPr>
-          <a:lstStyle/>
-          <a:p>
-            <a:r>
-              <a:rPr lang="en-US" b="1" dirty="0"/>
-              <a:t>In current process: </a:t>
+              <a:t>Variables</a:t>
             </a:r>
           </a:p>
         </p:txBody>
@@ -7738,10 +7713,10 @@
       </p:sp>
       <p:sp>
         <p:nvSpPr>
-          <p:cNvPr id="30" name="TextBox 29">
-            <a:extLst>
-              <a:ext uri="{FF2B5EF4-FFF2-40B4-BE49-F238E27FC236}">
-                <a16:creationId xmlns:a16="http://schemas.microsoft.com/office/drawing/2014/main" id="{860839E2-437F-4897-AF64-A99806966140}"/>
+          <p:cNvPr id="34" name="TextBox 33">
+            <a:extLst>
+              <a:ext uri="{FF2B5EF4-FFF2-40B4-BE49-F238E27FC236}">
+                <a16:creationId xmlns:a16="http://schemas.microsoft.com/office/drawing/2014/main" id="{5C65E7A6-314E-4449-91B1-59D7CD7887B1}"/>
               </a:ext>
             </a:extLst>
           </p:cNvPr>
@@ -7750,8 +7725,8 @@
         </p:nvSpPr>
         <p:spPr>
           <a:xfrm>
-            <a:off x="5955704" y="1393658"/>
-            <a:ext cx="4764505" cy="369332"/>
+            <a:off x="256674" y="700148"/>
+            <a:ext cx="5050264" cy="7571303"/>
           </a:xfrm>
           <a:prstGeom prst="rect">
             <a:avLst/>
@@ -7765,22 +7740,130 @@
           <a:lstStyle/>
           <a:p>
             <a:r>
-              <a:rPr lang="en-US" b="1" dirty="0">
-                <a:solidFill>
-                  <a:schemeClr val="bg1"/>
-                </a:solidFill>
-              </a:rPr>
-              <a:t>In Data Science </a:t>
-            </a:r>
+              <a:rPr lang="en-US" b="1" dirty="0"/>
+              <a:t> Business Dataset</a:t>
+            </a:r>
+          </a:p>
+          <a:p>
+            <a:r>
+              <a:rPr lang="en-US" b="1" dirty="0"/>
+              <a:t>  </a:t>
+            </a:r>
+          </a:p>
+          <a:p>
+            <a:r>
+              <a:rPr lang="en-US" b="1" dirty="0"/>
+              <a:t>3. Attributes and Features that are True (derived new variable)</a:t>
+            </a:r>
+            <a:endParaRPr lang="en-US" dirty="0"/>
+          </a:p>
+          <a:p>
+            <a:pPr marL="285750" indent="-285750">
+              <a:buFontTx/>
+              <a:buChar char="-"/>
+            </a:pPr>
+            <a:r>
+              <a:rPr lang="en-US" dirty="0"/>
+              <a:t>Integer that represent the count of attributes with key/</a:t>
+            </a:r>
+            <a:r>
+              <a:rPr lang="en-US" dirty="0" err="1"/>
+              <a:t>vaue</a:t>
+            </a:r>
+            <a:r>
+              <a:rPr lang="en-US" dirty="0"/>
+              <a:t> = ‘True’. (i.e., Dine-in, Deliveries)</a:t>
+            </a:r>
+            <a:endParaRPr lang="en-US" b="1" dirty="0"/>
+          </a:p>
+          <a:p>
+            <a:pPr marL="285750" indent="-285750">
+              <a:buFontTx/>
+              <a:buChar char="-"/>
+            </a:pPr>
+            <a:r>
+              <a:rPr lang="en-US" dirty="0"/>
+              <a:t>The distribution is approximately bell shape which is the shape of the Normal Distribution</a:t>
+            </a:r>
+          </a:p>
+          <a:p>
+            <a:endParaRPr lang="en-US" dirty="0"/>
+          </a:p>
+          <a:p>
+            <a:r>
+              <a:rPr lang="en-US" b="1" dirty="0"/>
+              <a:t>4. Price </a:t>
+            </a:r>
+          </a:p>
+          <a:p>
+            <a:pPr marL="285750" indent="-285750">
+              <a:buFontTx/>
+              <a:buChar char="-"/>
+            </a:pPr>
+            <a:r>
+              <a:rPr lang="en-US" dirty="0"/>
+              <a:t>Integer which represent the Price</a:t>
+            </a:r>
+          </a:p>
+          <a:p>
+            <a:pPr marL="742950" lvl="1" indent="-285750">
+              <a:buFontTx/>
+              <a:buChar char="-"/>
+            </a:pPr>
+            <a:r>
+              <a:rPr lang="en-US" dirty="0"/>
+              <a:t>1 ($); 2 ($$); 3($$$)…</a:t>
+            </a:r>
+          </a:p>
+          <a:p>
+            <a:pPr marL="285750" indent="-285750">
+              <a:buFontTx/>
+              <a:buChar char="-"/>
+            </a:pPr>
+            <a:r>
+              <a:rPr lang="en-US" dirty="0"/>
+              <a:t>The distribution is right skewed showing that it is less common for Restaurant and Food businesses in yelp to have food prices averaging to hundreds.</a:t>
+            </a:r>
+            <a:endParaRPr lang="en-US" b="1" dirty="0"/>
+          </a:p>
+          <a:p>
+            <a:endParaRPr lang="en-US" b="1" dirty="0"/>
+          </a:p>
+          <a:p>
+            <a:endParaRPr lang="en-US" b="1" dirty="0"/>
+          </a:p>
+          <a:p>
+            <a:endParaRPr lang="en-US" b="1" dirty="0"/>
+          </a:p>
+          <a:p>
+            <a:endParaRPr lang="en-US" b="1" dirty="0"/>
+          </a:p>
+          <a:p>
+            <a:endParaRPr lang="en-US" b="1" dirty="0"/>
+          </a:p>
+          <a:p>
+            <a:endParaRPr lang="en-US" b="1" dirty="0"/>
+          </a:p>
+          <a:p>
+            <a:endParaRPr lang="en-US" b="1" dirty="0"/>
+          </a:p>
+          <a:p>
+            <a:endParaRPr lang="en-US" b="1" dirty="0"/>
+          </a:p>
+          <a:p>
+            <a:endParaRPr lang="en-US" b="1" dirty="0"/>
+          </a:p>
+          <a:p>
+            <a:endParaRPr lang="en-US" b="1" dirty="0"/>
           </a:p>
         </p:txBody>
       </p:sp>
       <p:pic>
         <p:nvPicPr>
-          <p:cNvPr id="31" name="Graphic 30" descr="Document outline">
-            <a:extLst>
-              <a:ext uri="{FF2B5EF4-FFF2-40B4-BE49-F238E27FC236}">
-                <a16:creationId xmlns:a16="http://schemas.microsoft.com/office/drawing/2014/main" id="{FA723BAA-BC8D-4C8D-94AE-23036703FE8C}"/>
+          <p:cNvPr id="7" name="Picture 6">
+            <a:extLst>
+              <a:ext uri="{FF2B5EF4-FFF2-40B4-BE49-F238E27FC236}">
+                <a16:creationId xmlns:a16="http://schemas.microsoft.com/office/drawing/2014/main" id="{0BDE7B4C-9387-8B9D-B8E2-373D291E38BA}"/>
               </a:ext>
             </a:extLst>
           </p:cNvPr>
@@ -7790,21 +7873,15 @@
           <p:nvPr/>
         </p:nvPicPr>
         <p:blipFill>
-          <a:blip r:embed="rId2">
-            <a:extLst>
-              <a:ext uri="{96DAC541-7B7A-43D3-8B79-37D633B846F1}">
-                <asvg:svgBlip xmlns:asvg="http://schemas.microsoft.com/office/drawing/2016/SVG/main" r:embed="rId3"/>
-              </a:ext>
-            </a:extLst>
-          </a:blip>
+          <a:blip r:embed="rId2"/>
           <a:stretch>
             <a:fillRect/>
           </a:stretch>
         </p:blipFill>
         <p:spPr>
           <a:xfrm>
-            <a:off x="231168" y="1723045"/>
-            <a:ext cx="914400" cy="914400"/>
+            <a:off x="6386050" y="617752"/>
+            <a:ext cx="4014009" cy="2327522"/>
           </a:xfrm>
           <a:prstGeom prst="rect">
             <a:avLst/>
@@ -7813,10 +7890,10 @@
       </p:pic>
       <p:pic>
         <p:nvPicPr>
-          <p:cNvPr id="32" name="Graphic 31" descr="Business Growth">
-            <a:extLst>
-              <a:ext uri="{FF2B5EF4-FFF2-40B4-BE49-F238E27FC236}">
-                <a16:creationId xmlns:a16="http://schemas.microsoft.com/office/drawing/2014/main" id="{42BC1A1A-2056-4FB9-B9C7-CF071EB17007}"/>
+          <p:cNvPr id="10" name="Picture 9">
+            <a:extLst>
+              <a:ext uri="{FF2B5EF4-FFF2-40B4-BE49-F238E27FC236}">
+                <a16:creationId xmlns:a16="http://schemas.microsoft.com/office/drawing/2014/main" id="{9A4DB115-5413-F545-8A2D-60289F09BDE3}"/>
               </a:ext>
             </a:extLst>
           </p:cNvPr>
@@ -7826,897 +7903,15 @@
           <p:nvPr/>
         </p:nvPicPr>
         <p:blipFill>
-          <a:blip r:embed="rId4">
-            <a:extLst>
-              <a:ext uri="{28A0092B-C50C-407E-A947-70E740481C1C}">
-                <a14:useLocalDpi xmlns:a14="http://schemas.microsoft.com/office/drawing/2010/main" val="0"/>
-              </a:ext>
-              <a:ext uri="{96DAC541-7B7A-43D3-8B79-37D633B846F1}">
-                <asvg:svgBlip xmlns:asvg="http://schemas.microsoft.com/office/drawing/2016/SVG/main" r:embed="rId5"/>
-              </a:ext>
-            </a:extLst>
-          </a:blip>
+          <a:blip r:embed="rId3"/>
           <a:stretch>
             <a:fillRect/>
           </a:stretch>
         </p:blipFill>
         <p:spPr>
           <a:xfrm>
-            <a:off x="349039" y="5198765"/>
-            <a:ext cx="914400" cy="914400"/>
-          </a:xfrm>
-          <a:prstGeom prst="rect">
-            <a:avLst/>
-          </a:prstGeom>
-        </p:spPr>
-      </p:pic>
-      <p:pic>
-        <p:nvPicPr>
-          <p:cNvPr id="33" name="Graphic 32" descr="Research">
-            <a:extLst>
-              <a:ext uri="{FF2B5EF4-FFF2-40B4-BE49-F238E27FC236}">
-                <a16:creationId xmlns:a16="http://schemas.microsoft.com/office/drawing/2014/main" id="{FC4FA48B-6EC7-4798-ACFC-15A9973466A2}"/>
-              </a:ext>
-            </a:extLst>
-          </p:cNvPr>
-          <p:cNvPicPr>
-            <a:picLocks noChangeAspect="1"/>
-          </p:cNvPicPr>
-          <p:nvPr/>
-        </p:nvPicPr>
-        <p:blipFill>
-          <a:blip r:embed="rId6">
-            <a:extLst>
-              <a:ext uri="{28A0092B-C50C-407E-A947-70E740481C1C}">
-                <a14:useLocalDpi xmlns:a14="http://schemas.microsoft.com/office/drawing/2010/main" val="0"/>
-              </a:ext>
-              <a:ext uri="{96DAC541-7B7A-43D3-8B79-37D633B846F1}">
-                <asvg:svgBlip xmlns:asvg="http://schemas.microsoft.com/office/drawing/2016/SVG/main" r:embed="rId7"/>
-              </a:ext>
-            </a:extLst>
-          </a:blip>
-          <a:stretch>
-            <a:fillRect/>
-          </a:stretch>
-        </p:blipFill>
-        <p:spPr>
-          <a:xfrm>
-            <a:off x="273744" y="4050276"/>
-            <a:ext cx="914400" cy="914400"/>
-          </a:xfrm>
-          <a:prstGeom prst="rect">
-            <a:avLst/>
-          </a:prstGeom>
-        </p:spPr>
-      </p:pic>
-      <p:sp>
-        <p:nvSpPr>
-          <p:cNvPr id="34" name="TextBox 33">
-            <a:extLst>
-              <a:ext uri="{FF2B5EF4-FFF2-40B4-BE49-F238E27FC236}">
-                <a16:creationId xmlns:a16="http://schemas.microsoft.com/office/drawing/2014/main" id="{5C65E7A6-314E-4449-91B1-59D7CD7887B1}"/>
-              </a:ext>
-            </a:extLst>
-          </p:cNvPr>
-          <p:cNvSpPr txBox="1"/>
-          <p:nvPr/>
-        </p:nvSpPr>
-        <p:spPr>
-          <a:xfrm>
-            <a:off x="256674" y="754527"/>
-            <a:ext cx="2605200" cy="369332"/>
-          </a:xfrm>
-          <a:prstGeom prst="rect">
-            <a:avLst/>
-          </a:prstGeom>
-          <a:noFill/>
-        </p:spPr>
-        <p:txBody>
-          <a:bodyPr wrap="none" rtlCol="0">
-            <a:spAutoFit/>
-          </a:bodyPr>
-          <a:lstStyle/>
-          <a:p>
-            <a:r>
-              <a:rPr lang="en-US" b="1" dirty="0"/>
-              <a:t>The use of Data assets.... </a:t>
-            </a:r>
-          </a:p>
-        </p:txBody>
-      </p:sp>
-      <p:sp>
-        <p:nvSpPr>
-          <p:cNvPr id="35" name="TextBox 34">
-            <a:extLst>
-              <a:ext uri="{FF2B5EF4-FFF2-40B4-BE49-F238E27FC236}">
-                <a16:creationId xmlns:a16="http://schemas.microsoft.com/office/drawing/2014/main" id="{B1EBE2CD-F320-439D-B061-499A06CC028E}"/>
-              </a:ext>
-            </a:extLst>
-          </p:cNvPr>
-          <p:cNvSpPr txBox="1"/>
-          <p:nvPr/>
-        </p:nvSpPr>
-        <p:spPr>
-          <a:xfrm>
-            <a:off x="1004819" y="2017334"/>
-            <a:ext cx="4578497" cy="738664"/>
-          </a:xfrm>
-          <a:prstGeom prst="rect">
-            <a:avLst/>
-          </a:prstGeom>
-          <a:noFill/>
-        </p:spPr>
-        <p:txBody>
-          <a:bodyPr wrap="none" rtlCol="0">
-            <a:spAutoFit/>
-          </a:bodyPr>
-          <a:lstStyle/>
-          <a:p>
-            <a:r>
-              <a:rPr lang="en-US" sz="1400" b="1" dirty="0">
-                <a:latin typeface="Abadi" panose="020B0604020104020204" pitchFamily="34" charset="0"/>
-              </a:rPr>
-              <a:t>Reports </a:t>
-            </a:r>
-            <a:r>
-              <a:rPr lang="en-US" sz="1400" dirty="0">
-                <a:latin typeface="Abadi" panose="020B0604020104020204" pitchFamily="34" charset="0"/>
-              </a:rPr>
-              <a:t>representation of historical data to show current </a:t>
-            </a:r>
-          </a:p>
-          <a:p>
-            <a:r>
-              <a:rPr lang="en-US" sz="1400" dirty="0">
-                <a:latin typeface="Abadi" panose="020B0604020104020204" pitchFamily="34" charset="0"/>
-              </a:rPr>
-              <a:t>metrices and information in different user-friendly format</a:t>
-            </a:r>
-          </a:p>
-          <a:p>
-            <a:endParaRPr lang="en-US" sz="1400" dirty="0">
-              <a:latin typeface="Abadi" panose="020B0604020104020204" pitchFamily="34" charset="0"/>
-            </a:endParaRPr>
-          </a:p>
-        </p:txBody>
-      </p:sp>
-      <p:cxnSp>
-        <p:nvCxnSpPr>
-          <p:cNvPr id="37" name="Straight Connector 36">
-            <a:extLst>
-              <a:ext uri="{FF2B5EF4-FFF2-40B4-BE49-F238E27FC236}">
-                <a16:creationId xmlns:a16="http://schemas.microsoft.com/office/drawing/2014/main" id="{2A41B59E-DCD8-430B-976D-6DADFC4B2759}"/>
-              </a:ext>
-            </a:extLst>
-          </p:cNvPr>
-          <p:cNvCxnSpPr/>
-          <p:nvPr/>
-        </p:nvCxnSpPr>
-        <p:spPr>
-          <a:xfrm flipV="1">
-            <a:off x="349039" y="1699370"/>
-            <a:ext cx="4711334" cy="39304"/>
-          </a:xfrm>
-          <a:prstGeom prst="line">
-            <a:avLst/>
-          </a:prstGeom>
-          <a:ln>
-            <a:solidFill>
-              <a:schemeClr val="bg1">
-                <a:lumMod val="65000"/>
-              </a:schemeClr>
-            </a:solidFill>
-          </a:ln>
-        </p:spPr>
-        <p:style>
-          <a:lnRef idx="1">
-            <a:schemeClr val="dk1"/>
-          </a:lnRef>
-          <a:fillRef idx="0">
-            <a:schemeClr val="dk1"/>
-          </a:fillRef>
-          <a:effectRef idx="0">
-            <a:schemeClr val="dk1"/>
-          </a:effectRef>
-          <a:fontRef idx="minor">
-            <a:schemeClr val="tx1"/>
-          </a:fontRef>
-        </p:style>
-      </p:cxnSp>
-      <p:cxnSp>
-        <p:nvCxnSpPr>
-          <p:cNvPr id="38" name="Straight Connector 37">
-            <a:extLst>
-              <a:ext uri="{FF2B5EF4-FFF2-40B4-BE49-F238E27FC236}">
-                <a16:creationId xmlns:a16="http://schemas.microsoft.com/office/drawing/2014/main" id="{AE2C70F8-01A8-479E-8ECC-C964C9AC48CA}"/>
-              </a:ext>
-            </a:extLst>
-          </p:cNvPr>
-          <p:cNvCxnSpPr>
-            <a:cxnSpLocks/>
-          </p:cNvCxnSpPr>
-          <p:nvPr/>
-        </p:nvCxnSpPr>
-        <p:spPr>
-          <a:xfrm flipV="1">
-            <a:off x="6112238" y="1678735"/>
-            <a:ext cx="5448300" cy="27056"/>
-          </a:xfrm>
-          <a:prstGeom prst="line">
-            <a:avLst/>
-          </a:prstGeom>
-          <a:ln>
-            <a:solidFill>
-              <a:schemeClr val="bg1">
-                <a:lumMod val="65000"/>
-              </a:schemeClr>
-            </a:solidFill>
-          </a:ln>
-        </p:spPr>
-        <p:style>
-          <a:lnRef idx="1">
-            <a:schemeClr val="dk1"/>
-          </a:lnRef>
-          <a:fillRef idx="0">
-            <a:schemeClr val="dk1"/>
-          </a:fillRef>
-          <a:effectRef idx="0">
-            <a:schemeClr val="dk1"/>
-          </a:effectRef>
-          <a:fontRef idx="minor">
-            <a:schemeClr val="tx1"/>
-          </a:fontRef>
-        </p:style>
-      </p:cxnSp>
-      <p:sp>
-        <p:nvSpPr>
-          <p:cNvPr id="40" name="TextBox 39">
-            <a:extLst>
-              <a:ext uri="{FF2B5EF4-FFF2-40B4-BE49-F238E27FC236}">
-                <a16:creationId xmlns:a16="http://schemas.microsoft.com/office/drawing/2014/main" id="{BED08445-FE2F-44C8-91FD-4452DA11FAF9}"/>
-              </a:ext>
-            </a:extLst>
-          </p:cNvPr>
-          <p:cNvSpPr txBox="1"/>
-          <p:nvPr/>
-        </p:nvSpPr>
-        <p:spPr>
-          <a:xfrm>
-            <a:off x="1004819" y="4124895"/>
-            <a:ext cx="4211409" cy="738664"/>
-          </a:xfrm>
-          <a:prstGeom prst="rect">
-            <a:avLst/>
-          </a:prstGeom>
-          <a:noFill/>
-        </p:spPr>
-        <p:txBody>
-          <a:bodyPr wrap="none" rtlCol="0">
-            <a:spAutoFit/>
-          </a:bodyPr>
-          <a:lstStyle/>
-          <a:p>
-            <a:r>
-              <a:rPr lang="en-US" sz="1400" b="1" dirty="0">
-                <a:latin typeface="Abadi" panose="020B0604020104020204" pitchFamily="34" charset="0"/>
-              </a:rPr>
-              <a:t>Research/Development </a:t>
-            </a:r>
-            <a:r>
-              <a:rPr lang="en-US" sz="1400" dirty="0">
-                <a:latin typeface="Abadi" panose="020B0604020104020204" pitchFamily="34" charset="0"/>
-              </a:rPr>
-              <a:t>focusing on innovation and </a:t>
-            </a:r>
-          </a:p>
-          <a:p>
-            <a:r>
-              <a:rPr lang="en-US" sz="1400" dirty="0">
-                <a:latin typeface="Abadi" panose="020B0604020104020204" pitchFamily="34" charset="0"/>
-              </a:rPr>
-              <a:t>Introduction of new product and services to improve</a:t>
-            </a:r>
-          </a:p>
-          <a:p>
-            <a:r>
-              <a:rPr lang="en-US" sz="1400" dirty="0">
-                <a:latin typeface="Abadi" panose="020B0604020104020204" pitchFamily="34" charset="0"/>
-              </a:rPr>
-              <a:t>existing offering </a:t>
-            </a:r>
-          </a:p>
-        </p:txBody>
-      </p:sp>
-      <p:sp>
-        <p:nvSpPr>
-          <p:cNvPr id="41" name="TextBox 40">
-            <a:extLst>
-              <a:ext uri="{FF2B5EF4-FFF2-40B4-BE49-F238E27FC236}">
-                <a16:creationId xmlns:a16="http://schemas.microsoft.com/office/drawing/2014/main" id="{4E08E25B-2416-40FF-8841-740D57625B18}"/>
-              </a:ext>
-            </a:extLst>
-          </p:cNvPr>
-          <p:cNvSpPr txBox="1"/>
-          <p:nvPr/>
-        </p:nvSpPr>
-        <p:spPr>
-          <a:xfrm>
-            <a:off x="1047395" y="5203127"/>
-            <a:ext cx="4331635" cy="738664"/>
-          </a:xfrm>
-          <a:prstGeom prst="rect">
-            <a:avLst/>
-          </a:prstGeom>
-          <a:noFill/>
-        </p:spPr>
-        <p:txBody>
-          <a:bodyPr wrap="none" rtlCol="0">
-            <a:spAutoFit/>
-          </a:bodyPr>
-          <a:lstStyle/>
-          <a:p>
-            <a:r>
-              <a:rPr lang="en-US" sz="1400" b="1" dirty="0">
-                <a:latin typeface="Abadi" panose="020B0604020104020204" pitchFamily="34" charset="0"/>
-              </a:rPr>
-              <a:t>Business Intelligence </a:t>
-            </a:r>
-            <a:r>
-              <a:rPr lang="en-US" sz="1400" dirty="0">
-                <a:latin typeface="Abadi" panose="020B0604020104020204" pitchFamily="34" charset="0"/>
-              </a:rPr>
-              <a:t>analyzing current data to deliver </a:t>
-            </a:r>
-          </a:p>
-          <a:p>
-            <a:r>
-              <a:rPr lang="en-US" sz="1400" dirty="0">
-                <a:latin typeface="Abadi" panose="020B0604020104020204" pitchFamily="34" charset="0"/>
-              </a:rPr>
-              <a:t>   actionable information to make informed </a:t>
-            </a:r>
-          </a:p>
-          <a:p>
-            <a:r>
-              <a:rPr lang="en-US" sz="1400" dirty="0">
-                <a:latin typeface="Abadi" panose="020B0604020104020204" pitchFamily="34" charset="0"/>
-              </a:rPr>
-              <a:t>business decision.</a:t>
-            </a:r>
-            <a:endParaRPr lang="en-US" sz="1400" b="1" dirty="0">
-              <a:latin typeface="Abadi" panose="020B0604020104020204" pitchFamily="34" charset="0"/>
-            </a:endParaRPr>
-          </a:p>
-        </p:txBody>
-      </p:sp>
-      <p:grpSp>
-        <p:nvGrpSpPr>
-          <p:cNvPr id="50" name="Group 49">
-            <a:extLst>
-              <a:ext uri="{FF2B5EF4-FFF2-40B4-BE49-F238E27FC236}">
-                <a16:creationId xmlns:a16="http://schemas.microsoft.com/office/drawing/2014/main" id="{E9FAE785-9226-47D0-AF82-89494133C761}"/>
-              </a:ext>
-            </a:extLst>
-          </p:cNvPr>
-          <p:cNvGrpSpPr/>
-          <p:nvPr/>
-        </p:nvGrpSpPr>
-        <p:grpSpPr>
-          <a:xfrm>
-            <a:off x="5735644" y="1874353"/>
-            <a:ext cx="1361209" cy="1549951"/>
-            <a:chOff x="5744707" y="2614173"/>
-            <a:chExt cx="1361209" cy="1549951"/>
-          </a:xfrm>
-        </p:grpSpPr>
-        <p:sp>
-          <p:nvSpPr>
-            <p:cNvPr id="49" name="Rectangle 48">
-              <a:extLst>
-                <a:ext uri="{FF2B5EF4-FFF2-40B4-BE49-F238E27FC236}">
-                  <a16:creationId xmlns:a16="http://schemas.microsoft.com/office/drawing/2014/main" id="{B5BA32CF-6F1F-452E-A16A-243572115A92}"/>
-                </a:ext>
-              </a:extLst>
-            </p:cNvPr>
-            <p:cNvSpPr/>
-            <p:nvPr/>
-          </p:nvSpPr>
-          <p:spPr>
-            <a:xfrm>
-              <a:off x="5744707" y="2614173"/>
-              <a:ext cx="1361209" cy="1549951"/>
-            </a:xfrm>
-            <a:prstGeom prst="rect">
-              <a:avLst/>
-            </a:prstGeom>
-            <a:solidFill>
-              <a:schemeClr val="bg1"/>
-            </a:solidFill>
-          </p:spPr>
-          <p:style>
-            <a:lnRef idx="2">
-              <a:schemeClr val="accent1">
-                <a:shade val="50000"/>
-              </a:schemeClr>
-            </a:lnRef>
-            <a:fillRef idx="1">
-              <a:schemeClr val="accent1"/>
-            </a:fillRef>
-            <a:effectRef idx="0">
-              <a:schemeClr val="accent1"/>
-            </a:effectRef>
-            <a:fontRef idx="minor">
-              <a:schemeClr val="lt1"/>
-            </a:fontRef>
-          </p:style>
-          <p:txBody>
-            <a:bodyPr rtlCol="0" anchor="ctr"/>
-            <a:lstStyle/>
-            <a:p>
-              <a:pPr algn="ctr"/>
-              <a:endParaRPr lang="en-US"/>
-            </a:p>
-          </p:txBody>
-        </p:sp>
-        <p:grpSp>
-          <p:nvGrpSpPr>
-            <p:cNvPr id="44" name="Group 43">
-              <a:extLst>
-                <a:ext uri="{FF2B5EF4-FFF2-40B4-BE49-F238E27FC236}">
-                  <a16:creationId xmlns:a16="http://schemas.microsoft.com/office/drawing/2014/main" id="{5962619A-1A40-4486-AB6A-41D6976F0060}"/>
-                </a:ext>
-              </a:extLst>
-            </p:cNvPr>
-            <p:cNvGrpSpPr/>
-            <p:nvPr/>
-          </p:nvGrpSpPr>
-          <p:grpSpPr>
-            <a:xfrm>
-              <a:off x="5836129" y="2754934"/>
-              <a:ext cx="1178364" cy="1348132"/>
-              <a:chOff x="4884821" y="1635291"/>
-              <a:chExt cx="1852864" cy="1741569"/>
-            </a:xfrm>
-          </p:grpSpPr>
-          <p:pic>
-            <p:nvPicPr>
-              <p:cNvPr id="45" name="Graphic 44" descr="Mathematics with solid fill">
-                <a:extLst>
-                  <a:ext uri="{FF2B5EF4-FFF2-40B4-BE49-F238E27FC236}">
-                    <a16:creationId xmlns:a16="http://schemas.microsoft.com/office/drawing/2014/main" id="{89B297D2-D03E-4F85-932D-9F84B7503CFD}"/>
-                  </a:ext>
-                </a:extLst>
-              </p:cNvPr>
-              <p:cNvPicPr>
-                <a:picLocks noChangeAspect="1"/>
-              </p:cNvPicPr>
-              <p:nvPr/>
-            </p:nvPicPr>
-            <p:blipFill>
-              <a:blip r:embed="rId8">
-                <a:extLst>
-                  <a:ext uri="{96DAC541-7B7A-43D3-8B79-37D633B846F1}">
-                    <asvg:svgBlip xmlns:asvg="http://schemas.microsoft.com/office/drawing/2016/SVG/main" r:embed="rId9"/>
-                  </a:ext>
-                </a:extLst>
-              </a:blip>
-              <a:stretch>
-                <a:fillRect/>
-              </a:stretch>
-            </p:blipFill>
-            <p:spPr>
-              <a:xfrm>
-                <a:off x="4908885" y="2462460"/>
-                <a:ext cx="914400" cy="914400"/>
-              </a:xfrm>
-              <a:prstGeom prst="rect">
-                <a:avLst/>
-              </a:prstGeom>
-            </p:spPr>
-          </p:pic>
-          <p:pic>
-            <p:nvPicPr>
-              <p:cNvPr id="46" name="Graphic 45" descr="Computer with solid fill">
-                <a:extLst>
-                  <a:ext uri="{FF2B5EF4-FFF2-40B4-BE49-F238E27FC236}">
-                    <a16:creationId xmlns:a16="http://schemas.microsoft.com/office/drawing/2014/main" id="{730F6589-D8EF-4732-B66F-66A84B47152F}"/>
-                  </a:ext>
-                </a:extLst>
-              </p:cNvPr>
-              <p:cNvPicPr>
-                <a:picLocks noChangeAspect="1"/>
-              </p:cNvPicPr>
-              <p:nvPr/>
-            </p:nvPicPr>
-            <p:blipFill>
-              <a:blip r:embed="rId10">
-                <a:extLst>
-                  <a:ext uri="{96DAC541-7B7A-43D3-8B79-37D633B846F1}">
-                    <asvg:svgBlip xmlns:asvg="http://schemas.microsoft.com/office/drawing/2016/SVG/main" r:embed="rId11"/>
-                  </a:ext>
-                </a:extLst>
-              </a:blip>
-              <a:stretch>
-                <a:fillRect/>
-              </a:stretch>
-            </p:blipFill>
-            <p:spPr>
-              <a:xfrm>
-                <a:off x="4884821" y="1635291"/>
-                <a:ext cx="914400" cy="914400"/>
-              </a:xfrm>
-              <a:prstGeom prst="rect">
-                <a:avLst/>
-              </a:prstGeom>
-            </p:spPr>
-          </p:pic>
-          <p:pic>
-            <p:nvPicPr>
-              <p:cNvPr id="47" name="Graphic 46" descr="Statistics with solid fill">
-                <a:extLst>
-                  <a:ext uri="{FF2B5EF4-FFF2-40B4-BE49-F238E27FC236}">
-                    <a16:creationId xmlns:a16="http://schemas.microsoft.com/office/drawing/2014/main" id="{4EE2D0DB-C1BE-4C5A-92C2-10F88FA0F3EF}"/>
-                  </a:ext>
-                </a:extLst>
-              </p:cNvPr>
-              <p:cNvPicPr>
-                <a:picLocks noChangeAspect="1"/>
-              </p:cNvPicPr>
-              <p:nvPr/>
-            </p:nvPicPr>
-            <p:blipFill>
-              <a:blip r:embed="rId12">
-                <a:extLst>
-                  <a:ext uri="{96DAC541-7B7A-43D3-8B79-37D633B846F1}">
-                    <asvg:svgBlip xmlns:asvg="http://schemas.microsoft.com/office/drawing/2016/SVG/main" r:embed="rId13"/>
-                  </a:ext>
-                </a:extLst>
-              </a:blip>
-              <a:stretch>
-                <a:fillRect/>
-              </a:stretch>
-            </p:blipFill>
-            <p:spPr>
-              <a:xfrm>
-                <a:off x="5823285" y="1635291"/>
-                <a:ext cx="914400" cy="914400"/>
-              </a:xfrm>
-              <a:prstGeom prst="rect">
-                <a:avLst/>
-              </a:prstGeom>
-            </p:spPr>
-          </p:pic>
-          <p:pic>
-            <p:nvPicPr>
-              <p:cNvPr id="48" name="Graphic 47" descr="Robot outline">
-                <a:extLst>
-                  <a:ext uri="{FF2B5EF4-FFF2-40B4-BE49-F238E27FC236}">
-                    <a16:creationId xmlns:a16="http://schemas.microsoft.com/office/drawing/2014/main" id="{47529FEF-1BAE-446C-B5E0-728CA4FD8A4A}"/>
-                  </a:ext>
-                </a:extLst>
-              </p:cNvPr>
-              <p:cNvPicPr>
-                <a:picLocks noChangeAspect="1"/>
-              </p:cNvPicPr>
-              <p:nvPr/>
-            </p:nvPicPr>
-            <p:blipFill>
-              <a:blip r:embed="rId14">
-                <a:extLst>
-                  <a:ext uri="{96DAC541-7B7A-43D3-8B79-37D633B846F1}">
-                    <asvg:svgBlip xmlns:asvg="http://schemas.microsoft.com/office/drawing/2016/SVG/main" r:embed="rId15"/>
-                  </a:ext>
-                </a:extLst>
-              </a:blip>
-              <a:stretch>
-                <a:fillRect/>
-              </a:stretch>
-            </p:blipFill>
-            <p:spPr>
-              <a:xfrm>
-                <a:off x="5863391" y="2549691"/>
-                <a:ext cx="705851" cy="705851"/>
-              </a:xfrm>
-              <a:prstGeom prst="rect">
-                <a:avLst/>
-              </a:prstGeom>
-            </p:spPr>
-          </p:pic>
-        </p:grpSp>
-      </p:grpSp>
-      <p:sp>
-        <p:nvSpPr>
-          <p:cNvPr id="53" name="TextBox 52">
-            <a:extLst>
-              <a:ext uri="{FF2B5EF4-FFF2-40B4-BE49-F238E27FC236}">
-                <a16:creationId xmlns:a16="http://schemas.microsoft.com/office/drawing/2014/main" id="{8AAC8122-C154-40D5-B62F-47A9DB5A6BAD}"/>
-              </a:ext>
-            </a:extLst>
-          </p:cNvPr>
-          <p:cNvSpPr txBox="1"/>
-          <p:nvPr/>
-        </p:nvSpPr>
-        <p:spPr>
-          <a:xfrm>
-            <a:off x="1011908" y="3043904"/>
-            <a:ext cx="4578497" cy="738664"/>
-          </a:xfrm>
-          <a:prstGeom prst="rect">
-            <a:avLst/>
-          </a:prstGeom>
-          <a:noFill/>
-        </p:spPr>
-        <p:txBody>
-          <a:bodyPr wrap="none" rtlCol="0">
-            <a:spAutoFit/>
-          </a:bodyPr>
-          <a:lstStyle/>
-          <a:p>
-            <a:r>
-              <a:rPr lang="en-US" sz="1400" b="1" dirty="0">
-                <a:latin typeface="Abadi" panose="020B0604020104020204" pitchFamily="34" charset="0"/>
-              </a:rPr>
-              <a:t>Analytics</a:t>
-            </a:r>
-            <a:r>
-              <a:rPr lang="en-US" sz="1400" dirty="0">
-                <a:latin typeface="Abadi" panose="020B0604020104020204" pitchFamily="34" charset="0"/>
-              </a:rPr>
-              <a:t> exploration of information to identify insights to</a:t>
-            </a:r>
-          </a:p>
-          <a:p>
-            <a:r>
-              <a:rPr lang="en-US" sz="1400" dirty="0">
-                <a:latin typeface="Abadi" panose="020B0604020104020204" pitchFamily="34" charset="0"/>
-              </a:rPr>
-              <a:t>Improve business</a:t>
-            </a:r>
-          </a:p>
-          <a:p>
-            <a:endParaRPr lang="en-US" sz="1400" dirty="0">
-              <a:latin typeface="Abadi" panose="020B0604020104020204" pitchFamily="34" charset="0"/>
-            </a:endParaRPr>
-          </a:p>
-        </p:txBody>
-      </p:sp>
-      <p:pic>
-        <p:nvPicPr>
-          <p:cNvPr id="55" name="Graphic 54" descr="Statistics with solid fill">
-            <a:extLst>
-              <a:ext uri="{FF2B5EF4-FFF2-40B4-BE49-F238E27FC236}">
-                <a16:creationId xmlns:a16="http://schemas.microsoft.com/office/drawing/2014/main" id="{475140B3-67FC-449B-9ED1-21250CC38969}"/>
-              </a:ext>
-            </a:extLst>
-          </p:cNvPr>
-          <p:cNvPicPr>
-            <a:picLocks noChangeAspect="1"/>
-          </p:cNvPicPr>
-          <p:nvPr/>
-        </p:nvPicPr>
-        <p:blipFill>
-          <a:blip r:embed="rId16">
-            <a:extLst>
-              <a:ext uri="{96DAC541-7B7A-43D3-8B79-37D633B846F1}">
-                <asvg:svgBlip xmlns:asvg="http://schemas.microsoft.com/office/drawing/2016/SVG/main" r:embed="rId17"/>
-              </a:ext>
-            </a:extLst>
-          </a:blip>
-          <a:stretch>
-            <a:fillRect/>
-          </a:stretch>
-        </p:blipFill>
-        <p:spPr>
-          <a:xfrm>
-            <a:off x="231168" y="2793549"/>
-            <a:ext cx="914400" cy="914400"/>
-          </a:xfrm>
-          <a:prstGeom prst="rect">
-            <a:avLst/>
-          </a:prstGeom>
-        </p:spPr>
-      </p:pic>
-      <p:sp>
-        <p:nvSpPr>
-          <p:cNvPr id="58" name="TextBox 57">
-            <a:extLst>
-              <a:ext uri="{FF2B5EF4-FFF2-40B4-BE49-F238E27FC236}">
-                <a16:creationId xmlns:a16="http://schemas.microsoft.com/office/drawing/2014/main" id="{171DBA5A-B998-4F81-866C-B5736AF43CC6}"/>
-              </a:ext>
-            </a:extLst>
-          </p:cNvPr>
-          <p:cNvSpPr txBox="1"/>
-          <p:nvPr/>
-        </p:nvSpPr>
-        <p:spPr>
-          <a:xfrm>
-            <a:off x="5742734" y="2000102"/>
-            <a:ext cx="5638230" cy="4031873"/>
-          </a:xfrm>
-          <a:prstGeom prst="rect">
-            <a:avLst/>
-          </a:prstGeom>
-          <a:noFill/>
-        </p:spPr>
-        <p:txBody>
-          <a:bodyPr wrap="square" rtlCol="0">
-            <a:spAutoFit/>
-          </a:bodyPr>
-          <a:lstStyle/>
-          <a:p>
-            <a:pPr lvl="3"/>
-            <a:r>
-              <a:rPr lang="en-US" sz="1600" dirty="0">
-                <a:solidFill>
-                  <a:schemeClr val="bg1"/>
-                </a:solidFill>
-                <a:latin typeface="Abadi" panose="020B0604020104020204" pitchFamily="34" charset="0"/>
-              </a:rPr>
-              <a:t>Improve current processes with: </a:t>
-            </a:r>
-          </a:p>
-          <a:p>
-            <a:pPr lvl="3"/>
-            <a:endParaRPr lang="en-US" sz="1600" dirty="0">
-              <a:solidFill>
-                <a:schemeClr val="bg1"/>
-              </a:solidFill>
-              <a:latin typeface="Abadi" panose="020B0604020104020204" pitchFamily="34" charset="0"/>
-            </a:endParaRPr>
-          </a:p>
-          <a:p>
-            <a:pPr marL="1657350" lvl="3" indent="-285750">
-              <a:buFont typeface="Wingdings" panose="05000000000000000000" pitchFamily="2" charset="2"/>
-              <a:buChar char="ü"/>
-            </a:pPr>
-            <a:r>
-              <a:rPr lang="en-US" sz="1600" dirty="0">
-                <a:solidFill>
-                  <a:schemeClr val="bg1"/>
-                </a:solidFill>
-                <a:latin typeface="Abadi" panose="020B0604020104020204" pitchFamily="34" charset="0"/>
-              </a:rPr>
-              <a:t>Use of Data Engineering to extract and process huge amount of structured and Unstructured data. </a:t>
-            </a:r>
-          </a:p>
-          <a:p>
-            <a:pPr lvl="3"/>
-            <a:endParaRPr lang="en-US" sz="1600" dirty="0">
-              <a:solidFill>
-                <a:schemeClr val="bg1"/>
-              </a:solidFill>
-              <a:latin typeface="Abadi" panose="020B0604020104020204" pitchFamily="34" charset="0"/>
-            </a:endParaRPr>
-          </a:p>
-          <a:p>
-            <a:pPr marL="1657350" lvl="3" indent="-285750">
-              <a:buFont typeface="Wingdings" panose="05000000000000000000" pitchFamily="2" charset="2"/>
-              <a:buChar char="ü"/>
-            </a:pPr>
-            <a:r>
-              <a:rPr lang="en-US" sz="1600" dirty="0">
-                <a:solidFill>
-                  <a:schemeClr val="bg1"/>
-                </a:solidFill>
-                <a:latin typeface="Abadi" panose="020B0604020104020204" pitchFamily="34" charset="0"/>
-              </a:rPr>
-              <a:t>Capable of complex Algorithm models and Data processing to identify hidden patterns and insights</a:t>
-            </a:r>
-          </a:p>
-          <a:p>
-            <a:pPr lvl="3"/>
-            <a:endParaRPr lang="en-US" sz="1600" dirty="0">
-              <a:solidFill>
-                <a:schemeClr val="bg1"/>
-              </a:solidFill>
-              <a:latin typeface="Abadi" panose="020B0604020104020204" pitchFamily="34" charset="0"/>
-            </a:endParaRPr>
-          </a:p>
-          <a:p>
-            <a:pPr marL="1657350" lvl="3" indent="-285750">
-              <a:buFont typeface="Wingdings" panose="05000000000000000000" pitchFamily="2" charset="2"/>
-              <a:buChar char="ü"/>
-            </a:pPr>
-            <a:r>
-              <a:rPr lang="en-US" sz="1600" dirty="0">
-                <a:solidFill>
-                  <a:schemeClr val="bg1"/>
-                </a:solidFill>
-                <a:latin typeface="Abadi" panose="020B0604020104020204" pitchFamily="34" charset="0"/>
-              </a:rPr>
-              <a:t>Exploration of the unknown</a:t>
-            </a:r>
-          </a:p>
-          <a:p>
-            <a:pPr lvl="3"/>
-            <a:endParaRPr lang="en-US" sz="1600" dirty="0">
-              <a:solidFill>
-                <a:schemeClr val="bg1"/>
-              </a:solidFill>
-              <a:latin typeface="Abadi" panose="020B0604020104020204" pitchFamily="34" charset="0"/>
-            </a:endParaRPr>
-          </a:p>
-          <a:p>
-            <a:pPr marL="1657350" lvl="3" indent="-285750">
-              <a:buFont typeface="Wingdings" panose="05000000000000000000" pitchFamily="2" charset="2"/>
-              <a:buChar char="ü"/>
-            </a:pPr>
-            <a:r>
-              <a:rPr lang="en-US" sz="1600" dirty="0">
-                <a:solidFill>
-                  <a:schemeClr val="bg1"/>
-                </a:solidFill>
-                <a:latin typeface="Abadi" panose="020B0604020104020204" pitchFamily="34" charset="0"/>
-              </a:rPr>
-              <a:t>Computer Engineering and Machine Learning</a:t>
-            </a:r>
-          </a:p>
-          <a:p>
-            <a:endParaRPr lang="en-US" sz="1600" dirty="0">
-              <a:solidFill>
-                <a:schemeClr val="bg1"/>
-              </a:solidFill>
-              <a:latin typeface="Abadi" panose="020B0604020104020204" pitchFamily="34" charset="0"/>
-            </a:endParaRPr>
-          </a:p>
-          <a:p>
-            <a:r>
-              <a:rPr lang="en-US" sz="1600" dirty="0">
-                <a:solidFill>
-                  <a:schemeClr val="bg1"/>
-                </a:solidFill>
-                <a:latin typeface="Abadi" panose="020B0604020104020204" pitchFamily="34" charset="0"/>
-              </a:rPr>
-              <a:t>                Delivers Predictive models to </a:t>
-            </a:r>
-            <a:r>
-              <a:rPr lang="en-US" sz="1600" u="sng" dirty="0">
-                <a:solidFill>
-                  <a:srgbClr val="00B0F0"/>
-                </a:solidFill>
-                <a:latin typeface="Abadi" panose="020B0604020104020204" pitchFamily="34" charset="0"/>
-              </a:rPr>
-              <a:t>forecast future </a:t>
-            </a:r>
-            <a:endParaRPr lang="en-US" sz="1600" dirty="0">
-              <a:solidFill>
-                <a:schemeClr val="bg1"/>
-              </a:solidFill>
-              <a:latin typeface="Abadi" panose="020B0604020104020204" pitchFamily="34" charset="0"/>
-            </a:endParaRPr>
-          </a:p>
-        </p:txBody>
-      </p:sp>
-      <p:pic>
-        <p:nvPicPr>
-          <p:cNvPr id="60" name="Graphic 59" descr="Right pointing backhand index outline">
-            <a:extLst>
-              <a:ext uri="{FF2B5EF4-FFF2-40B4-BE49-F238E27FC236}">
-                <a16:creationId xmlns:a16="http://schemas.microsoft.com/office/drawing/2014/main" id="{DEF00793-7AE2-4332-B896-CE41EC14904A}"/>
-              </a:ext>
-            </a:extLst>
-          </p:cNvPr>
-          <p:cNvPicPr>
-            <a:picLocks noChangeAspect="1"/>
-          </p:cNvPicPr>
-          <p:nvPr/>
-        </p:nvPicPr>
-        <p:blipFill>
-          <a:blip r:embed="rId18">
-            <a:extLst>
-              <a:ext uri="{96DAC541-7B7A-43D3-8B79-37D633B846F1}">
-                <asvg:svgBlip xmlns:asvg="http://schemas.microsoft.com/office/drawing/2016/SVG/main" r:embed="rId19"/>
-              </a:ext>
-            </a:extLst>
-          </a:blip>
-          <a:stretch>
-            <a:fillRect/>
-          </a:stretch>
-        </p:blipFill>
-        <p:spPr>
-          <a:xfrm>
-            <a:off x="6003634" y="5572459"/>
-            <a:ext cx="655345" cy="655345"/>
+            <a:off x="6356262" y="3275044"/>
+            <a:ext cx="4150008" cy="2815923"/>
           </a:xfrm>
           <a:prstGeom prst="rect">
             <a:avLst/>
@@ -8726,7 +7921,7 @@
     </p:spTree>
     <p:extLst>
       <p:ext uri="{BB962C8B-B14F-4D97-AF65-F5344CB8AC3E}">
-        <p14:creationId xmlns:p14="http://schemas.microsoft.com/office/powerpoint/2010/main" val="779814751"/>
+        <p14:creationId xmlns:p14="http://schemas.microsoft.com/office/powerpoint/2010/main" val="3194591357"/>
       </p:ext>
     </p:extLst>
   </p:cSld>
@@ -8808,6 +8003,9 @@
           <a:solidFill>
             <a:srgbClr val="002060"/>
           </a:solidFill>
+          <a:ln>
+            <a:noFill/>
+          </a:ln>
         </p:spPr>
         <p:style>
           <a:lnRef idx="1">
@@ -8833,7 +8031,7 @@
               <a:rPr lang="en-US" b="1" spc="50" dirty="0">
                 <a:ln w="0"/>
                 <a:solidFill>
-                  <a:schemeClr val="bg2"/>
+                  <a:schemeClr val="bg1"/>
                 </a:solidFill>
                 <a:effectLst>
                   <a:innerShdw blurRad="63500" dist="50800" dir="13500000">
@@ -8843,17 +8041,69 @@
                   </a:innerShdw>
                 </a:effectLst>
               </a:rPr>
-              <a:t>CDF of a Variable</a:t>
-            </a:r>
-          </a:p>
-        </p:txBody>
-      </p:sp>
-      <p:sp>
-        <p:nvSpPr>
-          <p:cNvPr id="7" name="TextBox 6">
-            <a:extLst>
-              <a:ext uri="{FF2B5EF4-FFF2-40B4-BE49-F238E27FC236}">
-                <a16:creationId xmlns:a16="http://schemas.microsoft.com/office/drawing/2014/main" id="{BCAB18D2-6C50-4697-ACCB-30E0DF18843C}"/>
+              <a:t>Variables</a:t>
+            </a:r>
+          </a:p>
+        </p:txBody>
+      </p:sp>
+      <p:sp>
+        <p:nvSpPr>
+          <p:cNvPr id="29" name="Rectangle 28">
+            <a:extLst>
+              <a:ext uri="{FF2B5EF4-FFF2-40B4-BE49-F238E27FC236}">
+                <a16:creationId xmlns:a16="http://schemas.microsoft.com/office/drawing/2014/main" id="{5B88C625-67F1-4677-B918-4E6BE60E0D9E}"/>
+              </a:ext>
+            </a:extLst>
+          </p:cNvPr>
+          <p:cNvSpPr/>
+          <p:nvPr/>
+        </p:nvSpPr>
+        <p:spPr>
+          <a:xfrm>
+            <a:off x="5534526" y="529884"/>
+            <a:ext cx="6216069" cy="5758621"/>
+          </a:xfrm>
+          <a:prstGeom prst="rect">
+            <a:avLst/>
+          </a:prstGeom>
+          <a:solidFill>
+            <a:srgbClr val="002060"/>
+          </a:solidFill>
+          <a:ln>
+            <a:noFill/>
+          </a:ln>
+        </p:spPr>
+        <p:style>
+          <a:lnRef idx="2">
+            <a:schemeClr val="accent1">
+              <a:shade val="50000"/>
+            </a:schemeClr>
+          </a:lnRef>
+          <a:fillRef idx="1">
+            <a:schemeClr val="accent1"/>
+          </a:fillRef>
+          <a:effectRef idx="0">
+            <a:schemeClr val="accent1"/>
+          </a:effectRef>
+          <a:fontRef idx="minor">
+            <a:schemeClr val="lt1"/>
+          </a:fontRef>
+        </p:style>
+        <p:txBody>
+          <a:bodyPr rtlCol="0" anchor="ctr"/>
+          <a:lstStyle/>
+          <a:p>
+            <a:pPr algn="ctr"/>
+            <a:endParaRPr lang="en-US"/>
+          </a:p>
+        </p:txBody>
+      </p:sp>
+      <p:sp>
+        <p:nvSpPr>
+          <p:cNvPr id="34" name="TextBox 33">
+            <a:extLst>
+              <a:ext uri="{FF2B5EF4-FFF2-40B4-BE49-F238E27FC236}">
+                <a16:creationId xmlns:a16="http://schemas.microsoft.com/office/drawing/2014/main" id="{5C65E7A6-314E-4449-91B1-59D7CD7887B1}"/>
               </a:ext>
             </a:extLst>
           </p:cNvPr>
@@ -8862,45 +8112,8 @@
         </p:nvSpPr>
         <p:spPr>
           <a:xfrm>
-            <a:off x="441405" y="898590"/>
-            <a:ext cx="11368818" cy="369332"/>
-          </a:xfrm>
-          <a:prstGeom prst="rect">
-            <a:avLst/>
-          </a:prstGeom>
-          <a:noFill/>
-        </p:spPr>
-        <p:txBody>
-          <a:bodyPr wrap="none" rtlCol="0">
-            <a:spAutoFit/>
-          </a:bodyPr>
-          <a:lstStyle/>
-          <a:p>
-            <a:r>
-              <a:rPr lang="en-US" dirty="0">
-                <a:latin typeface="Abadi" panose="020B0604020104020204" pitchFamily="34" charset="0"/>
-              </a:rPr>
-              <a:t>Problems are easier to solve, Work are easily done, People are being connected, Diseases are detected earlier…..</a:t>
-            </a:r>
-          </a:p>
-        </p:txBody>
-      </p:sp>
-      <p:sp>
-        <p:nvSpPr>
-          <p:cNvPr id="22" name="TextBox 21">
-            <a:extLst>
-              <a:ext uri="{FF2B5EF4-FFF2-40B4-BE49-F238E27FC236}">
-                <a16:creationId xmlns:a16="http://schemas.microsoft.com/office/drawing/2014/main" id="{72E2189C-B182-4550-BE72-15D67F96DC57}"/>
-              </a:ext>
-            </a:extLst>
-          </p:cNvPr>
-          <p:cNvSpPr txBox="1"/>
-          <p:nvPr/>
-        </p:nvSpPr>
-        <p:spPr>
-          <a:xfrm>
-            <a:off x="8149389" y="2253784"/>
-            <a:ext cx="2834262" cy="2723823"/>
+            <a:off x="256674" y="700148"/>
+            <a:ext cx="5050264" cy="7848302"/>
           </a:xfrm>
           <a:prstGeom prst="rect">
             <a:avLst/>
@@ -8914,167 +8127,245 @@
           <a:lstStyle/>
           <a:p>
             <a:r>
-              <a:rPr lang="en-US" sz="1050" b="1" dirty="0">
+              <a:rPr lang="en-US" b="1" dirty="0"/>
+              <a:t> </a:t>
+            </a:r>
+            <a:r>
+              <a:rPr lang="en-US" b="1" dirty="0" err="1"/>
+              <a:t>Checkin</a:t>
+            </a:r>
+            <a:r>
+              <a:rPr lang="en-US" b="1" dirty="0"/>
+              <a:t> Dataset</a:t>
+            </a:r>
+          </a:p>
+          <a:p>
+            <a:r>
+              <a:rPr lang="en-US" b="1" dirty="0"/>
+              <a:t>  </a:t>
+            </a:r>
+          </a:p>
+          <a:p>
+            <a:r>
+              <a:rPr lang="en-US" b="1" dirty="0"/>
+              <a:t>5. Check-in Count (Derived New Variable)</a:t>
+            </a:r>
+            <a:endParaRPr lang="en-US" dirty="0"/>
+          </a:p>
+          <a:p>
+            <a:pPr marL="285750" indent="-285750">
+              <a:buFontTx/>
+              <a:buChar char="-"/>
+            </a:pPr>
+            <a:r>
+              <a:rPr lang="en-US" dirty="0"/>
+              <a:t>Integer type which is aggregated count of check-in dates per business id.</a:t>
+            </a:r>
+            <a:endParaRPr lang="en-US" b="1" dirty="0"/>
+          </a:p>
+          <a:p>
+            <a:pPr marL="285750" indent="-285750">
+              <a:buFontTx/>
+              <a:buChar char="-"/>
+            </a:pPr>
+            <a:r>
+              <a:rPr lang="en-US" dirty="0"/>
+              <a:t>The distribution is right skewed. Showing that there are less restaurant and food business that have check-ins that are greater than 100.</a:t>
+            </a:r>
+          </a:p>
+          <a:p>
+            <a:endParaRPr lang="en-US" dirty="0"/>
+          </a:p>
+          <a:p>
+            <a:r>
+              <a:rPr lang="en-US" b="1" dirty="0"/>
+              <a:t>6. Check-in Count Per Year (Derived New Variable)</a:t>
+            </a:r>
+            <a:endParaRPr lang="en-US" dirty="0"/>
+          </a:p>
+          <a:p>
+            <a:pPr marL="285750" indent="-285750">
+              <a:buFontTx/>
+              <a:buChar char="-"/>
+            </a:pPr>
+            <a:r>
+              <a:rPr lang="en-US" dirty="0"/>
+              <a:t>Integer total number of check-in for a business ID for each year</a:t>
+            </a:r>
+          </a:p>
+          <a:p>
+            <a:pPr marL="285750" indent="-285750">
+              <a:buFontTx/>
+              <a:buChar char="-"/>
+            </a:pPr>
+            <a:r>
+              <a:rPr lang="en-US" dirty="0"/>
+              <a:t>The distribution is approximately bell shape which is the shape of the Normal Distribution but shows a drop of check-in during pandemic years from 2019 - 2021</a:t>
+            </a:r>
+          </a:p>
+          <a:p>
+            <a:endParaRPr lang="en-US" b="1" dirty="0"/>
+          </a:p>
+          <a:p>
+            <a:endParaRPr lang="en-US" b="1" dirty="0"/>
+          </a:p>
+          <a:p>
+            <a:endParaRPr lang="en-US" b="1" dirty="0"/>
+          </a:p>
+          <a:p>
+            <a:endParaRPr lang="en-US" b="1" dirty="0"/>
+          </a:p>
+          <a:p>
+            <a:endParaRPr lang="en-US" b="1" dirty="0"/>
+          </a:p>
+          <a:p>
+            <a:endParaRPr lang="en-US" b="1" dirty="0"/>
+          </a:p>
+          <a:p>
+            <a:endParaRPr lang="en-US" b="1" dirty="0"/>
+          </a:p>
+          <a:p>
+            <a:endParaRPr lang="en-US" b="1" dirty="0"/>
+          </a:p>
+          <a:p>
+            <a:endParaRPr lang="en-US" b="1" dirty="0"/>
+          </a:p>
+          <a:p>
+            <a:endParaRPr lang="en-US" b="1" dirty="0"/>
+          </a:p>
+          <a:p>
+            <a:endParaRPr lang="en-US" b="1" dirty="0"/>
+          </a:p>
+          <a:p>
+            <a:endParaRPr lang="en-US" b="1" dirty="0"/>
+          </a:p>
+        </p:txBody>
+      </p:sp>
+      <p:sp>
+        <p:nvSpPr>
+          <p:cNvPr id="9" name="Rectangle 3">
+            <a:extLst>
+              <a:ext uri="{FF2B5EF4-FFF2-40B4-BE49-F238E27FC236}">
+                <a16:creationId xmlns:a16="http://schemas.microsoft.com/office/drawing/2014/main" id="{B184E0FB-A328-2E03-6BE1-331B868C088A}"/>
+              </a:ext>
+            </a:extLst>
+          </p:cNvPr>
+          <p:cNvSpPr>
+            <a:spLocks noChangeArrowheads="1"/>
+          </p:cNvSpPr>
+          <p:nvPr/>
+        </p:nvSpPr>
+        <p:spPr bwMode="auto">
+          <a:xfrm>
+            <a:off x="0" y="0"/>
+            <a:ext cx="12192000" cy="457200"/>
+          </a:xfrm>
+          <a:prstGeom prst="rect">
+            <a:avLst/>
+          </a:prstGeom>
+          <a:noFill/>
+          <a:ln>
+            <a:noFill/>
+          </a:ln>
+          <a:effectLst/>
+          <a:extLst>
+            <a:ext uri="{909E8E84-426E-40DD-AFC4-6F175D3DCCD1}">
+              <a14:hiddenFill xmlns:a14="http://schemas.microsoft.com/office/drawing/2010/main">
                 <a:solidFill>
-                  <a:schemeClr val="bg1"/>
+                  <a:schemeClr val="accent1"/>
                 </a:solidFill>
-                <a:latin typeface="Abadi" panose="020B0604020104020204" pitchFamily="34" charset="0"/>
+              </a14:hiddenFill>
+            </a:ext>
+            <a:ext uri="{91240B29-F687-4F45-9708-019B960494DF}">
+              <a14:hiddenLine xmlns:a14="http://schemas.microsoft.com/office/drawing/2010/main" w="9525">
+                <a:solidFill>
+                  <a:schemeClr val="tx1"/>
+                </a:solidFill>
+                <a:miter lim="800000"/>
+                <a:headEnd/>
+                <a:tailEnd/>
+              </a14:hiddenLine>
+            </a:ext>
+            <a:ext uri="{AF507438-7753-43E0-B8FC-AC1667EBCBE1}">
+              <a14:hiddenEffects xmlns:a14="http://schemas.microsoft.com/office/drawing/2010/main">
+                <a:effectLst>
+                  <a:outerShdw dist="35921" dir="2700000" algn="ctr" rotWithShape="0">
+                    <a:schemeClr val="bg2"/>
+                  </a:outerShdw>
+                </a:effectLst>
+              </a14:hiddenEffects>
+            </a:ext>
+          </a:extLst>
+        </p:spPr>
+        <p:txBody>
+          <a:bodyPr vert="horz" wrap="none" lIns="0" tIns="0" rIns="0" bIns="0" numCol="1" anchor="ctr" anchorCtr="0" compatLnSpc="1">
+            <a:prstTxWarp prst="textNoShape">
+              <a:avLst/>
+            </a:prstTxWarp>
+            <a:spAutoFit/>
+          </a:bodyPr>
+          <a:lstStyle/>
+          <a:p>
+            <a:pPr marL="0" marR="0" lvl="0" indent="0" algn="l" defTabSz="914400" rtl="0" eaLnBrk="0" fontAlgn="base" latinLnBrk="0" hangingPunct="0">
+              <a:lnSpc>
+                <a:spcPct val="100000"/>
+              </a:lnSpc>
+              <a:spcBef>
+                <a:spcPct val="0"/>
+              </a:spcBef>
+              <a:spcAft>
+                <a:spcPct val="0"/>
+              </a:spcAft>
+              <a:buClrTx/>
+              <a:buSzTx/>
+              <a:buFontTx/>
+              <a:buNone/>
+              <a:tabLst/>
+            </a:pPr>
+            <a:r>
+              <a:rPr kumimoji="0" lang="en-US" altLang="en-US" sz="1000" b="0" i="0" u="none" strike="noStrike" cap="none" normalizeH="0" baseline="0">
+                <a:ln>
+                  <a:noFill/>
+                </a:ln>
+                <a:solidFill>
+                  <a:srgbClr val="333333"/>
+                </a:solidFill>
+                <a:effectLst/>
+                <a:latin typeface="Monaco"/>
               </a:rPr>
-              <a:t>Risk and Fraud Management decision (Examples) </a:t>
-            </a:r>
-          </a:p>
-          <a:p>
-            <a:endParaRPr lang="en-US" sz="1050" dirty="0">
+              <a:t>float, star rating, rounded to half-stars</a:t>
+            </a:r>
+            <a:r>
+              <a:rPr kumimoji="0" lang="en-US" altLang="en-US" sz="800" b="0" i="0" u="none" strike="noStrike" cap="none" normalizeH="0" baseline="0">
+                <a:ln>
+                  <a:noFill/>
+                </a:ln>
+                <a:solidFill>
+                  <a:schemeClr val="tx1"/>
+                </a:solidFill>
+                <a:effectLst/>
+              </a:rPr>
+              <a:t> </a:t>
+            </a:r>
+            <a:endParaRPr kumimoji="0" lang="en-US" altLang="en-US" sz="1800" b="0" i="0" u="none" strike="noStrike" cap="none" normalizeH="0" baseline="0">
+              <a:ln>
+                <a:noFill/>
+              </a:ln>
               <a:solidFill>
-                <a:schemeClr val="bg1"/>
+                <a:schemeClr val="tx1"/>
               </a:solidFill>
-              <a:latin typeface="Abadi" panose="020B0604020104020204" pitchFamily="34" charset="0"/>
-            </a:endParaRPr>
-          </a:p>
-          <a:p>
-            <a:pPr marL="171450" indent="-171450">
-              <a:buFont typeface="Wingdings" panose="05000000000000000000" pitchFamily="2" charset="2"/>
-              <a:buChar char="ü"/>
-            </a:pPr>
-            <a:r>
-              <a:rPr lang="en-US" sz="1050" dirty="0">
-                <a:solidFill>
-                  <a:schemeClr val="bg1"/>
-                </a:solidFill>
-                <a:latin typeface="Abadi" panose="020B0604020104020204" pitchFamily="34" charset="0"/>
-              </a:rPr>
-              <a:t>Reporting, Alerting and Notification System </a:t>
-            </a:r>
-          </a:p>
-          <a:p>
-            <a:pPr marL="171450" indent="-171450">
-              <a:buFont typeface="Wingdings" panose="05000000000000000000" pitchFamily="2" charset="2"/>
-              <a:buChar char="ü"/>
-            </a:pPr>
-            <a:endParaRPr lang="en-US" sz="1050" dirty="0">
-              <a:solidFill>
-                <a:schemeClr val="bg1"/>
-              </a:solidFill>
-              <a:latin typeface="Abadi" panose="020B0604020104020204" pitchFamily="34" charset="0"/>
-            </a:endParaRPr>
-          </a:p>
-          <a:p>
-            <a:pPr marL="171450" indent="-171450">
-              <a:buFont typeface="Wingdings" panose="05000000000000000000" pitchFamily="2" charset="2"/>
-              <a:buChar char="ü"/>
-            </a:pPr>
-            <a:r>
-              <a:rPr lang="en-US" sz="1050" dirty="0">
-                <a:solidFill>
-                  <a:schemeClr val="bg1"/>
-                </a:solidFill>
-                <a:latin typeface="Abadi" panose="020B0604020104020204" pitchFamily="34" charset="0"/>
-              </a:rPr>
-              <a:t>Monitoring Application</a:t>
-            </a:r>
-          </a:p>
-          <a:p>
-            <a:endParaRPr lang="en-US" sz="1050" dirty="0">
-              <a:solidFill>
-                <a:schemeClr val="bg1"/>
-              </a:solidFill>
-              <a:latin typeface="Abadi" panose="020B0604020104020204" pitchFamily="34" charset="0"/>
-            </a:endParaRPr>
-          </a:p>
-          <a:p>
-            <a:pPr marL="171450" indent="-171450">
-              <a:buFont typeface="Wingdings" panose="05000000000000000000" pitchFamily="2" charset="2"/>
-              <a:buChar char="ü"/>
-            </a:pPr>
-            <a:r>
-              <a:rPr lang="en-US" sz="1050" dirty="0">
-                <a:solidFill>
-                  <a:schemeClr val="bg1"/>
-                </a:solidFill>
-                <a:latin typeface="Abadi" panose="020B0604020104020204" pitchFamily="34" charset="0"/>
-              </a:rPr>
-              <a:t>Automated Case Management </a:t>
-            </a:r>
-          </a:p>
-          <a:p>
-            <a:endParaRPr lang="en-US" sz="1050" dirty="0">
-              <a:solidFill>
-                <a:schemeClr val="bg1"/>
-              </a:solidFill>
-              <a:latin typeface="Abadi" panose="020B0604020104020204" pitchFamily="34" charset="0"/>
-            </a:endParaRPr>
-          </a:p>
-          <a:p>
-            <a:pPr marL="171450" indent="-171450">
-              <a:buFont typeface="Wingdings" panose="05000000000000000000" pitchFamily="2" charset="2"/>
-              <a:buChar char="ü"/>
-            </a:pPr>
-            <a:r>
-              <a:rPr lang="en-US" sz="1050" dirty="0">
-                <a:solidFill>
-                  <a:schemeClr val="bg1"/>
-                </a:solidFill>
-                <a:latin typeface="Abadi" panose="020B0604020104020204" pitchFamily="34" charset="0"/>
-              </a:rPr>
-              <a:t>Reduction of False Positive when identifying fraud</a:t>
-            </a:r>
-          </a:p>
-          <a:p>
-            <a:endParaRPr lang="en-US" sz="1050" dirty="0">
-              <a:solidFill>
-                <a:schemeClr val="bg1"/>
-              </a:solidFill>
-              <a:latin typeface="Abadi" panose="020B0604020104020204" pitchFamily="34" charset="0"/>
-            </a:endParaRPr>
-          </a:p>
-          <a:p>
-            <a:pPr marL="171450" indent="-171450">
-              <a:buFont typeface="Wingdings" panose="05000000000000000000" pitchFamily="2" charset="2"/>
-              <a:buChar char="ü"/>
-            </a:pPr>
-            <a:r>
-              <a:rPr lang="en-US" sz="1050" dirty="0">
-                <a:solidFill>
-                  <a:schemeClr val="bg1"/>
-                </a:solidFill>
-                <a:latin typeface="Abadi" panose="020B0604020104020204" pitchFamily="34" charset="0"/>
-              </a:rPr>
-              <a:t>Influence Security Applications</a:t>
-            </a:r>
-          </a:p>
-          <a:p>
-            <a:endParaRPr lang="en-US" sz="1050" b="1" dirty="0">
-              <a:solidFill>
-                <a:schemeClr val="bg1"/>
-              </a:solidFill>
-            </a:endParaRPr>
-          </a:p>
-          <a:p>
-            <a:endParaRPr lang="en-US" sz="1200" b="1" dirty="0">
-              <a:solidFill>
-                <a:schemeClr val="bg1"/>
-              </a:solidFill>
-            </a:endParaRPr>
-          </a:p>
-          <a:p>
-            <a:pPr marL="171450" indent="-171450">
-              <a:buFont typeface="Wingdings" panose="05000000000000000000" pitchFamily="2" charset="2"/>
-              <a:buChar char="ü"/>
-            </a:pPr>
-            <a:endParaRPr lang="en-US" sz="1200" b="1" dirty="0">
-              <a:solidFill>
-                <a:schemeClr val="bg1"/>
-              </a:solidFill>
+              <a:effectLst/>
+              <a:latin typeface="Arial" panose="020B0604020202020204" pitchFamily="34" charset="0"/>
             </a:endParaRPr>
           </a:p>
         </p:txBody>
       </p:sp>
       <p:pic>
         <p:nvPicPr>
-          <p:cNvPr id="8" name="Graphic 7" descr="Doctor female with solid fill">
-            <a:extLst>
-              <a:ext uri="{FF2B5EF4-FFF2-40B4-BE49-F238E27FC236}">
-                <a16:creationId xmlns:a16="http://schemas.microsoft.com/office/drawing/2014/main" id="{C8BE2C0F-9251-48FE-AE61-C86C26A15420}"/>
+          <p:cNvPr id="5" name="Picture 4">
+            <a:extLst>
+              <a:ext uri="{FF2B5EF4-FFF2-40B4-BE49-F238E27FC236}">
+                <a16:creationId xmlns:a16="http://schemas.microsoft.com/office/drawing/2014/main" id="{9A6E6021-B366-E8C0-66CB-E41347825050}"/>
               </a:ext>
             </a:extLst>
           </p:cNvPr>
@@ -9084,21 +8375,15 @@
           <p:nvPr/>
         </p:nvPicPr>
         <p:blipFill>
-          <a:blip r:embed="rId2">
-            <a:extLst>
-              <a:ext uri="{96DAC541-7B7A-43D3-8B79-37D633B846F1}">
-                <asvg:svgBlip xmlns:asvg="http://schemas.microsoft.com/office/drawing/2016/SVG/main" r:embed="rId3"/>
-              </a:ext>
-            </a:extLst>
-          </a:blip>
+          <a:blip r:embed="rId2"/>
           <a:stretch>
             <a:fillRect/>
           </a:stretch>
         </p:blipFill>
         <p:spPr>
           <a:xfrm>
-            <a:off x="1092200" y="1353537"/>
-            <a:ext cx="914400" cy="914400"/>
+            <a:off x="6297317" y="529571"/>
+            <a:ext cx="4102742" cy="2551245"/>
           </a:xfrm>
           <a:prstGeom prst="rect">
             <a:avLst/>
@@ -9107,10 +8392,10 @@
       </p:pic>
       <p:pic>
         <p:nvPicPr>
-          <p:cNvPr id="10" name="Graphic 9" descr="Travel outline">
-            <a:extLst>
-              <a:ext uri="{FF2B5EF4-FFF2-40B4-BE49-F238E27FC236}">
-                <a16:creationId xmlns:a16="http://schemas.microsoft.com/office/drawing/2014/main" id="{8110D858-97C2-422D-A0AF-AE777C140077}"/>
+          <p:cNvPr id="12" name="Picture 11">
+            <a:extLst>
+              <a:ext uri="{FF2B5EF4-FFF2-40B4-BE49-F238E27FC236}">
+                <a16:creationId xmlns:a16="http://schemas.microsoft.com/office/drawing/2014/main" id="{55D3BBAF-95DA-EC60-5B68-D8A323202E12}"/>
               </a:ext>
             </a:extLst>
           </p:cNvPr>
@@ -9120,259 +8405,15 @@
           <p:nvPr/>
         </p:nvPicPr>
         <p:blipFill>
-          <a:blip r:embed="rId4">
-            <a:extLst>
-              <a:ext uri="{96DAC541-7B7A-43D3-8B79-37D633B846F1}">
-                <asvg:svgBlip xmlns:asvg="http://schemas.microsoft.com/office/drawing/2016/SVG/main" r:embed="rId5"/>
-              </a:ext>
-            </a:extLst>
-          </a:blip>
+          <a:blip r:embed="rId3"/>
           <a:stretch>
             <a:fillRect/>
           </a:stretch>
         </p:blipFill>
         <p:spPr>
           <a:xfrm>
-            <a:off x="887598" y="2511933"/>
-            <a:ext cx="724323" cy="724323"/>
-          </a:xfrm>
-          <a:prstGeom prst="rect">
-            <a:avLst/>
-          </a:prstGeom>
-        </p:spPr>
-      </p:pic>
-      <p:pic>
-        <p:nvPicPr>
-          <p:cNvPr id="13" name="Graphic 12" descr="Connections outline">
-            <a:extLst>
-              <a:ext uri="{FF2B5EF4-FFF2-40B4-BE49-F238E27FC236}">
-                <a16:creationId xmlns:a16="http://schemas.microsoft.com/office/drawing/2014/main" id="{C44594B5-56C0-475D-9833-FF6C66F67D8C}"/>
-              </a:ext>
-            </a:extLst>
-          </p:cNvPr>
-          <p:cNvPicPr>
-            <a:picLocks noChangeAspect="1"/>
-          </p:cNvPicPr>
-          <p:nvPr/>
-        </p:nvPicPr>
-        <p:blipFill>
-          <a:blip r:embed="rId6">
-            <a:extLst>
-              <a:ext uri="{96DAC541-7B7A-43D3-8B79-37D633B846F1}">
-                <asvg:svgBlip xmlns:asvg="http://schemas.microsoft.com/office/drawing/2016/SVG/main" r:embed="rId7"/>
-              </a:ext>
-            </a:extLst>
-          </a:blip>
-          <a:stretch>
-            <a:fillRect/>
-          </a:stretch>
-        </p:blipFill>
-        <p:spPr>
-          <a:xfrm>
-            <a:off x="1023865" y="3565867"/>
-            <a:ext cx="914400" cy="914400"/>
-          </a:xfrm>
-          <a:prstGeom prst="rect">
-            <a:avLst/>
-          </a:prstGeom>
-        </p:spPr>
-      </p:pic>
-      <p:sp>
-        <p:nvSpPr>
-          <p:cNvPr id="14" name="TextBox 13">
-            <a:extLst>
-              <a:ext uri="{FF2B5EF4-FFF2-40B4-BE49-F238E27FC236}">
-                <a16:creationId xmlns:a16="http://schemas.microsoft.com/office/drawing/2014/main" id="{17783C9B-929E-4970-9A69-9A2F2E3AD666}"/>
-              </a:ext>
-            </a:extLst>
-          </p:cNvPr>
-          <p:cNvSpPr txBox="1"/>
-          <p:nvPr/>
-        </p:nvSpPr>
-        <p:spPr>
-          <a:xfrm>
-            <a:off x="2207126" y="1353537"/>
-            <a:ext cx="9256295" cy="4524315"/>
-          </a:xfrm>
-          <a:prstGeom prst="rect">
-            <a:avLst/>
-          </a:prstGeom>
-          <a:noFill/>
-        </p:spPr>
-        <p:txBody>
-          <a:bodyPr wrap="square" rtlCol="0">
-            <a:spAutoFit/>
-          </a:bodyPr>
-          <a:lstStyle/>
-          <a:p>
-            <a:r>
-              <a:rPr lang="en-US" sz="1600" b="1" dirty="0"/>
-              <a:t>Medical and Healthcare</a:t>
-            </a:r>
-          </a:p>
-          <a:p>
-            <a:r>
-              <a:rPr lang="en-US" sz="1600" dirty="0"/>
-              <a:t>Faster Diagnosis using known medical information and captured patient data</a:t>
-            </a:r>
-          </a:p>
-          <a:p>
-            <a:r>
-              <a:rPr lang="en-US" sz="1600" dirty="0"/>
-              <a:t>Recommendation on treatments where effectiveness are backed by data </a:t>
-            </a:r>
-          </a:p>
-          <a:p>
-            <a:r>
-              <a:rPr lang="en-US" sz="1600" dirty="0"/>
-              <a:t>Improve hospitals and healthcare facilities services</a:t>
-            </a:r>
-          </a:p>
-          <a:p>
-            <a:endParaRPr lang="en-US" sz="1600" dirty="0"/>
-          </a:p>
-          <a:p>
-            <a:r>
-              <a:rPr lang="en-US" sz="1600" b="1" dirty="0"/>
-              <a:t>Travel and Logistics</a:t>
-            </a:r>
-          </a:p>
-          <a:p>
-            <a:r>
-              <a:rPr lang="en-US" sz="1600" dirty="0"/>
-              <a:t>Improve Travel by recommending routes base on real-time situations (weather, events, roadside accidents)</a:t>
-            </a:r>
-          </a:p>
-          <a:p>
-            <a:r>
-              <a:rPr lang="en-US" sz="1600" dirty="0"/>
-              <a:t>Optimize Delivery routes that guarantee customer satisfaction and lower delivery cost</a:t>
-            </a:r>
-          </a:p>
-          <a:p>
-            <a:endParaRPr lang="en-US" sz="1600" dirty="0"/>
-          </a:p>
-          <a:p>
-            <a:r>
-              <a:rPr lang="en-US" sz="1600" b="1" dirty="0"/>
-              <a:t>Social Media</a:t>
-            </a:r>
-          </a:p>
-          <a:p>
-            <a:r>
-              <a:rPr lang="en-US" sz="1600" dirty="0"/>
-              <a:t>Connecting people with the same likes, background, and acquaintances (Facebook, Instagram, </a:t>
-            </a:r>
-            <a:r>
-              <a:rPr lang="en-US" sz="1600" dirty="0" err="1"/>
-              <a:t>Linkedin</a:t>
-            </a:r>
-            <a:r>
-              <a:rPr lang="en-US" sz="1600" dirty="0"/>
-              <a:t>) </a:t>
-            </a:r>
-          </a:p>
-          <a:p>
-            <a:r>
-              <a:rPr lang="en-US" sz="1600" dirty="0"/>
-              <a:t>Builds community, group and organization with shared ideas and common goals</a:t>
-            </a:r>
-          </a:p>
-          <a:p>
-            <a:endParaRPr lang="en-US" sz="1600" dirty="0"/>
-          </a:p>
-          <a:p>
-            <a:r>
-              <a:rPr lang="en-US" sz="1600" b="1" dirty="0"/>
-              <a:t>Users Experience</a:t>
-            </a:r>
-          </a:p>
-          <a:p>
-            <a:r>
-              <a:rPr lang="en-US" sz="1600" dirty="0"/>
-              <a:t>Personalize customer experiences</a:t>
-            </a:r>
-          </a:p>
-          <a:p>
-            <a:r>
-              <a:rPr lang="en-US" sz="1600" dirty="0"/>
-              <a:t>Suggest Product and Services and compare pricing </a:t>
-            </a:r>
-          </a:p>
-          <a:p>
-            <a:r>
-              <a:rPr lang="en-US" sz="1600" dirty="0"/>
-              <a:t>Ease in searches by providing recommendation that fit’s customer need (Amazon recommends, Auto-fill on Search engines)</a:t>
-            </a:r>
-          </a:p>
-        </p:txBody>
-      </p:sp>
-      <p:pic>
-        <p:nvPicPr>
-          <p:cNvPr id="18" name="Graphic 17" descr="Shopping cart with solid fill">
-            <a:extLst>
-              <a:ext uri="{FF2B5EF4-FFF2-40B4-BE49-F238E27FC236}">
-                <a16:creationId xmlns:a16="http://schemas.microsoft.com/office/drawing/2014/main" id="{52B3EDF0-0287-45DA-A26B-371B42E2B758}"/>
-              </a:ext>
-            </a:extLst>
-          </p:cNvPr>
-          <p:cNvPicPr>
-            <a:picLocks noChangeAspect="1"/>
-          </p:cNvPicPr>
-          <p:nvPr/>
-        </p:nvPicPr>
-        <p:blipFill>
-          <a:blip r:embed="rId8">
-            <a:extLst>
-              <a:ext uri="{96DAC541-7B7A-43D3-8B79-37D633B846F1}">
-                <asvg:svgBlip xmlns:asvg="http://schemas.microsoft.com/office/drawing/2016/SVG/main" r:embed="rId9"/>
-              </a:ext>
-            </a:extLst>
-          </a:blip>
-          <a:stretch>
-            <a:fillRect/>
-          </a:stretch>
-        </p:blipFill>
-        <p:spPr>
-          <a:xfrm>
-            <a:off x="981803" y="4780610"/>
-            <a:ext cx="914400" cy="914400"/>
-          </a:xfrm>
-          <a:prstGeom prst="rect">
-            <a:avLst/>
-          </a:prstGeom>
-        </p:spPr>
-      </p:pic>
-      <p:pic>
-        <p:nvPicPr>
-          <p:cNvPr id="26" name="Graphic 25" descr="Fork In Road outline">
-            <a:extLst>
-              <a:ext uri="{FF2B5EF4-FFF2-40B4-BE49-F238E27FC236}">
-                <a16:creationId xmlns:a16="http://schemas.microsoft.com/office/drawing/2014/main" id="{FE460600-5F85-4BA2-886C-A9C983DC5434}"/>
-              </a:ext>
-            </a:extLst>
-          </p:cNvPr>
-          <p:cNvPicPr>
-            <a:picLocks noChangeAspect="1"/>
-          </p:cNvPicPr>
-          <p:nvPr/>
-        </p:nvPicPr>
-        <p:blipFill>
-          <a:blip r:embed="rId10">
-            <a:extLst>
-              <a:ext uri="{96DAC541-7B7A-43D3-8B79-37D633B846F1}">
-                <asvg:svgBlip xmlns:asvg="http://schemas.microsoft.com/office/drawing/2016/SVG/main" r:embed="rId11"/>
-              </a:ext>
-            </a:extLst>
-          </a:blip>
-          <a:stretch>
-            <a:fillRect/>
-          </a:stretch>
-        </p:blipFill>
-        <p:spPr>
-          <a:xfrm>
-            <a:off x="1439003" y="2724350"/>
-            <a:ext cx="599832" cy="599832"/>
+            <a:off x="6297317" y="3334176"/>
+            <a:ext cx="4102742" cy="2576693"/>
           </a:xfrm>
           <a:prstGeom prst="rect">
             <a:avLst/>
@@ -9382,7 +8423,7 @@
     </p:spTree>
     <p:extLst>
       <p:ext uri="{BB962C8B-B14F-4D97-AF65-F5344CB8AC3E}">
-        <p14:creationId xmlns:p14="http://schemas.microsoft.com/office/powerpoint/2010/main" val="122707658"/>
+        <p14:creationId xmlns:p14="http://schemas.microsoft.com/office/powerpoint/2010/main" val="4079013486"/>
       </p:ext>
     </p:extLst>
   </p:cSld>
@@ -9502,42 +8543,7 @@
                   </a:innerShdw>
                 </a:effectLst>
               </a:rPr>
-              <a:t>Analytical Distribution</a:t>
-            </a:r>
-          </a:p>
-        </p:txBody>
-      </p:sp>
-      <p:sp>
-        <p:nvSpPr>
-          <p:cNvPr id="4" name="TextBox 3">
-            <a:extLst>
-              <a:ext uri="{FF2B5EF4-FFF2-40B4-BE49-F238E27FC236}">
-                <a16:creationId xmlns:a16="http://schemas.microsoft.com/office/drawing/2014/main" id="{0494F424-6881-47BC-BF59-9F51B0AFEB07}"/>
-              </a:ext>
-            </a:extLst>
-          </p:cNvPr>
-          <p:cNvSpPr txBox="1"/>
-          <p:nvPr/>
-        </p:nvSpPr>
-        <p:spPr>
-          <a:xfrm>
-            <a:off x="256674" y="1393658"/>
-            <a:ext cx="4764505" cy="369332"/>
-          </a:xfrm>
-          <a:prstGeom prst="rect">
-            <a:avLst/>
-          </a:prstGeom>
-          <a:noFill/>
-        </p:spPr>
-        <p:txBody>
-          <a:bodyPr wrap="square" rtlCol="0">
-            <a:spAutoFit/>
-          </a:bodyPr>
-          <a:lstStyle/>
-          <a:p>
-            <a:r>
-              <a:rPr lang="en-US" b="1" dirty="0"/>
-              <a:t>In current process: </a:t>
+              <a:t>Variables</a:t>
             </a:r>
           </a:p>
         </p:txBody>
@@ -9596,10 +8602,10 @@
       </p:sp>
       <p:sp>
         <p:nvSpPr>
-          <p:cNvPr id="30" name="TextBox 29">
-            <a:extLst>
-              <a:ext uri="{FF2B5EF4-FFF2-40B4-BE49-F238E27FC236}">
-                <a16:creationId xmlns:a16="http://schemas.microsoft.com/office/drawing/2014/main" id="{860839E2-437F-4897-AF64-A99806966140}"/>
+          <p:cNvPr id="34" name="TextBox 33">
+            <a:extLst>
+              <a:ext uri="{FF2B5EF4-FFF2-40B4-BE49-F238E27FC236}">
+                <a16:creationId xmlns:a16="http://schemas.microsoft.com/office/drawing/2014/main" id="{5C65E7A6-314E-4449-91B1-59D7CD7887B1}"/>
               </a:ext>
             </a:extLst>
           </p:cNvPr>
@@ -9608,8 +8614,8 @@
         </p:nvSpPr>
         <p:spPr>
           <a:xfrm>
-            <a:off x="5955704" y="1393658"/>
-            <a:ext cx="4764505" cy="369332"/>
+            <a:off x="256674" y="700148"/>
+            <a:ext cx="5050264" cy="7848302"/>
           </a:xfrm>
           <a:prstGeom prst="rect">
             <a:avLst/>
@@ -9623,22 +8629,237 @@
           <a:lstStyle/>
           <a:p>
             <a:r>
-              <a:rPr lang="en-US" b="1" dirty="0">
+              <a:rPr lang="en-US" b="1" dirty="0"/>
+              <a:t> Tips Dataset</a:t>
+            </a:r>
+          </a:p>
+          <a:p>
+            <a:r>
+              <a:rPr lang="en-US" b="1" dirty="0"/>
+              <a:t>  </a:t>
+            </a:r>
+          </a:p>
+          <a:p>
+            <a:r>
+              <a:rPr lang="en-US" b="1" dirty="0"/>
+              <a:t>7. Tip Count (Derived New Variable)</a:t>
+            </a:r>
+            <a:endParaRPr lang="en-US" dirty="0"/>
+          </a:p>
+          <a:p>
+            <a:pPr marL="285750" indent="-285750">
+              <a:buFontTx/>
+              <a:buChar char="-"/>
+            </a:pPr>
+            <a:r>
+              <a:rPr lang="en-US" dirty="0"/>
+              <a:t>Integer count which is aggregated Tips per business id.</a:t>
+            </a:r>
+            <a:endParaRPr lang="en-US" b="1" dirty="0"/>
+          </a:p>
+          <a:p>
+            <a:pPr marL="285750" indent="-285750">
+              <a:buFontTx/>
+              <a:buChar char="-"/>
+            </a:pPr>
+            <a:r>
+              <a:rPr lang="en-US" dirty="0"/>
+              <a:t>The distribution is right skewed. Showing that there are less restaurant and food business that have Tips that are greater than 10.</a:t>
+            </a:r>
+          </a:p>
+          <a:p>
+            <a:endParaRPr lang="en-US" dirty="0"/>
+          </a:p>
+          <a:p>
+            <a:r>
+              <a:rPr lang="en-US" b="1" dirty="0"/>
+              <a:t>8. Tip Count Per Year (Derived New Variable)</a:t>
+            </a:r>
+            <a:endParaRPr lang="en-US" dirty="0"/>
+          </a:p>
+          <a:p>
+            <a:pPr marL="285750" indent="-285750">
+              <a:buFontTx/>
+              <a:buChar char="-"/>
+            </a:pPr>
+            <a:r>
+              <a:rPr lang="en-US" dirty="0"/>
+              <a:t>Integer total number of Tips for a business ID for each year</a:t>
+            </a:r>
+          </a:p>
+          <a:p>
+            <a:pPr marL="285750" indent="-285750">
+              <a:buFontTx/>
+              <a:buChar char="-"/>
+            </a:pPr>
+            <a:r>
+              <a:rPr lang="en-US" dirty="0"/>
+              <a:t>The distribution is approximately bell shape which is the shape of the Normal Distribution but shows a drop of tip count during pandemic years from 2019 - 2021</a:t>
+            </a:r>
+          </a:p>
+          <a:p>
+            <a:endParaRPr lang="en-US" b="1" dirty="0"/>
+          </a:p>
+          <a:p>
+            <a:endParaRPr lang="en-US" b="1" dirty="0"/>
+          </a:p>
+          <a:p>
+            <a:endParaRPr lang="en-US" b="1" dirty="0"/>
+          </a:p>
+          <a:p>
+            <a:endParaRPr lang="en-US" b="1" dirty="0"/>
+          </a:p>
+          <a:p>
+            <a:endParaRPr lang="en-US" b="1" dirty="0"/>
+          </a:p>
+          <a:p>
+            <a:endParaRPr lang="en-US" b="1" dirty="0"/>
+          </a:p>
+          <a:p>
+            <a:endParaRPr lang="en-US" b="1" dirty="0"/>
+          </a:p>
+          <a:p>
+            <a:endParaRPr lang="en-US" b="1" dirty="0"/>
+          </a:p>
+          <a:p>
+            <a:endParaRPr lang="en-US" b="1" dirty="0"/>
+          </a:p>
+          <a:p>
+            <a:endParaRPr lang="en-US" b="1" dirty="0"/>
+          </a:p>
+          <a:p>
+            <a:endParaRPr lang="en-US" b="1" dirty="0"/>
+          </a:p>
+          <a:p>
+            <a:endParaRPr lang="en-US" b="1" dirty="0"/>
+          </a:p>
+        </p:txBody>
+      </p:sp>
+      <p:sp>
+        <p:nvSpPr>
+          <p:cNvPr id="9" name="Rectangle 3">
+            <a:extLst>
+              <a:ext uri="{FF2B5EF4-FFF2-40B4-BE49-F238E27FC236}">
+                <a16:creationId xmlns:a16="http://schemas.microsoft.com/office/drawing/2014/main" id="{B184E0FB-A328-2E03-6BE1-331B868C088A}"/>
+              </a:ext>
+            </a:extLst>
+          </p:cNvPr>
+          <p:cNvSpPr>
+            <a:spLocks noChangeArrowheads="1"/>
+          </p:cNvSpPr>
+          <p:nvPr/>
+        </p:nvSpPr>
+        <p:spPr bwMode="auto">
+          <a:xfrm>
+            <a:off x="0" y="0"/>
+            <a:ext cx="12192000" cy="457200"/>
+          </a:xfrm>
+          <a:prstGeom prst="rect">
+            <a:avLst/>
+          </a:prstGeom>
+          <a:noFill/>
+          <a:ln>
+            <a:noFill/>
+          </a:ln>
+          <a:effectLst/>
+          <a:extLst>
+            <a:ext uri="{909E8E84-426E-40DD-AFC4-6F175D3DCCD1}">
+              <a14:hiddenFill xmlns:a14="http://schemas.microsoft.com/office/drawing/2010/main">
                 <a:solidFill>
-                  <a:schemeClr val="bg1"/>
+                  <a:schemeClr val="accent1"/>
                 </a:solidFill>
+              </a14:hiddenFill>
+            </a:ext>
+            <a:ext uri="{91240B29-F687-4F45-9708-019B960494DF}">
+              <a14:hiddenLine xmlns:a14="http://schemas.microsoft.com/office/drawing/2010/main" w="9525">
+                <a:solidFill>
+                  <a:schemeClr val="tx1"/>
+                </a:solidFill>
+                <a:miter lim="800000"/>
+                <a:headEnd/>
+                <a:tailEnd/>
+              </a14:hiddenLine>
+            </a:ext>
+            <a:ext uri="{AF507438-7753-43E0-B8FC-AC1667EBCBE1}">
+              <a14:hiddenEffects xmlns:a14="http://schemas.microsoft.com/office/drawing/2010/main">
+                <a:effectLst>
+                  <a:outerShdw dist="35921" dir="2700000" algn="ctr" rotWithShape="0">
+                    <a:schemeClr val="bg2"/>
+                  </a:outerShdw>
+                </a:effectLst>
+              </a14:hiddenEffects>
+            </a:ext>
+          </a:extLst>
+        </p:spPr>
+        <p:txBody>
+          <a:bodyPr vert="horz" wrap="none" lIns="0" tIns="0" rIns="0" bIns="0" numCol="1" anchor="ctr" anchorCtr="0" compatLnSpc="1">
+            <a:prstTxWarp prst="textNoShape">
+              <a:avLst/>
+            </a:prstTxWarp>
+            <a:spAutoFit/>
+          </a:bodyPr>
+          <a:lstStyle/>
+          <a:p>
+            <a:pPr marL="0" marR="0" lvl="0" indent="0" algn="l" defTabSz="914400" rtl="0" eaLnBrk="0" fontAlgn="base" latinLnBrk="0" hangingPunct="0">
+              <a:lnSpc>
+                <a:spcPct val="100000"/>
+              </a:lnSpc>
+              <a:spcBef>
+                <a:spcPct val="0"/>
+              </a:spcBef>
+              <a:spcAft>
+                <a:spcPct val="0"/>
+              </a:spcAft>
+              <a:buClrTx/>
+              <a:buSzTx/>
+              <a:buFontTx/>
+              <a:buNone/>
+              <a:tabLst/>
+            </a:pPr>
+            <a:r>
+              <a:rPr kumimoji="0" lang="en-US" altLang="en-US" sz="1000" b="0" i="0" u="none" strike="noStrike" cap="none" normalizeH="0" baseline="0">
+                <a:ln>
+                  <a:noFill/>
+                </a:ln>
+                <a:solidFill>
+                  <a:srgbClr val="333333"/>
+                </a:solidFill>
+                <a:effectLst/>
+                <a:latin typeface="Monaco"/>
               </a:rPr>
-              <a:t>In Data Science </a:t>
-            </a:r>
+              <a:t>float, star rating, rounded to half-stars</a:t>
+            </a:r>
+            <a:r>
+              <a:rPr kumimoji="0" lang="en-US" altLang="en-US" sz="800" b="0" i="0" u="none" strike="noStrike" cap="none" normalizeH="0" baseline="0">
+                <a:ln>
+                  <a:noFill/>
+                </a:ln>
+                <a:solidFill>
+                  <a:schemeClr val="tx1"/>
+                </a:solidFill>
+                <a:effectLst/>
+              </a:rPr>
+              <a:t> </a:t>
+            </a:r>
+            <a:endParaRPr kumimoji="0" lang="en-US" altLang="en-US" sz="1800" b="0" i="0" u="none" strike="noStrike" cap="none" normalizeH="0" baseline="0">
+              <a:ln>
+                <a:noFill/>
+              </a:ln>
+              <a:solidFill>
+                <a:schemeClr val="tx1"/>
+              </a:solidFill>
+              <a:effectLst/>
+              <a:latin typeface="Arial" panose="020B0604020202020204" pitchFamily="34" charset="0"/>
+            </a:endParaRPr>
           </a:p>
         </p:txBody>
       </p:sp>
       <p:pic>
         <p:nvPicPr>
-          <p:cNvPr id="31" name="Graphic 30" descr="Document outline">
-            <a:extLst>
-              <a:ext uri="{FF2B5EF4-FFF2-40B4-BE49-F238E27FC236}">
-                <a16:creationId xmlns:a16="http://schemas.microsoft.com/office/drawing/2014/main" id="{FA723BAA-BC8D-4C8D-94AE-23036703FE8C}"/>
+          <p:cNvPr id="6" name="Picture 5">
+            <a:extLst>
+              <a:ext uri="{FF2B5EF4-FFF2-40B4-BE49-F238E27FC236}">
+                <a16:creationId xmlns:a16="http://schemas.microsoft.com/office/drawing/2014/main" id="{3F270EAF-3822-CE63-B5EF-B2CFC3AF1B64}"/>
               </a:ext>
             </a:extLst>
           </p:cNvPr>
@@ -9648,21 +8869,15 @@
           <p:nvPr/>
         </p:nvPicPr>
         <p:blipFill>
-          <a:blip r:embed="rId2">
-            <a:extLst>
-              <a:ext uri="{96DAC541-7B7A-43D3-8B79-37D633B846F1}">
-                <asvg:svgBlip xmlns:asvg="http://schemas.microsoft.com/office/drawing/2016/SVG/main" r:embed="rId3"/>
-              </a:ext>
-            </a:extLst>
-          </a:blip>
+          <a:blip r:embed="rId2"/>
           <a:stretch>
             <a:fillRect/>
           </a:stretch>
         </p:blipFill>
         <p:spPr>
           <a:xfrm>
-            <a:off x="231168" y="1723045"/>
-            <a:ext cx="914400" cy="914400"/>
+            <a:off x="6525050" y="3429000"/>
+            <a:ext cx="4073115" cy="2579955"/>
           </a:xfrm>
           <a:prstGeom prst="rect">
             <a:avLst/>
@@ -9671,10 +8886,10 @@
       </p:pic>
       <p:pic>
         <p:nvPicPr>
-          <p:cNvPr id="32" name="Graphic 31" descr="Business Growth">
-            <a:extLst>
-              <a:ext uri="{FF2B5EF4-FFF2-40B4-BE49-F238E27FC236}">
-                <a16:creationId xmlns:a16="http://schemas.microsoft.com/office/drawing/2014/main" id="{42BC1A1A-2056-4FB9-B9C7-CF071EB17007}"/>
+          <p:cNvPr id="10" name="Picture 9">
+            <a:extLst>
+              <a:ext uri="{FF2B5EF4-FFF2-40B4-BE49-F238E27FC236}">
+                <a16:creationId xmlns:a16="http://schemas.microsoft.com/office/drawing/2014/main" id="{A7577127-B8A1-0FAE-D11A-B6EFE934709D}"/>
               </a:ext>
             </a:extLst>
           </p:cNvPr>
@@ -9684,897 +8899,15 @@
           <p:nvPr/>
         </p:nvPicPr>
         <p:blipFill>
-          <a:blip r:embed="rId4">
-            <a:extLst>
-              <a:ext uri="{28A0092B-C50C-407E-A947-70E740481C1C}">
-                <a14:useLocalDpi xmlns:a14="http://schemas.microsoft.com/office/drawing/2010/main" val="0"/>
-              </a:ext>
-              <a:ext uri="{96DAC541-7B7A-43D3-8B79-37D633B846F1}">
-                <asvg:svgBlip xmlns:asvg="http://schemas.microsoft.com/office/drawing/2016/SVG/main" r:embed="rId5"/>
-              </a:ext>
-            </a:extLst>
-          </a:blip>
+          <a:blip r:embed="rId3"/>
           <a:stretch>
             <a:fillRect/>
           </a:stretch>
         </p:blipFill>
         <p:spPr>
           <a:xfrm>
-            <a:off x="349039" y="5198765"/>
-            <a:ext cx="914400" cy="914400"/>
-          </a:xfrm>
-          <a:prstGeom prst="rect">
-            <a:avLst/>
-          </a:prstGeom>
-        </p:spPr>
-      </p:pic>
-      <p:pic>
-        <p:nvPicPr>
-          <p:cNvPr id="33" name="Graphic 32" descr="Research">
-            <a:extLst>
-              <a:ext uri="{FF2B5EF4-FFF2-40B4-BE49-F238E27FC236}">
-                <a16:creationId xmlns:a16="http://schemas.microsoft.com/office/drawing/2014/main" id="{FC4FA48B-6EC7-4798-ACFC-15A9973466A2}"/>
-              </a:ext>
-            </a:extLst>
-          </p:cNvPr>
-          <p:cNvPicPr>
-            <a:picLocks noChangeAspect="1"/>
-          </p:cNvPicPr>
-          <p:nvPr/>
-        </p:nvPicPr>
-        <p:blipFill>
-          <a:blip r:embed="rId6">
-            <a:extLst>
-              <a:ext uri="{28A0092B-C50C-407E-A947-70E740481C1C}">
-                <a14:useLocalDpi xmlns:a14="http://schemas.microsoft.com/office/drawing/2010/main" val="0"/>
-              </a:ext>
-              <a:ext uri="{96DAC541-7B7A-43D3-8B79-37D633B846F1}">
-                <asvg:svgBlip xmlns:asvg="http://schemas.microsoft.com/office/drawing/2016/SVG/main" r:embed="rId7"/>
-              </a:ext>
-            </a:extLst>
-          </a:blip>
-          <a:stretch>
-            <a:fillRect/>
-          </a:stretch>
-        </p:blipFill>
-        <p:spPr>
-          <a:xfrm>
-            <a:off x="273744" y="4050276"/>
-            <a:ext cx="914400" cy="914400"/>
-          </a:xfrm>
-          <a:prstGeom prst="rect">
-            <a:avLst/>
-          </a:prstGeom>
-        </p:spPr>
-      </p:pic>
-      <p:sp>
-        <p:nvSpPr>
-          <p:cNvPr id="34" name="TextBox 33">
-            <a:extLst>
-              <a:ext uri="{FF2B5EF4-FFF2-40B4-BE49-F238E27FC236}">
-                <a16:creationId xmlns:a16="http://schemas.microsoft.com/office/drawing/2014/main" id="{5C65E7A6-314E-4449-91B1-59D7CD7887B1}"/>
-              </a:ext>
-            </a:extLst>
-          </p:cNvPr>
-          <p:cNvSpPr txBox="1"/>
-          <p:nvPr/>
-        </p:nvSpPr>
-        <p:spPr>
-          <a:xfrm>
-            <a:off x="256674" y="754527"/>
-            <a:ext cx="2605200" cy="369332"/>
-          </a:xfrm>
-          <a:prstGeom prst="rect">
-            <a:avLst/>
-          </a:prstGeom>
-          <a:noFill/>
-        </p:spPr>
-        <p:txBody>
-          <a:bodyPr wrap="none" rtlCol="0">
-            <a:spAutoFit/>
-          </a:bodyPr>
-          <a:lstStyle/>
-          <a:p>
-            <a:r>
-              <a:rPr lang="en-US" b="1" dirty="0"/>
-              <a:t>The use of Data assets.... </a:t>
-            </a:r>
-          </a:p>
-        </p:txBody>
-      </p:sp>
-      <p:sp>
-        <p:nvSpPr>
-          <p:cNvPr id="35" name="TextBox 34">
-            <a:extLst>
-              <a:ext uri="{FF2B5EF4-FFF2-40B4-BE49-F238E27FC236}">
-                <a16:creationId xmlns:a16="http://schemas.microsoft.com/office/drawing/2014/main" id="{B1EBE2CD-F320-439D-B061-499A06CC028E}"/>
-              </a:ext>
-            </a:extLst>
-          </p:cNvPr>
-          <p:cNvSpPr txBox="1"/>
-          <p:nvPr/>
-        </p:nvSpPr>
-        <p:spPr>
-          <a:xfrm>
-            <a:off x="1004819" y="2017334"/>
-            <a:ext cx="4578497" cy="738664"/>
-          </a:xfrm>
-          <a:prstGeom prst="rect">
-            <a:avLst/>
-          </a:prstGeom>
-          <a:noFill/>
-        </p:spPr>
-        <p:txBody>
-          <a:bodyPr wrap="none" rtlCol="0">
-            <a:spAutoFit/>
-          </a:bodyPr>
-          <a:lstStyle/>
-          <a:p>
-            <a:r>
-              <a:rPr lang="en-US" sz="1400" b="1" dirty="0">
-                <a:latin typeface="Abadi" panose="020B0604020104020204" pitchFamily="34" charset="0"/>
-              </a:rPr>
-              <a:t>Reports </a:t>
-            </a:r>
-            <a:r>
-              <a:rPr lang="en-US" sz="1400" dirty="0">
-                <a:latin typeface="Abadi" panose="020B0604020104020204" pitchFamily="34" charset="0"/>
-              </a:rPr>
-              <a:t>representation of historical data to show current </a:t>
-            </a:r>
-          </a:p>
-          <a:p>
-            <a:r>
-              <a:rPr lang="en-US" sz="1400" dirty="0">
-                <a:latin typeface="Abadi" panose="020B0604020104020204" pitchFamily="34" charset="0"/>
-              </a:rPr>
-              <a:t>metrices and information in different user-friendly format</a:t>
-            </a:r>
-          </a:p>
-          <a:p>
-            <a:endParaRPr lang="en-US" sz="1400" dirty="0">
-              <a:latin typeface="Abadi" panose="020B0604020104020204" pitchFamily="34" charset="0"/>
-            </a:endParaRPr>
-          </a:p>
-        </p:txBody>
-      </p:sp>
-      <p:cxnSp>
-        <p:nvCxnSpPr>
-          <p:cNvPr id="37" name="Straight Connector 36">
-            <a:extLst>
-              <a:ext uri="{FF2B5EF4-FFF2-40B4-BE49-F238E27FC236}">
-                <a16:creationId xmlns:a16="http://schemas.microsoft.com/office/drawing/2014/main" id="{2A41B59E-DCD8-430B-976D-6DADFC4B2759}"/>
-              </a:ext>
-            </a:extLst>
-          </p:cNvPr>
-          <p:cNvCxnSpPr/>
-          <p:nvPr/>
-        </p:nvCxnSpPr>
-        <p:spPr>
-          <a:xfrm flipV="1">
-            <a:off x="349039" y="1699370"/>
-            <a:ext cx="4711334" cy="39304"/>
-          </a:xfrm>
-          <a:prstGeom prst="line">
-            <a:avLst/>
-          </a:prstGeom>
-          <a:ln>
-            <a:solidFill>
-              <a:schemeClr val="bg1">
-                <a:lumMod val="65000"/>
-              </a:schemeClr>
-            </a:solidFill>
-          </a:ln>
-        </p:spPr>
-        <p:style>
-          <a:lnRef idx="1">
-            <a:schemeClr val="dk1"/>
-          </a:lnRef>
-          <a:fillRef idx="0">
-            <a:schemeClr val="dk1"/>
-          </a:fillRef>
-          <a:effectRef idx="0">
-            <a:schemeClr val="dk1"/>
-          </a:effectRef>
-          <a:fontRef idx="minor">
-            <a:schemeClr val="tx1"/>
-          </a:fontRef>
-        </p:style>
-      </p:cxnSp>
-      <p:cxnSp>
-        <p:nvCxnSpPr>
-          <p:cNvPr id="38" name="Straight Connector 37">
-            <a:extLst>
-              <a:ext uri="{FF2B5EF4-FFF2-40B4-BE49-F238E27FC236}">
-                <a16:creationId xmlns:a16="http://schemas.microsoft.com/office/drawing/2014/main" id="{AE2C70F8-01A8-479E-8ECC-C964C9AC48CA}"/>
-              </a:ext>
-            </a:extLst>
-          </p:cNvPr>
-          <p:cNvCxnSpPr>
-            <a:cxnSpLocks/>
-          </p:cNvCxnSpPr>
-          <p:nvPr/>
-        </p:nvCxnSpPr>
-        <p:spPr>
-          <a:xfrm flipV="1">
-            <a:off x="6112238" y="1678735"/>
-            <a:ext cx="5448300" cy="27056"/>
-          </a:xfrm>
-          <a:prstGeom prst="line">
-            <a:avLst/>
-          </a:prstGeom>
-          <a:ln>
-            <a:solidFill>
-              <a:schemeClr val="bg1">
-                <a:lumMod val="65000"/>
-              </a:schemeClr>
-            </a:solidFill>
-          </a:ln>
-        </p:spPr>
-        <p:style>
-          <a:lnRef idx="1">
-            <a:schemeClr val="dk1"/>
-          </a:lnRef>
-          <a:fillRef idx="0">
-            <a:schemeClr val="dk1"/>
-          </a:fillRef>
-          <a:effectRef idx="0">
-            <a:schemeClr val="dk1"/>
-          </a:effectRef>
-          <a:fontRef idx="minor">
-            <a:schemeClr val="tx1"/>
-          </a:fontRef>
-        </p:style>
-      </p:cxnSp>
-      <p:sp>
-        <p:nvSpPr>
-          <p:cNvPr id="40" name="TextBox 39">
-            <a:extLst>
-              <a:ext uri="{FF2B5EF4-FFF2-40B4-BE49-F238E27FC236}">
-                <a16:creationId xmlns:a16="http://schemas.microsoft.com/office/drawing/2014/main" id="{BED08445-FE2F-44C8-91FD-4452DA11FAF9}"/>
-              </a:ext>
-            </a:extLst>
-          </p:cNvPr>
-          <p:cNvSpPr txBox="1"/>
-          <p:nvPr/>
-        </p:nvSpPr>
-        <p:spPr>
-          <a:xfrm>
-            <a:off x="1004819" y="4124895"/>
-            <a:ext cx="4211409" cy="738664"/>
-          </a:xfrm>
-          <a:prstGeom prst="rect">
-            <a:avLst/>
-          </a:prstGeom>
-          <a:noFill/>
-        </p:spPr>
-        <p:txBody>
-          <a:bodyPr wrap="none" rtlCol="0">
-            <a:spAutoFit/>
-          </a:bodyPr>
-          <a:lstStyle/>
-          <a:p>
-            <a:r>
-              <a:rPr lang="en-US" sz="1400" b="1" dirty="0">
-                <a:latin typeface="Abadi" panose="020B0604020104020204" pitchFamily="34" charset="0"/>
-              </a:rPr>
-              <a:t>Research/Development </a:t>
-            </a:r>
-            <a:r>
-              <a:rPr lang="en-US" sz="1400" dirty="0">
-                <a:latin typeface="Abadi" panose="020B0604020104020204" pitchFamily="34" charset="0"/>
-              </a:rPr>
-              <a:t>focusing on innovation and </a:t>
-            </a:r>
-          </a:p>
-          <a:p>
-            <a:r>
-              <a:rPr lang="en-US" sz="1400" dirty="0">
-                <a:latin typeface="Abadi" panose="020B0604020104020204" pitchFamily="34" charset="0"/>
-              </a:rPr>
-              <a:t>Introduction of new product and services to improve</a:t>
-            </a:r>
-          </a:p>
-          <a:p>
-            <a:r>
-              <a:rPr lang="en-US" sz="1400" dirty="0">
-                <a:latin typeface="Abadi" panose="020B0604020104020204" pitchFamily="34" charset="0"/>
-              </a:rPr>
-              <a:t>existing offering </a:t>
-            </a:r>
-          </a:p>
-        </p:txBody>
-      </p:sp>
-      <p:sp>
-        <p:nvSpPr>
-          <p:cNvPr id="41" name="TextBox 40">
-            <a:extLst>
-              <a:ext uri="{FF2B5EF4-FFF2-40B4-BE49-F238E27FC236}">
-                <a16:creationId xmlns:a16="http://schemas.microsoft.com/office/drawing/2014/main" id="{4E08E25B-2416-40FF-8841-740D57625B18}"/>
-              </a:ext>
-            </a:extLst>
-          </p:cNvPr>
-          <p:cNvSpPr txBox="1"/>
-          <p:nvPr/>
-        </p:nvSpPr>
-        <p:spPr>
-          <a:xfrm>
-            <a:off x="1047395" y="5203127"/>
-            <a:ext cx="4331635" cy="738664"/>
-          </a:xfrm>
-          <a:prstGeom prst="rect">
-            <a:avLst/>
-          </a:prstGeom>
-          <a:noFill/>
-        </p:spPr>
-        <p:txBody>
-          <a:bodyPr wrap="none" rtlCol="0">
-            <a:spAutoFit/>
-          </a:bodyPr>
-          <a:lstStyle/>
-          <a:p>
-            <a:r>
-              <a:rPr lang="en-US" sz="1400" b="1" dirty="0">
-                <a:latin typeface="Abadi" panose="020B0604020104020204" pitchFamily="34" charset="0"/>
-              </a:rPr>
-              <a:t>Business Intelligence </a:t>
-            </a:r>
-            <a:r>
-              <a:rPr lang="en-US" sz="1400" dirty="0">
-                <a:latin typeface="Abadi" panose="020B0604020104020204" pitchFamily="34" charset="0"/>
-              </a:rPr>
-              <a:t>analyzing current data to deliver </a:t>
-            </a:r>
-          </a:p>
-          <a:p>
-            <a:r>
-              <a:rPr lang="en-US" sz="1400" dirty="0">
-                <a:latin typeface="Abadi" panose="020B0604020104020204" pitchFamily="34" charset="0"/>
-              </a:rPr>
-              <a:t>   actionable information to make informed </a:t>
-            </a:r>
-          </a:p>
-          <a:p>
-            <a:r>
-              <a:rPr lang="en-US" sz="1400" dirty="0">
-                <a:latin typeface="Abadi" panose="020B0604020104020204" pitchFamily="34" charset="0"/>
-              </a:rPr>
-              <a:t>business decision.</a:t>
-            </a:r>
-            <a:endParaRPr lang="en-US" sz="1400" b="1" dirty="0">
-              <a:latin typeface="Abadi" panose="020B0604020104020204" pitchFamily="34" charset="0"/>
-            </a:endParaRPr>
-          </a:p>
-        </p:txBody>
-      </p:sp>
-      <p:grpSp>
-        <p:nvGrpSpPr>
-          <p:cNvPr id="50" name="Group 49">
-            <a:extLst>
-              <a:ext uri="{FF2B5EF4-FFF2-40B4-BE49-F238E27FC236}">
-                <a16:creationId xmlns:a16="http://schemas.microsoft.com/office/drawing/2014/main" id="{E9FAE785-9226-47D0-AF82-89494133C761}"/>
-              </a:ext>
-            </a:extLst>
-          </p:cNvPr>
-          <p:cNvGrpSpPr/>
-          <p:nvPr/>
-        </p:nvGrpSpPr>
-        <p:grpSpPr>
-          <a:xfrm>
-            <a:off x="5735644" y="1874353"/>
-            <a:ext cx="1361209" cy="1549951"/>
-            <a:chOff x="5744707" y="2614173"/>
-            <a:chExt cx="1361209" cy="1549951"/>
-          </a:xfrm>
-        </p:grpSpPr>
-        <p:sp>
-          <p:nvSpPr>
-            <p:cNvPr id="49" name="Rectangle 48">
-              <a:extLst>
-                <a:ext uri="{FF2B5EF4-FFF2-40B4-BE49-F238E27FC236}">
-                  <a16:creationId xmlns:a16="http://schemas.microsoft.com/office/drawing/2014/main" id="{B5BA32CF-6F1F-452E-A16A-243572115A92}"/>
-                </a:ext>
-              </a:extLst>
-            </p:cNvPr>
-            <p:cNvSpPr/>
-            <p:nvPr/>
-          </p:nvSpPr>
-          <p:spPr>
-            <a:xfrm>
-              <a:off x="5744707" y="2614173"/>
-              <a:ext cx="1361209" cy="1549951"/>
-            </a:xfrm>
-            <a:prstGeom prst="rect">
-              <a:avLst/>
-            </a:prstGeom>
-            <a:solidFill>
-              <a:schemeClr val="bg1"/>
-            </a:solidFill>
-          </p:spPr>
-          <p:style>
-            <a:lnRef idx="2">
-              <a:schemeClr val="accent1">
-                <a:shade val="50000"/>
-              </a:schemeClr>
-            </a:lnRef>
-            <a:fillRef idx="1">
-              <a:schemeClr val="accent1"/>
-            </a:fillRef>
-            <a:effectRef idx="0">
-              <a:schemeClr val="accent1"/>
-            </a:effectRef>
-            <a:fontRef idx="minor">
-              <a:schemeClr val="lt1"/>
-            </a:fontRef>
-          </p:style>
-          <p:txBody>
-            <a:bodyPr rtlCol="0" anchor="ctr"/>
-            <a:lstStyle/>
-            <a:p>
-              <a:pPr algn="ctr"/>
-              <a:endParaRPr lang="en-US"/>
-            </a:p>
-          </p:txBody>
-        </p:sp>
-        <p:grpSp>
-          <p:nvGrpSpPr>
-            <p:cNvPr id="44" name="Group 43">
-              <a:extLst>
-                <a:ext uri="{FF2B5EF4-FFF2-40B4-BE49-F238E27FC236}">
-                  <a16:creationId xmlns:a16="http://schemas.microsoft.com/office/drawing/2014/main" id="{5962619A-1A40-4486-AB6A-41D6976F0060}"/>
-                </a:ext>
-              </a:extLst>
-            </p:cNvPr>
-            <p:cNvGrpSpPr/>
-            <p:nvPr/>
-          </p:nvGrpSpPr>
-          <p:grpSpPr>
-            <a:xfrm>
-              <a:off x="5836129" y="2754934"/>
-              <a:ext cx="1178364" cy="1348132"/>
-              <a:chOff x="4884821" y="1635291"/>
-              <a:chExt cx="1852864" cy="1741569"/>
-            </a:xfrm>
-          </p:grpSpPr>
-          <p:pic>
-            <p:nvPicPr>
-              <p:cNvPr id="45" name="Graphic 44" descr="Mathematics with solid fill">
-                <a:extLst>
-                  <a:ext uri="{FF2B5EF4-FFF2-40B4-BE49-F238E27FC236}">
-                    <a16:creationId xmlns:a16="http://schemas.microsoft.com/office/drawing/2014/main" id="{89B297D2-D03E-4F85-932D-9F84B7503CFD}"/>
-                  </a:ext>
-                </a:extLst>
-              </p:cNvPr>
-              <p:cNvPicPr>
-                <a:picLocks noChangeAspect="1"/>
-              </p:cNvPicPr>
-              <p:nvPr/>
-            </p:nvPicPr>
-            <p:blipFill>
-              <a:blip r:embed="rId8">
-                <a:extLst>
-                  <a:ext uri="{96DAC541-7B7A-43D3-8B79-37D633B846F1}">
-                    <asvg:svgBlip xmlns:asvg="http://schemas.microsoft.com/office/drawing/2016/SVG/main" r:embed="rId9"/>
-                  </a:ext>
-                </a:extLst>
-              </a:blip>
-              <a:stretch>
-                <a:fillRect/>
-              </a:stretch>
-            </p:blipFill>
-            <p:spPr>
-              <a:xfrm>
-                <a:off x="4908885" y="2462460"/>
-                <a:ext cx="914400" cy="914400"/>
-              </a:xfrm>
-              <a:prstGeom prst="rect">
-                <a:avLst/>
-              </a:prstGeom>
-            </p:spPr>
-          </p:pic>
-          <p:pic>
-            <p:nvPicPr>
-              <p:cNvPr id="46" name="Graphic 45" descr="Computer with solid fill">
-                <a:extLst>
-                  <a:ext uri="{FF2B5EF4-FFF2-40B4-BE49-F238E27FC236}">
-                    <a16:creationId xmlns:a16="http://schemas.microsoft.com/office/drawing/2014/main" id="{730F6589-D8EF-4732-B66F-66A84B47152F}"/>
-                  </a:ext>
-                </a:extLst>
-              </p:cNvPr>
-              <p:cNvPicPr>
-                <a:picLocks noChangeAspect="1"/>
-              </p:cNvPicPr>
-              <p:nvPr/>
-            </p:nvPicPr>
-            <p:blipFill>
-              <a:blip r:embed="rId10">
-                <a:extLst>
-                  <a:ext uri="{96DAC541-7B7A-43D3-8B79-37D633B846F1}">
-                    <asvg:svgBlip xmlns:asvg="http://schemas.microsoft.com/office/drawing/2016/SVG/main" r:embed="rId11"/>
-                  </a:ext>
-                </a:extLst>
-              </a:blip>
-              <a:stretch>
-                <a:fillRect/>
-              </a:stretch>
-            </p:blipFill>
-            <p:spPr>
-              <a:xfrm>
-                <a:off x="4884821" y="1635291"/>
-                <a:ext cx="914400" cy="914400"/>
-              </a:xfrm>
-              <a:prstGeom prst="rect">
-                <a:avLst/>
-              </a:prstGeom>
-            </p:spPr>
-          </p:pic>
-          <p:pic>
-            <p:nvPicPr>
-              <p:cNvPr id="47" name="Graphic 46" descr="Statistics with solid fill">
-                <a:extLst>
-                  <a:ext uri="{FF2B5EF4-FFF2-40B4-BE49-F238E27FC236}">
-                    <a16:creationId xmlns:a16="http://schemas.microsoft.com/office/drawing/2014/main" id="{4EE2D0DB-C1BE-4C5A-92C2-10F88FA0F3EF}"/>
-                  </a:ext>
-                </a:extLst>
-              </p:cNvPr>
-              <p:cNvPicPr>
-                <a:picLocks noChangeAspect="1"/>
-              </p:cNvPicPr>
-              <p:nvPr/>
-            </p:nvPicPr>
-            <p:blipFill>
-              <a:blip r:embed="rId12">
-                <a:extLst>
-                  <a:ext uri="{96DAC541-7B7A-43D3-8B79-37D633B846F1}">
-                    <asvg:svgBlip xmlns:asvg="http://schemas.microsoft.com/office/drawing/2016/SVG/main" r:embed="rId13"/>
-                  </a:ext>
-                </a:extLst>
-              </a:blip>
-              <a:stretch>
-                <a:fillRect/>
-              </a:stretch>
-            </p:blipFill>
-            <p:spPr>
-              <a:xfrm>
-                <a:off x="5823285" y="1635291"/>
-                <a:ext cx="914400" cy="914400"/>
-              </a:xfrm>
-              <a:prstGeom prst="rect">
-                <a:avLst/>
-              </a:prstGeom>
-            </p:spPr>
-          </p:pic>
-          <p:pic>
-            <p:nvPicPr>
-              <p:cNvPr id="48" name="Graphic 47" descr="Robot outline">
-                <a:extLst>
-                  <a:ext uri="{FF2B5EF4-FFF2-40B4-BE49-F238E27FC236}">
-                    <a16:creationId xmlns:a16="http://schemas.microsoft.com/office/drawing/2014/main" id="{47529FEF-1BAE-446C-B5E0-728CA4FD8A4A}"/>
-                  </a:ext>
-                </a:extLst>
-              </p:cNvPr>
-              <p:cNvPicPr>
-                <a:picLocks noChangeAspect="1"/>
-              </p:cNvPicPr>
-              <p:nvPr/>
-            </p:nvPicPr>
-            <p:blipFill>
-              <a:blip r:embed="rId14">
-                <a:extLst>
-                  <a:ext uri="{96DAC541-7B7A-43D3-8B79-37D633B846F1}">
-                    <asvg:svgBlip xmlns:asvg="http://schemas.microsoft.com/office/drawing/2016/SVG/main" r:embed="rId15"/>
-                  </a:ext>
-                </a:extLst>
-              </a:blip>
-              <a:stretch>
-                <a:fillRect/>
-              </a:stretch>
-            </p:blipFill>
-            <p:spPr>
-              <a:xfrm>
-                <a:off x="5863391" y="2549691"/>
-                <a:ext cx="705851" cy="705851"/>
-              </a:xfrm>
-              <a:prstGeom prst="rect">
-                <a:avLst/>
-              </a:prstGeom>
-            </p:spPr>
-          </p:pic>
-        </p:grpSp>
-      </p:grpSp>
-      <p:sp>
-        <p:nvSpPr>
-          <p:cNvPr id="53" name="TextBox 52">
-            <a:extLst>
-              <a:ext uri="{FF2B5EF4-FFF2-40B4-BE49-F238E27FC236}">
-                <a16:creationId xmlns:a16="http://schemas.microsoft.com/office/drawing/2014/main" id="{8AAC8122-C154-40D5-B62F-47A9DB5A6BAD}"/>
-              </a:ext>
-            </a:extLst>
-          </p:cNvPr>
-          <p:cNvSpPr txBox="1"/>
-          <p:nvPr/>
-        </p:nvSpPr>
-        <p:spPr>
-          <a:xfrm>
-            <a:off x="1011908" y="3043904"/>
-            <a:ext cx="4578497" cy="738664"/>
-          </a:xfrm>
-          <a:prstGeom prst="rect">
-            <a:avLst/>
-          </a:prstGeom>
-          <a:noFill/>
-        </p:spPr>
-        <p:txBody>
-          <a:bodyPr wrap="none" rtlCol="0">
-            <a:spAutoFit/>
-          </a:bodyPr>
-          <a:lstStyle/>
-          <a:p>
-            <a:r>
-              <a:rPr lang="en-US" sz="1400" b="1" dirty="0">
-                <a:latin typeface="Abadi" panose="020B0604020104020204" pitchFamily="34" charset="0"/>
-              </a:rPr>
-              <a:t>Analytics</a:t>
-            </a:r>
-            <a:r>
-              <a:rPr lang="en-US" sz="1400" dirty="0">
-                <a:latin typeface="Abadi" panose="020B0604020104020204" pitchFamily="34" charset="0"/>
-              </a:rPr>
-              <a:t> exploration of information to identify insights to</a:t>
-            </a:r>
-          </a:p>
-          <a:p>
-            <a:r>
-              <a:rPr lang="en-US" sz="1400" dirty="0">
-                <a:latin typeface="Abadi" panose="020B0604020104020204" pitchFamily="34" charset="0"/>
-              </a:rPr>
-              <a:t>Improve business</a:t>
-            </a:r>
-          </a:p>
-          <a:p>
-            <a:endParaRPr lang="en-US" sz="1400" dirty="0">
-              <a:latin typeface="Abadi" panose="020B0604020104020204" pitchFamily="34" charset="0"/>
-            </a:endParaRPr>
-          </a:p>
-        </p:txBody>
-      </p:sp>
-      <p:pic>
-        <p:nvPicPr>
-          <p:cNvPr id="55" name="Graphic 54" descr="Statistics with solid fill">
-            <a:extLst>
-              <a:ext uri="{FF2B5EF4-FFF2-40B4-BE49-F238E27FC236}">
-                <a16:creationId xmlns:a16="http://schemas.microsoft.com/office/drawing/2014/main" id="{475140B3-67FC-449B-9ED1-21250CC38969}"/>
-              </a:ext>
-            </a:extLst>
-          </p:cNvPr>
-          <p:cNvPicPr>
-            <a:picLocks noChangeAspect="1"/>
-          </p:cNvPicPr>
-          <p:nvPr/>
-        </p:nvPicPr>
-        <p:blipFill>
-          <a:blip r:embed="rId16">
-            <a:extLst>
-              <a:ext uri="{96DAC541-7B7A-43D3-8B79-37D633B846F1}">
-                <asvg:svgBlip xmlns:asvg="http://schemas.microsoft.com/office/drawing/2016/SVG/main" r:embed="rId17"/>
-              </a:ext>
-            </a:extLst>
-          </a:blip>
-          <a:stretch>
-            <a:fillRect/>
-          </a:stretch>
-        </p:blipFill>
-        <p:spPr>
-          <a:xfrm>
-            <a:off x="231168" y="2793549"/>
-            <a:ext cx="914400" cy="914400"/>
-          </a:xfrm>
-          <a:prstGeom prst="rect">
-            <a:avLst/>
-          </a:prstGeom>
-        </p:spPr>
-      </p:pic>
-      <p:sp>
-        <p:nvSpPr>
-          <p:cNvPr id="58" name="TextBox 57">
-            <a:extLst>
-              <a:ext uri="{FF2B5EF4-FFF2-40B4-BE49-F238E27FC236}">
-                <a16:creationId xmlns:a16="http://schemas.microsoft.com/office/drawing/2014/main" id="{171DBA5A-B998-4F81-866C-B5736AF43CC6}"/>
-              </a:ext>
-            </a:extLst>
-          </p:cNvPr>
-          <p:cNvSpPr txBox="1"/>
-          <p:nvPr/>
-        </p:nvSpPr>
-        <p:spPr>
-          <a:xfrm>
-            <a:off x="5742734" y="2000102"/>
-            <a:ext cx="5638230" cy="4031873"/>
-          </a:xfrm>
-          <a:prstGeom prst="rect">
-            <a:avLst/>
-          </a:prstGeom>
-          <a:noFill/>
-        </p:spPr>
-        <p:txBody>
-          <a:bodyPr wrap="square" rtlCol="0">
-            <a:spAutoFit/>
-          </a:bodyPr>
-          <a:lstStyle/>
-          <a:p>
-            <a:pPr lvl="3"/>
-            <a:r>
-              <a:rPr lang="en-US" sz="1600" dirty="0">
-                <a:solidFill>
-                  <a:schemeClr val="bg1"/>
-                </a:solidFill>
-                <a:latin typeface="Abadi" panose="020B0604020104020204" pitchFamily="34" charset="0"/>
-              </a:rPr>
-              <a:t>Improve current processes with: </a:t>
-            </a:r>
-          </a:p>
-          <a:p>
-            <a:pPr lvl="3"/>
-            <a:endParaRPr lang="en-US" sz="1600" dirty="0">
-              <a:solidFill>
-                <a:schemeClr val="bg1"/>
-              </a:solidFill>
-              <a:latin typeface="Abadi" panose="020B0604020104020204" pitchFamily="34" charset="0"/>
-            </a:endParaRPr>
-          </a:p>
-          <a:p>
-            <a:pPr marL="1657350" lvl="3" indent="-285750">
-              <a:buFont typeface="Wingdings" panose="05000000000000000000" pitchFamily="2" charset="2"/>
-              <a:buChar char="ü"/>
-            </a:pPr>
-            <a:r>
-              <a:rPr lang="en-US" sz="1600" dirty="0">
-                <a:solidFill>
-                  <a:schemeClr val="bg1"/>
-                </a:solidFill>
-                <a:latin typeface="Abadi" panose="020B0604020104020204" pitchFamily="34" charset="0"/>
-              </a:rPr>
-              <a:t>Use of Data Engineering to extract and process huge amount of structured and Unstructured data. </a:t>
-            </a:r>
-          </a:p>
-          <a:p>
-            <a:pPr lvl="3"/>
-            <a:endParaRPr lang="en-US" sz="1600" dirty="0">
-              <a:solidFill>
-                <a:schemeClr val="bg1"/>
-              </a:solidFill>
-              <a:latin typeface="Abadi" panose="020B0604020104020204" pitchFamily="34" charset="0"/>
-            </a:endParaRPr>
-          </a:p>
-          <a:p>
-            <a:pPr marL="1657350" lvl="3" indent="-285750">
-              <a:buFont typeface="Wingdings" panose="05000000000000000000" pitchFamily="2" charset="2"/>
-              <a:buChar char="ü"/>
-            </a:pPr>
-            <a:r>
-              <a:rPr lang="en-US" sz="1600" dirty="0">
-                <a:solidFill>
-                  <a:schemeClr val="bg1"/>
-                </a:solidFill>
-                <a:latin typeface="Abadi" panose="020B0604020104020204" pitchFamily="34" charset="0"/>
-              </a:rPr>
-              <a:t>Capable of complex Algorithm models and Data processing to identify hidden patterns and insights</a:t>
-            </a:r>
-          </a:p>
-          <a:p>
-            <a:pPr lvl="3"/>
-            <a:endParaRPr lang="en-US" sz="1600" dirty="0">
-              <a:solidFill>
-                <a:schemeClr val="bg1"/>
-              </a:solidFill>
-              <a:latin typeface="Abadi" panose="020B0604020104020204" pitchFamily="34" charset="0"/>
-            </a:endParaRPr>
-          </a:p>
-          <a:p>
-            <a:pPr marL="1657350" lvl="3" indent="-285750">
-              <a:buFont typeface="Wingdings" panose="05000000000000000000" pitchFamily="2" charset="2"/>
-              <a:buChar char="ü"/>
-            </a:pPr>
-            <a:r>
-              <a:rPr lang="en-US" sz="1600" dirty="0">
-                <a:solidFill>
-                  <a:schemeClr val="bg1"/>
-                </a:solidFill>
-                <a:latin typeface="Abadi" panose="020B0604020104020204" pitchFamily="34" charset="0"/>
-              </a:rPr>
-              <a:t>Exploration of the unknown</a:t>
-            </a:r>
-          </a:p>
-          <a:p>
-            <a:pPr lvl="3"/>
-            <a:endParaRPr lang="en-US" sz="1600" dirty="0">
-              <a:solidFill>
-                <a:schemeClr val="bg1"/>
-              </a:solidFill>
-              <a:latin typeface="Abadi" panose="020B0604020104020204" pitchFamily="34" charset="0"/>
-            </a:endParaRPr>
-          </a:p>
-          <a:p>
-            <a:pPr marL="1657350" lvl="3" indent="-285750">
-              <a:buFont typeface="Wingdings" panose="05000000000000000000" pitchFamily="2" charset="2"/>
-              <a:buChar char="ü"/>
-            </a:pPr>
-            <a:r>
-              <a:rPr lang="en-US" sz="1600" dirty="0">
-                <a:solidFill>
-                  <a:schemeClr val="bg1"/>
-                </a:solidFill>
-                <a:latin typeface="Abadi" panose="020B0604020104020204" pitchFamily="34" charset="0"/>
-              </a:rPr>
-              <a:t>Computer Engineering and Machine Learning</a:t>
-            </a:r>
-          </a:p>
-          <a:p>
-            <a:endParaRPr lang="en-US" sz="1600" dirty="0">
-              <a:solidFill>
-                <a:schemeClr val="bg1"/>
-              </a:solidFill>
-              <a:latin typeface="Abadi" panose="020B0604020104020204" pitchFamily="34" charset="0"/>
-            </a:endParaRPr>
-          </a:p>
-          <a:p>
-            <a:r>
-              <a:rPr lang="en-US" sz="1600" dirty="0">
-                <a:solidFill>
-                  <a:schemeClr val="bg1"/>
-                </a:solidFill>
-                <a:latin typeface="Abadi" panose="020B0604020104020204" pitchFamily="34" charset="0"/>
-              </a:rPr>
-              <a:t>                Delivers Predictive models to </a:t>
-            </a:r>
-            <a:r>
-              <a:rPr lang="en-US" sz="1600" u="sng" dirty="0">
-                <a:solidFill>
-                  <a:srgbClr val="00B0F0"/>
-                </a:solidFill>
-                <a:latin typeface="Abadi" panose="020B0604020104020204" pitchFamily="34" charset="0"/>
-              </a:rPr>
-              <a:t>forecast future </a:t>
-            </a:r>
-            <a:endParaRPr lang="en-US" sz="1600" dirty="0">
-              <a:solidFill>
-                <a:schemeClr val="bg1"/>
-              </a:solidFill>
-              <a:latin typeface="Abadi" panose="020B0604020104020204" pitchFamily="34" charset="0"/>
-            </a:endParaRPr>
-          </a:p>
-        </p:txBody>
-      </p:sp>
-      <p:pic>
-        <p:nvPicPr>
-          <p:cNvPr id="60" name="Graphic 59" descr="Right pointing backhand index outline">
-            <a:extLst>
-              <a:ext uri="{FF2B5EF4-FFF2-40B4-BE49-F238E27FC236}">
-                <a16:creationId xmlns:a16="http://schemas.microsoft.com/office/drawing/2014/main" id="{DEF00793-7AE2-4332-B896-CE41EC14904A}"/>
-              </a:ext>
-            </a:extLst>
-          </p:cNvPr>
-          <p:cNvPicPr>
-            <a:picLocks noChangeAspect="1"/>
-          </p:cNvPicPr>
-          <p:nvPr/>
-        </p:nvPicPr>
-        <p:blipFill>
-          <a:blip r:embed="rId18">
-            <a:extLst>
-              <a:ext uri="{96DAC541-7B7A-43D3-8B79-37D633B846F1}">
-                <asvg:svgBlip xmlns:asvg="http://schemas.microsoft.com/office/drawing/2016/SVG/main" r:embed="rId19"/>
-              </a:ext>
-            </a:extLst>
-          </a:blip>
-          <a:stretch>
-            <a:fillRect/>
-          </a:stretch>
-        </p:blipFill>
-        <p:spPr>
-          <a:xfrm>
-            <a:off x="6003634" y="5572459"/>
-            <a:ext cx="655345" cy="655345"/>
+            <a:off x="6399843" y="714237"/>
+            <a:ext cx="4039952" cy="2321009"/>
           </a:xfrm>
           <a:prstGeom prst="rect">
             <a:avLst/>
@@ -10584,7 +8917,7 @@
     </p:spTree>
     <p:extLst>
       <p:ext uri="{BB962C8B-B14F-4D97-AF65-F5344CB8AC3E}">
-        <p14:creationId xmlns:p14="http://schemas.microsoft.com/office/powerpoint/2010/main" val="4048642611"/>
+        <p14:creationId xmlns:p14="http://schemas.microsoft.com/office/powerpoint/2010/main" val="3391227185"/>
       </p:ext>
     </p:extLst>
   </p:cSld>
@@ -10704,17 +9037,17 @@
                   </a:innerShdw>
                 </a:effectLst>
               </a:rPr>
-              <a:t>Analytical Distribution</a:t>
-            </a:r>
-          </a:p>
-        </p:txBody>
-      </p:sp>
-      <p:sp>
-        <p:nvSpPr>
-          <p:cNvPr id="4" name="TextBox 3">
-            <a:extLst>
-              <a:ext uri="{FF2B5EF4-FFF2-40B4-BE49-F238E27FC236}">
-                <a16:creationId xmlns:a16="http://schemas.microsoft.com/office/drawing/2014/main" id="{0494F424-6881-47BC-BF59-9F51B0AFEB07}"/>
+              <a:t>Variables</a:t>
+            </a:r>
+          </a:p>
+        </p:txBody>
+      </p:sp>
+      <p:sp>
+        <p:nvSpPr>
+          <p:cNvPr id="34" name="TextBox 33">
+            <a:extLst>
+              <a:ext uri="{FF2B5EF4-FFF2-40B4-BE49-F238E27FC236}">
+                <a16:creationId xmlns:a16="http://schemas.microsoft.com/office/drawing/2014/main" id="{5C65E7A6-314E-4449-91B1-59D7CD7887B1}"/>
               </a:ext>
             </a:extLst>
           </p:cNvPr>
@@ -10723,8 +9056,8 @@
         </p:nvSpPr>
         <p:spPr>
           <a:xfrm>
-            <a:off x="256674" y="1393658"/>
-            <a:ext cx="4764505" cy="369332"/>
+            <a:off x="256674" y="700148"/>
+            <a:ext cx="5050264" cy="3139321"/>
           </a:xfrm>
           <a:prstGeom prst="rect">
             <a:avLst/>
@@ -10739,108 +9072,47 @@
           <a:p>
             <a:r>
               <a:rPr lang="en-US" b="1" dirty="0"/>
-              <a:t>In current process: </a:t>
-            </a:r>
-          </a:p>
-        </p:txBody>
-      </p:sp>
-      <p:sp>
-        <p:nvSpPr>
-          <p:cNvPr id="29" name="Rectangle 28">
-            <a:extLst>
-              <a:ext uri="{FF2B5EF4-FFF2-40B4-BE49-F238E27FC236}">
-                <a16:creationId xmlns:a16="http://schemas.microsoft.com/office/drawing/2014/main" id="{5B88C625-67F1-4677-B918-4E6BE60E0D9E}"/>
-              </a:ext>
-            </a:extLst>
-          </p:cNvPr>
-          <p:cNvSpPr/>
-          <p:nvPr/>
-        </p:nvSpPr>
-        <p:spPr>
-          <a:xfrm>
-            <a:off x="5534526" y="529884"/>
-            <a:ext cx="6216069" cy="5758621"/>
-          </a:xfrm>
-          <a:prstGeom prst="rect">
-            <a:avLst/>
-          </a:prstGeom>
-          <a:solidFill>
-            <a:srgbClr val="002060"/>
-          </a:solidFill>
-          <a:ln>
-            <a:noFill/>
-          </a:ln>
-        </p:spPr>
-        <p:style>
-          <a:lnRef idx="2">
-            <a:schemeClr val="accent1">
-              <a:shade val="50000"/>
-            </a:schemeClr>
-          </a:lnRef>
-          <a:fillRef idx="1">
-            <a:schemeClr val="accent1"/>
-          </a:fillRef>
-          <a:effectRef idx="0">
-            <a:schemeClr val="accent1"/>
-          </a:effectRef>
-          <a:fontRef idx="minor">
-            <a:schemeClr val="lt1"/>
-          </a:fontRef>
-        </p:style>
-        <p:txBody>
-          <a:bodyPr rtlCol="0" anchor="ctr"/>
-          <a:lstStyle/>
-          <a:p>
-            <a:pPr algn="ctr"/>
-            <a:endParaRPr lang="en-US"/>
-          </a:p>
-        </p:txBody>
-      </p:sp>
-      <p:sp>
-        <p:nvSpPr>
-          <p:cNvPr id="30" name="TextBox 29">
-            <a:extLst>
-              <a:ext uri="{FF2B5EF4-FFF2-40B4-BE49-F238E27FC236}">
-                <a16:creationId xmlns:a16="http://schemas.microsoft.com/office/drawing/2014/main" id="{860839E2-437F-4897-AF64-A99806966140}"/>
-              </a:ext>
-            </a:extLst>
-          </p:cNvPr>
-          <p:cNvSpPr txBox="1"/>
-          <p:nvPr/>
-        </p:nvSpPr>
-        <p:spPr>
-          <a:xfrm>
-            <a:off x="5955704" y="1393658"/>
-            <a:ext cx="4764505" cy="369332"/>
-          </a:xfrm>
-          <a:prstGeom prst="rect">
-            <a:avLst/>
-          </a:prstGeom>
-          <a:noFill/>
-        </p:spPr>
-        <p:txBody>
-          <a:bodyPr wrap="square" rtlCol="0">
-            <a:spAutoFit/>
-          </a:bodyPr>
-          <a:lstStyle/>
-          <a:p>
-            <a:r>
-              <a:rPr lang="en-US" b="1" dirty="0">
-                <a:solidFill>
-                  <a:schemeClr val="bg1"/>
-                </a:solidFill>
-              </a:rPr>
-              <a:t>In Data Science </a:t>
-            </a:r>
+              <a:t>Summary</a:t>
+            </a:r>
+          </a:p>
+          <a:p>
+            <a:endParaRPr lang="en-US" b="1" dirty="0"/>
+          </a:p>
+          <a:p>
+            <a:endParaRPr lang="en-US" b="1" dirty="0"/>
+          </a:p>
+          <a:p>
+            <a:endParaRPr lang="en-US" b="1" dirty="0"/>
+          </a:p>
+          <a:p>
+            <a:endParaRPr lang="en-US" b="1" dirty="0"/>
+          </a:p>
+          <a:p>
+            <a:endParaRPr lang="en-US" b="1" dirty="0"/>
+          </a:p>
+          <a:p>
+            <a:endParaRPr lang="en-US" b="1" dirty="0"/>
+          </a:p>
+          <a:p>
+            <a:endParaRPr lang="en-US" b="1" dirty="0"/>
+          </a:p>
+          <a:p>
+            <a:endParaRPr lang="en-US" b="1" dirty="0"/>
+          </a:p>
+          <a:p>
+            <a:endParaRPr lang="en-US" b="1" dirty="0"/>
+          </a:p>
+          <a:p>
+            <a:endParaRPr lang="en-US" b="1" dirty="0"/>
           </a:p>
         </p:txBody>
       </p:sp>
       <p:pic>
         <p:nvPicPr>
-          <p:cNvPr id="31" name="Graphic 30" descr="Document outline">
-            <a:extLst>
-              <a:ext uri="{FF2B5EF4-FFF2-40B4-BE49-F238E27FC236}">
-                <a16:creationId xmlns:a16="http://schemas.microsoft.com/office/drawing/2014/main" id="{FA723BAA-BC8D-4C8D-94AE-23036703FE8C}"/>
+          <p:cNvPr id="8" name="Picture 7">
+            <a:extLst>
+              <a:ext uri="{FF2B5EF4-FFF2-40B4-BE49-F238E27FC236}">
+                <a16:creationId xmlns:a16="http://schemas.microsoft.com/office/drawing/2014/main" id="{4DE8108E-820B-D126-759F-BA2F74C394C1}"/>
               </a:ext>
             </a:extLst>
           </p:cNvPr>
@@ -10850,933 +9122,15 @@
           <p:nvPr/>
         </p:nvPicPr>
         <p:blipFill>
-          <a:blip r:embed="rId2">
-            <a:extLst>
-              <a:ext uri="{96DAC541-7B7A-43D3-8B79-37D633B846F1}">
-                <asvg:svgBlip xmlns:asvg="http://schemas.microsoft.com/office/drawing/2016/SVG/main" r:embed="rId3"/>
-              </a:ext>
-            </a:extLst>
-          </a:blip>
+          <a:blip r:embed="rId2"/>
           <a:stretch>
             <a:fillRect/>
           </a:stretch>
         </p:blipFill>
         <p:spPr>
           <a:xfrm>
-            <a:off x="231168" y="1723045"/>
-            <a:ext cx="914400" cy="914400"/>
-          </a:xfrm>
-          <a:prstGeom prst="rect">
-            <a:avLst/>
-          </a:prstGeom>
-        </p:spPr>
-      </p:pic>
-      <p:pic>
-        <p:nvPicPr>
-          <p:cNvPr id="32" name="Graphic 31" descr="Business Growth">
-            <a:extLst>
-              <a:ext uri="{FF2B5EF4-FFF2-40B4-BE49-F238E27FC236}">
-                <a16:creationId xmlns:a16="http://schemas.microsoft.com/office/drawing/2014/main" id="{42BC1A1A-2056-4FB9-B9C7-CF071EB17007}"/>
-              </a:ext>
-            </a:extLst>
-          </p:cNvPr>
-          <p:cNvPicPr>
-            <a:picLocks noChangeAspect="1"/>
-          </p:cNvPicPr>
-          <p:nvPr/>
-        </p:nvPicPr>
-        <p:blipFill>
-          <a:blip r:embed="rId4">
-            <a:extLst>
-              <a:ext uri="{28A0092B-C50C-407E-A947-70E740481C1C}">
-                <a14:useLocalDpi xmlns:a14="http://schemas.microsoft.com/office/drawing/2010/main" val="0"/>
-              </a:ext>
-              <a:ext uri="{96DAC541-7B7A-43D3-8B79-37D633B846F1}">
-                <asvg:svgBlip xmlns:asvg="http://schemas.microsoft.com/office/drawing/2016/SVG/main" r:embed="rId5"/>
-              </a:ext>
-            </a:extLst>
-          </a:blip>
-          <a:stretch>
-            <a:fillRect/>
-          </a:stretch>
-        </p:blipFill>
-        <p:spPr>
-          <a:xfrm>
-            <a:off x="349039" y="5198765"/>
-            <a:ext cx="914400" cy="914400"/>
-          </a:xfrm>
-          <a:prstGeom prst="rect">
-            <a:avLst/>
-          </a:prstGeom>
-        </p:spPr>
-      </p:pic>
-      <p:pic>
-        <p:nvPicPr>
-          <p:cNvPr id="33" name="Graphic 32" descr="Research">
-            <a:extLst>
-              <a:ext uri="{FF2B5EF4-FFF2-40B4-BE49-F238E27FC236}">
-                <a16:creationId xmlns:a16="http://schemas.microsoft.com/office/drawing/2014/main" id="{FC4FA48B-6EC7-4798-ACFC-15A9973466A2}"/>
-              </a:ext>
-            </a:extLst>
-          </p:cNvPr>
-          <p:cNvPicPr>
-            <a:picLocks noChangeAspect="1"/>
-          </p:cNvPicPr>
-          <p:nvPr/>
-        </p:nvPicPr>
-        <p:blipFill>
-          <a:blip r:embed="rId6">
-            <a:extLst>
-              <a:ext uri="{28A0092B-C50C-407E-A947-70E740481C1C}">
-                <a14:useLocalDpi xmlns:a14="http://schemas.microsoft.com/office/drawing/2010/main" val="0"/>
-              </a:ext>
-              <a:ext uri="{96DAC541-7B7A-43D3-8B79-37D633B846F1}">
-                <asvg:svgBlip xmlns:asvg="http://schemas.microsoft.com/office/drawing/2016/SVG/main" r:embed="rId7"/>
-              </a:ext>
-            </a:extLst>
-          </a:blip>
-          <a:stretch>
-            <a:fillRect/>
-          </a:stretch>
-        </p:blipFill>
-        <p:spPr>
-          <a:xfrm>
-            <a:off x="273744" y="4050276"/>
-            <a:ext cx="914400" cy="914400"/>
-          </a:xfrm>
-          <a:prstGeom prst="rect">
-            <a:avLst/>
-          </a:prstGeom>
-        </p:spPr>
-      </p:pic>
-      <p:sp>
-        <p:nvSpPr>
-          <p:cNvPr id="34" name="TextBox 33">
-            <a:extLst>
-              <a:ext uri="{FF2B5EF4-FFF2-40B4-BE49-F238E27FC236}">
-                <a16:creationId xmlns:a16="http://schemas.microsoft.com/office/drawing/2014/main" id="{5C65E7A6-314E-4449-91B1-59D7CD7887B1}"/>
-              </a:ext>
-            </a:extLst>
-          </p:cNvPr>
-          <p:cNvSpPr txBox="1"/>
-          <p:nvPr/>
-        </p:nvSpPr>
-        <p:spPr>
-          <a:xfrm>
-            <a:off x="256674" y="754527"/>
-            <a:ext cx="2605200" cy="369332"/>
-          </a:xfrm>
-          <a:prstGeom prst="rect">
-            <a:avLst/>
-          </a:prstGeom>
-          <a:noFill/>
-        </p:spPr>
-        <p:txBody>
-          <a:bodyPr wrap="none" rtlCol="0">
-            <a:spAutoFit/>
-          </a:bodyPr>
-          <a:lstStyle/>
-          <a:p>
-            <a:r>
-              <a:rPr lang="en-US" b="1" dirty="0"/>
-              <a:t>The use of Data assets.... </a:t>
-            </a:r>
-          </a:p>
-        </p:txBody>
-      </p:sp>
-      <p:sp>
-        <p:nvSpPr>
-          <p:cNvPr id="35" name="TextBox 34">
-            <a:extLst>
-              <a:ext uri="{FF2B5EF4-FFF2-40B4-BE49-F238E27FC236}">
-                <a16:creationId xmlns:a16="http://schemas.microsoft.com/office/drawing/2014/main" id="{B1EBE2CD-F320-439D-B061-499A06CC028E}"/>
-              </a:ext>
-            </a:extLst>
-          </p:cNvPr>
-          <p:cNvSpPr txBox="1"/>
-          <p:nvPr/>
-        </p:nvSpPr>
-        <p:spPr>
-          <a:xfrm>
-            <a:off x="1004819" y="2017334"/>
-            <a:ext cx="4578497" cy="738664"/>
-          </a:xfrm>
-          <a:prstGeom prst="rect">
-            <a:avLst/>
-          </a:prstGeom>
-          <a:noFill/>
-        </p:spPr>
-        <p:txBody>
-          <a:bodyPr wrap="none" rtlCol="0">
-            <a:spAutoFit/>
-          </a:bodyPr>
-          <a:lstStyle/>
-          <a:p>
-            <a:r>
-              <a:rPr lang="en-US" sz="1400" b="1" dirty="0">
-                <a:latin typeface="Abadi" panose="020B0604020104020204" pitchFamily="34" charset="0"/>
-              </a:rPr>
-              <a:t>Reports </a:t>
-            </a:r>
-            <a:r>
-              <a:rPr lang="en-US" sz="1400" dirty="0">
-                <a:latin typeface="Abadi" panose="020B0604020104020204" pitchFamily="34" charset="0"/>
-              </a:rPr>
-              <a:t>representation of historical data to show current </a:t>
-            </a:r>
-          </a:p>
-          <a:p>
-            <a:r>
-              <a:rPr lang="en-US" sz="1400" dirty="0">
-                <a:latin typeface="Abadi" panose="020B0604020104020204" pitchFamily="34" charset="0"/>
-              </a:rPr>
-              <a:t>metrices and information in different user-friendly format</a:t>
-            </a:r>
-          </a:p>
-          <a:p>
-            <a:endParaRPr lang="en-US" sz="1400" dirty="0">
-              <a:latin typeface="Abadi" panose="020B0604020104020204" pitchFamily="34" charset="0"/>
-            </a:endParaRPr>
-          </a:p>
-        </p:txBody>
-      </p:sp>
-      <p:cxnSp>
-        <p:nvCxnSpPr>
-          <p:cNvPr id="37" name="Straight Connector 36">
-            <a:extLst>
-              <a:ext uri="{FF2B5EF4-FFF2-40B4-BE49-F238E27FC236}">
-                <a16:creationId xmlns:a16="http://schemas.microsoft.com/office/drawing/2014/main" id="{2A41B59E-DCD8-430B-976D-6DADFC4B2759}"/>
-              </a:ext>
-            </a:extLst>
-          </p:cNvPr>
-          <p:cNvCxnSpPr/>
-          <p:nvPr/>
-        </p:nvCxnSpPr>
-        <p:spPr>
-          <a:xfrm flipV="1">
-            <a:off x="349039" y="1699370"/>
-            <a:ext cx="4711334" cy="39304"/>
-          </a:xfrm>
-          <a:prstGeom prst="line">
-            <a:avLst/>
-          </a:prstGeom>
-          <a:ln>
-            <a:solidFill>
-              <a:schemeClr val="bg1">
-                <a:lumMod val="65000"/>
-              </a:schemeClr>
-            </a:solidFill>
-          </a:ln>
-        </p:spPr>
-        <p:style>
-          <a:lnRef idx="1">
-            <a:schemeClr val="dk1"/>
-          </a:lnRef>
-          <a:fillRef idx="0">
-            <a:schemeClr val="dk1"/>
-          </a:fillRef>
-          <a:effectRef idx="0">
-            <a:schemeClr val="dk1"/>
-          </a:effectRef>
-          <a:fontRef idx="minor">
-            <a:schemeClr val="tx1"/>
-          </a:fontRef>
-        </p:style>
-      </p:cxnSp>
-      <p:cxnSp>
-        <p:nvCxnSpPr>
-          <p:cNvPr id="38" name="Straight Connector 37">
-            <a:extLst>
-              <a:ext uri="{FF2B5EF4-FFF2-40B4-BE49-F238E27FC236}">
-                <a16:creationId xmlns:a16="http://schemas.microsoft.com/office/drawing/2014/main" id="{AE2C70F8-01A8-479E-8ECC-C964C9AC48CA}"/>
-              </a:ext>
-            </a:extLst>
-          </p:cNvPr>
-          <p:cNvCxnSpPr>
-            <a:cxnSpLocks/>
-          </p:cNvCxnSpPr>
-          <p:nvPr/>
-        </p:nvCxnSpPr>
-        <p:spPr>
-          <a:xfrm flipV="1">
-            <a:off x="6112238" y="1678735"/>
-            <a:ext cx="5448300" cy="27056"/>
-          </a:xfrm>
-          <a:prstGeom prst="line">
-            <a:avLst/>
-          </a:prstGeom>
-          <a:ln>
-            <a:solidFill>
-              <a:schemeClr val="bg1">
-                <a:lumMod val="65000"/>
-              </a:schemeClr>
-            </a:solidFill>
-          </a:ln>
-        </p:spPr>
-        <p:style>
-          <a:lnRef idx="1">
-            <a:schemeClr val="dk1"/>
-          </a:lnRef>
-          <a:fillRef idx="0">
-            <a:schemeClr val="dk1"/>
-          </a:fillRef>
-          <a:effectRef idx="0">
-            <a:schemeClr val="dk1"/>
-          </a:effectRef>
-          <a:fontRef idx="minor">
-            <a:schemeClr val="tx1"/>
-          </a:fontRef>
-        </p:style>
-      </p:cxnSp>
-      <p:sp>
-        <p:nvSpPr>
-          <p:cNvPr id="40" name="TextBox 39">
-            <a:extLst>
-              <a:ext uri="{FF2B5EF4-FFF2-40B4-BE49-F238E27FC236}">
-                <a16:creationId xmlns:a16="http://schemas.microsoft.com/office/drawing/2014/main" id="{BED08445-FE2F-44C8-91FD-4452DA11FAF9}"/>
-              </a:ext>
-            </a:extLst>
-          </p:cNvPr>
-          <p:cNvSpPr txBox="1"/>
-          <p:nvPr/>
-        </p:nvSpPr>
-        <p:spPr>
-          <a:xfrm>
-            <a:off x="1004819" y="4124895"/>
-            <a:ext cx="4211409" cy="738664"/>
-          </a:xfrm>
-          <a:prstGeom prst="rect">
-            <a:avLst/>
-          </a:prstGeom>
-          <a:noFill/>
-        </p:spPr>
-        <p:txBody>
-          <a:bodyPr wrap="none" rtlCol="0">
-            <a:spAutoFit/>
-          </a:bodyPr>
-          <a:lstStyle/>
-          <a:p>
-            <a:r>
-              <a:rPr lang="en-US" sz="1400" b="1" dirty="0">
-                <a:latin typeface="Abadi" panose="020B0604020104020204" pitchFamily="34" charset="0"/>
-              </a:rPr>
-              <a:t>Research/Development </a:t>
-            </a:r>
-            <a:r>
-              <a:rPr lang="en-US" sz="1400" dirty="0">
-                <a:latin typeface="Abadi" panose="020B0604020104020204" pitchFamily="34" charset="0"/>
-              </a:rPr>
-              <a:t>focusing on innovation and </a:t>
-            </a:r>
-          </a:p>
-          <a:p>
-            <a:r>
-              <a:rPr lang="en-US" sz="1400" dirty="0">
-                <a:latin typeface="Abadi" panose="020B0604020104020204" pitchFamily="34" charset="0"/>
-              </a:rPr>
-              <a:t>Introduction of new product and services to improve</a:t>
-            </a:r>
-          </a:p>
-          <a:p>
-            <a:r>
-              <a:rPr lang="en-US" sz="1400" dirty="0">
-                <a:latin typeface="Abadi" panose="020B0604020104020204" pitchFamily="34" charset="0"/>
-              </a:rPr>
-              <a:t>existing offering </a:t>
-            </a:r>
-          </a:p>
-        </p:txBody>
-      </p:sp>
-      <p:sp>
-        <p:nvSpPr>
-          <p:cNvPr id="41" name="TextBox 40">
-            <a:extLst>
-              <a:ext uri="{FF2B5EF4-FFF2-40B4-BE49-F238E27FC236}">
-                <a16:creationId xmlns:a16="http://schemas.microsoft.com/office/drawing/2014/main" id="{4E08E25B-2416-40FF-8841-740D57625B18}"/>
-              </a:ext>
-            </a:extLst>
-          </p:cNvPr>
-          <p:cNvSpPr txBox="1"/>
-          <p:nvPr/>
-        </p:nvSpPr>
-        <p:spPr>
-          <a:xfrm>
-            <a:off x="1047395" y="5203127"/>
-            <a:ext cx="4331635" cy="738664"/>
-          </a:xfrm>
-          <a:prstGeom prst="rect">
-            <a:avLst/>
-          </a:prstGeom>
-          <a:noFill/>
-        </p:spPr>
-        <p:txBody>
-          <a:bodyPr wrap="none" rtlCol="0">
-            <a:spAutoFit/>
-          </a:bodyPr>
-          <a:lstStyle/>
-          <a:p>
-            <a:r>
-              <a:rPr lang="en-US" sz="1400" b="1" dirty="0">
-                <a:latin typeface="Abadi" panose="020B0604020104020204" pitchFamily="34" charset="0"/>
-              </a:rPr>
-              <a:t>Business Intelligence </a:t>
-            </a:r>
-            <a:r>
-              <a:rPr lang="en-US" sz="1400" dirty="0">
-                <a:latin typeface="Abadi" panose="020B0604020104020204" pitchFamily="34" charset="0"/>
-              </a:rPr>
-              <a:t>analyzing current data to deliver </a:t>
-            </a:r>
-          </a:p>
-          <a:p>
-            <a:r>
-              <a:rPr lang="en-US" sz="1400" dirty="0">
-                <a:latin typeface="Abadi" panose="020B0604020104020204" pitchFamily="34" charset="0"/>
-              </a:rPr>
-              <a:t>   actionable information to make informed </a:t>
-            </a:r>
-          </a:p>
-          <a:p>
-            <a:r>
-              <a:rPr lang="en-US" sz="1400" dirty="0">
-                <a:latin typeface="Abadi" panose="020B0604020104020204" pitchFamily="34" charset="0"/>
-              </a:rPr>
-              <a:t>business decision.</a:t>
-            </a:r>
-            <a:endParaRPr lang="en-US" sz="1400" b="1" dirty="0">
-              <a:latin typeface="Abadi" panose="020B0604020104020204" pitchFamily="34" charset="0"/>
-            </a:endParaRPr>
-          </a:p>
-        </p:txBody>
-      </p:sp>
-      <p:grpSp>
-        <p:nvGrpSpPr>
-          <p:cNvPr id="50" name="Group 49">
-            <a:extLst>
-              <a:ext uri="{FF2B5EF4-FFF2-40B4-BE49-F238E27FC236}">
-                <a16:creationId xmlns:a16="http://schemas.microsoft.com/office/drawing/2014/main" id="{E9FAE785-9226-47D0-AF82-89494133C761}"/>
-              </a:ext>
-            </a:extLst>
-          </p:cNvPr>
-          <p:cNvGrpSpPr/>
-          <p:nvPr/>
-        </p:nvGrpSpPr>
-        <p:grpSpPr>
-          <a:xfrm>
-            <a:off x="5735644" y="1874353"/>
-            <a:ext cx="1361209" cy="1549951"/>
-            <a:chOff x="5744707" y="2614173"/>
-            <a:chExt cx="1361209" cy="1549951"/>
-          </a:xfrm>
-        </p:grpSpPr>
-        <p:sp>
-          <p:nvSpPr>
-            <p:cNvPr id="49" name="Rectangle 48">
-              <a:extLst>
-                <a:ext uri="{FF2B5EF4-FFF2-40B4-BE49-F238E27FC236}">
-                  <a16:creationId xmlns:a16="http://schemas.microsoft.com/office/drawing/2014/main" id="{B5BA32CF-6F1F-452E-A16A-243572115A92}"/>
-                </a:ext>
-              </a:extLst>
-            </p:cNvPr>
-            <p:cNvSpPr/>
-            <p:nvPr/>
-          </p:nvSpPr>
-          <p:spPr>
-            <a:xfrm>
-              <a:off x="5744707" y="2614173"/>
-              <a:ext cx="1361209" cy="1549951"/>
-            </a:xfrm>
-            <a:prstGeom prst="rect">
-              <a:avLst/>
-            </a:prstGeom>
-            <a:solidFill>
-              <a:schemeClr val="bg1"/>
-            </a:solidFill>
-          </p:spPr>
-          <p:style>
-            <a:lnRef idx="2">
-              <a:schemeClr val="accent1">
-                <a:shade val="50000"/>
-              </a:schemeClr>
-            </a:lnRef>
-            <a:fillRef idx="1">
-              <a:schemeClr val="accent1"/>
-            </a:fillRef>
-            <a:effectRef idx="0">
-              <a:schemeClr val="accent1"/>
-            </a:effectRef>
-            <a:fontRef idx="minor">
-              <a:schemeClr val="lt1"/>
-            </a:fontRef>
-          </p:style>
-          <p:txBody>
-            <a:bodyPr rtlCol="0" anchor="ctr"/>
-            <a:lstStyle/>
-            <a:p>
-              <a:pPr algn="ctr"/>
-              <a:endParaRPr lang="en-US"/>
-            </a:p>
-          </p:txBody>
-        </p:sp>
-        <p:grpSp>
-          <p:nvGrpSpPr>
-            <p:cNvPr id="44" name="Group 43">
-              <a:extLst>
-                <a:ext uri="{FF2B5EF4-FFF2-40B4-BE49-F238E27FC236}">
-                  <a16:creationId xmlns:a16="http://schemas.microsoft.com/office/drawing/2014/main" id="{5962619A-1A40-4486-AB6A-41D6976F0060}"/>
-                </a:ext>
-              </a:extLst>
-            </p:cNvPr>
-            <p:cNvGrpSpPr/>
-            <p:nvPr/>
-          </p:nvGrpSpPr>
-          <p:grpSpPr>
-            <a:xfrm>
-              <a:off x="5836129" y="2754934"/>
-              <a:ext cx="1178364" cy="1348132"/>
-              <a:chOff x="4884821" y="1635291"/>
-              <a:chExt cx="1852864" cy="1741569"/>
-            </a:xfrm>
-          </p:grpSpPr>
-          <p:pic>
-            <p:nvPicPr>
-              <p:cNvPr id="45" name="Graphic 44" descr="Mathematics with solid fill">
-                <a:extLst>
-                  <a:ext uri="{FF2B5EF4-FFF2-40B4-BE49-F238E27FC236}">
-                    <a16:creationId xmlns:a16="http://schemas.microsoft.com/office/drawing/2014/main" id="{89B297D2-D03E-4F85-932D-9F84B7503CFD}"/>
-                  </a:ext>
-                </a:extLst>
-              </p:cNvPr>
-              <p:cNvPicPr>
-                <a:picLocks noChangeAspect="1"/>
-              </p:cNvPicPr>
-              <p:nvPr/>
-            </p:nvPicPr>
-            <p:blipFill>
-              <a:blip r:embed="rId8">
-                <a:extLst>
-                  <a:ext uri="{96DAC541-7B7A-43D3-8B79-37D633B846F1}">
-                    <asvg:svgBlip xmlns:asvg="http://schemas.microsoft.com/office/drawing/2016/SVG/main" r:embed="rId9"/>
-                  </a:ext>
-                </a:extLst>
-              </a:blip>
-              <a:stretch>
-                <a:fillRect/>
-              </a:stretch>
-            </p:blipFill>
-            <p:spPr>
-              <a:xfrm>
-                <a:off x="4908885" y="2462460"/>
-                <a:ext cx="914400" cy="914400"/>
-              </a:xfrm>
-              <a:prstGeom prst="rect">
-                <a:avLst/>
-              </a:prstGeom>
-            </p:spPr>
-          </p:pic>
-          <p:pic>
-            <p:nvPicPr>
-              <p:cNvPr id="46" name="Graphic 45" descr="Computer with solid fill">
-                <a:extLst>
-                  <a:ext uri="{FF2B5EF4-FFF2-40B4-BE49-F238E27FC236}">
-                    <a16:creationId xmlns:a16="http://schemas.microsoft.com/office/drawing/2014/main" id="{730F6589-D8EF-4732-B66F-66A84B47152F}"/>
-                  </a:ext>
-                </a:extLst>
-              </p:cNvPr>
-              <p:cNvPicPr>
-                <a:picLocks noChangeAspect="1"/>
-              </p:cNvPicPr>
-              <p:nvPr/>
-            </p:nvPicPr>
-            <p:blipFill>
-              <a:blip r:embed="rId10">
-                <a:extLst>
-                  <a:ext uri="{96DAC541-7B7A-43D3-8B79-37D633B846F1}">
-                    <asvg:svgBlip xmlns:asvg="http://schemas.microsoft.com/office/drawing/2016/SVG/main" r:embed="rId11"/>
-                  </a:ext>
-                </a:extLst>
-              </a:blip>
-              <a:stretch>
-                <a:fillRect/>
-              </a:stretch>
-            </p:blipFill>
-            <p:spPr>
-              <a:xfrm>
-                <a:off x="4884821" y="1635291"/>
-                <a:ext cx="914400" cy="914400"/>
-              </a:xfrm>
-              <a:prstGeom prst="rect">
-                <a:avLst/>
-              </a:prstGeom>
-            </p:spPr>
-          </p:pic>
-          <p:pic>
-            <p:nvPicPr>
-              <p:cNvPr id="47" name="Graphic 46" descr="Statistics with solid fill">
-                <a:extLst>
-                  <a:ext uri="{FF2B5EF4-FFF2-40B4-BE49-F238E27FC236}">
-                    <a16:creationId xmlns:a16="http://schemas.microsoft.com/office/drawing/2014/main" id="{4EE2D0DB-C1BE-4C5A-92C2-10F88FA0F3EF}"/>
-                  </a:ext>
-                </a:extLst>
-              </p:cNvPr>
-              <p:cNvPicPr>
-                <a:picLocks noChangeAspect="1"/>
-              </p:cNvPicPr>
-              <p:nvPr/>
-            </p:nvPicPr>
-            <p:blipFill>
-              <a:blip r:embed="rId12">
-                <a:extLst>
-                  <a:ext uri="{96DAC541-7B7A-43D3-8B79-37D633B846F1}">
-                    <asvg:svgBlip xmlns:asvg="http://schemas.microsoft.com/office/drawing/2016/SVG/main" r:embed="rId13"/>
-                  </a:ext>
-                </a:extLst>
-              </a:blip>
-              <a:stretch>
-                <a:fillRect/>
-              </a:stretch>
-            </p:blipFill>
-            <p:spPr>
-              <a:xfrm>
-                <a:off x="5823285" y="1635291"/>
-                <a:ext cx="914400" cy="914400"/>
-              </a:xfrm>
-              <a:prstGeom prst="rect">
-                <a:avLst/>
-              </a:prstGeom>
-            </p:spPr>
-          </p:pic>
-          <p:pic>
-            <p:nvPicPr>
-              <p:cNvPr id="48" name="Graphic 47" descr="Robot outline">
-                <a:extLst>
-                  <a:ext uri="{FF2B5EF4-FFF2-40B4-BE49-F238E27FC236}">
-                    <a16:creationId xmlns:a16="http://schemas.microsoft.com/office/drawing/2014/main" id="{47529FEF-1BAE-446C-B5E0-728CA4FD8A4A}"/>
-                  </a:ext>
-                </a:extLst>
-              </p:cNvPr>
-              <p:cNvPicPr>
-                <a:picLocks noChangeAspect="1"/>
-              </p:cNvPicPr>
-              <p:nvPr/>
-            </p:nvPicPr>
-            <p:blipFill>
-              <a:blip r:embed="rId14">
-                <a:extLst>
-                  <a:ext uri="{96DAC541-7B7A-43D3-8B79-37D633B846F1}">
-                    <asvg:svgBlip xmlns:asvg="http://schemas.microsoft.com/office/drawing/2016/SVG/main" r:embed="rId15"/>
-                  </a:ext>
-                </a:extLst>
-              </a:blip>
-              <a:stretch>
-                <a:fillRect/>
-              </a:stretch>
-            </p:blipFill>
-            <p:spPr>
-              <a:xfrm>
-                <a:off x="5863391" y="2549691"/>
-                <a:ext cx="705851" cy="705851"/>
-              </a:xfrm>
-              <a:prstGeom prst="rect">
-                <a:avLst/>
-              </a:prstGeom>
-            </p:spPr>
-          </p:pic>
-        </p:grpSp>
-      </p:grpSp>
-      <p:sp>
-        <p:nvSpPr>
-          <p:cNvPr id="53" name="TextBox 52">
-            <a:extLst>
-              <a:ext uri="{FF2B5EF4-FFF2-40B4-BE49-F238E27FC236}">
-                <a16:creationId xmlns:a16="http://schemas.microsoft.com/office/drawing/2014/main" id="{8AAC8122-C154-40D5-B62F-47A9DB5A6BAD}"/>
-              </a:ext>
-            </a:extLst>
-          </p:cNvPr>
-          <p:cNvSpPr txBox="1"/>
-          <p:nvPr/>
-        </p:nvSpPr>
-        <p:spPr>
-          <a:xfrm>
-            <a:off x="1011908" y="3043904"/>
-            <a:ext cx="4578497" cy="738664"/>
-          </a:xfrm>
-          <a:prstGeom prst="rect">
-            <a:avLst/>
-          </a:prstGeom>
-          <a:noFill/>
-        </p:spPr>
-        <p:txBody>
-          <a:bodyPr wrap="none" rtlCol="0">
-            <a:spAutoFit/>
-          </a:bodyPr>
-          <a:lstStyle/>
-          <a:p>
-            <a:r>
-              <a:rPr lang="en-US" sz="1400" b="1" dirty="0">
-                <a:latin typeface="Abadi" panose="020B0604020104020204" pitchFamily="34" charset="0"/>
-              </a:rPr>
-              <a:t>Analytics</a:t>
-            </a:r>
-            <a:r>
-              <a:rPr lang="en-US" sz="1400" dirty="0">
-                <a:latin typeface="Abadi" panose="020B0604020104020204" pitchFamily="34" charset="0"/>
-              </a:rPr>
-              <a:t> exploration of information to identify insights to</a:t>
-            </a:r>
-          </a:p>
-          <a:p>
-            <a:r>
-              <a:rPr lang="en-US" sz="1400" dirty="0">
-                <a:latin typeface="Abadi" panose="020B0604020104020204" pitchFamily="34" charset="0"/>
-              </a:rPr>
-              <a:t>Improve business</a:t>
-            </a:r>
-          </a:p>
-          <a:p>
-            <a:endParaRPr lang="en-US" sz="1400" dirty="0">
-              <a:latin typeface="Abadi" panose="020B0604020104020204" pitchFamily="34" charset="0"/>
-            </a:endParaRPr>
-          </a:p>
-        </p:txBody>
-      </p:sp>
-      <p:pic>
-        <p:nvPicPr>
-          <p:cNvPr id="55" name="Graphic 54" descr="Statistics with solid fill">
-            <a:extLst>
-              <a:ext uri="{FF2B5EF4-FFF2-40B4-BE49-F238E27FC236}">
-                <a16:creationId xmlns:a16="http://schemas.microsoft.com/office/drawing/2014/main" id="{475140B3-67FC-449B-9ED1-21250CC38969}"/>
-              </a:ext>
-            </a:extLst>
-          </p:cNvPr>
-          <p:cNvPicPr>
-            <a:picLocks noChangeAspect="1"/>
-          </p:cNvPicPr>
-          <p:nvPr/>
-        </p:nvPicPr>
-        <p:blipFill>
-          <a:blip r:embed="rId16">
-            <a:extLst>
-              <a:ext uri="{96DAC541-7B7A-43D3-8B79-37D633B846F1}">
-                <asvg:svgBlip xmlns:asvg="http://schemas.microsoft.com/office/drawing/2016/SVG/main" r:embed="rId17"/>
-              </a:ext>
-            </a:extLst>
-          </a:blip>
-          <a:stretch>
-            <a:fillRect/>
-          </a:stretch>
-        </p:blipFill>
-        <p:spPr>
-          <a:xfrm>
-            <a:off x="231168" y="2793549"/>
-            <a:ext cx="914400" cy="914400"/>
-          </a:xfrm>
-          <a:prstGeom prst="rect">
-            <a:avLst/>
-          </a:prstGeom>
-        </p:spPr>
-      </p:pic>
-      <p:sp>
-        <p:nvSpPr>
-          <p:cNvPr id="58" name="TextBox 57">
-            <a:extLst>
-              <a:ext uri="{FF2B5EF4-FFF2-40B4-BE49-F238E27FC236}">
-                <a16:creationId xmlns:a16="http://schemas.microsoft.com/office/drawing/2014/main" id="{171DBA5A-B998-4F81-866C-B5736AF43CC6}"/>
-              </a:ext>
-            </a:extLst>
-          </p:cNvPr>
-          <p:cNvSpPr txBox="1"/>
-          <p:nvPr/>
-        </p:nvSpPr>
-        <p:spPr>
-          <a:xfrm>
-            <a:off x="5742734" y="2000102"/>
-            <a:ext cx="5638230" cy="4031873"/>
-          </a:xfrm>
-          <a:prstGeom prst="rect">
-            <a:avLst/>
-          </a:prstGeom>
-          <a:noFill/>
-        </p:spPr>
-        <p:txBody>
-          <a:bodyPr wrap="square" rtlCol="0">
-            <a:spAutoFit/>
-          </a:bodyPr>
-          <a:lstStyle/>
-          <a:p>
-            <a:pPr lvl="3"/>
-            <a:r>
-              <a:rPr lang="en-US" sz="1600" dirty="0">
-                <a:solidFill>
-                  <a:schemeClr val="bg1"/>
-                </a:solidFill>
-                <a:latin typeface="Abadi" panose="020B0604020104020204" pitchFamily="34" charset="0"/>
-              </a:rPr>
-              <a:t>Improve current processes with: </a:t>
-            </a:r>
-          </a:p>
-          <a:p>
-            <a:pPr lvl="3"/>
-            <a:endParaRPr lang="en-US" sz="1600" dirty="0">
-              <a:solidFill>
-                <a:schemeClr val="bg1"/>
-              </a:solidFill>
-              <a:latin typeface="Abadi" panose="020B0604020104020204" pitchFamily="34" charset="0"/>
-            </a:endParaRPr>
-          </a:p>
-          <a:p>
-            <a:pPr marL="1657350" lvl="3" indent="-285750">
-              <a:buFont typeface="Wingdings" panose="05000000000000000000" pitchFamily="2" charset="2"/>
-              <a:buChar char="ü"/>
-            </a:pPr>
-            <a:r>
-              <a:rPr lang="en-US" sz="1600" dirty="0">
-                <a:solidFill>
-                  <a:schemeClr val="bg1"/>
-                </a:solidFill>
-                <a:latin typeface="Abadi" panose="020B0604020104020204" pitchFamily="34" charset="0"/>
-              </a:rPr>
-              <a:t>Use of Data Engineering to extract and process huge amount of structured and Unstructured data. </a:t>
-            </a:r>
-          </a:p>
-          <a:p>
-            <a:pPr lvl="3"/>
-            <a:endParaRPr lang="en-US" sz="1600" dirty="0">
-              <a:solidFill>
-                <a:schemeClr val="bg1"/>
-              </a:solidFill>
-              <a:latin typeface="Abadi" panose="020B0604020104020204" pitchFamily="34" charset="0"/>
-            </a:endParaRPr>
-          </a:p>
-          <a:p>
-            <a:pPr marL="1657350" lvl="3" indent="-285750">
-              <a:buFont typeface="Wingdings" panose="05000000000000000000" pitchFamily="2" charset="2"/>
-              <a:buChar char="ü"/>
-            </a:pPr>
-            <a:r>
-              <a:rPr lang="en-US" sz="1600" dirty="0">
-                <a:solidFill>
-                  <a:schemeClr val="bg1"/>
-                </a:solidFill>
-                <a:latin typeface="Abadi" panose="020B0604020104020204" pitchFamily="34" charset="0"/>
-              </a:rPr>
-              <a:t>Capable of complex Algorithm models and Data processing to identify hidden patterns and insights</a:t>
-            </a:r>
-          </a:p>
-          <a:p>
-            <a:pPr lvl="3"/>
-            <a:endParaRPr lang="en-US" sz="1600" dirty="0">
-              <a:solidFill>
-                <a:schemeClr val="bg1"/>
-              </a:solidFill>
-              <a:latin typeface="Abadi" panose="020B0604020104020204" pitchFamily="34" charset="0"/>
-            </a:endParaRPr>
-          </a:p>
-          <a:p>
-            <a:pPr marL="1657350" lvl="3" indent="-285750">
-              <a:buFont typeface="Wingdings" panose="05000000000000000000" pitchFamily="2" charset="2"/>
-              <a:buChar char="ü"/>
-            </a:pPr>
-            <a:r>
-              <a:rPr lang="en-US" sz="1600" dirty="0">
-                <a:solidFill>
-                  <a:schemeClr val="bg1"/>
-                </a:solidFill>
-                <a:latin typeface="Abadi" panose="020B0604020104020204" pitchFamily="34" charset="0"/>
-              </a:rPr>
-              <a:t>Exploration of the unknown</a:t>
-            </a:r>
-          </a:p>
-          <a:p>
-            <a:pPr lvl="3"/>
-            <a:endParaRPr lang="en-US" sz="1600" dirty="0">
-              <a:solidFill>
-                <a:schemeClr val="bg1"/>
-              </a:solidFill>
-              <a:latin typeface="Abadi" panose="020B0604020104020204" pitchFamily="34" charset="0"/>
-            </a:endParaRPr>
-          </a:p>
-          <a:p>
-            <a:pPr marL="1657350" lvl="3" indent="-285750">
-              <a:buFont typeface="Wingdings" panose="05000000000000000000" pitchFamily="2" charset="2"/>
-              <a:buChar char="ü"/>
-            </a:pPr>
-            <a:r>
-              <a:rPr lang="en-US" sz="1600" dirty="0">
-                <a:solidFill>
-                  <a:schemeClr val="bg1"/>
-                </a:solidFill>
-                <a:latin typeface="Abadi" panose="020B0604020104020204" pitchFamily="34" charset="0"/>
-              </a:rPr>
-              <a:t>Computer Engineering and Machine Learning</a:t>
-            </a:r>
-          </a:p>
-          <a:p>
-            <a:endParaRPr lang="en-US" sz="1600" dirty="0">
-              <a:solidFill>
-                <a:schemeClr val="bg1"/>
-              </a:solidFill>
-              <a:latin typeface="Abadi" panose="020B0604020104020204" pitchFamily="34" charset="0"/>
-            </a:endParaRPr>
-          </a:p>
-          <a:p>
-            <a:r>
-              <a:rPr lang="en-US" sz="1600" dirty="0">
-                <a:solidFill>
-                  <a:schemeClr val="bg1"/>
-                </a:solidFill>
-                <a:latin typeface="Abadi" panose="020B0604020104020204" pitchFamily="34" charset="0"/>
-              </a:rPr>
-              <a:t>                Delivers Predictive models to </a:t>
-            </a:r>
-            <a:r>
-              <a:rPr lang="en-US" sz="1600" u="sng" dirty="0">
-                <a:solidFill>
-                  <a:srgbClr val="00B0F0"/>
-                </a:solidFill>
-                <a:latin typeface="Abadi" panose="020B0604020104020204" pitchFamily="34" charset="0"/>
-              </a:rPr>
-              <a:t>forecast future </a:t>
-            </a:r>
-            <a:endParaRPr lang="en-US" sz="1600" dirty="0">
-              <a:solidFill>
-                <a:schemeClr val="bg1"/>
-              </a:solidFill>
-              <a:latin typeface="Abadi" panose="020B0604020104020204" pitchFamily="34" charset="0"/>
-            </a:endParaRPr>
-          </a:p>
-        </p:txBody>
-      </p:sp>
-      <p:pic>
-        <p:nvPicPr>
-          <p:cNvPr id="60" name="Graphic 59" descr="Right pointing backhand index outline">
-            <a:extLst>
-              <a:ext uri="{FF2B5EF4-FFF2-40B4-BE49-F238E27FC236}">
-                <a16:creationId xmlns:a16="http://schemas.microsoft.com/office/drawing/2014/main" id="{DEF00793-7AE2-4332-B896-CE41EC14904A}"/>
-              </a:ext>
-            </a:extLst>
-          </p:cNvPr>
-          <p:cNvPicPr>
-            <a:picLocks noChangeAspect="1"/>
-          </p:cNvPicPr>
-          <p:nvPr/>
-        </p:nvPicPr>
-        <p:blipFill>
-          <a:blip r:embed="rId18">
-            <a:extLst>
-              <a:ext uri="{96DAC541-7B7A-43D3-8B79-37D633B846F1}">
-                <asvg:svgBlip xmlns:asvg="http://schemas.microsoft.com/office/drawing/2016/SVG/main" r:embed="rId19"/>
-              </a:ext>
-            </a:extLst>
-          </a:blip>
-          <a:stretch>
-            <a:fillRect/>
-          </a:stretch>
-        </p:blipFill>
-        <p:spPr>
-          <a:xfrm>
-            <a:off x="6003634" y="5572459"/>
-            <a:ext cx="655345" cy="655345"/>
+            <a:off x="1833402" y="1266536"/>
+            <a:ext cx="7902625" cy="2560542"/>
           </a:xfrm>
           <a:prstGeom prst="rect">
             <a:avLst/>
@@ -11786,7 +9140,7 @@
     </p:spTree>
     <p:extLst>
       <p:ext uri="{BB962C8B-B14F-4D97-AF65-F5344CB8AC3E}">
-        <p14:creationId xmlns:p14="http://schemas.microsoft.com/office/powerpoint/2010/main" val="3721627370"/>
+        <p14:creationId xmlns:p14="http://schemas.microsoft.com/office/powerpoint/2010/main" val="227755046"/>
       </p:ext>
     </p:extLst>
   </p:cSld>
@@ -11868,6 +9222,9 @@
           <a:solidFill>
             <a:srgbClr val="002060"/>
           </a:solidFill>
+          <a:ln>
+            <a:noFill/>
+          </a:ln>
         </p:spPr>
         <p:style>
           <a:lnRef idx="1">
@@ -11893,7 +9250,7 @@
               <a:rPr lang="en-US" b="1" spc="50" dirty="0">
                 <a:ln w="0"/>
                 <a:solidFill>
-                  <a:schemeClr val="bg2"/>
+                  <a:schemeClr val="bg1"/>
                 </a:solidFill>
                 <a:effectLst>
                   <a:innerShdw blurRad="63500" dist="50800" dir="13500000">
@@ -11903,17 +9260,17 @@
                   </a:innerShdw>
                 </a:effectLst>
               </a:rPr>
-              <a:t>Scatterplot, Correlation and Causation</a:t>
-            </a:r>
-          </a:p>
-        </p:txBody>
-      </p:sp>
-      <p:sp>
-        <p:nvSpPr>
-          <p:cNvPr id="7" name="TextBox 6">
-            <a:extLst>
-              <a:ext uri="{FF2B5EF4-FFF2-40B4-BE49-F238E27FC236}">
-                <a16:creationId xmlns:a16="http://schemas.microsoft.com/office/drawing/2014/main" id="{BCAB18D2-6C50-4697-ACCB-30E0DF18843C}"/>
+              <a:t>PMF Two Scenarios</a:t>
+            </a:r>
+          </a:p>
+        </p:txBody>
+      </p:sp>
+      <p:sp>
+        <p:nvSpPr>
+          <p:cNvPr id="34" name="TextBox 33">
+            <a:extLst>
+              <a:ext uri="{FF2B5EF4-FFF2-40B4-BE49-F238E27FC236}">
+                <a16:creationId xmlns:a16="http://schemas.microsoft.com/office/drawing/2014/main" id="{5C65E7A6-314E-4449-91B1-59D7CD7887B1}"/>
               </a:ext>
             </a:extLst>
           </p:cNvPr>
@@ -11922,45 +9279,8 @@
         </p:nvSpPr>
         <p:spPr>
           <a:xfrm>
-            <a:off x="441405" y="898590"/>
-            <a:ext cx="11368818" cy="369332"/>
-          </a:xfrm>
-          <a:prstGeom prst="rect">
-            <a:avLst/>
-          </a:prstGeom>
-          <a:noFill/>
-        </p:spPr>
-        <p:txBody>
-          <a:bodyPr wrap="none" rtlCol="0">
-            <a:spAutoFit/>
-          </a:bodyPr>
-          <a:lstStyle/>
-          <a:p>
-            <a:r>
-              <a:rPr lang="en-US" dirty="0">
-                <a:latin typeface="Abadi" panose="020B0604020104020204" pitchFamily="34" charset="0"/>
-              </a:rPr>
-              <a:t>Problems are easier to solve, Work are easily done, People are being connected, Diseases are detected earlier…..</a:t>
-            </a:r>
-          </a:p>
-        </p:txBody>
-      </p:sp>
-      <p:sp>
-        <p:nvSpPr>
-          <p:cNvPr id="22" name="TextBox 21">
-            <a:extLst>
-              <a:ext uri="{FF2B5EF4-FFF2-40B4-BE49-F238E27FC236}">
-                <a16:creationId xmlns:a16="http://schemas.microsoft.com/office/drawing/2014/main" id="{72E2189C-B182-4550-BE72-15D67F96DC57}"/>
-              </a:ext>
-            </a:extLst>
-          </p:cNvPr>
-          <p:cNvSpPr txBox="1"/>
-          <p:nvPr/>
-        </p:nvSpPr>
-        <p:spPr>
-          <a:xfrm>
-            <a:off x="8149389" y="2253784"/>
-            <a:ext cx="2834262" cy="2723823"/>
+            <a:off x="718456" y="4870686"/>
+            <a:ext cx="11328835" cy="923330"/>
           </a:xfrm>
           <a:prstGeom prst="rect">
             <a:avLst/>
@@ -11974,475 +9294,80 @@
           <a:lstStyle/>
           <a:p>
             <a:r>
-              <a:rPr lang="en-US" sz="1050" b="1" dirty="0">
-                <a:solidFill>
-                  <a:schemeClr val="bg1"/>
-                </a:solidFill>
-                <a:latin typeface="Abadi" panose="020B0604020104020204" pitchFamily="34" charset="0"/>
-              </a:rPr>
-              <a:t>Risk and Fraud Management decision (Examples) </a:t>
-            </a:r>
-          </a:p>
-          <a:p>
-            <a:endParaRPr lang="en-US" sz="1050" dirty="0">
-              <a:solidFill>
-                <a:schemeClr val="bg1"/>
-              </a:solidFill>
-              <a:latin typeface="Abadi" panose="020B0604020104020204" pitchFamily="34" charset="0"/>
-            </a:endParaRPr>
-          </a:p>
-          <a:p>
-            <a:pPr marL="171450" indent="-171450">
-              <a:buFont typeface="Wingdings" panose="05000000000000000000" pitchFamily="2" charset="2"/>
-              <a:buChar char="ü"/>
+              <a:rPr lang="en-US" b="1" dirty="0"/>
+              <a:t> </a:t>
+            </a:r>
+          </a:p>
+          <a:p>
+            <a:r>
+              <a:rPr lang="en-US" b="1" dirty="0"/>
+              <a:t>Star Rating for Open and Closed Restaurant and Food businesses in Yelp</a:t>
+            </a:r>
+            <a:endParaRPr lang="en-US" dirty="0"/>
+          </a:p>
+          <a:p>
+            <a:pPr marL="285750" indent="-285750">
+              <a:buFontTx/>
+              <a:buChar char="-"/>
             </a:pPr>
             <a:r>
-              <a:rPr lang="en-US" sz="1050" dirty="0">
-                <a:solidFill>
-                  <a:schemeClr val="bg1"/>
-                </a:solidFill>
-                <a:latin typeface="Abadi" panose="020B0604020104020204" pitchFamily="34" charset="0"/>
-              </a:rPr>
-              <a:t>Reporting, Alerting and Notification System </a:t>
-            </a:r>
-          </a:p>
-          <a:p>
-            <a:pPr marL="171450" indent="-171450">
-              <a:buFont typeface="Wingdings" panose="05000000000000000000" pitchFamily="2" charset="2"/>
-              <a:buChar char="ü"/>
-            </a:pPr>
-            <a:endParaRPr lang="en-US" sz="1050" dirty="0">
-              <a:solidFill>
-                <a:schemeClr val="bg1"/>
-              </a:solidFill>
-              <a:latin typeface="Abadi" panose="020B0604020104020204" pitchFamily="34" charset="0"/>
-            </a:endParaRPr>
-          </a:p>
-          <a:p>
-            <a:pPr marL="171450" indent="-171450">
-              <a:buFont typeface="Wingdings" panose="05000000000000000000" pitchFamily="2" charset="2"/>
-              <a:buChar char="ü"/>
-            </a:pPr>
-            <a:r>
-              <a:rPr lang="en-US" sz="1050" dirty="0">
-                <a:solidFill>
-                  <a:schemeClr val="bg1"/>
-                </a:solidFill>
-                <a:latin typeface="Abadi" panose="020B0604020104020204" pitchFamily="34" charset="0"/>
-              </a:rPr>
-              <a:t>Monitoring Application</a:t>
-            </a:r>
-          </a:p>
-          <a:p>
-            <a:endParaRPr lang="en-US" sz="1050" dirty="0">
-              <a:solidFill>
-                <a:schemeClr val="bg1"/>
-              </a:solidFill>
-              <a:latin typeface="Abadi" panose="020B0604020104020204" pitchFamily="34" charset="0"/>
-            </a:endParaRPr>
-          </a:p>
-          <a:p>
-            <a:pPr marL="171450" indent="-171450">
-              <a:buFont typeface="Wingdings" panose="05000000000000000000" pitchFamily="2" charset="2"/>
-              <a:buChar char="ü"/>
-            </a:pPr>
-            <a:r>
-              <a:rPr lang="en-US" sz="1050" dirty="0">
-                <a:solidFill>
-                  <a:schemeClr val="bg1"/>
-                </a:solidFill>
-                <a:latin typeface="Abadi" panose="020B0604020104020204" pitchFamily="34" charset="0"/>
-              </a:rPr>
-              <a:t>Automated Case Management </a:t>
-            </a:r>
-          </a:p>
-          <a:p>
-            <a:endParaRPr lang="en-US" sz="1050" dirty="0">
-              <a:solidFill>
-                <a:schemeClr val="bg1"/>
-              </a:solidFill>
-              <a:latin typeface="Abadi" panose="020B0604020104020204" pitchFamily="34" charset="0"/>
-            </a:endParaRPr>
-          </a:p>
-          <a:p>
-            <a:pPr marL="171450" indent="-171450">
-              <a:buFont typeface="Wingdings" panose="05000000000000000000" pitchFamily="2" charset="2"/>
-              <a:buChar char="ü"/>
-            </a:pPr>
-            <a:r>
-              <a:rPr lang="en-US" sz="1050" dirty="0">
-                <a:solidFill>
-                  <a:schemeClr val="bg1"/>
-                </a:solidFill>
-                <a:latin typeface="Abadi" panose="020B0604020104020204" pitchFamily="34" charset="0"/>
-              </a:rPr>
-              <a:t>Reduction of False Positive when identifying fraud</a:t>
-            </a:r>
-          </a:p>
-          <a:p>
-            <a:endParaRPr lang="en-US" sz="1050" dirty="0">
-              <a:solidFill>
-                <a:schemeClr val="bg1"/>
-              </a:solidFill>
-              <a:latin typeface="Abadi" panose="020B0604020104020204" pitchFamily="34" charset="0"/>
-            </a:endParaRPr>
-          </a:p>
-          <a:p>
-            <a:pPr marL="171450" indent="-171450">
-              <a:buFont typeface="Wingdings" panose="05000000000000000000" pitchFamily="2" charset="2"/>
-              <a:buChar char="ü"/>
-            </a:pPr>
-            <a:r>
-              <a:rPr lang="en-US" sz="1050" dirty="0">
-                <a:solidFill>
-                  <a:schemeClr val="bg1"/>
-                </a:solidFill>
-                <a:latin typeface="Abadi" panose="020B0604020104020204" pitchFamily="34" charset="0"/>
-              </a:rPr>
-              <a:t>Influence Security Applications</a:t>
-            </a:r>
-          </a:p>
-          <a:p>
-            <a:endParaRPr lang="en-US" sz="1050" b="1" dirty="0">
-              <a:solidFill>
-                <a:schemeClr val="bg1"/>
-              </a:solidFill>
-            </a:endParaRPr>
-          </a:p>
-          <a:p>
-            <a:endParaRPr lang="en-US" sz="1200" b="1" dirty="0">
-              <a:solidFill>
-                <a:schemeClr val="bg1"/>
-              </a:solidFill>
-            </a:endParaRPr>
-          </a:p>
-          <a:p>
-            <a:pPr marL="171450" indent="-171450">
-              <a:buFont typeface="Wingdings" panose="05000000000000000000" pitchFamily="2" charset="2"/>
-              <a:buChar char="ü"/>
-            </a:pPr>
-            <a:endParaRPr lang="en-US" sz="1200" b="1" dirty="0">
-              <a:solidFill>
-                <a:schemeClr val="bg1"/>
-              </a:solidFill>
-            </a:endParaRPr>
+              <a:rPr lang="en-US" dirty="0"/>
+              <a:t>PMF shows that open establishment gain more higher ratings than closed businesses.</a:t>
+            </a:r>
           </a:p>
         </p:txBody>
       </p:sp>
       <p:pic>
         <p:nvPicPr>
-          <p:cNvPr id="8" name="Graphic 7" descr="Doctor female with solid fill">
-            <a:extLst>
-              <a:ext uri="{FF2B5EF4-FFF2-40B4-BE49-F238E27FC236}">
-                <a16:creationId xmlns:a16="http://schemas.microsoft.com/office/drawing/2014/main" id="{C8BE2C0F-9251-48FE-AE61-C86C26A15420}"/>
+          <p:cNvPr id="1028" name="Picture 4">
+            <a:extLst>
+              <a:ext uri="{FF2B5EF4-FFF2-40B4-BE49-F238E27FC236}">
+                <a16:creationId xmlns:a16="http://schemas.microsoft.com/office/drawing/2014/main" id="{EA34E45B-8765-DD97-48E7-DE4E8F03E25C}"/>
               </a:ext>
             </a:extLst>
           </p:cNvPr>
           <p:cNvPicPr>
-            <a:picLocks noChangeAspect="1"/>
+            <a:picLocks noChangeAspect="1" noChangeArrowheads="1"/>
           </p:cNvPicPr>
           <p:nvPr/>
         </p:nvPicPr>
         <p:blipFill>
           <a:blip r:embed="rId2">
             <a:extLst>
-              <a:ext uri="{96DAC541-7B7A-43D3-8B79-37D633B846F1}">
-                <asvg:svgBlip xmlns:asvg="http://schemas.microsoft.com/office/drawing/2016/SVG/main" r:embed="rId3"/>
+              <a:ext uri="{28A0092B-C50C-407E-A947-70E740481C1C}">
+                <a14:useLocalDpi xmlns:a14="http://schemas.microsoft.com/office/drawing/2010/main" val="0"/>
               </a:ext>
             </a:extLst>
           </a:blip>
+          <a:srcRect/>
           <a:stretch>
             <a:fillRect/>
           </a:stretch>
         </p:blipFill>
-        <p:spPr>
-          <a:xfrm>
-            <a:off x="1092200" y="1353537"/>
-            <a:ext cx="914400" cy="914400"/>
+        <p:spPr bwMode="auto">
+          <a:xfrm>
+            <a:off x="1558212" y="630728"/>
+            <a:ext cx="8447023" cy="4454649"/>
           </a:xfrm>
           <a:prstGeom prst="rect">
             <a:avLst/>
           </a:prstGeom>
-        </p:spPr>
-      </p:pic>
-      <p:pic>
-        <p:nvPicPr>
-          <p:cNvPr id="10" name="Graphic 9" descr="Travel outline">
-            <a:extLst>
-              <a:ext uri="{FF2B5EF4-FFF2-40B4-BE49-F238E27FC236}">
-                <a16:creationId xmlns:a16="http://schemas.microsoft.com/office/drawing/2014/main" id="{8110D858-97C2-422D-A0AF-AE777C140077}"/>
-              </a:ext>
-            </a:extLst>
-          </p:cNvPr>
-          <p:cNvPicPr>
-            <a:picLocks noChangeAspect="1"/>
-          </p:cNvPicPr>
-          <p:nvPr/>
-        </p:nvPicPr>
-        <p:blipFill>
-          <a:blip r:embed="rId4">
-            <a:extLst>
-              <a:ext uri="{96DAC541-7B7A-43D3-8B79-37D633B846F1}">
-                <asvg:svgBlip xmlns:asvg="http://schemas.microsoft.com/office/drawing/2016/SVG/main" r:embed="rId5"/>
-              </a:ext>
-            </a:extLst>
-          </a:blip>
-          <a:stretch>
-            <a:fillRect/>
-          </a:stretch>
-        </p:blipFill>
-        <p:spPr>
-          <a:xfrm>
-            <a:off x="887598" y="2511933"/>
-            <a:ext cx="724323" cy="724323"/>
-          </a:xfrm>
-          <a:prstGeom prst="rect">
-            <a:avLst/>
-          </a:prstGeom>
-        </p:spPr>
-      </p:pic>
-      <p:pic>
-        <p:nvPicPr>
-          <p:cNvPr id="13" name="Graphic 12" descr="Connections outline">
-            <a:extLst>
-              <a:ext uri="{FF2B5EF4-FFF2-40B4-BE49-F238E27FC236}">
-                <a16:creationId xmlns:a16="http://schemas.microsoft.com/office/drawing/2014/main" id="{C44594B5-56C0-475D-9833-FF6C66F67D8C}"/>
-              </a:ext>
-            </a:extLst>
-          </p:cNvPr>
-          <p:cNvPicPr>
-            <a:picLocks noChangeAspect="1"/>
-          </p:cNvPicPr>
-          <p:nvPr/>
-        </p:nvPicPr>
-        <p:blipFill>
-          <a:blip r:embed="rId6">
-            <a:extLst>
-              <a:ext uri="{96DAC541-7B7A-43D3-8B79-37D633B846F1}">
-                <asvg:svgBlip xmlns:asvg="http://schemas.microsoft.com/office/drawing/2016/SVG/main" r:embed="rId7"/>
-              </a:ext>
-            </a:extLst>
-          </a:blip>
-          <a:stretch>
-            <a:fillRect/>
-          </a:stretch>
-        </p:blipFill>
-        <p:spPr>
-          <a:xfrm>
-            <a:off x="1023865" y="3565867"/>
-            <a:ext cx="914400" cy="914400"/>
-          </a:xfrm>
-          <a:prstGeom prst="rect">
-            <a:avLst/>
-          </a:prstGeom>
-        </p:spPr>
-      </p:pic>
-      <p:sp>
-        <p:nvSpPr>
-          <p:cNvPr id="14" name="TextBox 13">
-            <a:extLst>
-              <a:ext uri="{FF2B5EF4-FFF2-40B4-BE49-F238E27FC236}">
-                <a16:creationId xmlns:a16="http://schemas.microsoft.com/office/drawing/2014/main" id="{17783C9B-929E-4970-9A69-9A2F2E3AD666}"/>
-              </a:ext>
-            </a:extLst>
-          </p:cNvPr>
-          <p:cNvSpPr txBox="1"/>
-          <p:nvPr/>
-        </p:nvSpPr>
-        <p:spPr>
-          <a:xfrm>
-            <a:off x="2207126" y="1353537"/>
-            <a:ext cx="9256295" cy="4524315"/>
-          </a:xfrm>
-          <a:prstGeom prst="rect">
-            <a:avLst/>
-          </a:prstGeom>
           <a:noFill/>
-        </p:spPr>
-        <p:txBody>
-          <a:bodyPr wrap="square" rtlCol="0">
-            <a:spAutoFit/>
-          </a:bodyPr>
-          <a:lstStyle/>
-          <a:p>
-            <a:r>
-              <a:rPr lang="en-US" sz="1600" b="1" dirty="0"/>
-              <a:t>Medical and Healthcare</a:t>
-            </a:r>
-          </a:p>
-          <a:p>
-            <a:r>
-              <a:rPr lang="en-US" sz="1600" dirty="0"/>
-              <a:t>Faster Diagnosis using known medical information and captured patient data</a:t>
-            </a:r>
-          </a:p>
-          <a:p>
-            <a:r>
-              <a:rPr lang="en-US" sz="1600" dirty="0"/>
-              <a:t>Recommendation on treatments where effectiveness are backed by data </a:t>
-            </a:r>
-          </a:p>
-          <a:p>
-            <a:r>
-              <a:rPr lang="en-US" sz="1600" dirty="0"/>
-              <a:t>Improve hospitals and healthcare facilities services</a:t>
-            </a:r>
-          </a:p>
-          <a:p>
-            <a:endParaRPr lang="en-US" sz="1600" dirty="0"/>
-          </a:p>
-          <a:p>
-            <a:r>
-              <a:rPr lang="en-US" sz="1600" b="1" dirty="0"/>
-              <a:t>Travel and Logistics</a:t>
-            </a:r>
-          </a:p>
-          <a:p>
-            <a:r>
-              <a:rPr lang="en-US" sz="1600" dirty="0"/>
-              <a:t>Improve Travel by recommending routes base on real-time situations (weather, events, roadside accidents)</a:t>
-            </a:r>
-          </a:p>
-          <a:p>
-            <a:r>
-              <a:rPr lang="en-US" sz="1600" dirty="0"/>
-              <a:t>Optimize Delivery routes that guarantee customer satisfaction and lower delivery cost</a:t>
-            </a:r>
-          </a:p>
-          <a:p>
-            <a:endParaRPr lang="en-US" sz="1600" dirty="0"/>
-          </a:p>
-          <a:p>
-            <a:r>
-              <a:rPr lang="en-US" sz="1600" b="1" dirty="0"/>
-              <a:t>Social Media</a:t>
-            </a:r>
-          </a:p>
-          <a:p>
-            <a:r>
-              <a:rPr lang="en-US" sz="1600" dirty="0"/>
-              <a:t>Connecting people with the same likes, background, and acquaintances (Facebook, Instagram, </a:t>
-            </a:r>
-            <a:r>
-              <a:rPr lang="en-US" sz="1600" dirty="0" err="1"/>
-              <a:t>Linkedin</a:t>
-            </a:r>
-            <a:r>
-              <a:rPr lang="en-US" sz="1600" dirty="0"/>
-              <a:t>) </a:t>
-            </a:r>
-          </a:p>
-          <a:p>
-            <a:r>
-              <a:rPr lang="en-US" sz="1600" dirty="0"/>
-              <a:t>Builds community, group and organization with shared ideas and common goals</a:t>
-            </a:r>
-          </a:p>
-          <a:p>
-            <a:endParaRPr lang="en-US" sz="1600" dirty="0"/>
-          </a:p>
-          <a:p>
-            <a:r>
-              <a:rPr lang="en-US" sz="1600" b="1" dirty="0"/>
-              <a:t>Users Experience</a:t>
-            </a:r>
-          </a:p>
-          <a:p>
-            <a:r>
-              <a:rPr lang="en-US" sz="1600" dirty="0"/>
-              <a:t>Personalize customer experiences</a:t>
-            </a:r>
-          </a:p>
-          <a:p>
-            <a:r>
-              <a:rPr lang="en-US" sz="1600" dirty="0"/>
-              <a:t>Suggest Product and Services and compare pricing </a:t>
-            </a:r>
-          </a:p>
-          <a:p>
-            <a:r>
-              <a:rPr lang="en-US" sz="1600" dirty="0"/>
-              <a:t>Ease in searches by providing recommendation that fit’s customer need (Amazon recommends, Auto-fill on Search engines)</a:t>
-            </a:r>
-          </a:p>
-        </p:txBody>
-      </p:sp>
-      <p:pic>
-        <p:nvPicPr>
-          <p:cNvPr id="18" name="Graphic 17" descr="Shopping cart with solid fill">
-            <a:extLst>
-              <a:ext uri="{FF2B5EF4-FFF2-40B4-BE49-F238E27FC236}">
-                <a16:creationId xmlns:a16="http://schemas.microsoft.com/office/drawing/2014/main" id="{52B3EDF0-0287-45DA-A26B-371B42E2B758}"/>
-              </a:ext>
-            </a:extLst>
-          </p:cNvPr>
-          <p:cNvPicPr>
-            <a:picLocks noChangeAspect="1"/>
-          </p:cNvPicPr>
-          <p:nvPr/>
-        </p:nvPicPr>
-        <p:blipFill>
-          <a:blip r:embed="rId8">
-            <a:extLst>
-              <a:ext uri="{96DAC541-7B7A-43D3-8B79-37D633B846F1}">
-                <asvg:svgBlip xmlns:asvg="http://schemas.microsoft.com/office/drawing/2016/SVG/main" r:embed="rId9"/>
-              </a:ext>
-            </a:extLst>
-          </a:blip>
-          <a:stretch>
-            <a:fillRect/>
-          </a:stretch>
-        </p:blipFill>
-        <p:spPr>
-          <a:xfrm>
-            <a:off x="981803" y="4780610"/>
-            <a:ext cx="914400" cy="914400"/>
-          </a:xfrm>
-          <a:prstGeom prst="rect">
-            <a:avLst/>
-          </a:prstGeom>
-        </p:spPr>
-      </p:pic>
-      <p:pic>
-        <p:nvPicPr>
-          <p:cNvPr id="26" name="Graphic 25" descr="Fork In Road outline">
-            <a:extLst>
-              <a:ext uri="{FF2B5EF4-FFF2-40B4-BE49-F238E27FC236}">
-                <a16:creationId xmlns:a16="http://schemas.microsoft.com/office/drawing/2014/main" id="{FE460600-5F85-4BA2-886C-A9C983DC5434}"/>
-              </a:ext>
-            </a:extLst>
-          </p:cNvPr>
-          <p:cNvPicPr>
-            <a:picLocks noChangeAspect="1"/>
-          </p:cNvPicPr>
-          <p:nvPr/>
-        </p:nvPicPr>
-        <p:blipFill>
-          <a:blip r:embed="rId10">
-            <a:extLst>
-              <a:ext uri="{96DAC541-7B7A-43D3-8B79-37D633B846F1}">
-                <asvg:svgBlip xmlns:asvg="http://schemas.microsoft.com/office/drawing/2016/SVG/main" r:embed="rId11"/>
-              </a:ext>
-            </a:extLst>
-          </a:blip>
-          <a:stretch>
-            <a:fillRect/>
-          </a:stretch>
-        </p:blipFill>
-        <p:spPr>
-          <a:xfrm>
-            <a:off x="1439003" y="2724350"/>
-            <a:ext cx="599832" cy="599832"/>
-          </a:xfrm>
-          <a:prstGeom prst="rect">
-            <a:avLst/>
-          </a:prstGeom>
+          <a:extLst>
+            <a:ext uri="{909E8E84-426E-40DD-AFC4-6F175D3DCCD1}">
+              <a14:hiddenFill xmlns:a14="http://schemas.microsoft.com/office/drawing/2010/main">
+                <a:solidFill>
+                  <a:srgbClr val="FFFFFF"/>
+                </a:solidFill>
+              </a14:hiddenFill>
+            </a:ext>
+          </a:extLst>
         </p:spPr>
       </p:pic>
     </p:spTree>
     <p:extLst>
       <p:ext uri="{BB962C8B-B14F-4D97-AF65-F5344CB8AC3E}">
-        <p14:creationId xmlns:p14="http://schemas.microsoft.com/office/powerpoint/2010/main" val="422667224"/>
+        <p14:creationId xmlns:p14="http://schemas.microsoft.com/office/powerpoint/2010/main" val="1882757228"/>
       </p:ext>
     </p:extLst>
   </p:cSld>
@@ -13074,24 +9999,6 @@
 </file>
 
 <file path=customXml/item1.xml><?xml version="1.0" encoding="utf-8"?>
-<?mso-contentType ?>
-<FormTemplates xmlns="http://schemas.microsoft.com/sharepoint/v3/contenttype/forms">
-  <Display>DocumentLibraryForm</Display>
-  <Edit>DocumentLibraryForm</Edit>
-  <New>DocumentLibraryForm</New>
-</FormTemplates>
-</file>
-
-<file path=customXml/item2.xml><?xml version="1.0" encoding="utf-8"?>
-<p:properties xmlns:p="http://schemas.microsoft.com/office/2006/metadata/properties" xmlns:xsi="http://www.w3.org/2001/XMLSchema-instance" xmlns:pc="http://schemas.microsoft.com/office/infopath/2007/PartnerControls">
-  <documentManagement>
-    <Status xmlns="71af3243-3dd4-4a8d-8c0d-dd76da1f02a5">Not started</Status>
-    <MediaServiceKeyPoints xmlns="71af3243-3dd4-4a8d-8c0d-dd76da1f02a5" xsi:nil="true"/>
-  </documentManagement>
-</p:properties>
-</file>
-
-<file path=customXml/item3.xml><?xml version="1.0" encoding="utf-8"?>
 <ct:contentTypeSchema xmlns:ct="http://schemas.microsoft.com/office/2006/metadata/contentType" xmlns:ma="http://schemas.microsoft.com/office/2006/metadata/properties/metaAttributes" ct:_="" ma:_="" ma:contentTypeName="Document" ma:contentTypeID="0x01010079F111ED35F8CC479449609E8A0923A6" ma:contentTypeVersion="12" ma:contentTypeDescription="Create a new document." ma:contentTypeScope="" ma:versionID="a410dd7f93c95333ffa1b60ed6adedd1">
   <xsd:schema xmlns:xsd="http://www.w3.org/2001/XMLSchema" xmlns:xs="http://www.w3.org/2001/XMLSchema" xmlns:p="http://schemas.microsoft.com/office/2006/metadata/properties" xmlns:ns2="71af3243-3dd4-4a8d-8c0d-dd76da1f02a5" xmlns:ns3="16c05727-aa75-4e4a-9b5f-8a80a1165891" targetNamespace="http://schemas.microsoft.com/office/2006/metadata/properties" ma:root="true" ma:fieldsID="a936d9baba76aa3866493feff160faab" ns2:_="" ns3:_="">
     <xsd:import namespace="71af3243-3dd4-4a8d-8c0d-dd76da1f02a5"/>
@@ -13312,25 +10219,25 @@
 </ct:contentTypeSchema>
 </file>
 
-<file path=customXml/itemProps1.xml><?xml version="1.0" encoding="utf-8"?>
-<ds:datastoreItem xmlns:ds="http://schemas.openxmlformats.org/officeDocument/2006/customXml" ds:itemID="{31F006B4-A9E1-4F39-85C8-FB836F919348}">
-  <ds:schemaRefs>
-    <ds:schemaRef ds:uri="http://schemas.microsoft.com/sharepoint/v3/contenttype/forms"/>
-  </ds:schemaRefs>
-</ds:datastoreItem>
+<file path=customXml/item2.xml><?xml version="1.0" encoding="utf-8"?>
+<p:properties xmlns:p="http://schemas.microsoft.com/office/2006/metadata/properties" xmlns:xsi="http://www.w3.org/2001/XMLSchema-instance" xmlns:pc="http://schemas.microsoft.com/office/infopath/2007/PartnerControls">
+  <documentManagement>
+    <Status xmlns="71af3243-3dd4-4a8d-8c0d-dd76da1f02a5">Not started</Status>
+    <MediaServiceKeyPoints xmlns="71af3243-3dd4-4a8d-8c0d-dd76da1f02a5" xsi:nil="true"/>
+  </documentManagement>
+</p:properties>
 </file>
 
-<file path=customXml/itemProps2.xml><?xml version="1.0" encoding="utf-8"?>
-<ds:datastoreItem xmlns:ds="http://schemas.openxmlformats.org/officeDocument/2006/customXml" ds:itemID="{8F3CD65D-61A5-43C9-A837-6EC73C7DA8AB}">
-  <ds:schemaRefs>
-    <ds:schemaRef ds:uri="http://schemas.microsoft.com/office/2006/metadata/properties"/>
-    <ds:schemaRef ds:uri="http://schemas.microsoft.com/office/infopath/2007/PartnerControls"/>
-    <ds:schemaRef ds:uri="71af3243-3dd4-4a8d-8c0d-dd76da1f02a5"/>
-  </ds:schemaRefs>
-</ds:datastoreItem>
+<file path=customXml/item3.xml><?xml version="1.0" encoding="utf-8"?>
+<?mso-contentType ?>
+<FormTemplates xmlns="http://schemas.microsoft.com/sharepoint/v3/contenttype/forms">
+  <Display>DocumentLibraryForm</Display>
+  <Edit>DocumentLibraryForm</Edit>
+  <New>DocumentLibraryForm</New>
+</FormTemplates>
 </file>
 
-<file path=customXml/itemProps3.xml><?xml version="1.0" encoding="utf-8"?>
+<file path=customXml/itemProps1.xml><?xml version="1.0" encoding="utf-8"?>
 <ds:datastoreItem xmlns:ds="http://schemas.openxmlformats.org/officeDocument/2006/customXml" ds:itemID="{16377351-63A1-4C2E-8C9A-66CDD70F16AC}">
   <ds:schemaRefs>
     <ds:schemaRef ds:uri="http://schemas.microsoft.com/office/2006/metadata/contentType"/>
@@ -13347,4 +10254,22 @@
     <ds:schemaRef ds:uri="http://schemas.microsoft.com/internal/obd"/>
   </ds:schemaRefs>
 </ds:datastoreItem>
+</file>
+
+<file path=customXml/itemProps2.xml><?xml version="1.0" encoding="utf-8"?>
+<ds:datastoreItem xmlns:ds="http://schemas.openxmlformats.org/officeDocument/2006/customXml" ds:itemID="{8F3CD65D-61A5-43C9-A837-6EC73C7DA8AB}">
+  <ds:schemaRefs>
+    <ds:schemaRef ds:uri="http://schemas.microsoft.com/office/2006/metadata/properties"/>
+    <ds:schemaRef ds:uri="http://schemas.microsoft.com/office/infopath/2007/PartnerControls"/>
+    <ds:schemaRef ds:uri="71af3243-3dd4-4a8d-8c0d-dd76da1f02a5"/>
+  </ds:schemaRefs>
+</ds:datastoreItem>
+</file>
+
+<file path=customXml/itemProps3.xml><?xml version="1.0" encoding="utf-8"?>
+<ds:datastoreItem xmlns:ds="http://schemas.openxmlformats.org/officeDocument/2006/customXml" ds:itemID="{31F006B4-A9E1-4F39-85C8-FB836F919348}">
+  <ds:schemaRefs>
+    <ds:schemaRef ds:uri="http://schemas.microsoft.com/sharepoint/v3/contenttype/forms"/>
+  </ds:schemaRefs>
+</ds:datastoreItem>
 </file>